--- a/1주(1월 4일)/1주차_리눅스 커널 모듈 프로그래밍_송인호_PPT.pptx
+++ b/1주(1월 4일)/1주차_리눅스 커널 모듈 프로그래밍_송인호_PPT.pptx
@@ -5,58 +5,59 @@
     <p:sldMasterId id="2147483648" r:id="rId1"/>
   </p:sldMasterIdLst>
   <p:notesMasterIdLst>
-    <p:notesMasterId r:id="rId21"/>
+    <p:notesMasterId r:id="rId22"/>
   </p:notesMasterIdLst>
   <p:handoutMasterIdLst>
-    <p:handoutMasterId r:id="rId22"/>
+    <p:handoutMasterId r:id="rId23"/>
   </p:handoutMasterIdLst>
   <p:sldIdLst>
     <p:sldId id="256" r:id="rId2"/>
     <p:sldId id="258" r:id="rId3"/>
     <p:sldId id="259" r:id="rId4"/>
-    <p:sldId id="388" r:id="rId5"/>
-    <p:sldId id="356" r:id="rId6"/>
-    <p:sldId id="401" r:id="rId7"/>
-    <p:sldId id="393" r:id="rId8"/>
-    <p:sldId id="394" r:id="rId9"/>
-    <p:sldId id="403" r:id="rId10"/>
-    <p:sldId id="395" r:id="rId11"/>
-    <p:sldId id="396" r:id="rId12"/>
-    <p:sldId id="397" r:id="rId13"/>
-    <p:sldId id="399" r:id="rId14"/>
-    <p:sldId id="402" r:id="rId15"/>
-    <p:sldId id="400" r:id="rId16"/>
-    <p:sldId id="390" r:id="rId17"/>
-    <p:sldId id="392" r:id="rId18"/>
-    <p:sldId id="391" r:id="rId19"/>
-    <p:sldId id="389" r:id="rId20"/>
+    <p:sldId id="404" r:id="rId5"/>
+    <p:sldId id="405" r:id="rId6"/>
+    <p:sldId id="388" r:id="rId7"/>
+    <p:sldId id="356" r:id="rId8"/>
+    <p:sldId id="401" r:id="rId9"/>
+    <p:sldId id="393" r:id="rId10"/>
+    <p:sldId id="394" r:id="rId11"/>
+    <p:sldId id="403" r:id="rId12"/>
+    <p:sldId id="395" r:id="rId13"/>
+    <p:sldId id="396" r:id="rId14"/>
+    <p:sldId id="397" r:id="rId15"/>
+    <p:sldId id="399" r:id="rId16"/>
+    <p:sldId id="400" r:id="rId17"/>
+    <p:sldId id="390" r:id="rId18"/>
+    <p:sldId id="392" r:id="rId19"/>
+    <p:sldId id="391" r:id="rId20"/>
+    <p:sldId id="389" r:id="rId21"/>
   </p:sldIdLst>
   <p:sldSz cx="12192000" cy="6858000"/>
   <p:notesSz cx="6858000" cy="9144000"/>
   <p:embeddedFontLst>
     <p:embeddedFont>
       <p:font typeface="Arial Unicode MS" panose="020B0600000101010101" charset="-127"/>
-      <p:regular r:id="rId23"/>
+      <p:regular r:id="rId24"/>
     </p:embeddedFont>
     <p:embeddedFont>
       <p:font typeface="Abadi" panose="020B0604020104020204" pitchFamily="34" charset="0"/>
-      <p:regular r:id="rId24"/>
+      <p:regular r:id="rId25"/>
     </p:embeddedFont>
     <p:embeddedFont>
       <p:font typeface="Abadi Extra Light" panose="020B0204020104020204" pitchFamily="34" charset="0"/>
-      <p:regular r:id="rId25"/>
+      <p:regular r:id="rId26"/>
     </p:embeddedFont>
     <p:embeddedFont>
       <p:font typeface="Consolas" panose="020B0609020204030204" pitchFamily="49" charset="0"/>
-      <p:regular r:id="rId26"/>
-      <p:bold r:id="rId27"/>
-      <p:italic r:id="rId28"/>
-      <p:boldItalic r:id="rId29"/>
+      <p:regular r:id="rId27"/>
+      <p:bold r:id="rId28"/>
+      <p:italic r:id="rId29"/>
+      <p:boldItalic r:id="rId30"/>
     </p:embeddedFont>
     <p:embeddedFont>
       <p:font typeface="맑은 고딕" panose="020B0503020000020004" pitchFamily="50" charset="-127"/>
-      <p:regular r:id="rId30"/>
-      <p:bold r:id="rId31"/>
+      <p:regular r:id="rId31"/>
+      <p:bold r:id="rId32"/>
     </p:embeddedFont>
   </p:embeddedFontLst>
   <p:defaultTextStyle>
@@ -3778,6 +3779,115 @@
           <a:chExt cx="0" cy="0"/>
         </a:xfrm>
       </p:grpSpPr>
+      <p:grpSp>
+        <p:nvGrpSpPr>
+          <p:cNvPr id="4" name="그룹 3">
+            <a:extLst>
+              <a:ext uri="{FF2B5EF4-FFF2-40B4-BE49-F238E27FC236}">
+                <a16:creationId xmlns:a16="http://schemas.microsoft.com/office/drawing/2014/main" id="{B401EF3C-F0B8-48BF-A332-FBF452566632}"/>
+              </a:ext>
+            </a:extLst>
+          </p:cNvPr>
+          <p:cNvGrpSpPr/>
+          <p:nvPr/>
+        </p:nvGrpSpPr>
+        <p:grpSpPr>
+          <a:xfrm>
+            <a:off x="2247900" y="3009939"/>
+            <a:ext cx="8300438" cy="3656417"/>
+            <a:chOff x="838200" y="3128561"/>
+            <a:chExt cx="10693340" cy="4710512"/>
+          </a:xfrm>
+        </p:grpSpPr>
+        <p:pic>
+          <p:nvPicPr>
+            <p:cNvPr id="9" name="그림 8">
+              <a:extLst>
+                <a:ext uri="{FF2B5EF4-FFF2-40B4-BE49-F238E27FC236}">
+                  <a16:creationId xmlns:a16="http://schemas.microsoft.com/office/drawing/2014/main" id="{D3120B7F-FF88-4065-B63A-58DE71EE1792}"/>
+                </a:ext>
+              </a:extLst>
+            </p:cNvPr>
+            <p:cNvPicPr>
+              <a:picLocks noChangeAspect="1"/>
+            </p:cNvPicPr>
+            <p:nvPr/>
+          </p:nvPicPr>
+          <p:blipFill rotWithShape="1">
+            <a:blip r:embed="rId2"/>
+            <a:srcRect t="1334"/>
+            <a:stretch/>
+          </p:blipFill>
+          <p:spPr>
+            <a:xfrm>
+              <a:off x="838200" y="3175248"/>
+              <a:ext cx="10693339" cy="4663825"/>
+            </a:xfrm>
+            <a:prstGeom prst="rect">
+              <a:avLst/>
+            </a:prstGeom>
+          </p:spPr>
+        </p:pic>
+        <p:sp>
+          <p:nvSpPr>
+            <p:cNvPr id="10" name="직사각형 9">
+              <a:extLst>
+                <a:ext uri="{FF2B5EF4-FFF2-40B4-BE49-F238E27FC236}">
+                  <a16:creationId xmlns:a16="http://schemas.microsoft.com/office/drawing/2014/main" id="{AD0F94AF-1110-4DDF-A962-01F7E2A71B98}"/>
+                </a:ext>
+              </a:extLst>
+            </p:cNvPr>
+            <p:cNvSpPr/>
+            <p:nvPr/>
+          </p:nvSpPr>
+          <p:spPr>
+            <a:xfrm>
+              <a:off x="838201" y="3128561"/>
+              <a:ext cx="10693339" cy="4510487"/>
+            </a:xfrm>
+            <a:prstGeom prst="rect">
+              <a:avLst/>
+            </a:prstGeom>
+            <a:noFill/>
+            <a:ln>
+              <a:solidFill>
+                <a:schemeClr val="tx1"/>
+              </a:solidFill>
+            </a:ln>
+            <a:effectLst>
+              <a:outerShdw blurRad="50800" dist="38100" dir="5400000" algn="t" rotWithShape="0">
+                <a:prstClr val="black">
+                  <a:alpha val="40000"/>
+                </a:prstClr>
+              </a:outerShdw>
+            </a:effectLst>
+          </p:spPr>
+          <p:style>
+            <a:lnRef idx="2">
+              <a:schemeClr val="accent1">
+                <a:shade val="50000"/>
+              </a:schemeClr>
+            </a:lnRef>
+            <a:fillRef idx="1">
+              <a:schemeClr val="accent1"/>
+            </a:fillRef>
+            <a:effectRef idx="0">
+              <a:schemeClr val="accent1"/>
+            </a:effectRef>
+            <a:fontRef idx="minor">
+              <a:schemeClr val="lt1"/>
+            </a:fontRef>
+          </p:style>
+          <p:txBody>
+            <a:bodyPr rtlCol="0" anchor="ctr"/>
+            <a:lstStyle/>
+            <a:p>
+              <a:pPr algn="ctr"/>
+              <a:endParaRPr lang="ko-KR" altLang="en-US"/>
+            </a:p>
+          </p:txBody>
+        </p:sp>
+      </p:grpSp>
       <p:sp>
         <p:nvSpPr>
           <p:cNvPr id="2" name="제목 1"/>
@@ -3832,7 +3942,7 @@
                 <a:ea typeface="AppleSDGothicNeoM00" panose="02000503000000000000" pitchFamily="2" charset="-127"/>
                 <a:cs typeface="Arial" panose="020B0604020202020204" pitchFamily="34" charset="0"/>
               </a:rPr>
-              <a:t>Makefile</a:t>
+              <a:t>hello.ko</a:t>
             </a:r>
             <a:endParaRPr lang="ko-KR" altLang="en-US" sz="3200" dirty="0">
               <a:solidFill>
@@ -3939,13 +4049,44 @@
                 <a:ea typeface="Arial Unicode MS" pitchFamily="50" charset="-127"/>
                 <a:cs typeface="Arial Unicode MS" pitchFamily="50" charset="-127"/>
               </a:rPr>
-              <a:t>Makefile</a:t>
+              <a:t>hello.c</a:t>
             </a:r>
             <a:endParaRPr lang="en-US" altLang="ko-KR" dirty="0">
               <a:latin typeface="Arial Unicode MS" pitchFamily="50" charset="-127"/>
               <a:ea typeface="Arial Unicode MS" pitchFamily="50" charset="-127"/>
               <a:cs typeface="Arial Unicode MS" pitchFamily="50" charset="-127"/>
             </a:endParaRPr>
+          </a:p>
+          <a:p>
+            <a:pPr lvl="1">
+              <a:lnSpc>
+                <a:spcPct val="100000"/>
+              </a:lnSpc>
+            </a:pPr>
+            <a:r>
+              <a:rPr lang="en-US" altLang="ko-KR" dirty="0" err="1">
+                <a:latin typeface="Abadi Extra Light" panose="020B0204020104020204" pitchFamily="34" charset="0"/>
+                <a:ea typeface="Arial Unicode MS" pitchFamily="50" charset="-127"/>
+                <a:cs typeface="Times New Roman" panose="02020603050405020304" pitchFamily="18" charset="0"/>
+              </a:rPr>
+              <a:t>init</a:t>
+            </a:r>
+            <a:r>
+              <a:rPr lang="en-US" altLang="ko-KR" dirty="0">
+                <a:latin typeface="Abadi Extra Light" panose="020B0204020104020204" pitchFamily="34" charset="0"/>
+                <a:ea typeface="Arial Unicode MS" pitchFamily="50" charset="-127"/>
+                <a:cs typeface="Times New Roman" panose="02020603050405020304" pitchFamily="18" charset="0"/>
+              </a:rPr>
+              <a:t>, close, </a:t>
+            </a:r>
+            <a:r>
+              <a:rPr lang="en-US" altLang="ko-KR" dirty="0">
+                <a:latin typeface="Abadi Extra Light" panose="020B0204020104020204" pitchFamily="34" charset="0"/>
+                <a:ea typeface="Arial Unicode MS" panose="020B0600000101010101" charset="-127"/>
+                <a:cs typeface="Times New Roman" panose="02020603050405020304" pitchFamily="18" charset="0"/>
+              </a:rPr>
+              <a:t>license</a:t>
+            </a:r>
           </a:p>
           <a:p>
             <a:pPr>
@@ -4001,41 +4142,12 @@
           </a:p>
         </p:txBody>
       </p:sp>
-      <p:pic>
-        <p:nvPicPr>
-          <p:cNvPr id="4" name="그림 3">
+      <p:sp>
+        <p:nvSpPr>
+          <p:cNvPr id="3" name="사각형: 둥근 모서리 2">
             <a:extLst>
               <a:ext uri="{FF2B5EF4-FFF2-40B4-BE49-F238E27FC236}">
-                <a16:creationId xmlns:a16="http://schemas.microsoft.com/office/drawing/2014/main" id="{5EC66500-0AC0-4E24-BF05-61B1358C0CCE}"/>
-              </a:ext>
-            </a:extLst>
-          </p:cNvPr>
-          <p:cNvPicPr>
-            <a:picLocks noChangeAspect="1"/>
-          </p:cNvPicPr>
-          <p:nvPr/>
-        </p:nvPicPr>
-        <p:blipFill rotWithShape="1">
-          <a:blip r:embed="rId2"/>
-          <a:srcRect b="15248"/>
-          <a:stretch/>
-        </p:blipFill>
-        <p:spPr>
-          <a:xfrm>
-            <a:off x="1207910" y="2235975"/>
-            <a:ext cx="7692250" cy="1739815"/>
-          </a:xfrm>
-          <a:prstGeom prst="rect">
-            <a:avLst/>
-          </a:prstGeom>
-        </p:spPr>
-      </p:pic>
-      <p:sp>
-        <p:nvSpPr>
-          <p:cNvPr id="8" name="직사각형 7">
-            <a:extLst>
-              <a:ext uri="{FF2B5EF4-FFF2-40B4-BE49-F238E27FC236}">
-                <a16:creationId xmlns:a16="http://schemas.microsoft.com/office/drawing/2014/main" id="{DE8C821B-E333-4829-9E44-E68C46D1F275}"/>
+                <a16:creationId xmlns:a16="http://schemas.microsoft.com/office/drawing/2014/main" id="{08BC19F4-1BA7-4CA7-9CC0-747848380CEE}"/>
               </a:ext>
             </a:extLst>
           </p:cNvPr>
@@ -4044,10 +4156,10 @@
         </p:nvSpPr>
         <p:spPr>
           <a:xfrm>
-            <a:off x="1082794" y="2080694"/>
-            <a:ext cx="8137406" cy="2013895"/>
-          </a:xfrm>
-          <a:prstGeom prst="rect">
+            <a:off x="244536" y="2246212"/>
+            <a:ext cx="3365500" cy="571500"/>
+          </a:xfrm>
+          <a:prstGeom prst="roundRect">
             <a:avLst/>
           </a:prstGeom>
           <a:noFill/>
@@ -4056,13 +4168,6 @@
               <a:schemeClr val="tx1"/>
             </a:solidFill>
           </a:ln>
-          <a:effectLst>
-            <a:outerShdw blurRad="50800" dist="38100" dir="2700000" algn="tl" rotWithShape="0">
-              <a:prstClr val="black">
-                <a:alpha val="40000"/>
-              </a:prstClr>
-            </a:outerShdw>
-          </a:effectLst>
         </p:spPr>
         <p:style>
           <a:lnRef idx="2">
@@ -4085,20 +4190,39 @@
           <a:lstStyle/>
           <a:p>
             <a:pPr algn="ctr"/>
-            <a:endParaRPr lang="ko-KR" altLang="en-US" dirty="0">
+            <a:r>
+              <a:rPr lang="en-US" altLang="ko-KR" sz="2400" dirty="0">
+                <a:solidFill>
+                  <a:schemeClr val="tx1"/>
+                </a:solidFill>
+                <a:latin typeface="Abadi Extra Light" panose="020B0204020104020204" pitchFamily="34" charset="0"/>
+              </a:rPr>
+              <a:t>%module_name%_</a:t>
+            </a:r>
+            <a:r>
+              <a:rPr lang="en-US" altLang="ko-KR" sz="2400" dirty="0" err="1">
+                <a:solidFill>
+                  <a:schemeClr val="tx1"/>
+                </a:solidFill>
+                <a:latin typeface="Abadi Extra Light" panose="020B0204020104020204" pitchFamily="34" charset="0"/>
+              </a:rPr>
+              <a:t>init</a:t>
+            </a:r>
+            <a:endParaRPr lang="ko-KR" altLang="en-US" sz="2400" dirty="0">
               <a:solidFill>
                 <a:schemeClr val="tx1"/>
               </a:solidFill>
+              <a:latin typeface="Abadi Extra Light" panose="020B0204020104020204" pitchFamily="34" charset="0"/>
             </a:endParaRPr>
           </a:p>
         </p:txBody>
       </p:sp>
       <p:sp>
         <p:nvSpPr>
-          <p:cNvPr id="9" name="직사각형 8">
+          <p:cNvPr id="7" name="사각형: 둥근 모서리 6">
             <a:extLst>
               <a:ext uri="{FF2B5EF4-FFF2-40B4-BE49-F238E27FC236}">
-                <a16:creationId xmlns:a16="http://schemas.microsoft.com/office/drawing/2014/main" id="{72C57B3A-3F95-41AB-ACF8-ECE49FEA62D1}"/>
+                <a16:creationId xmlns:a16="http://schemas.microsoft.com/office/drawing/2014/main" id="{E5E02A85-C73C-45E0-8174-8BBF72E28443}"/>
               </a:ext>
             </a:extLst>
           </p:cNvPr>
@@ -4107,17 +4231,18 @@
         </p:nvSpPr>
         <p:spPr>
           <a:xfrm>
-            <a:off x="1143000" y="1673854"/>
-            <a:ext cx="5619390" cy="406840"/>
-          </a:xfrm>
-          <a:prstGeom prst="rect">
+            <a:off x="4152900" y="2246212"/>
+            <a:ext cx="3495586" cy="571500"/>
+          </a:xfrm>
+          <a:prstGeom prst="roundRect">
             <a:avLst/>
           </a:prstGeom>
           <a:noFill/>
           <a:ln>
-            <a:noFill/>
+            <a:solidFill>
+              <a:schemeClr val="tx1"/>
+            </a:solidFill>
           </a:ln>
-          <a:effectLst/>
         </p:spPr>
         <p:style>
           <a:lnRef idx="2">
@@ -4139,25 +4264,26 @@
           <a:bodyPr rtlCol="0" anchor="ctr"/>
           <a:lstStyle/>
           <a:p>
-            <a:r>
-              <a:rPr lang="en-US" altLang="ko-KR" dirty="0">
+            <a:pPr algn="ctr"/>
+            <a:r>
+              <a:rPr lang="en-US" altLang="ko-KR" sz="2400" dirty="0">
                 <a:solidFill>
                   <a:schemeClr val="tx1"/>
                 </a:solidFill>
                 <a:latin typeface="Abadi Extra Light" panose="020B0204020104020204" pitchFamily="34" charset="0"/>
               </a:rPr>
-              <a:t>$ vim </a:t>
-            </a:r>
-            <a:r>
-              <a:rPr lang="en-US" altLang="ko-KR" dirty="0" err="1">
+              <a:t>%</a:t>
+            </a:r>
+            <a:r>
+              <a:rPr lang="en-US" altLang="ko-KR" sz="2400" dirty="0" err="1">
                 <a:solidFill>
                   <a:schemeClr val="tx1"/>
                 </a:solidFill>
                 <a:latin typeface="Abadi Extra Light" panose="020B0204020104020204" pitchFamily="34" charset="0"/>
               </a:rPr>
-              <a:t>Makefile</a:t>
-            </a:r>
-            <a:endParaRPr lang="en-US" altLang="ko-KR" dirty="0">
+              <a:t>module_name%_cleanup</a:t>
+            </a:r>
+            <a:endParaRPr lang="ko-KR" altLang="en-US" sz="2400" dirty="0">
               <a:solidFill>
                 <a:schemeClr val="tx1"/>
               </a:solidFill>
@@ -4168,10 +4294,10 @@
       </p:sp>
       <p:sp>
         <p:nvSpPr>
-          <p:cNvPr id="11" name="직사각형 10">
+          <p:cNvPr id="8" name="사각형: 둥근 모서리 7">
             <a:extLst>
               <a:ext uri="{FF2B5EF4-FFF2-40B4-BE49-F238E27FC236}">
-                <a16:creationId xmlns:a16="http://schemas.microsoft.com/office/drawing/2014/main" id="{44ECB72F-62D8-40B8-9F94-7B839C28F30E}"/>
+                <a16:creationId xmlns:a16="http://schemas.microsoft.com/office/drawing/2014/main" id="{F367E694-10AB-4728-BF96-56E2C91A2629}"/>
               </a:ext>
             </a:extLst>
           </p:cNvPr>
@@ -4180,17 +4306,18 @@
         </p:nvSpPr>
         <p:spPr>
           <a:xfrm>
-            <a:off x="1207910" y="4268296"/>
-            <a:ext cx="5619390" cy="759670"/>
-          </a:xfrm>
-          <a:prstGeom prst="rect">
+            <a:off x="8061264" y="2246212"/>
+            <a:ext cx="3955225" cy="571500"/>
+          </a:xfrm>
+          <a:prstGeom prst="roundRect">
             <a:avLst/>
           </a:prstGeom>
           <a:noFill/>
           <a:ln>
-            <a:noFill/>
+            <a:solidFill>
+              <a:schemeClr val="tx1"/>
+            </a:solidFill>
           </a:ln>
-          <a:effectLst/>
         </p:spPr>
         <p:style>
           <a:lnRef idx="2">
@@ -4212,29 +4339,17 @@
           <a:bodyPr rtlCol="0" anchor="ctr"/>
           <a:lstStyle/>
           <a:p>
-            <a:r>
-              <a:rPr lang="en-US" altLang="ko-KR" dirty="0">
+            <a:pPr algn="ctr"/>
+            <a:r>
+              <a:rPr lang="en-US" altLang="ko-KR" sz="2400" dirty="0">
                 <a:solidFill>
                   <a:schemeClr val="tx1"/>
                 </a:solidFill>
                 <a:latin typeface="Abadi Extra Light" panose="020B0204020104020204" pitchFamily="34" charset="0"/>
               </a:rPr>
-              <a:t>$ make</a:t>
-            </a:r>
-          </a:p>
-          <a:p>
-            <a:r>
-              <a:rPr lang="en-US" altLang="ko-KR" dirty="0">
-                <a:solidFill>
-                  <a:schemeClr val="tx1"/>
-                </a:solidFill>
-                <a:latin typeface="Abadi Extra Light" panose="020B0204020104020204" pitchFamily="34" charset="0"/>
-              </a:rPr>
-              <a:t>$ ls</a:t>
-            </a:r>
-          </a:p>
-          <a:p>
-            <a:endParaRPr lang="en-US" altLang="ko-KR" dirty="0">
+              <a:t>MODULE_LICENSE(“GPL”)</a:t>
+            </a:r>
+            <a:endParaRPr lang="ko-KR" altLang="en-US" sz="2400" dirty="0">
               <a:solidFill>
                 <a:schemeClr val="tx1"/>
               </a:solidFill>
@@ -4243,60 +4358,35 @@
           </a:p>
         </p:txBody>
       </p:sp>
-      <p:pic>
-        <p:nvPicPr>
-          <p:cNvPr id="14" name="그림 13">
+      <p:cxnSp>
+        <p:nvCxnSpPr>
+          <p:cNvPr id="18" name="연결선: 꺾임 17">
             <a:extLst>
               <a:ext uri="{FF2B5EF4-FFF2-40B4-BE49-F238E27FC236}">
-                <a16:creationId xmlns:a16="http://schemas.microsoft.com/office/drawing/2014/main" id="{8F940B1F-CE71-469D-AD6C-F7D9C378D2F9}"/>
+                <a16:creationId xmlns:a16="http://schemas.microsoft.com/office/drawing/2014/main" id="{2F9C20FE-B36C-4AF0-B23E-2CF0D6C0580A}"/>
               </a:ext>
             </a:extLst>
           </p:cNvPr>
-          <p:cNvPicPr>
-            <a:picLocks noChangeAspect="1"/>
-          </p:cNvPicPr>
+          <p:cNvCxnSpPr>
+            <a:cxnSpLocks/>
+          </p:cNvCxnSpPr>
           <p:nvPr/>
-        </p:nvPicPr>
-        <p:blipFill rotWithShape="1">
-          <a:blip r:embed="rId3"/>
-          <a:srcRect t="77655"/>
-          <a:stretch/>
-        </p:blipFill>
-        <p:spPr>
-          <a:xfrm>
-            <a:off x="1141575" y="5027965"/>
-            <a:ext cx="10212225" cy="485341"/>
-          </a:xfrm>
-          <a:prstGeom prst="rect">
-            <a:avLst/>
+        </p:nvCxnSpPr>
+        <p:spPr>
+          <a:xfrm>
+            <a:off x="1009653" y="2817711"/>
+            <a:ext cx="1123948" cy="754162"/>
+          </a:xfrm>
+          <a:prstGeom prst="bentConnector3">
+            <a:avLst>
+              <a:gd name="adj1" fmla="val 212"/>
+            </a:avLst>
           </a:prstGeom>
-        </p:spPr>
-      </p:pic>
-      <p:sp>
-        <p:nvSpPr>
-          <p:cNvPr id="15" name="직사각형 14">
-            <a:extLst>
-              <a:ext uri="{FF2B5EF4-FFF2-40B4-BE49-F238E27FC236}">
-                <a16:creationId xmlns:a16="http://schemas.microsoft.com/office/drawing/2014/main" id="{428EA271-2B21-4B60-AA90-49A595F775D3}"/>
-              </a:ext>
-            </a:extLst>
-          </p:cNvPr>
-          <p:cNvSpPr/>
-          <p:nvPr/>
-        </p:nvSpPr>
-        <p:spPr>
-          <a:xfrm>
-            <a:off x="1082794" y="4840595"/>
-            <a:ext cx="8137406" cy="759670"/>
-          </a:xfrm>
-          <a:prstGeom prst="rect">
-            <a:avLst/>
-          </a:prstGeom>
-          <a:noFill/>
-          <a:ln>
+          <a:ln w="12700">
             <a:solidFill>
               <a:schemeClr val="tx1"/>
             </a:solidFill>
+            <a:tailEnd type="triangle"/>
           </a:ln>
           <a:effectLst>
             <a:outerShdw blurRad="50800" dist="38100" dir="2700000" algn="tl" rotWithShape="0">
@@ -4307,38 +4397,237 @@
           </a:effectLst>
         </p:spPr>
         <p:style>
-          <a:lnRef idx="2">
-            <a:schemeClr val="accent1">
-              <a:shade val="50000"/>
-            </a:schemeClr>
+          <a:lnRef idx="1">
+            <a:schemeClr val="accent1"/>
           </a:lnRef>
-          <a:fillRef idx="1">
+          <a:fillRef idx="0">
             <a:schemeClr val="accent1"/>
           </a:fillRef>
           <a:effectRef idx="0">
             <a:schemeClr val="accent1"/>
           </a:effectRef>
           <a:fontRef idx="minor">
-            <a:schemeClr val="lt1"/>
+            <a:schemeClr val="tx1"/>
           </a:fontRef>
         </p:style>
-        <p:txBody>
-          <a:bodyPr rtlCol="0" anchor="ctr"/>
-          <a:lstStyle/>
-          <a:p>
-            <a:pPr algn="ctr"/>
-            <a:endParaRPr lang="ko-KR" altLang="en-US" dirty="0">
-              <a:solidFill>
-                <a:schemeClr val="tx1"/>
-              </a:solidFill>
-            </a:endParaRPr>
-          </a:p>
-        </p:txBody>
-      </p:sp>
+      </p:cxnSp>
+      <p:cxnSp>
+        <p:nvCxnSpPr>
+          <p:cNvPr id="22" name="연결선: 꺾임 21">
+            <a:extLst>
+              <a:ext uri="{FF2B5EF4-FFF2-40B4-BE49-F238E27FC236}">
+                <a16:creationId xmlns:a16="http://schemas.microsoft.com/office/drawing/2014/main" id="{5ECE35D5-479D-4393-BAEC-1A333052319E}"/>
+              </a:ext>
+            </a:extLst>
+          </p:cNvPr>
+          <p:cNvCxnSpPr>
+            <a:cxnSpLocks/>
+            <a:stCxn id="7" idx="2"/>
+          </p:cNvCxnSpPr>
+          <p:nvPr/>
+        </p:nvCxnSpPr>
+        <p:spPr>
+          <a:xfrm rot="5400000">
+            <a:off x="4655220" y="3610795"/>
+            <a:ext cx="2038557" cy="452390"/>
+          </a:xfrm>
+          <a:prstGeom prst="bentConnector3">
+            <a:avLst>
+              <a:gd name="adj1" fmla="val 99839"/>
+            </a:avLst>
+          </a:prstGeom>
+          <a:ln w="12700">
+            <a:solidFill>
+              <a:schemeClr val="tx1"/>
+            </a:solidFill>
+            <a:tailEnd type="triangle"/>
+          </a:ln>
+          <a:effectLst>
+            <a:outerShdw blurRad="50800" dist="38100" dir="2700000" algn="tl" rotWithShape="0">
+              <a:prstClr val="black">
+                <a:alpha val="40000"/>
+              </a:prstClr>
+            </a:outerShdw>
+          </a:effectLst>
+        </p:spPr>
+        <p:style>
+          <a:lnRef idx="1">
+            <a:schemeClr val="accent1"/>
+          </a:lnRef>
+          <a:fillRef idx="0">
+            <a:schemeClr val="accent1"/>
+          </a:fillRef>
+          <a:effectRef idx="0">
+            <a:schemeClr val="accent1"/>
+          </a:effectRef>
+          <a:fontRef idx="minor">
+            <a:schemeClr val="tx1"/>
+          </a:fontRef>
+        </p:style>
+      </p:cxnSp>
+      <p:cxnSp>
+        <p:nvCxnSpPr>
+          <p:cNvPr id="27" name="연결선: 꺾임 26">
+            <a:extLst>
+              <a:ext uri="{FF2B5EF4-FFF2-40B4-BE49-F238E27FC236}">
+                <a16:creationId xmlns:a16="http://schemas.microsoft.com/office/drawing/2014/main" id="{ECFCC420-124D-4A66-82B1-D0DD86E19C4B}"/>
+              </a:ext>
+            </a:extLst>
+          </p:cNvPr>
+          <p:cNvCxnSpPr>
+            <a:cxnSpLocks/>
+          </p:cNvCxnSpPr>
+          <p:nvPr/>
+        </p:nvCxnSpPr>
+        <p:spPr>
+          <a:xfrm rot="16200000" flipH="1">
+            <a:off x="65779" y="3779186"/>
+            <a:ext cx="3125995" cy="1238246"/>
+          </a:xfrm>
+          <a:prstGeom prst="bentConnector3">
+            <a:avLst>
+              <a:gd name="adj1" fmla="val 99921"/>
+            </a:avLst>
+          </a:prstGeom>
+          <a:ln w="12700">
+            <a:solidFill>
+              <a:schemeClr val="tx1"/>
+            </a:solidFill>
+            <a:tailEnd type="triangle"/>
+          </a:ln>
+          <a:effectLst>
+            <a:outerShdw blurRad="50800" dist="38100" dir="2700000" algn="tl" rotWithShape="0">
+              <a:prstClr val="black">
+                <a:alpha val="40000"/>
+              </a:prstClr>
+            </a:outerShdw>
+          </a:effectLst>
+        </p:spPr>
+        <p:style>
+          <a:lnRef idx="1">
+            <a:schemeClr val="accent1"/>
+          </a:lnRef>
+          <a:fillRef idx="0">
+            <a:schemeClr val="accent1"/>
+          </a:fillRef>
+          <a:effectRef idx="0">
+            <a:schemeClr val="accent1"/>
+          </a:effectRef>
+          <a:fontRef idx="minor">
+            <a:schemeClr val="tx1"/>
+          </a:fontRef>
+        </p:style>
+      </p:cxnSp>
+      <p:cxnSp>
+        <p:nvCxnSpPr>
+          <p:cNvPr id="31" name="연결선: 꺾임 30">
+            <a:extLst>
+              <a:ext uri="{FF2B5EF4-FFF2-40B4-BE49-F238E27FC236}">
+                <a16:creationId xmlns:a16="http://schemas.microsoft.com/office/drawing/2014/main" id="{62606D24-372D-4491-8E2A-6BA22F97E031}"/>
+              </a:ext>
+            </a:extLst>
+          </p:cNvPr>
+          <p:cNvCxnSpPr>
+            <a:cxnSpLocks/>
+            <a:stCxn id="7" idx="2"/>
+          </p:cNvCxnSpPr>
+          <p:nvPr/>
+        </p:nvCxnSpPr>
+        <p:spPr>
+          <a:xfrm rot="5400000">
+            <a:off x="4138157" y="4354054"/>
+            <a:ext cx="3298878" cy="226195"/>
+          </a:xfrm>
+          <a:prstGeom prst="bentConnector3">
+            <a:avLst>
+              <a:gd name="adj1" fmla="val 99951"/>
+            </a:avLst>
+          </a:prstGeom>
+          <a:ln w="12700">
+            <a:solidFill>
+              <a:schemeClr val="tx1"/>
+            </a:solidFill>
+            <a:tailEnd type="triangle"/>
+          </a:ln>
+          <a:effectLst>
+            <a:outerShdw blurRad="50800" dist="38100" dir="2700000" algn="tl" rotWithShape="0">
+              <a:prstClr val="black">
+                <a:alpha val="40000"/>
+              </a:prstClr>
+            </a:outerShdw>
+          </a:effectLst>
+        </p:spPr>
+        <p:style>
+          <a:lnRef idx="1">
+            <a:schemeClr val="accent1"/>
+          </a:lnRef>
+          <a:fillRef idx="0">
+            <a:schemeClr val="accent1"/>
+          </a:fillRef>
+          <a:effectRef idx="0">
+            <a:schemeClr val="accent1"/>
+          </a:effectRef>
+          <a:fontRef idx="minor">
+            <a:schemeClr val="tx1"/>
+          </a:fontRef>
+        </p:style>
+      </p:cxnSp>
+      <p:cxnSp>
+        <p:nvCxnSpPr>
+          <p:cNvPr id="35" name="연결선: 꺾임 34">
+            <a:extLst>
+              <a:ext uri="{FF2B5EF4-FFF2-40B4-BE49-F238E27FC236}">
+                <a16:creationId xmlns:a16="http://schemas.microsoft.com/office/drawing/2014/main" id="{2427D80B-D108-42D1-8286-E2C52B9CA478}"/>
+              </a:ext>
+            </a:extLst>
+          </p:cNvPr>
+          <p:cNvCxnSpPr>
+            <a:cxnSpLocks/>
+            <a:stCxn id="8" idx="2"/>
+          </p:cNvCxnSpPr>
+          <p:nvPr/>
+        </p:nvCxnSpPr>
+        <p:spPr>
+          <a:xfrm rot="5400000">
+            <a:off x="5547121" y="1939192"/>
+            <a:ext cx="3613236" cy="5370276"/>
+          </a:xfrm>
+          <a:prstGeom prst="bentConnector2">
+            <a:avLst/>
+          </a:prstGeom>
+          <a:ln w="12700">
+            <a:solidFill>
+              <a:schemeClr val="tx1"/>
+            </a:solidFill>
+            <a:tailEnd type="triangle"/>
+          </a:ln>
+          <a:effectLst>
+            <a:outerShdw blurRad="50800" dist="38100" dir="2700000" algn="tl" rotWithShape="0">
+              <a:prstClr val="black">
+                <a:alpha val="40000"/>
+              </a:prstClr>
+            </a:outerShdw>
+          </a:effectLst>
+        </p:spPr>
+        <p:style>
+          <a:lnRef idx="1">
+            <a:schemeClr val="accent1"/>
+          </a:lnRef>
+          <a:fillRef idx="0">
+            <a:schemeClr val="accent1"/>
+          </a:fillRef>
+          <a:effectRef idx="0">
+            <a:schemeClr val="accent1"/>
+          </a:effectRef>
+          <a:fontRef idx="minor">
+            <a:schemeClr val="tx1"/>
+          </a:fontRef>
+        </p:style>
+      </p:cxnSp>
     </p:spTree>
     <p:extLst>
       <p:ext uri="{BB962C8B-B14F-4D97-AF65-F5344CB8AC3E}">
-        <p14:creationId xmlns:p14="http://schemas.microsoft.com/office/powerpoint/2010/main" val="2146129133"/>
+        <p14:creationId xmlns:p14="http://schemas.microsoft.com/office/powerpoint/2010/main" val="2317900813"/>
       </p:ext>
     </p:extLst>
   </p:cSld>
@@ -4365,6 +4654,94 @@
           <a:chExt cx="0" cy="0"/>
         </a:xfrm>
       </p:grpSpPr>
+      <p:pic>
+        <p:nvPicPr>
+          <p:cNvPr id="9" name="그림 8">
+            <a:extLst>
+              <a:ext uri="{FF2B5EF4-FFF2-40B4-BE49-F238E27FC236}">
+                <a16:creationId xmlns:a16="http://schemas.microsoft.com/office/drawing/2014/main" id="{D3120B7F-FF88-4065-B63A-58DE71EE1792}"/>
+              </a:ext>
+            </a:extLst>
+          </p:cNvPr>
+          <p:cNvPicPr>
+            <a:picLocks noChangeAspect="1"/>
+          </p:cNvPicPr>
+          <p:nvPr/>
+        </p:nvPicPr>
+        <p:blipFill rotWithShape="1">
+          <a:blip r:embed="rId2"/>
+          <a:srcRect t="1334" r="32300"/>
+          <a:stretch/>
+        </p:blipFill>
+        <p:spPr>
+          <a:xfrm>
+            <a:off x="6293762" y="2316034"/>
+            <a:ext cx="5619391" cy="3620177"/>
+          </a:xfrm>
+          <a:prstGeom prst="rect">
+            <a:avLst/>
+          </a:prstGeom>
+        </p:spPr>
+      </p:pic>
+      <p:sp>
+        <p:nvSpPr>
+          <p:cNvPr id="10" name="직사각형 9">
+            <a:extLst>
+              <a:ext uri="{FF2B5EF4-FFF2-40B4-BE49-F238E27FC236}">
+                <a16:creationId xmlns:a16="http://schemas.microsoft.com/office/drawing/2014/main" id="{AD0F94AF-1110-4DDF-A962-01F7E2A71B98}"/>
+              </a:ext>
+            </a:extLst>
+          </p:cNvPr>
+          <p:cNvSpPr/>
+          <p:nvPr/>
+        </p:nvSpPr>
+        <p:spPr>
+          <a:xfrm>
+            <a:off x="6273561" y="2244901"/>
+            <a:ext cx="5619390" cy="3841868"/>
+          </a:xfrm>
+          <a:prstGeom prst="rect">
+            <a:avLst/>
+          </a:prstGeom>
+          <a:noFill/>
+          <a:ln>
+            <a:solidFill>
+              <a:schemeClr val="tx1"/>
+            </a:solidFill>
+          </a:ln>
+          <a:effectLst>
+            <a:outerShdw blurRad="50800" dist="38100" dir="5400000" algn="t" rotWithShape="0">
+              <a:prstClr val="black">
+                <a:alpha val="40000"/>
+              </a:prstClr>
+            </a:outerShdw>
+          </a:effectLst>
+        </p:spPr>
+        <p:style>
+          <a:lnRef idx="2">
+            <a:schemeClr val="accent1">
+              <a:shade val="50000"/>
+            </a:schemeClr>
+          </a:lnRef>
+          <a:fillRef idx="1">
+            <a:schemeClr val="accent1"/>
+          </a:fillRef>
+          <a:effectRef idx="0">
+            <a:schemeClr val="accent1"/>
+          </a:effectRef>
+          <a:fontRef idx="minor">
+            <a:schemeClr val="lt1"/>
+          </a:fontRef>
+        </p:style>
+        <p:txBody>
+          <a:bodyPr rtlCol="0" anchor="ctr"/>
+          <a:lstStyle/>
+          <a:p>
+            <a:pPr algn="ctr"/>
+            <a:endParaRPr lang="ko-KR" altLang="en-US"/>
+          </a:p>
+        </p:txBody>
+      </p:sp>
       <p:sp>
         <p:nvSpPr>
           <p:cNvPr id="2" name="제목 1"/>
@@ -4420,17 +4797,6 @@
                 <a:cs typeface="Arial" panose="020B0604020202020204" pitchFamily="34" charset="0"/>
               </a:rPr>
               <a:t>hello.ko</a:t>
-            </a:r>
-            <a:r>
-              <a:rPr lang="en-US" altLang="ko-KR" sz="3200" dirty="0">
-                <a:solidFill>
-                  <a:srgbClr val="FF0000"/>
-                </a:solidFill>
-                <a:latin typeface="Abadi Extra Light" panose="020B0204020104020204" pitchFamily="34" charset="0"/>
-                <a:ea typeface="AppleSDGothicNeoM00" panose="02000503000000000000" pitchFamily="2" charset="-127"/>
-                <a:cs typeface="Arial" panose="020B0604020202020204" pitchFamily="34" charset="0"/>
-              </a:rPr>
-              <a:t> </a:t>
             </a:r>
             <a:endParaRPr lang="ko-KR" altLang="en-US" sz="3200" dirty="0">
               <a:solidFill>
@@ -4493,6 +4859,1444 @@
               <a:rPr lang="ko-KR" altLang="en-US" smtClean="0"/>
               <a:pPr/>
               <a:t>11</a:t>
+            </a:fld>
+            <a:endParaRPr lang="ko-KR" altLang="en-US"/>
+          </a:p>
+        </p:txBody>
+      </p:sp>
+      <p:sp>
+        <p:nvSpPr>
+          <p:cNvPr id="12" name="내용 개체 틀 2">
+            <a:extLst>
+              <a:ext uri="{FF2B5EF4-FFF2-40B4-BE49-F238E27FC236}">
+                <a16:creationId xmlns:a16="http://schemas.microsoft.com/office/drawing/2014/main" id="{68A87799-3833-491D-AAF3-98EB8F6036B6}"/>
+              </a:ext>
+            </a:extLst>
+          </p:cNvPr>
+          <p:cNvSpPr>
+            <a:spLocks noGrp="1"/>
+          </p:cNvSpPr>
+          <p:nvPr>
+            <p:ph idx="1"/>
+          </p:nvPr>
+        </p:nvSpPr>
+        <p:spPr>
+          <a:xfrm>
+            <a:off x="838200" y="1147318"/>
+            <a:ext cx="10515600" cy="4813989"/>
+          </a:xfrm>
+        </p:spPr>
+        <p:txBody>
+          <a:bodyPr/>
+          <a:lstStyle/>
+          <a:p>
+            <a:pPr>
+              <a:lnSpc>
+                <a:spcPct val="100000"/>
+              </a:lnSpc>
+              <a:buFont typeface="Wingdings" panose="05000000000000000000" pitchFamily="2" charset="2"/>
+              <a:buChar char="§"/>
+            </a:pPr>
+            <a:r>
+              <a:rPr lang="en-US" altLang="ko-KR" dirty="0" err="1">
+                <a:latin typeface="Arial Unicode MS" pitchFamily="50" charset="-127"/>
+                <a:ea typeface="Arial Unicode MS" pitchFamily="50" charset="-127"/>
+                <a:cs typeface="Arial Unicode MS" pitchFamily="50" charset="-127"/>
+              </a:rPr>
+              <a:t>hello.c</a:t>
+            </a:r>
+            <a:endParaRPr lang="en-US" altLang="ko-KR" dirty="0">
+              <a:latin typeface="Arial Unicode MS" pitchFamily="50" charset="-127"/>
+              <a:ea typeface="Arial Unicode MS" pitchFamily="50" charset="-127"/>
+              <a:cs typeface="Arial Unicode MS" pitchFamily="50" charset="-127"/>
+            </a:endParaRPr>
+          </a:p>
+          <a:p>
+            <a:pPr lvl="1">
+              <a:lnSpc>
+                <a:spcPct val="100000"/>
+              </a:lnSpc>
+            </a:pPr>
+            <a:r>
+              <a:rPr lang="ko-KR" altLang="en-US" dirty="0">
+                <a:latin typeface="Abadi Extra Light" panose="020B0204020104020204" pitchFamily="34" charset="0"/>
+                <a:ea typeface="Arial Unicode MS" pitchFamily="50" charset="-127"/>
+                <a:cs typeface="Times New Roman" panose="02020603050405020304" pitchFamily="18" charset="0"/>
+              </a:rPr>
+              <a:t>커널 변수</a:t>
+            </a:r>
+            <a:r>
+              <a:rPr lang="en-US" altLang="ko-KR" dirty="0">
+                <a:latin typeface="Abadi Extra Light" panose="020B0204020104020204" pitchFamily="34" charset="0"/>
+                <a:ea typeface="Arial Unicode MS" pitchFamily="50" charset="-127"/>
+                <a:cs typeface="Times New Roman" panose="02020603050405020304" pitchFamily="18" charset="0"/>
+              </a:rPr>
+              <a:t>/</a:t>
+            </a:r>
+            <a:r>
+              <a:rPr lang="ko-KR" altLang="en-US" dirty="0">
+                <a:latin typeface="Abadi Extra Light" panose="020B0204020104020204" pitchFamily="34" charset="0"/>
+                <a:ea typeface="Arial Unicode MS" pitchFamily="50" charset="-127"/>
+                <a:cs typeface="Times New Roman" panose="02020603050405020304" pitchFamily="18" charset="0"/>
+              </a:rPr>
+              <a:t>함수 접근 </a:t>
+            </a:r>
+            <a:r>
+              <a:rPr lang="en-US" altLang="ko-KR" dirty="0">
+                <a:latin typeface="Abadi Extra Light" panose="020B0204020104020204" pitchFamily="34" charset="0"/>
+                <a:ea typeface="Arial Unicode MS" pitchFamily="50" charset="-127"/>
+                <a:cs typeface="Times New Roman" panose="02020603050405020304" pitchFamily="18" charset="0"/>
+              </a:rPr>
+              <a:t>: </a:t>
+            </a:r>
+            <a:r>
+              <a:rPr lang="en-US" altLang="ko-KR" dirty="0">
+                <a:solidFill>
+                  <a:schemeClr val="tx1"/>
+                </a:solidFill>
+              </a:rPr>
+              <a:t>EXPORT_SYMBOL(var) </a:t>
+            </a:r>
+            <a:r>
+              <a:rPr lang="en-US" altLang="ko-KR" dirty="0">
+                <a:latin typeface="Abadi Extra Light" panose="020B0204020104020204" pitchFamily="34" charset="0"/>
+                <a:ea typeface="Arial Unicode MS" pitchFamily="50" charset="-127"/>
+                <a:cs typeface="Times New Roman" panose="02020603050405020304" pitchFamily="18" charset="0"/>
+                <a:sym typeface="Wingdings" panose="05000000000000000000" pitchFamily="2" charset="2"/>
+              </a:rPr>
+              <a:t> </a:t>
+            </a:r>
+            <a:r>
+              <a:rPr lang="en-US" altLang="ko-KR" dirty="0" err="1">
+                <a:latin typeface="Abadi Extra Light" panose="020B0204020104020204" pitchFamily="34" charset="0"/>
+                <a:ea typeface="Arial Unicode MS" pitchFamily="50" charset="-127"/>
+                <a:cs typeface="Times New Roman" panose="02020603050405020304" pitchFamily="18" charset="0"/>
+                <a:sym typeface="Wingdings" panose="05000000000000000000" pitchFamily="2" charset="2"/>
+              </a:rPr>
+              <a:t>kallsyms</a:t>
+            </a:r>
+            <a:endParaRPr lang="en-US" altLang="ko-KR" dirty="0">
+              <a:latin typeface="Abadi Extra Light" panose="020B0204020104020204" pitchFamily="34" charset="0"/>
+              <a:ea typeface="Arial Unicode MS" panose="020B0600000101010101" charset="-127"/>
+              <a:cs typeface="Times New Roman" panose="02020603050405020304" pitchFamily="18" charset="0"/>
+            </a:endParaRPr>
+          </a:p>
+          <a:p>
+            <a:pPr>
+              <a:lnSpc>
+                <a:spcPct val="100000"/>
+              </a:lnSpc>
+              <a:buFont typeface="Wingdings" panose="05000000000000000000" pitchFamily="2" charset="2"/>
+              <a:buChar char="§"/>
+            </a:pPr>
+            <a:endParaRPr lang="en-US" altLang="ko-KR" dirty="0">
+              <a:latin typeface="Arial Unicode MS" panose="020B0600000101010101" charset="-127"/>
+              <a:ea typeface="Arial Unicode MS" panose="020B0600000101010101" charset="-127"/>
+              <a:cs typeface="Arial Unicode MS" panose="020B0600000101010101" charset="-127"/>
+            </a:endParaRPr>
+          </a:p>
+          <a:p>
+            <a:pPr>
+              <a:lnSpc>
+                <a:spcPct val="100000"/>
+              </a:lnSpc>
+              <a:buFont typeface="Wingdings" panose="05000000000000000000" pitchFamily="2" charset="2"/>
+              <a:buChar char="§"/>
+            </a:pPr>
+            <a:endParaRPr lang="en-US" altLang="ko-KR" dirty="0">
+              <a:latin typeface="Arial" panose="020B0604020202020204" pitchFamily="34" charset="0"/>
+              <a:cs typeface="Arial" panose="020B0604020202020204" pitchFamily="34" charset="0"/>
+            </a:endParaRPr>
+          </a:p>
+          <a:p>
+            <a:pPr>
+              <a:lnSpc>
+                <a:spcPct val="100000"/>
+              </a:lnSpc>
+              <a:buFont typeface="Wingdings" panose="05000000000000000000" pitchFamily="2" charset="2"/>
+              <a:buChar char="§"/>
+            </a:pPr>
+            <a:endParaRPr lang="en-US" altLang="ko-KR" dirty="0">
+              <a:latin typeface="Arial" panose="020B0604020202020204" pitchFamily="34" charset="0"/>
+              <a:cs typeface="Arial" panose="020B0604020202020204" pitchFamily="34" charset="0"/>
+            </a:endParaRPr>
+          </a:p>
+          <a:p>
+            <a:pPr marL="0" indent="0">
+              <a:lnSpc>
+                <a:spcPct val="100000"/>
+              </a:lnSpc>
+              <a:buNone/>
+            </a:pPr>
+            <a:endParaRPr lang="ko-KR" altLang="en-US" dirty="0">
+              <a:latin typeface="Arial" panose="020B0604020202020204" pitchFamily="34" charset="0"/>
+              <a:cs typeface="Arial" panose="020B0604020202020204" pitchFamily="34" charset="0"/>
+            </a:endParaRPr>
+          </a:p>
+        </p:txBody>
+      </p:sp>
+      <p:sp>
+        <p:nvSpPr>
+          <p:cNvPr id="17" name="직사각형 16">
+            <a:extLst>
+              <a:ext uri="{FF2B5EF4-FFF2-40B4-BE49-F238E27FC236}">
+                <a16:creationId xmlns:a16="http://schemas.microsoft.com/office/drawing/2014/main" id="{989D0F77-D8C8-4CB7-9F4E-4B090ECF49CE}"/>
+              </a:ext>
+            </a:extLst>
+          </p:cNvPr>
+          <p:cNvSpPr/>
+          <p:nvPr/>
+        </p:nvSpPr>
+        <p:spPr>
+          <a:xfrm>
+            <a:off x="571499" y="5025011"/>
+            <a:ext cx="5619390" cy="1035032"/>
+          </a:xfrm>
+          <a:prstGeom prst="rect">
+            <a:avLst/>
+          </a:prstGeom>
+          <a:noFill/>
+          <a:ln>
+            <a:noFill/>
+          </a:ln>
+          <a:effectLst/>
+        </p:spPr>
+        <p:style>
+          <a:lnRef idx="2">
+            <a:schemeClr val="accent1">
+              <a:shade val="50000"/>
+            </a:schemeClr>
+          </a:lnRef>
+          <a:fillRef idx="1">
+            <a:schemeClr val="accent1"/>
+          </a:fillRef>
+          <a:effectRef idx="0">
+            <a:schemeClr val="accent1"/>
+          </a:effectRef>
+          <a:fontRef idx="minor">
+            <a:schemeClr val="lt1"/>
+          </a:fontRef>
+        </p:style>
+        <p:txBody>
+          <a:bodyPr rtlCol="0" anchor="ctr"/>
+          <a:lstStyle/>
+          <a:p>
+            <a:r>
+              <a:rPr lang="en-US" altLang="ko-KR" dirty="0">
+                <a:solidFill>
+                  <a:schemeClr val="tx1"/>
+                </a:solidFill>
+              </a:rPr>
+              <a:t>EXPORT_SYMBOL(var) </a:t>
+            </a:r>
+          </a:p>
+          <a:p>
+            <a:r>
+              <a:rPr lang="en-US" altLang="ko-KR" dirty="0">
+                <a:solidFill>
+                  <a:srgbClr val="0DAB0D"/>
+                </a:solidFill>
+              </a:rPr>
+              <a:t>//var</a:t>
+            </a:r>
+            <a:r>
+              <a:rPr lang="ko-KR" altLang="en-US" dirty="0">
+                <a:solidFill>
+                  <a:srgbClr val="0DAB0D"/>
+                </a:solidFill>
+              </a:rPr>
+              <a:t>을 커널이나 모듈내에서 자유롭게 사용</a:t>
+            </a:r>
+            <a:endParaRPr lang="en-US" altLang="ko-KR" dirty="0">
+              <a:solidFill>
+                <a:srgbClr val="0DAB0D"/>
+              </a:solidFill>
+            </a:endParaRPr>
+          </a:p>
+        </p:txBody>
+      </p:sp>
+      <p:sp>
+        <p:nvSpPr>
+          <p:cNvPr id="19" name="직사각형 18">
+            <a:extLst>
+              <a:ext uri="{FF2B5EF4-FFF2-40B4-BE49-F238E27FC236}">
+                <a16:creationId xmlns:a16="http://schemas.microsoft.com/office/drawing/2014/main" id="{F06843FD-3192-4185-B559-017D3CCC2ECE}"/>
+              </a:ext>
+            </a:extLst>
+          </p:cNvPr>
+          <p:cNvSpPr/>
+          <p:nvPr/>
+        </p:nvSpPr>
+        <p:spPr>
+          <a:xfrm>
+            <a:off x="539869" y="5040592"/>
+            <a:ext cx="5619390" cy="1035032"/>
+          </a:xfrm>
+          <a:prstGeom prst="rect">
+            <a:avLst/>
+          </a:prstGeom>
+          <a:noFill/>
+          <a:ln>
+            <a:solidFill>
+              <a:schemeClr val="tx1"/>
+            </a:solidFill>
+          </a:ln>
+          <a:effectLst>
+            <a:outerShdw blurRad="50800" dist="38100" dir="2700000" algn="tl" rotWithShape="0">
+              <a:prstClr val="black">
+                <a:alpha val="40000"/>
+              </a:prstClr>
+            </a:outerShdw>
+          </a:effectLst>
+        </p:spPr>
+        <p:style>
+          <a:lnRef idx="2">
+            <a:schemeClr val="accent1">
+              <a:shade val="50000"/>
+            </a:schemeClr>
+          </a:lnRef>
+          <a:fillRef idx="1">
+            <a:schemeClr val="accent1"/>
+          </a:fillRef>
+          <a:effectRef idx="0">
+            <a:schemeClr val="accent1"/>
+          </a:effectRef>
+          <a:fontRef idx="minor">
+            <a:schemeClr val="lt1"/>
+          </a:fontRef>
+        </p:style>
+        <p:txBody>
+          <a:bodyPr rtlCol="0" anchor="ctr"/>
+          <a:lstStyle/>
+          <a:p>
+            <a:pPr algn="ctr"/>
+            <a:endParaRPr lang="ko-KR" altLang="en-US" dirty="0">
+              <a:solidFill>
+                <a:schemeClr val="tx1"/>
+              </a:solidFill>
+            </a:endParaRPr>
+          </a:p>
+        </p:txBody>
+      </p:sp>
+      <p:pic>
+        <p:nvPicPr>
+          <p:cNvPr id="13" name="그림 12">
+            <a:extLst>
+              <a:ext uri="{FF2B5EF4-FFF2-40B4-BE49-F238E27FC236}">
+                <a16:creationId xmlns:a16="http://schemas.microsoft.com/office/drawing/2014/main" id="{4EA7701D-ADB1-4DAB-B63A-8652EE42E1E0}"/>
+              </a:ext>
+            </a:extLst>
+          </p:cNvPr>
+          <p:cNvPicPr>
+            <a:picLocks noChangeAspect="1"/>
+          </p:cNvPicPr>
+          <p:nvPr/>
+        </p:nvPicPr>
+        <p:blipFill rotWithShape="1">
+          <a:blip r:embed="rId3"/>
+          <a:srcRect l="487" t="10056" r="39934" b="28264"/>
+          <a:stretch/>
+        </p:blipFill>
+        <p:spPr>
+          <a:xfrm>
+            <a:off x="769261" y="2652633"/>
+            <a:ext cx="5326739" cy="1544585"/>
+          </a:xfrm>
+          <a:prstGeom prst="rect">
+            <a:avLst/>
+          </a:prstGeom>
+        </p:spPr>
+      </p:pic>
+      <p:sp>
+        <p:nvSpPr>
+          <p:cNvPr id="23" name="TextBox 22">
+            <a:extLst>
+              <a:ext uri="{FF2B5EF4-FFF2-40B4-BE49-F238E27FC236}">
+                <a16:creationId xmlns:a16="http://schemas.microsoft.com/office/drawing/2014/main" id="{2D2DB621-B1AA-4FFE-AA95-3C44B138511E}"/>
+              </a:ext>
+            </a:extLst>
+          </p:cNvPr>
+          <p:cNvSpPr txBox="1"/>
+          <p:nvPr/>
+        </p:nvSpPr>
+        <p:spPr>
+          <a:xfrm>
+            <a:off x="7927975" y="6478913"/>
+            <a:ext cx="4264025" cy="261610"/>
+          </a:xfrm>
+          <a:prstGeom prst="rect">
+            <a:avLst/>
+          </a:prstGeom>
+          <a:noFill/>
+        </p:spPr>
+        <p:txBody>
+          <a:bodyPr wrap="square">
+            <a:spAutoFit/>
+          </a:bodyPr>
+          <a:lstStyle/>
+          <a:p>
+            <a:r>
+              <a:rPr lang="ko-KR" altLang="en-US" sz="1100" i="1" dirty="0">
+                <a:latin typeface="Abadi Extra Light" panose="020B0204020104020204" pitchFamily="34" charset="0"/>
+              </a:rPr>
+              <a:t>모듈에 대해서 알아야 할 것들 </a:t>
+            </a:r>
+            <a:r>
+              <a:rPr lang="en-US" altLang="ko-KR" sz="1100" i="1" dirty="0">
+                <a:latin typeface="Abadi Extra Light" panose="020B0204020104020204" pitchFamily="34" charset="0"/>
+                <a:hlinkClick r:id="rId4"/>
+              </a:rPr>
+              <a:t>https://tmdgus.tistory.com/117</a:t>
+            </a:r>
+            <a:r>
+              <a:rPr lang="en-US" altLang="ko-KR" sz="1100" i="1" dirty="0">
+                <a:latin typeface="Abadi Extra Light" panose="020B0204020104020204" pitchFamily="34" charset="0"/>
+              </a:rPr>
+              <a:t> </a:t>
+            </a:r>
+            <a:endParaRPr lang="ko-KR" altLang="en-US" sz="1100" i="1" dirty="0">
+              <a:latin typeface="Abadi Extra Light" panose="020B0204020104020204" pitchFamily="34" charset="0"/>
+            </a:endParaRPr>
+          </a:p>
+        </p:txBody>
+      </p:sp>
+      <p:sp>
+        <p:nvSpPr>
+          <p:cNvPr id="24" name="직사각형 23">
+            <a:extLst>
+              <a:ext uri="{FF2B5EF4-FFF2-40B4-BE49-F238E27FC236}">
+                <a16:creationId xmlns:a16="http://schemas.microsoft.com/office/drawing/2014/main" id="{9D0A7626-76A2-4BB1-94A7-F59F0789BA60}"/>
+              </a:ext>
+            </a:extLst>
+          </p:cNvPr>
+          <p:cNvSpPr/>
+          <p:nvPr/>
+        </p:nvSpPr>
+        <p:spPr>
+          <a:xfrm>
+            <a:off x="571499" y="2273926"/>
+            <a:ext cx="5619390" cy="406840"/>
+          </a:xfrm>
+          <a:prstGeom prst="rect">
+            <a:avLst/>
+          </a:prstGeom>
+          <a:noFill/>
+          <a:ln>
+            <a:noFill/>
+          </a:ln>
+          <a:effectLst/>
+        </p:spPr>
+        <p:style>
+          <a:lnRef idx="2">
+            <a:schemeClr val="accent1">
+              <a:shade val="50000"/>
+            </a:schemeClr>
+          </a:lnRef>
+          <a:fillRef idx="1">
+            <a:schemeClr val="accent1"/>
+          </a:fillRef>
+          <a:effectRef idx="0">
+            <a:schemeClr val="accent1"/>
+          </a:effectRef>
+          <a:fontRef idx="minor">
+            <a:schemeClr val="lt1"/>
+          </a:fontRef>
+        </p:style>
+        <p:txBody>
+          <a:bodyPr rtlCol="0" anchor="ctr"/>
+          <a:lstStyle/>
+          <a:p>
+            <a:r>
+              <a:rPr lang="en-US" altLang="ko-KR" dirty="0">
+                <a:solidFill>
+                  <a:schemeClr val="tx1"/>
+                </a:solidFill>
+                <a:latin typeface="Abadi Extra Light" panose="020B0204020104020204" pitchFamily="34" charset="0"/>
+              </a:rPr>
+              <a:t>$ head</a:t>
+            </a:r>
+            <a:r>
+              <a:rPr lang="ko-KR" altLang="en-US" dirty="0">
+                <a:solidFill>
+                  <a:schemeClr val="tx1"/>
+                </a:solidFill>
+                <a:latin typeface="Abadi Extra Light" panose="020B0204020104020204" pitchFamily="34" charset="0"/>
+              </a:rPr>
+              <a:t> </a:t>
+            </a:r>
+            <a:r>
+              <a:rPr lang="en-US" altLang="ko-KR" dirty="0">
+                <a:solidFill>
+                  <a:schemeClr val="tx1"/>
+                </a:solidFill>
+                <a:latin typeface="Abadi Extra Light" panose="020B0204020104020204" pitchFamily="34" charset="0"/>
+              </a:rPr>
+              <a:t>/proc/</a:t>
+            </a:r>
+            <a:r>
+              <a:rPr lang="en-US" altLang="ko-KR" dirty="0" err="1">
+                <a:solidFill>
+                  <a:schemeClr val="tx1"/>
+                </a:solidFill>
+                <a:latin typeface="Abadi Extra Light" panose="020B0204020104020204" pitchFamily="34" charset="0"/>
+              </a:rPr>
+              <a:t>kallsyms</a:t>
+            </a:r>
+            <a:endParaRPr lang="en-US" altLang="ko-KR" dirty="0">
+              <a:solidFill>
+                <a:schemeClr val="tx1"/>
+              </a:solidFill>
+              <a:latin typeface="Abadi Extra Light" panose="020B0204020104020204" pitchFamily="34" charset="0"/>
+            </a:endParaRPr>
+          </a:p>
+        </p:txBody>
+      </p:sp>
+      <p:sp>
+        <p:nvSpPr>
+          <p:cNvPr id="25" name="직사각형 24">
+            <a:extLst>
+              <a:ext uri="{FF2B5EF4-FFF2-40B4-BE49-F238E27FC236}">
+                <a16:creationId xmlns:a16="http://schemas.microsoft.com/office/drawing/2014/main" id="{0CF5A2C0-8AB3-4119-AC08-DEB88266B967}"/>
+              </a:ext>
+            </a:extLst>
+          </p:cNvPr>
+          <p:cNvSpPr/>
+          <p:nvPr/>
+        </p:nvSpPr>
+        <p:spPr>
+          <a:xfrm>
+            <a:off x="539869" y="2244900"/>
+            <a:ext cx="5619390" cy="2735305"/>
+          </a:xfrm>
+          <a:prstGeom prst="rect">
+            <a:avLst/>
+          </a:prstGeom>
+          <a:noFill/>
+          <a:ln>
+            <a:solidFill>
+              <a:schemeClr val="tx1"/>
+            </a:solidFill>
+          </a:ln>
+          <a:effectLst>
+            <a:outerShdw blurRad="50800" dist="38100" dir="2700000" algn="tl" rotWithShape="0">
+              <a:prstClr val="black">
+                <a:alpha val="40000"/>
+              </a:prstClr>
+            </a:outerShdw>
+          </a:effectLst>
+        </p:spPr>
+        <p:style>
+          <a:lnRef idx="2">
+            <a:schemeClr val="accent1">
+              <a:shade val="50000"/>
+            </a:schemeClr>
+          </a:lnRef>
+          <a:fillRef idx="1">
+            <a:schemeClr val="accent1"/>
+          </a:fillRef>
+          <a:effectRef idx="0">
+            <a:schemeClr val="accent1"/>
+          </a:effectRef>
+          <a:fontRef idx="minor">
+            <a:schemeClr val="lt1"/>
+          </a:fontRef>
+        </p:style>
+        <p:txBody>
+          <a:bodyPr rtlCol="0" anchor="ctr"/>
+          <a:lstStyle/>
+          <a:p>
+            <a:pPr algn="ctr"/>
+            <a:endParaRPr lang="ko-KR" altLang="en-US" dirty="0">
+              <a:solidFill>
+                <a:schemeClr val="tx1"/>
+              </a:solidFill>
+            </a:endParaRPr>
+          </a:p>
+        </p:txBody>
+      </p:sp>
+      <p:sp>
+        <p:nvSpPr>
+          <p:cNvPr id="26" name="직사각형 25">
+            <a:extLst>
+              <a:ext uri="{FF2B5EF4-FFF2-40B4-BE49-F238E27FC236}">
+                <a16:creationId xmlns:a16="http://schemas.microsoft.com/office/drawing/2014/main" id="{13837F1A-E1CA-4710-BE7F-479F5EEBEF02}"/>
+              </a:ext>
+            </a:extLst>
+          </p:cNvPr>
+          <p:cNvSpPr/>
+          <p:nvPr/>
+        </p:nvSpPr>
+        <p:spPr>
+          <a:xfrm>
+            <a:off x="539869" y="4235441"/>
+            <a:ext cx="5619390" cy="406840"/>
+          </a:xfrm>
+          <a:prstGeom prst="rect">
+            <a:avLst/>
+          </a:prstGeom>
+          <a:noFill/>
+          <a:ln>
+            <a:noFill/>
+          </a:ln>
+          <a:effectLst/>
+        </p:spPr>
+        <p:style>
+          <a:lnRef idx="2">
+            <a:schemeClr val="accent1">
+              <a:shade val="50000"/>
+            </a:schemeClr>
+          </a:lnRef>
+          <a:fillRef idx="1">
+            <a:schemeClr val="accent1"/>
+          </a:fillRef>
+          <a:effectRef idx="0">
+            <a:schemeClr val="accent1"/>
+          </a:effectRef>
+          <a:fontRef idx="minor">
+            <a:schemeClr val="lt1"/>
+          </a:fontRef>
+        </p:style>
+        <p:txBody>
+          <a:bodyPr rtlCol="0" anchor="ctr"/>
+          <a:lstStyle/>
+          <a:p>
+            <a:r>
+              <a:rPr lang="en-US" altLang="ko-KR" dirty="0">
+                <a:solidFill>
+                  <a:schemeClr val="tx1"/>
+                </a:solidFill>
+                <a:latin typeface="Abadi Extra Light" panose="020B0204020104020204" pitchFamily="34" charset="0"/>
+              </a:rPr>
+              <a:t>$ cat</a:t>
+            </a:r>
+            <a:r>
+              <a:rPr lang="ko-KR" altLang="en-US" dirty="0">
+                <a:solidFill>
+                  <a:schemeClr val="tx1"/>
+                </a:solidFill>
+                <a:latin typeface="Abadi Extra Light" panose="020B0204020104020204" pitchFamily="34" charset="0"/>
+              </a:rPr>
+              <a:t> </a:t>
+            </a:r>
+            <a:r>
+              <a:rPr lang="en-US" altLang="ko-KR" dirty="0">
+                <a:solidFill>
+                  <a:schemeClr val="tx1"/>
+                </a:solidFill>
+                <a:latin typeface="Abadi Extra Light" panose="020B0204020104020204" pitchFamily="34" charset="0"/>
+              </a:rPr>
+              <a:t>/proc/</a:t>
+            </a:r>
+            <a:r>
+              <a:rPr lang="en-US" altLang="ko-KR" dirty="0" err="1">
+                <a:solidFill>
+                  <a:schemeClr val="tx1"/>
+                </a:solidFill>
+                <a:latin typeface="Abadi Extra Light" panose="020B0204020104020204" pitchFamily="34" charset="0"/>
+              </a:rPr>
+              <a:t>kallsyms</a:t>
+            </a:r>
+            <a:r>
+              <a:rPr lang="en-US" altLang="ko-KR" dirty="0">
+                <a:solidFill>
+                  <a:schemeClr val="tx1"/>
+                </a:solidFill>
+                <a:latin typeface="Abadi Extra Light" panose="020B0204020104020204" pitchFamily="34" charset="0"/>
+              </a:rPr>
+              <a:t> | grep -w </a:t>
+            </a:r>
+            <a:r>
+              <a:rPr lang="en-US" altLang="ko-KR" dirty="0" err="1">
+                <a:solidFill>
+                  <a:schemeClr val="tx1"/>
+                </a:solidFill>
+                <a:latin typeface="Abadi Extra Light" panose="020B0204020104020204" pitchFamily="34" charset="0"/>
+              </a:rPr>
+              <a:t>printk</a:t>
+            </a:r>
+            <a:endParaRPr lang="en-US" altLang="ko-KR" dirty="0">
+              <a:solidFill>
+                <a:schemeClr val="tx1"/>
+              </a:solidFill>
+              <a:latin typeface="Abadi Extra Light" panose="020B0204020104020204" pitchFamily="34" charset="0"/>
+            </a:endParaRPr>
+          </a:p>
+        </p:txBody>
+      </p:sp>
+      <p:pic>
+        <p:nvPicPr>
+          <p:cNvPr id="21" name="그림 20">
+            <a:extLst>
+              <a:ext uri="{FF2B5EF4-FFF2-40B4-BE49-F238E27FC236}">
+                <a16:creationId xmlns:a16="http://schemas.microsoft.com/office/drawing/2014/main" id="{994AABC8-24A1-4DF3-A86B-3649E5E0B1B8}"/>
+              </a:ext>
+            </a:extLst>
+          </p:cNvPr>
+          <p:cNvPicPr>
+            <a:picLocks noChangeAspect="1"/>
+          </p:cNvPicPr>
+          <p:nvPr/>
+        </p:nvPicPr>
+        <p:blipFill rotWithShape="1">
+          <a:blip r:embed="rId5"/>
+          <a:srcRect l="1213" t="1" b="-1"/>
+          <a:stretch/>
+        </p:blipFill>
+        <p:spPr>
+          <a:xfrm>
+            <a:off x="769261" y="4657862"/>
+            <a:ext cx="3186789" cy="204009"/>
+          </a:xfrm>
+          <a:prstGeom prst="rect">
+            <a:avLst/>
+          </a:prstGeom>
+        </p:spPr>
+      </p:pic>
+    </p:spTree>
+    <p:extLst>
+      <p:ext uri="{BB962C8B-B14F-4D97-AF65-F5344CB8AC3E}">
+        <p14:creationId xmlns:p14="http://schemas.microsoft.com/office/powerpoint/2010/main" val="2526823214"/>
+      </p:ext>
+    </p:extLst>
+  </p:cSld>
+  <p:clrMapOvr>
+    <a:masterClrMapping/>
+  </p:clrMapOvr>
+</p:sld>
+</file>
+
+<file path=ppt/slides/slide12.xml><?xml version="1.0" encoding="utf-8"?>
+<p:sld xmlns:a="http://schemas.openxmlformats.org/drawingml/2006/main" xmlns:r="http://schemas.openxmlformats.org/officeDocument/2006/relationships" xmlns:p="http://schemas.openxmlformats.org/presentationml/2006/main">
+  <p:cSld>
+    <p:spTree>
+      <p:nvGrpSpPr>
+        <p:cNvPr id="1" name=""/>
+        <p:cNvGrpSpPr/>
+        <p:nvPr/>
+      </p:nvGrpSpPr>
+      <p:grpSpPr>
+        <a:xfrm>
+          <a:off x="0" y="0"/>
+          <a:ext cx="0" cy="0"/>
+          <a:chOff x="0" y="0"/>
+          <a:chExt cx="0" cy="0"/>
+        </a:xfrm>
+      </p:grpSpPr>
+      <p:sp>
+        <p:nvSpPr>
+          <p:cNvPr id="2" name="제목 1"/>
+          <p:cNvSpPr>
+            <a:spLocks noGrp="1"/>
+          </p:cNvSpPr>
+          <p:nvPr>
+            <p:ph type="title"/>
+          </p:nvPr>
+        </p:nvSpPr>
+        <p:spPr>
+          <a:xfrm>
+            <a:off x="838200" y="261966"/>
+            <a:ext cx="10515600" cy="669686"/>
+          </a:xfrm>
+        </p:spPr>
+        <p:txBody>
+          <a:bodyPr>
+            <a:normAutofit/>
+          </a:bodyPr>
+          <a:lstStyle/>
+          <a:p>
+            <a:pPr algn="ctr"/>
+            <a:r>
+              <a:rPr lang="en-US" altLang="ko-KR" sz="3200" dirty="0">
+                <a:solidFill>
+                  <a:srgbClr val="FF0000"/>
+                </a:solidFill>
+                <a:latin typeface="Arial" panose="020B0604020202020204" pitchFamily="34" charset="0"/>
+                <a:ea typeface="AppleSDGothicNeoM00" panose="02000503000000000000" pitchFamily="2" charset="-127"/>
+                <a:cs typeface="Arial" panose="020B0604020202020204" pitchFamily="34" charset="0"/>
+              </a:rPr>
+              <a:t>Linux Kernel Module </a:t>
+            </a:r>
+            <a:r>
+              <a:rPr lang="en-US" altLang="ko-KR" sz="3200" dirty="0">
+                <a:solidFill>
+                  <a:srgbClr val="FF0000"/>
+                </a:solidFill>
+                <a:latin typeface="Abadi Extra Light" panose="020B0204020104020204" pitchFamily="34" charset="0"/>
+                <a:ea typeface="AppleSDGothicNeoM00" panose="02000503000000000000" pitchFamily="2" charset="-127"/>
+                <a:cs typeface="Arial" panose="020B0604020202020204" pitchFamily="34" charset="0"/>
+              </a:rPr>
+              <a:t>: Example </a:t>
+            </a:r>
+            <a:r>
+              <a:rPr lang="en-US" altLang="ko-KR" sz="3200" dirty="0" err="1">
+                <a:solidFill>
+                  <a:srgbClr val="FF0000"/>
+                </a:solidFill>
+                <a:latin typeface="Abadi Extra Light" panose="020B0204020104020204" pitchFamily="34" charset="0"/>
+                <a:ea typeface="AppleSDGothicNeoM00" panose="02000503000000000000" pitchFamily="2" charset="-127"/>
+                <a:cs typeface="Arial" panose="020B0604020202020204" pitchFamily="34" charset="0"/>
+              </a:rPr>
+              <a:t>Makefile</a:t>
+            </a:r>
+            <a:endParaRPr lang="ko-KR" altLang="en-US" sz="3200" dirty="0">
+              <a:solidFill>
+                <a:srgbClr val="FF0000"/>
+              </a:solidFill>
+              <a:latin typeface="Arial" panose="020B0604020202020204" pitchFamily="34" charset="0"/>
+              <a:ea typeface="AppleSDGothicNeoM00" panose="02000503000000000000" pitchFamily="2" charset="-127"/>
+              <a:cs typeface="Arial" panose="020B0604020202020204" pitchFamily="34" charset="0"/>
+            </a:endParaRPr>
+          </a:p>
+        </p:txBody>
+      </p:sp>
+      <p:cxnSp>
+        <p:nvCxnSpPr>
+          <p:cNvPr id="5" name="직선 연결선 4"/>
+          <p:cNvCxnSpPr/>
+          <p:nvPr/>
+        </p:nvCxnSpPr>
+        <p:spPr>
+          <a:xfrm>
+            <a:off x="362309" y="992036"/>
+            <a:ext cx="11499011" cy="0"/>
+          </a:xfrm>
+          <a:prstGeom prst="line">
+            <a:avLst/>
+          </a:prstGeom>
+          <a:ln/>
+        </p:spPr>
+        <p:style>
+          <a:lnRef idx="3">
+            <a:schemeClr val="dk1"/>
+          </a:lnRef>
+          <a:fillRef idx="0">
+            <a:schemeClr val="dk1"/>
+          </a:fillRef>
+          <a:effectRef idx="2">
+            <a:schemeClr val="dk1"/>
+          </a:effectRef>
+          <a:fontRef idx="minor">
+            <a:schemeClr val="tx1"/>
+          </a:fontRef>
+        </p:style>
+      </p:cxnSp>
+      <p:sp>
+        <p:nvSpPr>
+          <p:cNvPr id="6" name="슬라이드 번호 개체 틀 5"/>
+          <p:cNvSpPr>
+            <a:spLocks noGrp="1"/>
+          </p:cNvSpPr>
+          <p:nvPr>
+            <p:ph type="sldNum" sz="quarter" idx="12"/>
+          </p:nvPr>
+        </p:nvSpPr>
+        <p:spPr/>
+        <p:txBody>
+          <a:bodyPr/>
+          <a:lstStyle/>
+          <a:p>
+            <a:fld id="{A8B9FC14-406C-4F77-A652-54400BDED16B}" type="slidenum">
+              <a:rPr lang="ko-KR" altLang="en-US" smtClean="0"/>
+              <a:pPr/>
+              <a:t>12</a:t>
+            </a:fld>
+            <a:endParaRPr lang="ko-KR" altLang="en-US"/>
+          </a:p>
+        </p:txBody>
+      </p:sp>
+      <p:sp>
+        <p:nvSpPr>
+          <p:cNvPr id="12" name="내용 개체 틀 2">
+            <a:extLst>
+              <a:ext uri="{FF2B5EF4-FFF2-40B4-BE49-F238E27FC236}">
+                <a16:creationId xmlns:a16="http://schemas.microsoft.com/office/drawing/2014/main" id="{68A87799-3833-491D-AAF3-98EB8F6036B6}"/>
+              </a:ext>
+            </a:extLst>
+          </p:cNvPr>
+          <p:cNvSpPr>
+            <a:spLocks noGrp="1"/>
+          </p:cNvSpPr>
+          <p:nvPr>
+            <p:ph idx="1"/>
+          </p:nvPr>
+        </p:nvSpPr>
+        <p:spPr>
+          <a:xfrm>
+            <a:off x="838200" y="1147318"/>
+            <a:ext cx="10515600" cy="4813989"/>
+          </a:xfrm>
+        </p:spPr>
+        <p:txBody>
+          <a:bodyPr/>
+          <a:lstStyle/>
+          <a:p>
+            <a:pPr>
+              <a:lnSpc>
+                <a:spcPct val="100000"/>
+              </a:lnSpc>
+              <a:buFont typeface="Wingdings" panose="05000000000000000000" pitchFamily="2" charset="2"/>
+              <a:buChar char="§"/>
+            </a:pPr>
+            <a:r>
+              <a:rPr lang="en-US" altLang="ko-KR" dirty="0" err="1">
+                <a:latin typeface="Arial Unicode MS" pitchFamily="50" charset="-127"/>
+                <a:ea typeface="Arial Unicode MS" pitchFamily="50" charset="-127"/>
+                <a:cs typeface="Arial Unicode MS" pitchFamily="50" charset="-127"/>
+              </a:rPr>
+              <a:t>Makefile</a:t>
+            </a:r>
+            <a:endParaRPr lang="en-US" altLang="ko-KR" dirty="0">
+              <a:latin typeface="Arial Unicode MS" pitchFamily="50" charset="-127"/>
+              <a:ea typeface="Arial Unicode MS" pitchFamily="50" charset="-127"/>
+              <a:cs typeface="Arial Unicode MS" pitchFamily="50" charset="-127"/>
+            </a:endParaRPr>
+          </a:p>
+          <a:p>
+            <a:pPr>
+              <a:lnSpc>
+                <a:spcPct val="100000"/>
+              </a:lnSpc>
+              <a:buFont typeface="Wingdings" panose="05000000000000000000" pitchFamily="2" charset="2"/>
+              <a:buChar char="§"/>
+            </a:pPr>
+            <a:endParaRPr lang="en-US" altLang="ko-KR" dirty="0">
+              <a:latin typeface="Arial Unicode MS" panose="020B0600000101010101" charset="-127"/>
+              <a:ea typeface="Arial Unicode MS" panose="020B0600000101010101" charset="-127"/>
+              <a:cs typeface="Arial Unicode MS" panose="020B0600000101010101" charset="-127"/>
+            </a:endParaRPr>
+          </a:p>
+          <a:p>
+            <a:pPr>
+              <a:lnSpc>
+                <a:spcPct val="100000"/>
+              </a:lnSpc>
+              <a:buFont typeface="Wingdings" panose="05000000000000000000" pitchFamily="2" charset="2"/>
+              <a:buChar char="§"/>
+            </a:pPr>
+            <a:endParaRPr lang="en-US" altLang="ko-KR" dirty="0">
+              <a:latin typeface="Arial" panose="020B0604020202020204" pitchFamily="34" charset="0"/>
+              <a:cs typeface="Arial" panose="020B0604020202020204" pitchFamily="34" charset="0"/>
+            </a:endParaRPr>
+          </a:p>
+          <a:p>
+            <a:pPr>
+              <a:lnSpc>
+                <a:spcPct val="100000"/>
+              </a:lnSpc>
+              <a:buFont typeface="Wingdings" panose="05000000000000000000" pitchFamily="2" charset="2"/>
+              <a:buChar char="§"/>
+            </a:pPr>
+            <a:endParaRPr lang="en-US" altLang="ko-KR" dirty="0">
+              <a:latin typeface="Arial" panose="020B0604020202020204" pitchFamily="34" charset="0"/>
+              <a:cs typeface="Arial" panose="020B0604020202020204" pitchFamily="34" charset="0"/>
+            </a:endParaRPr>
+          </a:p>
+          <a:p>
+            <a:pPr marL="0" indent="0">
+              <a:lnSpc>
+                <a:spcPct val="100000"/>
+              </a:lnSpc>
+              <a:buNone/>
+            </a:pPr>
+            <a:endParaRPr lang="ko-KR" altLang="en-US" dirty="0">
+              <a:latin typeface="Arial" panose="020B0604020202020204" pitchFamily="34" charset="0"/>
+              <a:cs typeface="Arial" panose="020B0604020202020204" pitchFamily="34" charset="0"/>
+            </a:endParaRPr>
+          </a:p>
+        </p:txBody>
+      </p:sp>
+      <p:pic>
+        <p:nvPicPr>
+          <p:cNvPr id="4" name="그림 3">
+            <a:extLst>
+              <a:ext uri="{FF2B5EF4-FFF2-40B4-BE49-F238E27FC236}">
+                <a16:creationId xmlns:a16="http://schemas.microsoft.com/office/drawing/2014/main" id="{5EC66500-0AC0-4E24-BF05-61B1358C0CCE}"/>
+              </a:ext>
+            </a:extLst>
+          </p:cNvPr>
+          <p:cNvPicPr>
+            <a:picLocks noChangeAspect="1"/>
+          </p:cNvPicPr>
+          <p:nvPr/>
+        </p:nvPicPr>
+        <p:blipFill rotWithShape="1">
+          <a:blip r:embed="rId2"/>
+          <a:srcRect b="15248"/>
+          <a:stretch/>
+        </p:blipFill>
+        <p:spPr>
+          <a:xfrm>
+            <a:off x="1207910" y="2235975"/>
+            <a:ext cx="7692250" cy="1739815"/>
+          </a:xfrm>
+          <a:prstGeom prst="rect">
+            <a:avLst/>
+          </a:prstGeom>
+        </p:spPr>
+      </p:pic>
+      <p:sp>
+        <p:nvSpPr>
+          <p:cNvPr id="8" name="직사각형 7">
+            <a:extLst>
+              <a:ext uri="{FF2B5EF4-FFF2-40B4-BE49-F238E27FC236}">
+                <a16:creationId xmlns:a16="http://schemas.microsoft.com/office/drawing/2014/main" id="{DE8C821B-E333-4829-9E44-E68C46D1F275}"/>
+              </a:ext>
+            </a:extLst>
+          </p:cNvPr>
+          <p:cNvSpPr/>
+          <p:nvPr/>
+        </p:nvSpPr>
+        <p:spPr>
+          <a:xfrm>
+            <a:off x="1082794" y="2080694"/>
+            <a:ext cx="8137406" cy="2013895"/>
+          </a:xfrm>
+          <a:prstGeom prst="rect">
+            <a:avLst/>
+          </a:prstGeom>
+          <a:noFill/>
+          <a:ln>
+            <a:solidFill>
+              <a:schemeClr val="tx1"/>
+            </a:solidFill>
+          </a:ln>
+          <a:effectLst>
+            <a:outerShdw blurRad="50800" dist="38100" dir="2700000" algn="tl" rotWithShape="0">
+              <a:prstClr val="black">
+                <a:alpha val="40000"/>
+              </a:prstClr>
+            </a:outerShdw>
+          </a:effectLst>
+        </p:spPr>
+        <p:style>
+          <a:lnRef idx="2">
+            <a:schemeClr val="accent1">
+              <a:shade val="50000"/>
+            </a:schemeClr>
+          </a:lnRef>
+          <a:fillRef idx="1">
+            <a:schemeClr val="accent1"/>
+          </a:fillRef>
+          <a:effectRef idx="0">
+            <a:schemeClr val="accent1"/>
+          </a:effectRef>
+          <a:fontRef idx="minor">
+            <a:schemeClr val="lt1"/>
+          </a:fontRef>
+        </p:style>
+        <p:txBody>
+          <a:bodyPr rtlCol="0" anchor="ctr"/>
+          <a:lstStyle/>
+          <a:p>
+            <a:pPr algn="ctr"/>
+            <a:endParaRPr lang="ko-KR" altLang="en-US" dirty="0">
+              <a:solidFill>
+                <a:schemeClr val="tx1"/>
+              </a:solidFill>
+            </a:endParaRPr>
+          </a:p>
+        </p:txBody>
+      </p:sp>
+      <p:sp>
+        <p:nvSpPr>
+          <p:cNvPr id="9" name="직사각형 8">
+            <a:extLst>
+              <a:ext uri="{FF2B5EF4-FFF2-40B4-BE49-F238E27FC236}">
+                <a16:creationId xmlns:a16="http://schemas.microsoft.com/office/drawing/2014/main" id="{72C57B3A-3F95-41AB-ACF8-ECE49FEA62D1}"/>
+              </a:ext>
+            </a:extLst>
+          </p:cNvPr>
+          <p:cNvSpPr/>
+          <p:nvPr/>
+        </p:nvSpPr>
+        <p:spPr>
+          <a:xfrm>
+            <a:off x="1143000" y="1673854"/>
+            <a:ext cx="5619390" cy="406840"/>
+          </a:xfrm>
+          <a:prstGeom prst="rect">
+            <a:avLst/>
+          </a:prstGeom>
+          <a:noFill/>
+          <a:ln>
+            <a:noFill/>
+          </a:ln>
+          <a:effectLst/>
+        </p:spPr>
+        <p:style>
+          <a:lnRef idx="2">
+            <a:schemeClr val="accent1">
+              <a:shade val="50000"/>
+            </a:schemeClr>
+          </a:lnRef>
+          <a:fillRef idx="1">
+            <a:schemeClr val="accent1"/>
+          </a:fillRef>
+          <a:effectRef idx="0">
+            <a:schemeClr val="accent1"/>
+          </a:effectRef>
+          <a:fontRef idx="minor">
+            <a:schemeClr val="lt1"/>
+          </a:fontRef>
+        </p:style>
+        <p:txBody>
+          <a:bodyPr rtlCol="0" anchor="ctr"/>
+          <a:lstStyle/>
+          <a:p>
+            <a:r>
+              <a:rPr lang="en-US" altLang="ko-KR" dirty="0">
+                <a:solidFill>
+                  <a:schemeClr val="tx1"/>
+                </a:solidFill>
+                <a:latin typeface="Abadi Extra Light" panose="020B0204020104020204" pitchFamily="34" charset="0"/>
+              </a:rPr>
+              <a:t>$ vim </a:t>
+            </a:r>
+            <a:r>
+              <a:rPr lang="en-US" altLang="ko-KR" dirty="0" err="1">
+                <a:solidFill>
+                  <a:schemeClr val="tx1"/>
+                </a:solidFill>
+                <a:latin typeface="Abadi Extra Light" panose="020B0204020104020204" pitchFamily="34" charset="0"/>
+              </a:rPr>
+              <a:t>Makefile</a:t>
+            </a:r>
+            <a:endParaRPr lang="en-US" altLang="ko-KR" dirty="0">
+              <a:solidFill>
+                <a:schemeClr val="tx1"/>
+              </a:solidFill>
+              <a:latin typeface="Abadi Extra Light" panose="020B0204020104020204" pitchFamily="34" charset="0"/>
+            </a:endParaRPr>
+          </a:p>
+        </p:txBody>
+      </p:sp>
+      <p:sp>
+        <p:nvSpPr>
+          <p:cNvPr id="11" name="직사각형 10">
+            <a:extLst>
+              <a:ext uri="{FF2B5EF4-FFF2-40B4-BE49-F238E27FC236}">
+                <a16:creationId xmlns:a16="http://schemas.microsoft.com/office/drawing/2014/main" id="{44ECB72F-62D8-40B8-9F94-7B839C28F30E}"/>
+              </a:ext>
+            </a:extLst>
+          </p:cNvPr>
+          <p:cNvSpPr/>
+          <p:nvPr/>
+        </p:nvSpPr>
+        <p:spPr>
+          <a:xfrm>
+            <a:off x="1207910" y="4268296"/>
+            <a:ext cx="5619390" cy="759670"/>
+          </a:xfrm>
+          <a:prstGeom prst="rect">
+            <a:avLst/>
+          </a:prstGeom>
+          <a:noFill/>
+          <a:ln>
+            <a:noFill/>
+          </a:ln>
+          <a:effectLst/>
+        </p:spPr>
+        <p:style>
+          <a:lnRef idx="2">
+            <a:schemeClr val="accent1">
+              <a:shade val="50000"/>
+            </a:schemeClr>
+          </a:lnRef>
+          <a:fillRef idx="1">
+            <a:schemeClr val="accent1"/>
+          </a:fillRef>
+          <a:effectRef idx="0">
+            <a:schemeClr val="accent1"/>
+          </a:effectRef>
+          <a:fontRef idx="minor">
+            <a:schemeClr val="lt1"/>
+          </a:fontRef>
+        </p:style>
+        <p:txBody>
+          <a:bodyPr rtlCol="0" anchor="ctr"/>
+          <a:lstStyle/>
+          <a:p>
+            <a:r>
+              <a:rPr lang="en-US" altLang="ko-KR" dirty="0">
+                <a:solidFill>
+                  <a:schemeClr val="tx1"/>
+                </a:solidFill>
+                <a:latin typeface="Abadi Extra Light" panose="020B0204020104020204" pitchFamily="34" charset="0"/>
+              </a:rPr>
+              <a:t>$ make</a:t>
+            </a:r>
+          </a:p>
+          <a:p>
+            <a:r>
+              <a:rPr lang="en-US" altLang="ko-KR" dirty="0">
+                <a:solidFill>
+                  <a:schemeClr val="tx1"/>
+                </a:solidFill>
+                <a:latin typeface="Abadi Extra Light" panose="020B0204020104020204" pitchFamily="34" charset="0"/>
+              </a:rPr>
+              <a:t>$ ls</a:t>
+            </a:r>
+          </a:p>
+          <a:p>
+            <a:endParaRPr lang="en-US" altLang="ko-KR" dirty="0">
+              <a:solidFill>
+                <a:schemeClr val="tx1"/>
+              </a:solidFill>
+              <a:latin typeface="Abadi Extra Light" panose="020B0204020104020204" pitchFamily="34" charset="0"/>
+            </a:endParaRPr>
+          </a:p>
+        </p:txBody>
+      </p:sp>
+      <p:pic>
+        <p:nvPicPr>
+          <p:cNvPr id="14" name="그림 13">
+            <a:extLst>
+              <a:ext uri="{FF2B5EF4-FFF2-40B4-BE49-F238E27FC236}">
+                <a16:creationId xmlns:a16="http://schemas.microsoft.com/office/drawing/2014/main" id="{8F940B1F-CE71-469D-AD6C-F7D9C378D2F9}"/>
+              </a:ext>
+            </a:extLst>
+          </p:cNvPr>
+          <p:cNvPicPr>
+            <a:picLocks noChangeAspect="1"/>
+          </p:cNvPicPr>
+          <p:nvPr/>
+        </p:nvPicPr>
+        <p:blipFill rotWithShape="1">
+          <a:blip r:embed="rId3"/>
+          <a:srcRect t="77655"/>
+          <a:stretch/>
+        </p:blipFill>
+        <p:spPr>
+          <a:xfrm>
+            <a:off x="1141575" y="5027965"/>
+            <a:ext cx="10212225" cy="485341"/>
+          </a:xfrm>
+          <a:prstGeom prst="rect">
+            <a:avLst/>
+          </a:prstGeom>
+        </p:spPr>
+      </p:pic>
+      <p:sp>
+        <p:nvSpPr>
+          <p:cNvPr id="15" name="직사각형 14">
+            <a:extLst>
+              <a:ext uri="{FF2B5EF4-FFF2-40B4-BE49-F238E27FC236}">
+                <a16:creationId xmlns:a16="http://schemas.microsoft.com/office/drawing/2014/main" id="{428EA271-2B21-4B60-AA90-49A595F775D3}"/>
+              </a:ext>
+            </a:extLst>
+          </p:cNvPr>
+          <p:cNvSpPr/>
+          <p:nvPr/>
+        </p:nvSpPr>
+        <p:spPr>
+          <a:xfrm>
+            <a:off x="1082794" y="4840595"/>
+            <a:ext cx="8137406" cy="759670"/>
+          </a:xfrm>
+          <a:prstGeom prst="rect">
+            <a:avLst/>
+          </a:prstGeom>
+          <a:noFill/>
+          <a:ln>
+            <a:solidFill>
+              <a:schemeClr val="tx1"/>
+            </a:solidFill>
+          </a:ln>
+          <a:effectLst>
+            <a:outerShdw blurRad="50800" dist="38100" dir="2700000" algn="tl" rotWithShape="0">
+              <a:prstClr val="black">
+                <a:alpha val="40000"/>
+              </a:prstClr>
+            </a:outerShdw>
+          </a:effectLst>
+        </p:spPr>
+        <p:style>
+          <a:lnRef idx="2">
+            <a:schemeClr val="accent1">
+              <a:shade val="50000"/>
+            </a:schemeClr>
+          </a:lnRef>
+          <a:fillRef idx="1">
+            <a:schemeClr val="accent1"/>
+          </a:fillRef>
+          <a:effectRef idx="0">
+            <a:schemeClr val="accent1"/>
+          </a:effectRef>
+          <a:fontRef idx="minor">
+            <a:schemeClr val="lt1"/>
+          </a:fontRef>
+        </p:style>
+        <p:txBody>
+          <a:bodyPr rtlCol="0" anchor="ctr"/>
+          <a:lstStyle/>
+          <a:p>
+            <a:pPr algn="ctr"/>
+            <a:endParaRPr lang="ko-KR" altLang="en-US" dirty="0">
+              <a:solidFill>
+                <a:schemeClr val="tx1"/>
+              </a:solidFill>
+            </a:endParaRPr>
+          </a:p>
+        </p:txBody>
+      </p:sp>
+    </p:spTree>
+    <p:extLst>
+      <p:ext uri="{BB962C8B-B14F-4D97-AF65-F5344CB8AC3E}">
+        <p14:creationId xmlns:p14="http://schemas.microsoft.com/office/powerpoint/2010/main" val="2146129133"/>
+      </p:ext>
+    </p:extLst>
+  </p:cSld>
+  <p:clrMapOvr>
+    <a:masterClrMapping/>
+  </p:clrMapOvr>
+</p:sld>
+</file>
+
+<file path=ppt/slides/slide13.xml><?xml version="1.0" encoding="utf-8"?>
+<p:sld xmlns:a="http://schemas.openxmlformats.org/drawingml/2006/main" xmlns:r="http://schemas.openxmlformats.org/officeDocument/2006/relationships" xmlns:p="http://schemas.openxmlformats.org/presentationml/2006/main">
+  <p:cSld>
+    <p:spTree>
+      <p:nvGrpSpPr>
+        <p:cNvPr id="1" name=""/>
+        <p:cNvGrpSpPr/>
+        <p:nvPr/>
+      </p:nvGrpSpPr>
+      <p:grpSpPr>
+        <a:xfrm>
+          <a:off x="0" y="0"/>
+          <a:ext cx="0" cy="0"/>
+          <a:chOff x="0" y="0"/>
+          <a:chExt cx="0" cy="0"/>
+        </a:xfrm>
+      </p:grpSpPr>
+      <p:sp>
+        <p:nvSpPr>
+          <p:cNvPr id="2" name="제목 1"/>
+          <p:cNvSpPr>
+            <a:spLocks noGrp="1"/>
+          </p:cNvSpPr>
+          <p:nvPr>
+            <p:ph type="title"/>
+          </p:nvPr>
+        </p:nvSpPr>
+        <p:spPr>
+          <a:xfrm>
+            <a:off x="838200" y="261966"/>
+            <a:ext cx="10515600" cy="669686"/>
+          </a:xfrm>
+        </p:spPr>
+        <p:txBody>
+          <a:bodyPr>
+            <a:normAutofit/>
+          </a:bodyPr>
+          <a:lstStyle/>
+          <a:p>
+            <a:pPr algn="ctr"/>
+            <a:r>
+              <a:rPr lang="en-US" altLang="ko-KR" sz="3200" dirty="0">
+                <a:solidFill>
+                  <a:srgbClr val="FF0000"/>
+                </a:solidFill>
+                <a:latin typeface="Arial" panose="020B0604020202020204" pitchFamily="34" charset="0"/>
+                <a:ea typeface="AppleSDGothicNeoM00" panose="02000503000000000000" pitchFamily="2" charset="-127"/>
+                <a:cs typeface="Arial" panose="020B0604020202020204" pitchFamily="34" charset="0"/>
+              </a:rPr>
+              <a:t>Linux Kernel Module </a:t>
+            </a:r>
+            <a:r>
+              <a:rPr lang="en-US" altLang="ko-KR" sz="3200" dirty="0">
+                <a:solidFill>
+                  <a:srgbClr val="FF0000"/>
+                </a:solidFill>
+                <a:latin typeface="Abadi Extra Light" panose="020B0204020104020204" pitchFamily="34" charset="0"/>
+                <a:ea typeface="AppleSDGothicNeoM00" panose="02000503000000000000" pitchFamily="2" charset="-127"/>
+                <a:cs typeface="Arial" panose="020B0604020202020204" pitchFamily="34" charset="0"/>
+              </a:rPr>
+              <a:t>: Example </a:t>
+            </a:r>
+            <a:r>
+              <a:rPr lang="en-US" altLang="ko-KR" sz="3200" dirty="0" err="1">
+                <a:solidFill>
+                  <a:srgbClr val="FF0000"/>
+                </a:solidFill>
+                <a:latin typeface="Abadi Extra Light" panose="020B0204020104020204" pitchFamily="34" charset="0"/>
+                <a:ea typeface="AppleSDGothicNeoM00" panose="02000503000000000000" pitchFamily="2" charset="-127"/>
+                <a:cs typeface="Arial" panose="020B0604020202020204" pitchFamily="34" charset="0"/>
+              </a:rPr>
+              <a:t>hello.ko</a:t>
+            </a:r>
+            <a:r>
+              <a:rPr lang="en-US" altLang="ko-KR" sz="3200" dirty="0">
+                <a:solidFill>
+                  <a:srgbClr val="FF0000"/>
+                </a:solidFill>
+                <a:latin typeface="Abadi Extra Light" panose="020B0204020104020204" pitchFamily="34" charset="0"/>
+                <a:ea typeface="AppleSDGothicNeoM00" panose="02000503000000000000" pitchFamily="2" charset="-127"/>
+                <a:cs typeface="Arial" panose="020B0604020202020204" pitchFamily="34" charset="0"/>
+              </a:rPr>
+              <a:t> </a:t>
+            </a:r>
+            <a:endParaRPr lang="ko-KR" altLang="en-US" sz="3200" dirty="0">
+              <a:solidFill>
+                <a:srgbClr val="FF0000"/>
+              </a:solidFill>
+              <a:latin typeface="Arial" panose="020B0604020202020204" pitchFamily="34" charset="0"/>
+              <a:ea typeface="AppleSDGothicNeoM00" panose="02000503000000000000" pitchFamily="2" charset="-127"/>
+              <a:cs typeface="Arial" panose="020B0604020202020204" pitchFamily="34" charset="0"/>
+            </a:endParaRPr>
+          </a:p>
+        </p:txBody>
+      </p:sp>
+      <p:cxnSp>
+        <p:nvCxnSpPr>
+          <p:cNvPr id="5" name="직선 연결선 4"/>
+          <p:cNvCxnSpPr/>
+          <p:nvPr/>
+        </p:nvCxnSpPr>
+        <p:spPr>
+          <a:xfrm>
+            <a:off x="362309" y="992036"/>
+            <a:ext cx="11499011" cy="0"/>
+          </a:xfrm>
+          <a:prstGeom prst="line">
+            <a:avLst/>
+          </a:prstGeom>
+          <a:ln/>
+        </p:spPr>
+        <p:style>
+          <a:lnRef idx="3">
+            <a:schemeClr val="dk1"/>
+          </a:lnRef>
+          <a:fillRef idx="0">
+            <a:schemeClr val="dk1"/>
+          </a:fillRef>
+          <a:effectRef idx="2">
+            <a:schemeClr val="dk1"/>
+          </a:effectRef>
+          <a:fontRef idx="minor">
+            <a:schemeClr val="tx1"/>
+          </a:fontRef>
+        </p:style>
+      </p:cxnSp>
+      <p:sp>
+        <p:nvSpPr>
+          <p:cNvPr id="6" name="슬라이드 번호 개체 틀 5"/>
+          <p:cNvSpPr>
+            <a:spLocks noGrp="1"/>
+          </p:cNvSpPr>
+          <p:nvPr>
+            <p:ph type="sldNum" sz="quarter" idx="12"/>
+          </p:nvPr>
+        </p:nvSpPr>
+        <p:spPr/>
+        <p:txBody>
+          <a:bodyPr/>
+          <a:lstStyle/>
+          <a:p>
+            <a:fld id="{A8B9FC14-406C-4F77-A652-54400BDED16B}" type="slidenum">
+              <a:rPr lang="ko-KR" altLang="en-US" smtClean="0"/>
+              <a:pPr/>
+              <a:t>13</a:t>
             </a:fld>
             <a:endParaRPr lang="ko-KR" altLang="en-US"/>
           </a:p>
@@ -5580,7 +7384,7 @@
 </p:sld>
 </file>
 
-<file path=ppt/slides/slide12.xml><?xml version="1.0" encoding="utf-8"?>
+<file path=ppt/slides/slide14.xml><?xml version="1.0" encoding="utf-8"?>
 <p:sld xmlns:a="http://schemas.openxmlformats.org/drawingml/2006/main" xmlns:r="http://schemas.openxmlformats.org/officeDocument/2006/relationships" xmlns:p="http://schemas.openxmlformats.org/presentationml/2006/main">
   <p:cSld>
     <p:spTree>
@@ -5702,7 +7506,7 @@
             <a:fld id="{A8B9FC14-406C-4F77-A652-54400BDED16B}" type="slidenum">
               <a:rPr lang="ko-KR" altLang="en-US" smtClean="0"/>
               <a:pPr/>
-              <a:t>12</a:t>
+              <a:t>14</a:t>
             </a:fld>
             <a:endParaRPr lang="ko-KR" altLang="en-US"/>
           </a:p>
@@ -6114,6 +7918,244 @@
           </a:p>
         </p:txBody>
       </p:sp>
+      <p:sp>
+        <p:nvSpPr>
+          <p:cNvPr id="15" name="직사각형 14">
+            <a:extLst>
+              <a:ext uri="{FF2B5EF4-FFF2-40B4-BE49-F238E27FC236}">
+                <a16:creationId xmlns:a16="http://schemas.microsoft.com/office/drawing/2014/main" id="{E9F15D46-6D3A-4363-93FA-610327AB92DF}"/>
+              </a:ext>
+            </a:extLst>
+          </p:cNvPr>
+          <p:cNvSpPr/>
+          <p:nvPr/>
+        </p:nvSpPr>
+        <p:spPr>
+          <a:xfrm>
+            <a:off x="7117510" y="3847115"/>
+            <a:ext cx="4552591" cy="2209443"/>
+          </a:xfrm>
+          <a:prstGeom prst="rect">
+            <a:avLst/>
+          </a:prstGeom>
+          <a:noFill/>
+          <a:ln>
+            <a:solidFill>
+              <a:schemeClr val="tx1"/>
+            </a:solidFill>
+          </a:ln>
+          <a:effectLst>
+            <a:outerShdw blurRad="50800" dist="38100" dir="5400000" algn="t" rotWithShape="0">
+              <a:prstClr val="black">
+                <a:alpha val="40000"/>
+              </a:prstClr>
+            </a:outerShdw>
+          </a:effectLst>
+        </p:spPr>
+        <p:style>
+          <a:lnRef idx="2">
+            <a:schemeClr val="accent1">
+              <a:shade val="50000"/>
+            </a:schemeClr>
+          </a:lnRef>
+          <a:fillRef idx="1">
+            <a:schemeClr val="accent1"/>
+          </a:fillRef>
+          <a:effectRef idx="0">
+            <a:schemeClr val="accent1"/>
+          </a:effectRef>
+          <a:fontRef idx="minor">
+            <a:schemeClr val="lt1"/>
+          </a:fontRef>
+        </p:style>
+        <p:txBody>
+          <a:bodyPr rtlCol="0" anchor="ctr"/>
+          <a:lstStyle/>
+          <a:p>
+            <a:pPr algn="ctr"/>
+            <a:endParaRPr lang="ko-KR" altLang="en-US"/>
+          </a:p>
+        </p:txBody>
+      </p:sp>
+      <p:sp>
+        <p:nvSpPr>
+          <p:cNvPr id="16" name="직사각형 15">
+            <a:extLst>
+              <a:ext uri="{FF2B5EF4-FFF2-40B4-BE49-F238E27FC236}">
+                <a16:creationId xmlns:a16="http://schemas.microsoft.com/office/drawing/2014/main" id="{048FC987-7429-452D-ABBB-30F1DA52C2F3}"/>
+              </a:ext>
+            </a:extLst>
+          </p:cNvPr>
+          <p:cNvSpPr/>
+          <p:nvPr/>
+        </p:nvSpPr>
+        <p:spPr>
+          <a:xfrm>
+            <a:off x="7117510" y="3847115"/>
+            <a:ext cx="5619390" cy="759670"/>
+          </a:xfrm>
+          <a:prstGeom prst="rect">
+            <a:avLst/>
+          </a:prstGeom>
+          <a:noFill/>
+          <a:ln>
+            <a:noFill/>
+          </a:ln>
+          <a:effectLst/>
+        </p:spPr>
+        <p:style>
+          <a:lnRef idx="2">
+            <a:schemeClr val="accent1">
+              <a:shade val="50000"/>
+            </a:schemeClr>
+          </a:lnRef>
+          <a:fillRef idx="1">
+            <a:schemeClr val="accent1"/>
+          </a:fillRef>
+          <a:effectRef idx="0">
+            <a:schemeClr val="accent1"/>
+          </a:effectRef>
+          <a:fontRef idx="minor">
+            <a:schemeClr val="lt1"/>
+          </a:fontRef>
+        </p:style>
+        <p:txBody>
+          <a:bodyPr rtlCol="0" anchor="ctr"/>
+          <a:lstStyle/>
+          <a:p>
+            <a:r>
+              <a:rPr lang="en-US" altLang="ko-KR" b="1" dirty="0" err="1">
+                <a:solidFill>
+                  <a:schemeClr val="tx1"/>
+                </a:solidFill>
+                <a:latin typeface="Abadi Extra Light" panose="020B0204020104020204" pitchFamily="34" charset="0"/>
+              </a:rPr>
+              <a:t>dmesg</a:t>
+            </a:r>
+            <a:r>
+              <a:rPr lang="en-US" altLang="ko-KR" dirty="0">
+                <a:solidFill>
+                  <a:schemeClr val="tx1"/>
+                </a:solidFill>
+                <a:latin typeface="Abadi Extra Light" panose="020B0204020104020204" pitchFamily="34" charset="0"/>
+              </a:rPr>
+              <a:t> : display message buffer (in Kernel)</a:t>
+            </a:r>
+          </a:p>
+          <a:p>
+            <a:endParaRPr lang="en-US" altLang="ko-KR" dirty="0">
+              <a:solidFill>
+                <a:schemeClr val="tx1"/>
+              </a:solidFill>
+              <a:latin typeface="Abadi Extra Light" panose="020B0204020104020204" pitchFamily="34" charset="0"/>
+            </a:endParaRPr>
+          </a:p>
+        </p:txBody>
+      </p:sp>
+      <p:pic>
+        <p:nvPicPr>
+          <p:cNvPr id="17" name="그림 16">
+            <a:extLst>
+              <a:ext uri="{FF2B5EF4-FFF2-40B4-BE49-F238E27FC236}">
+                <a16:creationId xmlns:a16="http://schemas.microsoft.com/office/drawing/2014/main" id="{96267F4B-E5D5-43AC-88E1-A07971204C3B}"/>
+              </a:ext>
+            </a:extLst>
+          </p:cNvPr>
+          <p:cNvPicPr>
+            <a:picLocks noChangeAspect="1"/>
+          </p:cNvPicPr>
+          <p:nvPr/>
+        </p:nvPicPr>
+        <p:blipFill>
+          <a:blip r:embed="rId4"/>
+          <a:stretch>
+            <a:fillRect/>
+          </a:stretch>
+        </p:blipFill>
+        <p:spPr>
+          <a:xfrm>
+            <a:off x="7206415" y="4295824"/>
+            <a:ext cx="4305536" cy="1530581"/>
+          </a:xfrm>
+          <a:prstGeom prst="rect">
+            <a:avLst/>
+          </a:prstGeom>
+        </p:spPr>
+      </p:pic>
+      <p:sp>
+        <p:nvSpPr>
+          <p:cNvPr id="18" name="직사각형 17">
+            <a:extLst>
+              <a:ext uri="{FF2B5EF4-FFF2-40B4-BE49-F238E27FC236}">
+                <a16:creationId xmlns:a16="http://schemas.microsoft.com/office/drawing/2014/main" id="{323F4B17-2032-4E37-A42B-66FA037558BE}"/>
+              </a:ext>
+            </a:extLst>
+          </p:cNvPr>
+          <p:cNvSpPr/>
+          <p:nvPr/>
+        </p:nvSpPr>
+        <p:spPr>
+          <a:xfrm>
+            <a:off x="8860406" y="5536651"/>
+            <a:ext cx="5619390" cy="759670"/>
+          </a:xfrm>
+          <a:prstGeom prst="rect">
+            <a:avLst/>
+          </a:prstGeom>
+          <a:noFill/>
+          <a:ln>
+            <a:noFill/>
+          </a:ln>
+          <a:effectLst/>
+        </p:spPr>
+        <p:style>
+          <a:lnRef idx="2">
+            <a:schemeClr val="accent1">
+              <a:shade val="50000"/>
+            </a:schemeClr>
+          </a:lnRef>
+          <a:fillRef idx="1">
+            <a:schemeClr val="accent1"/>
+          </a:fillRef>
+          <a:effectRef idx="0">
+            <a:schemeClr val="accent1"/>
+          </a:effectRef>
+          <a:fontRef idx="minor">
+            <a:schemeClr val="lt1"/>
+          </a:fontRef>
+        </p:style>
+        <p:txBody>
+          <a:bodyPr rtlCol="0" anchor="ctr"/>
+          <a:lstStyle/>
+          <a:p>
+            <a:r>
+              <a:rPr lang="en-US" altLang="ko-KR" sz="1200" b="1" dirty="0">
+                <a:solidFill>
+                  <a:schemeClr val="tx1"/>
+                </a:solidFill>
+                <a:latin typeface="Abadi Extra Light" panose="020B0204020104020204" pitchFamily="34" charset="0"/>
+                <a:hlinkClick r:id="rId5"/>
+              </a:rPr>
+              <a:t>https://www.freebsd.org/cgi/man.cgi?dmesg</a:t>
+            </a:r>
+            <a:r>
+              <a:rPr lang="en-US" altLang="ko-KR" sz="1200" b="1" dirty="0">
+                <a:solidFill>
+                  <a:schemeClr val="tx1"/>
+                </a:solidFill>
+                <a:latin typeface="Abadi Extra Light" panose="020B0204020104020204" pitchFamily="34" charset="0"/>
+              </a:rPr>
+              <a:t> </a:t>
+            </a:r>
+            <a:endParaRPr lang="en-US" altLang="ko-KR" sz="1200" dirty="0">
+              <a:solidFill>
+                <a:schemeClr val="tx1"/>
+              </a:solidFill>
+              <a:latin typeface="Abadi Extra Light" panose="020B0204020104020204" pitchFamily="34" charset="0"/>
+            </a:endParaRPr>
+          </a:p>
+        </p:txBody>
+      </p:sp>
     </p:spTree>
     <p:extLst>
       <p:ext uri="{BB962C8B-B14F-4D97-AF65-F5344CB8AC3E}">
@@ -6127,7 +8169,7 @@
 </p:sld>
 </file>
 
-<file path=ppt/slides/slide13.xml><?xml version="1.0" encoding="utf-8"?>
+<file path=ppt/slides/slide15.xml><?xml version="1.0" encoding="utf-8"?>
 <p:sld xmlns:a="http://schemas.openxmlformats.org/drawingml/2006/main" xmlns:r="http://schemas.openxmlformats.org/officeDocument/2006/relationships" xmlns:p="http://schemas.openxmlformats.org/presentationml/2006/main">
   <p:cSld>
     <p:spTree>
@@ -6249,7 +8291,7 @@
             <a:fld id="{A8B9FC14-406C-4F77-A652-54400BDED16B}" type="slidenum">
               <a:rPr lang="ko-KR" altLang="en-US" smtClean="0"/>
               <a:pPr/>
-              <a:t>13</a:t>
+              <a:t>15</a:t>
             </a:fld>
             <a:endParaRPr lang="ko-KR" altLang="en-US"/>
           </a:p>
@@ -6568,847 +8610,363 @@
           </a:p>
         </p:txBody>
       </p:sp>
+      <p:pic>
+        <p:nvPicPr>
+          <p:cNvPr id="4" name="그림 3">
+            <a:extLst>
+              <a:ext uri="{FF2B5EF4-FFF2-40B4-BE49-F238E27FC236}">
+                <a16:creationId xmlns:a16="http://schemas.microsoft.com/office/drawing/2014/main" id="{8BE64140-7FD7-41FC-AF8D-4DEF39F36B30}"/>
+              </a:ext>
+            </a:extLst>
+          </p:cNvPr>
+          <p:cNvPicPr>
+            <a:picLocks noChangeAspect="1"/>
+          </p:cNvPicPr>
+          <p:nvPr/>
+        </p:nvPicPr>
+        <p:blipFill rotWithShape="1">
+          <a:blip r:embed="rId2"/>
+          <a:srcRect l="666"/>
+          <a:stretch/>
+        </p:blipFill>
+        <p:spPr>
+          <a:xfrm>
+            <a:off x="5556216" y="2766074"/>
+            <a:ext cx="6642999" cy="2343477"/>
+          </a:xfrm>
+          <a:prstGeom prst="rect">
+            <a:avLst/>
+          </a:prstGeom>
+        </p:spPr>
+      </p:pic>
+      <p:sp>
+        <p:nvSpPr>
+          <p:cNvPr id="9" name="직사각형 8">
+            <a:extLst>
+              <a:ext uri="{FF2B5EF4-FFF2-40B4-BE49-F238E27FC236}">
+                <a16:creationId xmlns:a16="http://schemas.microsoft.com/office/drawing/2014/main" id="{F4F4BFDE-BBF5-47C1-9C6C-6BA1EC2831F2}"/>
+              </a:ext>
+            </a:extLst>
+          </p:cNvPr>
+          <p:cNvSpPr/>
+          <p:nvPr/>
+        </p:nvSpPr>
+        <p:spPr>
+          <a:xfrm>
+            <a:off x="5511732" y="4739465"/>
+            <a:ext cx="4237008" cy="461368"/>
+          </a:xfrm>
+          <a:prstGeom prst="rect">
+            <a:avLst/>
+          </a:prstGeom>
+          <a:noFill/>
+          <a:ln>
+            <a:solidFill>
+              <a:schemeClr val="tx1"/>
+            </a:solidFill>
+          </a:ln>
+          <a:effectLst>
+            <a:outerShdw blurRad="50800" dist="38100" dir="5400000" algn="t" rotWithShape="0">
+              <a:prstClr val="black">
+                <a:alpha val="40000"/>
+              </a:prstClr>
+            </a:outerShdw>
+          </a:effectLst>
+        </p:spPr>
+        <p:style>
+          <a:lnRef idx="2">
+            <a:schemeClr val="accent1">
+              <a:shade val="50000"/>
+            </a:schemeClr>
+          </a:lnRef>
+          <a:fillRef idx="1">
+            <a:schemeClr val="accent1"/>
+          </a:fillRef>
+          <a:effectRef idx="0">
+            <a:schemeClr val="accent1"/>
+          </a:effectRef>
+          <a:fontRef idx="minor">
+            <a:schemeClr val="lt1"/>
+          </a:fontRef>
+        </p:style>
+        <p:txBody>
+          <a:bodyPr rtlCol="0" anchor="ctr"/>
+          <a:lstStyle/>
+          <a:p>
+            <a:pPr algn="ctr"/>
+            <a:endParaRPr lang="ko-KR" altLang="en-US"/>
+          </a:p>
+        </p:txBody>
+      </p:sp>
+      <p:pic>
+        <p:nvPicPr>
+          <p:cNvPr id="10" name="그림 9">
+            <a:extLst>
+              <a:ext uri="{FF2B5EF4-FFF2-40B4-BE49-F238E27FC236}">
+                <a16:creationId xmlns:a16="http://schemas.microsoft.com/office/drawing/2014/main" id="{528D24A9-3DB7-4AD5-B642-76D547F883F3}"/>
+              </a:ext>
+            </a:extLst>
+          </p:cNvPr>
+          <p:cNvPicPr>
+            <a:picLocks noChangeAspect="1"/>
+          </p:cNvPicPr>
+          <p:nvPr/>
+        </p:nvPicPr>
+        <p:blipFill rotWithShape="1">
+          <a:blip r:embed="rId3"/>
+          <a:srcRect t="515"/>
+          <a:stretch/>
+        </p:blipFill>
+        <p:spPr>
+          <a:xfrm>
+            <a:off x="362309" y="1697346"/>
+            <a:ext cx="4932067" cy="4898688"/>
+          </a:xfrm>
+          <a:prstGeom prst="rect">
+            <a:avLst/>
+          </a:prstGeom>
+        </p:spPr>
+      </p:pic>
+      <p:sp>
+        <p:nvSpPr>
+          <p:cNvPr id="13" name="직사각형 12">
+            <a:extLst>
+              <a:ext uri="{FF2B5EF4-FFF2-40B4-BE49-F238E27FC236}">
+                <a16:creationId xmlns:a16="http://schemas.microsoft.com/office/drawing/2014/main" id="{78389560-2503-4748-B412-7650513300DF}"/>
+              </a:ext>
+            </a:extLst>
+          </p:cNvPr>
+          <p:cNvSpPr/>
+          <p:nvPr/>
+        </p:nvSpPr>
+        <p:spPr>
+          <a:xfrm>
+            <a:off x="347071" y="1648370"/>
+            <a:ext cx="4932066" cy="4947661"/>
+          </a:xfrm>
+          <a:prstGeom prst="rect">
+            <a:avLst/>
+          </a:prstGeom>
+          <a:noFill/>
+          <a:ln>
+            <a:solidFill>
+              <a:schemeClr val="tx1"/>
+            </a:solidFill>
+          </a:ln>
+          <a:effectLst>
+            <a:outerShdw blurRad="50800" dist="38100" dir="5400000" algn="t" rotWithShape="0">
+              <a:prstClr val="black">
+                <a:alpha val="40000"/>
+              </a:prstClr>
+            </a:outerShdw>
+          </a:effectLst>
+        </p:spPr>
+        <p:style>
+          <a:lnRef idx="2">
+            <a:schemeClr val="accent1">
+              <a:shade val="50000"/>
+            </a:schemeClr>
+          </a:lnRef>
+          <a:fillRef idx="1">
+            <a:schemeClr val="accent1"/>
+          </a:fillRef>
+          <a:effectRef idx="0">
+            <a:schemeClr val="accent1"/>
+          </a:effectRef>
+          <a:fontRef idx="minor">
+            <a:schemeClr val="lt1"/>
+          </a:fontRef>
+        </p:style>
+        <p:txBody>
+          <a:bodyPr rtlCol="0" anchor="ctr"/>
+          <a:lstStyle/>
+          <a:p>
+            <a:pPr algn="ctr"/>
+            <a:endParaRPr lang="ko-KR" altLang="en-US"/>
+          </a:p>
+        </p:txBody>
+      </p:sp>
+      <p:sp>
+        <p:nvSpPr>
+          <p:cNvPr id="14" name="직사각형 13">
+            <a:extLst>
+              <a:ext uri="{FF2B5EF4-FFF2-40B4-BE49-F238E27FC236}">
+                <a16:creationId xmlns:a16="http://schemas.microsoft.com/office/drawing/2014/main" id="{259EEA6A-1947-489E-8E30-27E12836B03D}"/>
+              </a:ext>
+            </a:extLst>
+          </p:cNvPr>
+          <p:cNvSpPr/>
+          <p:nvPr/>
+        </p:nvSpPr>
+        <p:spPr>
+          <a:xfrm>
+            <a:off x="406794" y="2350008"/>
+            <a:ext cx="4508106" cy="329692"/>
+          </a:xfrm>
+          <a:prstGeom prst="rect">
+            <a:avLst/>
+          </a:prstGeom>
+          <a:noFill/>
+          <a:ln>
+            <a:solidFill>
+              <a:schemeClr val="tx1"/>
+            </a:solidFill>
+          </a:ln>
+          <a:effectLst>
+            <a:outerShdw blurRad="50800" dist="38100" dir="5400000" algn="t" rotWithShape="0">
+              <a:prstClr val="black">
+                <a:alpha val="40000"/>
+              </a:prstClr>
+            </a:outerShdw>
+          </a:effectLst>
+        </p:spPr>
+        <p:style>
+          <a:lnRef idx="2">
+            <a:schemeClr val="accent1">
+              <a:shade val="50000"/>
+            </a:schemeClr>
+          </a:lnRef>
+          <a:fillRef idx="1">
+            <a:schemeClr val="accent1"/>
+          </a:fillRef>
+          <a:effectRef idx="0">
+            <a:schemeClr val="accent1"/>
+          </a:effectRef>
+          <a:fontRef idx="minor">
+            <a:schemeClr val="lt1"/>
+          </a:fontRef>
+        </p:style>
+        <p:txBody>
+          <a:bodyPr rtlCol="0" anchor="ctr"/>
+          <a:lstStyle/>
+          <a:p>
+            <a:pPr algn="ctr"/>
+            <a:endParaRPr lang="ko-KR" altLang="en-US"/>
+          </a:p>
+        </p:txBody>
+      </p:sp>
+      <p:sp>
+        <p:nvSpPr>
+          <p:cNvPr id="15" name="직사각형 14">
+            <a:extLst>
+              <a:ext uri="{FF2B5EF4-FFF2-40B4-BE49-F238E27FC236}">
+                <a16:creationId xmlns:a16="http://schemas.microsoft.com/office/drawing/2014/main" id="{B746F586-1693-4A92-AC2E-5A02D3DC50C3}"/>
+              </a:ext>
+            </a:extLst>
+          </p:cNvPr>
+          <p:cNvSpPr/>
+          <p:nvPr/>
+        </p:nvSpPr>
+        <p:spPr>
+          <a:xfrm>
+            <a:off x="406794" y="1966297"/>
+            <a:ext cx="4508106" cy="159330"/>
+          </a:xfrm>
+          <a:prstGeom prst="rect">
+            <a:avLst/>
+          </a:prstGeom>
+          <a:noFill/>
+          <a:ln>
+            <a:solidFill>
+              <a:schemeClr val="tx1"/>
+            </a:solidFill>
+          </a:ln>
+          <a:effectLst>
+            <a:outerShdw blurRad="50800" dist="38100" dir="5400000" algn="t" rotWithShape="0">
+              <a:prstClr val="black">
+                <a:alpha val="40000"/>
+              </a:prstClr>
+            </a:outerShdw>
+          </a:effectLst>
+        </p:spPr>
+        <p:style>
+          <a:lnRef idx="2">
+            <a:schemeClr val="accent1">
+              <a:shade val="50000"/>
+            </a:schemeClr>
+          </a:lnRef>
+          <a:fillRef idx="1">
+            <a:schemeClr val="accent1"/>
+          </a:fillRef>
+          <a:effectRef idx="0">
+            <a:schemeClr val="accent1"/>
+          </a:effectRef>
+          <a:fontRef idx="minor">
+            <a:schemeClr val="lt1"/>
+          </a:fontRef>
+        </p:style>
+        <p:txBody>
+          <a:bodyPr rtlCol="0" anchor="ctr"/>
+          <a:lstStyle/>
+          <a:p>
+            <a:pPr algn="ctr"/>
+            <a:endParaRPr lang="ko-KR" altLang="en-US"/>
+          </a:p>
+        </p:txBody>
+      </p:sp>
+      <p:sp>
+        <p:nvSpPr>
+          <p:cNvPr id="16" name="직사각형 15">
+            <a:extLst>
+              <a:ext uri="{FF2B5EF4-FFF2-40B4-BE49-F238E27FC236}">
+                <a16:creationId xmlns:a16="http://schemas.microsoft.com/office/drawing/2014/main" id="{BB3825C5-0F0D-4A57-B451-125AA19B7A1F}"/>
+              </a:ext>
+            </a:extLst>
+          </p:cNvPr>
+          <p:cNvSpPr/>
+          <p:nvPr/>
+        </p:nvSpPr>
+        <p:spPr>
+          <a:xfrm>
+            <a:off x="406794" y="4214813"/>
+            <a:ext cx="4508106" cy="273367"/>
+          </a:xfrm>
+          <a:prstGeom prst="rect">
+            <a:avLst/>
+          </a:prstGeom>
+          <a:noFill/>
+          <a:ln>
+            <a:solidFill>
+              <a:schemeClr val="tx1"/>
+            </a:solidFill>
+          </a:ln>
+          <a:effectLst>
+            <a:outerShdw blurRad="50800" dist="38100" dir="5400000" algn="t" rotWithShape="0">
+              <a:prstClr val="black">
+                <a:alpha val="40000"/>
+              </a:prstClr>
+            </a:outerShdw>
+          </a:effectLst>
+        </p:spPr>
+        <p:style>
+          <a:lnRef idx="2">
+            <a:schemeClr val="accent1">
+              <a:shade val="50000"/>
+            </a:schemeClr>
+          </a:lnRef>
+          <a:fillRef idx="1">
+            <a:schemeClr val="accent1"/>
+          </a:fillRef>
+          <a:effectRef idx="0">
+            <a:schemeClr val="accent1"/>
+          </a:effectRef>
+          <a:fontRef idx="minor">
+            <a:schemeClr val="lt1"/>
+          </a:fontRef>
+        </p:style>
+        <p:txBody>
+          <a:bodyPr rtlCol="0" anchor="ctr"/>
+          <a:lstStyle/>
+          <a:p>
+            <a:pPr algn="ctr"/>
+            <a:endParaRPr lang="ko-KR" altLang="en-US"/>
+          </a:p>
+        </p:txBody>
+      </p:sp>
     </p:spTree>
     <p:extLst>
       <p:ext uri="{BB962C8B-B14F-4D97-AF65-F5344CB8AC3E}">
         <p14:creationId xmlns:p14="http://schemas.microsoft.com/office/powerpoint/2010/main" val="1964790535"/>
-      </p:ext>
-    </p:extLst>
-  </p:cSld>
-  <p:clrMapOvr>
-    <a:masterClrMapping/>
-  </p:clrMapOvr>
-</p:sld>
-</file>
-
-<file path=ppt/slides/slide14.xml><?xml version="1.0" encoding="utf-8"?>
-<p:sld xmlns:a="http://schemas.openxmlformats.org/drawingml/2006/main" xmlns:r="http://schemas.openxmlformats.org/officeDocument/2006/relationships" xmlns:p="http://schemas.openxmlformats.org/presentationml/2006/main">
-  <p:cSld>
-    <p:spTree>
-      <p:nvGrpSpPr>
-        <p:cNvPr id="1" name=""/>
-        <p:cNvGrpSpPr/>
-        <p:nvPr/>
-      </p:nvGrpSpPr>
-      <p:grpSpPr>
-        <a:xfrm>
-          <a:off x="0" y="0"/>
-          <a:ext cx="0" cy="0"/>
-          <a:chOff x="0" y="0"/>
-          <a:chExt cx="0" cy="0"/>
-        </a:xfrm>
-      </p:grpSpPr>
-      <p:sp>
-        <p:nvSpPr>
-          <p:cNvPr id="2" name="제목 1"/>
-          <p:cNvSpPr>
-            <a:spLocks noGrp="1"/>
-          </p:cNvSpPr>
-          <p:nvPr>
-            <p:ph type="title"/>
-          </p:nvPr>
-        </p:nvSpPr>
-        <p:spPr>
-          <a:xfrm>
-            <a:off x="838200" y="261966"/>
-            <a:ext cx="10515600" cy="669686"/>
-          </a:xfrm>
-        </p:spPr>
-        <p:txBody>
-          <a:bodyPr>
-            <a:normAutofit/>
-          </a:bodyPr>
-          <a:lstStyle/>
-          <a:p>
-            <a:pPr algn="ctr"/>
-            <a:r>
-              <a:rPr lang="en-US" altLang="ko-KR" sz="3200" dirty="0">
-                <a:solidFill>
-                  <a:srgbClr val="FF0000"/>
-                </a:solidFill>
-                <a:latin typeface="Arial" panose="020B0604020202020204" pitchFamily="34" charset="0"/>
-                <a:ea typeface="AppleSDGothicNeoM00" panose="02000503000000000000" pitchFamily="2" charset="-127"/>
-                <a:cs typeface="Arial" panose="020B0604020202020204" pitchFamily="34" charset="0"/>
-              </a:rPr>
-              <a:t>Linux Kernel Module </a:t>
-            </a:r>
-            <a:r>
-              <a:rPr lang="en-US" altLang="ko-KR" sz="3200" dirty="0">
-                <a:solidFill>
-                  <a:srgbClr val="FF0000"/>
-                </a:solidFill>
-                <a:latin typeface="Abadi Extra Light" panose="020B0204020104020204" pitchFamily="34" charset="0"/>
-                <a:ea typeface="AppleSDGothicNeoM00" panose="02000503000000000000" pitchFamily="2" charset="-127"/>
-                <a:cs typeface="Arial" panose="020B0604020202020204" pitchFamily="34" charset="0"/>
-              </a:rPr>
-              <a:t>: Example</a:t>
-            </a:r>
-            <a:endParaRPr lang="ko-KR" altLang="en-US" sz="3200" dirty="0">
-              <a:solidFill>
-                <a:srgbClr val="FF0000"/>
-              </a:solidFill>
-              <a:latin typeface="Arial" panose="020B0604020202020204" pitchFamily="34" charset="0"/>
-              <a:ea typeface="AppleSDGothicNeoM00" panose="02000503000000000000" pitchFamily="2" charset="-127"/>
-              <a:cs typeface="Arial" panose="020B0604020202020204" pitchFamily="34" charset="0"/>
-            </a:endParaRPr>
-          </a:p>
-        </p:txBody>
-      </p:sp>
-      <p:cxnSp>
-        <p:nvCxnSpPr>
-          <p:cNvPr id="5" name="직선 연결선 4"/>
-          <p:cNvCxnSpPr/>
-          <p:nvPr/>
-        </p:nvCxnSpPr>
-        <p:spPr>
-          <a:xfrm>
-            <a:off x="362309" y="992036"/>
-            <a:ext cx="11499011" cy="0"/>
-          </a:xfrm>
-          <a:prstGeom prst="line">
-            <a:avLst/>
-          </a:prstGeom>
-          <a:ln/>
-        </p:spPr>
-        <p:style>
-          <a:lnRef idx="3">
-            <a:schemeClr val="dk1"/>
-          </a:lnRef>
-          <a:fillRef idx="0">
-            <a:schemeClr val="dk1"/>
-          </a:fillRef>
-          <a:effectRef idx="2">
-            <a:schemeClr val="dk1"/>
-          </a:effectRef>
-          <a:fontRef idx="minor">
-            <a:schemeClr val="tx1"/>
-          </a:fontRef>
-        </p:style>
-      </p:cxnSp>
-      <p:sp>
-        <p:nvSpPr>
-          <p:cNvPr id="6" name="슬라이드 번호 개체 틀 5"/>
-          <p:cNvSpPr>
-            <a:spLocks noGrp="1"/>
-          </p:cNvSpPr>
-          <p:nvPr>
-            <p:ph type="sldNum" sz="quarter" idx="12"/>
-          </p:nvPr>
-        </p:nvSpPr>
-        <p:spPr/>
-        <p:txBody>
-          <a:bodyPr/>
-          <a:lstStyle/>
-          <a:p>
-            <a:fld id="{A8B9FC14-406C-4F77-A652-54400BDED16B}" type="slidenum">
-              <a:rPr lang="ko-KR" altLang="en-US" smtClean="0"/>
-              <a:pPr/>
-              <a:t>14</a:t>
-            </a:fld>
-            <a:endParaRPr lang="ko-KR" altLang="en-US"/>
-          </a:p>
-        </p:txBody>
-      </p:sp>
-      <p:sp>
-        <p:nvSpPr>
-          <p:cNvPr id="12" name="내용 개체 틀 2">
-            <a:extLst>
-              <a:ext uri="{FF2B5EF4-FFF2-40B4-BE49-F238E27FC236}">
-                <a16:creationId xmlns:a16="http://schemas.microsoft.com/office/drawing/2014/main" id="{68A87799-3833-491D-AAF3-98EB8F6036B6}"/>
-              </a:ext>
-            </a:extLst>
-          </p:cNvPr>
-          <p:cNvSpPr>
-            <a:spLocks noGrp="1"/>
-          </p:cNvSpPr>
-          <p:nvPr>
-            <p:ph idx="1"/>
-          </p:nvPr>
-        </p:nvSpPr>
-        <p:spPr>
-          <a:xfrm>
-            <a:off x="838200" y="1147318"/>
-            <a:ext cx="10515600" cy="4813989"/>
-          </a:xfrm>
-        </p:spPr>
-        <p:txBody>
-          <a:bodyPr/>
-          <a:lstStyle/>
-          <a:p>
-            <a:pPr>
-              <a:lnSpc>
-                <a:spcPct val="100000"/>
-              </a:lnSpc>
-              <a:buFont typeface="Wingdings" panose="05000000000000000000" pitchFamily="2" charset="2"/>
-              <a:buChar char="§"/>
-            </a:pPr>
-            <a:r>
-              <a:rPr lang="en-US" altLang="ko-KR" dirty="0" err="1">
-                <a:latin typeface="Arial Unicode MS" pitchFamily="50" charset="-127"/>
-                <a:ea typeface="Arial Unicode MS" pitchFamily="50" charset="-127"/>
-                <a:cs typeface="Arial Unicode MS" pitchFamily="50" charset="-127"/>
-              </a:rPr>
-              <a:t>en_workqueue.ko</a:t>
-            </a:r>
-            <a:endParaRPr lang="en-US" altLang="ko-KR" dirty="0">
-              <a:latin typeface="Arial Unicode MS" pitchFamily="50" charset="-127"/>
-              <a:ea typeface="Arial Unicode MS" pitchFamily="50" charset="-127"/>
-              <a:cs typeface="Arial Unicode MS" pitchFamily="50" charset="-127"/>
-            </a:endParaRPr>
-          </a:p>
-          <a:p>
-            <a:pPr>
-              <a:lnSpc>
-                <a:spcPct val="100000"/>
-              </a:lnSpc>
-              <a:buFont typeface="Wingdings" panose="05000000000000000000" pitchFamily="2" charset="2"/>
-              <a:buChar char="§"/>
-            </a:pPr>
-            <a:endParaRPr lang="en-US" altLang="ko-KR" dirty="0">
-              <a:latin typeface="Arial" panose="020B0604020202020204" pitchFamily="34" charset="0"/>
-              <a:cs typeface="Arial" panose="020B0604020202020204" pitchFamily="34" charset="0"/>
-            </a:endParaRPr>
-          </a:p>
-          <a:p>
-            <a:pPr>
-              <a:lnSpc>
-                <a:spcPct val="100000"/>
-              </a:lnSpc>
-              <a:buFont typeface="Wingdings" panose="05000000000000000000" pitchFamily="2" charset="2"/>
-              <a:buChar char="§"/>
-            </a:pPr>
-            <a:endParaRPr lang="en-US" altLang="ko-KR" dirty="0">
-              <a:latin typeface="Arial" panose="020B0604020202020204" pitchFamily="34" charset="0"/>
-              <a:cs typeface="Arial" panose="020B0604020202020204" pitchFamily="34" charset="0"/>
-            </a:endParaRPr>
-          </a:p>
-          <a:p>
-            <a:pPr marL="0" indent="0">
-              <a:lnSpc>
-                <a:spcPct val="100000"/>
-              </a:lnSpc>
-              <a:buNone/>
-            </a:pPr>
-            <a:endParaRPr lang="ko-KR" altLang="en-US" dirty="0">
-              <a:latin typeface="Arial" panose="020B0604020202020204" pitchFamily="34" charset="0"/>
-              <a:cs typeface="Arial" panose="020B0604020202020204" pitchFamily="34" charset="0"/>
-            </a:endParaRPr>
-          </a:p>
-        </p:txBody>
-      </p:sp>
-      <p:sp>
-        <p:nvSpPr>
-          <p:cNvPr id="7" name="내용 개체 틀 2">
-            <a:extLst>
-              <a:ext uri="{FF2B5EF4-FFF2-40B4-BE49-F238E27FC236}">
-                <a16:creationId xmlns:a16="http://schemas.microsoft.com/office/drawing/2014/main" id="{47B694E3-5647-42FB-8636-A7405A94B4D3}"/>
-              </a:ext>
-            </a:extLst>
-          </p:cNvPr>
-          <p:cNvSpPr txBox="1">
-            <a:spLocks/>
-          </p:cNvSpPr>
-          <p:nvPr/>
-        </p:nvSpPr>
-        <p:spPr>
-          <a:xfrm>
-            <a:off x="5556216" y="6060629"/>
-            <a:ext cx="6553200" cy="478282"/>
-          </a:xfrm>
-          <a:prstGeom prst="rect">
-            <a:avLst/>
-          </a:prstGeom>
-        </p:spPr>
-        <p:txBody>
-          <a:bodyPr vert="horz" lIns="91440" tIns="45720" rIns="91440" bIns="45720" rtlCol="0">
-            <a:normAutofit fontScale="47500" lnSpcReduction="20000"/>
-          </a:bodyPr>
-          <a:lstStyle>
-            <a:lvl1pPr marL="228600" indent="-228600" algn="l" defTabSz="914400" rtl="0" eaLnBrk="1" latinLnBrk="1" hangingPunct="1">
-              <a:lnSpc>
-                <a:spcPct val="90000"/>
-              </a:lnSpc>
-              <a:spcBef>
-                <a:spcPts val="1000"/>
-              </a:spcBef>
-              <a:buFont typeface="Arial" panose="020B0604020202020204" pitchFamily="34" charset="0"/>
-              <a:buChar char="•"/>
-              <a:defRPr sz="2800" kern="1200">
-                <a:solidFill>
-                  <a:schemeClr val="tx1"/>
-                </a:solidFill>
-                <a:latin typeface="+mn-lt"/>
-                <a:ea typeface="+mn-ea"/>
-                <a:cs typeface="+mn-cs"/>
-              </a:defRPr>
-            </a:lvl1pPr>
-            <a:lvl2pPr marL="685800" indent="-228600" algn="l" defTabSz="914400" rtl="0" eaLnBrk="1" latinLnBrk="1" hangingPunct="1">
-              <a:lnSpc>
-                <a:spcPct val="90000"/>
-              </a:lnSpc>
-              <a:spcBef>
-                <a:spcPts val="500"/>
-              </a:spcBef>
-              <a:buFont typeface="Arial" panose="020B0604020202020204" pitchFamily="34" charset="0"/>
-              <a:buChar char="•"/>
-              <a:defRPr sz="2400" kern="1200">
-                <a:solidFill>
-                  <a:schemeClr val="tx1"/>
-                </a:solidFill>
-                <a:latin typeface="+mn-lt"/>
-                <a:ea typeface="+mn-ea"/>
-                <a:cs typeface="+mn-cs"/>
-              </a:defRPr>
-            </a:lvl2pPr>
-            <a:lvl3pPr marL="1143000" indent="-228600" algn="l" defTabSz="914400" rtl="0" eaLnBrk="1" latinLnBrk="1" hangingPunct="1">
-              <a:lnSpc>
-                <a:spcPct val="90000"/>
-              </a:lnSpc>
-              <a:spcBef>
-                <a:spcPts val="500"/>
-              </a:spcBef>
-              <a:buFont typeface="Arial" panose="020B0604020202020204" pitchFamily="34" charset="0"/>
-              <a:buChar char="•"/>
-              <a:defRPr sz="2000" kern="1200">
-                <a:solidFill>
-                  <a:schemeClr val="tx1"/>
-                </a:solidFill>
-                <a:latin typeface="+mn-lt"/>
-                <a:ea typeface="+mn-ea"/>
-                <a:cs typeface="+mn-cs"/>
-              </a:defRPr>
-            </a:lvl3pPr>
-            <a:lvl4pPr marL="1600200" indent="-228600" algn="l" defTabSz="914400" rtl="0" eaLnBrk="1" latinLnBrk="1" hangingPunct="1">
-              <a:lnSpc>
-                <a:spcPct val="90000"/>
-              </a:lnSpc>
-              <a:spcBef>
-                <a:spcPts val="500"/>
-              </a:spcBef>
-              <a:buFont typeface="Arial" panose="020B0604020202020204" pitchFamily="34" charset="0"/>
-              <a:buChar char="•"/>
-              <a:defRPr sz="1800" kern="1200">
-                <a:solidFill>
-                  <a:schemeClr val="tx1"/>
-                </a:solidFill>
-                <a:latin typeface="+mn-lt"/>
-                <a:ea typeface="+mn-ea"/>
-                <a:cs typeface="+mn-cs"/>
-              </a:defRPr>
-            </a:lvl4pPr>
-            <a:lvl5pPr marL="2057400" indent="-228600" algn="l" defTabSz="914400" rtl="0" eaLnBrk="1" latinLnBrk="1" hangingPunct="1">
-              <a:lnSpc>
-                <a:spcPct val="90000"/>
-              </a:lnSpc>
-              <a:spcBef>
-                <a:spcPts val="500"/>
-              </a:spcBef>
-              <a:buFont typeface="Arial" panose="020B0604020202020204" pitchFamily="34" charset="0"/>
-              <a:buChar char="•"/>
-              <a:defRPr sz="1800" kern="1200">
-                <a:solidFill>
-                  <a:schemeClr val="tx1"/>
-                </a:solidFill>
-                <a:latin typeface="+mn-lt"/>
-                <a:ea typeface="+mn-ea"/>
-                <a:cs typeface="+mn-cs"/>
-              </a:defRPr>
-            </a:lvl5pPr>
-            <a:lvl6pPr marL="2514600" indent="-228600" algn="l" defTabSz="914400" rtl="0" eaLnBrk="1" latinLnBrk="1" hangingPunct="1">
-              <a:lnSpc>
-                <a:spcPct val="90000"/>
-              </a:lnSpc>
-              <a:spcBef>
-                <a:spcPts val="500"/>
-              </a:spcBef>
-              <a:buFont typeface="Arial" panose="020B0604020202020204" pitchFamily="34" charset="0"/>
-              <a:buChar char="•"/>
-              <a:defRPr sz="1800" kern="1200">
-                <a:solidFill>
-                  <a:schemeClr val="tx1"/>
-                </a:solidFill>
-                <a:latin typeface="+mn-lt"/>
-                <a:ea typeface="+mn-ea"/>
-                <a:cs typeface="+mn-cs"/>
-              </a:defRPr>
-            </a:lvl6pPr>
-            <a:lvl7pPr marL="2971800" indent="-228600" algn="l" defTabSz="914400" rtl="0" eaLnBrk="1" latinLnBrk="1" hangingPunct="1">
-              <a:lnSpc>
-                <a:spcPct val="90000"/>
-              </a:lnSpc>
-              <a:spcBef>
-                <a:spcPts val="500"/>
-              </a:spcBef>
-              <a:buFont typeface="Arial" panose="020B0604020202020204" pitchFamily="34" charset="0"/>
-              <a:buChar char="•"/>
-              <a:defRPr sz="1800" kern="1200">
-                <a:solidFill>
-                  <a:schemeClr val="tx1"/>
-                </a:solidFill>
-                <a:latin typeface="+mn-lt"/>
-                <a:ea typeface="+mn-ea"/>
-                <a:cs typeface="+mn-cs"/>
-              </a:defRPr>
-            </a:lvl7pPr>
-            <a:lvl8pPr marL="3429000" indent="-228600" algn="l" defTabSz="914400" rtl="0" eaLnBrk="1" latinLnBrk="1" hangingPunct="1">
-              <a:lnSpc>
-                <a:spcPct val="90000"/>
-              </a:lnSpc>
-              <a:spcBef>
-                <a:spcPts val="500"/>
-              </a:spcBef>
-              <a:buFont typeface="Arial" panose="020B0604020202020204" pitchFamily="34" charset="0"/>
-              <a:buChar char="•"/>
-              <a:defRPr sz="1800" kern="1200">
-                <a:solidFill>
-                  <a:schemeClr val="tx1"/>
-                </a:solidFill>
-                <a:latin typeface="+mn-lt"/>
-                <a:ea typeface="+mn-ea"/>
-                <a:cs typeface="+mn-cs"/>
-              </a:defRPr>
-            </a:lvl8pPr>
-            <a:lvl9pPr marL="3886200" indent="-228600" algn="l" defTabSz="914400" rtl="0" eaLnBrk="1" latinLnBrk="1" hangingPunct="1">
-              <a:lnSpc>
-                <a:spcPct val="90000"/>
-              </a:lnSpc>
-              <a:spcBef>
-                <a:spcPts val="500"/>
-              </a:spcBef>
-              <a:buFont typeface="Arial" panose="020B0604020202020204" pitchFamily="34" charset="0"/>
-              <a:buChar char="•"/>
-              <a:defRPr sz="1800" kern="1200">
-                <a:solidFill>
-                  <a:schemeClr val="tx1"/>
-                </a:solidFill>
-                <a:latin typeface="+mn-lt"/>
-                <a:ea typeface="+mn-ea"/>
-                <a:cs typeface="+mn-cs"/>
-              </a:defRPr>
-            </a:lvl9pPr>
-          </a:lstStyle>
-          <a:p>
-            <a:pPr marL="0" indent="0" algn="r">
-              <a:lnSpc>
-                <a:spcPct val="120000"/>
-              </a:lnSpc>
-              <a:buNone/>
-            </a:pPr>
-            <a:r>
-              <a:rPr lang="en-US" altLang="ko-KR" b="1" i="1" dirty="0">
-                <a:latin typeface="Arial" panose="020B0604020202020204" pitchFamily="34" charset="0"/>
-                <a:cs typeface="Arial" panose="020B0604020202020204" pitchFamily="34" charset="0"/>
-              </a:rPr>
-              <a:t>Linux Kernel Module Programming Guide v2.6</a:t>
-            </a:r>
-            <a:r>
-              <a:rPr lang="en-US" altLang="ko-KR" i="1" dirty="0">
-                <a:latin typeface="Arial" panose="020B0604020202020204" pitchFamily="34" charset="0"/>
-                <a:cs typeface="Arial" panose="020B0604020202020204" pitchFamily="34" charset="0"/>
-              </a:rPr>
-              <a:t> ch14.Scheduling </a:t>
-            </a:r>
-            <a:r>
-              <a:rPr lang="en-US" altLang="ko-KR" i="1" dirty="0" err="1">
-                <a:latin typeface="Arial" panose="020B0604020202020204" pitchFamily="34" charset="0"/>
-                <a:cs typeface="Arial" panose="020B0604020202020204" pitchFamily="34" charset="0"/>
-              </a:rPr>
-              <a:t>Task:workqueue</a:t>
-            </a:r>
-            <a:endParaRPr lang="en-US" altLang="ko-KR" i="1" dirty="0">
-              <a:latin typeface="Arial" panose="020B0604020202020204" pitchFamily="34" charset="0"/>
-              <a:cs typeface="Arial" panose="020B0604020202020204" pitchFamily="34" charset="0"/>
-            </a:endParaRPr>
-          </a:p>
-        </p:txBody>
-      </p:sp>
-    </p:spTree>
-    <p:extLst>
-      <p:ext uri="{BB962C8B-B14F-4D97-AF65-F5344CB8AC3E}">
-        <p14:creationId xmlns:p14="http://schemas.microsoft.com/office/powerpoint/2010/main" val="2273314641"/>
-      </p:ext>
-    </p:extLst>
-  </p:cSld>
-  <p:clrMapOvr>
-    <a:masterClrMapping/>
-  </p:clrMapOvr>
-</p:sld>
-</file>
-
-<file path=ppt/slides/slide15.xml><?xml version="1.0" encoding="utf-8"?>
-<p:sld xmlns:a="http://schemas.openxmlformats.org/drawingml/2006/main" xmlns:r="http://schemas.openxmlformats.org/officeDocument/2006/relationships" xmlns:p="http://schemas.openxmlformats.org/presentationml/2006/main">
-  <p:cSld>
-    <p:spTree>
-      <p:nvGrpSpPr>
-        <p:cNvPr id="1" name=""/>
-        <p:cNvGrpSpPr/>
-        <p:nvPr/>
-      </p:nvGrpSpPr>
-      <p:grpSpPr>
-        <a:xfrm>
-          <a:off x="0" y="0"/>
-          <a:ext cx="0" cy="0"/>
-          <a:chOff x="0" y="0"/>
-          <a:chExt cx="0" cy="0"/>
-        </a:xfrm>
-      </p:grpSpPr>
-      <p:sp>
-        <p:nvSpPr>
-          <p:cNvPr id="2" name="제목 1"/>
-          <p:cNvSpPr>
-            <a:spLocks noGrp="1"/>
-          </p:cNvSpPr>
-          <p:nvPr>
-            <p:ph type="title"/>
-          </p:nvPr>
-        </p:nvSpPr>
-        <p:spPr>
-          <a:xfrm>
-            <a:off x="838200" y="261966"/>
-            <a:ext cx="10515600" cy="669686"/>
-          </a:xfrm>
-        </p:spPr>
-        <p:txBody>
-          <a:bodyPr>
-            <a:normAutofit/>
-          </a:bodyPr>
-          <a:lstStyle/>
-          <a:p>
-            <a:pPr algn="ctr"/>
-            <a:r>
-              <a:rPr lang="en-US" altLang="ko-KR" sz="3200" dirty="0">
-                <a:solidFill>
-                  <a:srgbClr val="FF0000"/>
-                </a:solidFill>
-                <a:latin typeface="Arial" panose="020B0604020202020204" pitchFamily="34" charset="0"/>
-                <a:ea typeface="AppleSDGothicNeoM00" panose="02000503000000000000" pitchFamily="2" charset="-127"/>
-                <a:cs typeface="Arial" panose="020B0604020202020204" pitchFamily="34" charset="0"/>
-              </a:rPr>
-              <a:t>Discussion &amp; Future Study</a:t>
-            </a:r>
-            <a:endParaRPr lang="ko-KR" altLang="en-US" sz="3200" dirty="0">
-              <a:solidFill>
-                <a:srgbClr val="FF0000"/>
-              </a:solidFill>
-              <a:latin typeface="Arial" panose="020B0604020202020204" pitchFamily="34" charset="0"/>
-              <a:ea typeface="AppleSDGothicNeoM00" panose="02000503000000000000" pitchFamily="2" charset="-127"/>
-              <a:cs typeface="Arial" panose="020B0604020202020204" pitchFamily="34" charset="0"/>
-            </a:endParaRPr>
-          </a:p>
-        </p:txBody>
-      </p:sp>
-      <p:cxnSp>
-        <p:nvCxnSpPr>
-          <p:cNvPr id="5" name="직선 연결선 4"/>
-          <p:cNvCxnSpPr/>
-          <p:nvPr/>
-        </p:nvCxnSpPr>
-        <p:spPr>
-          <a:xfrm>
-            <a:off x="362309" y="992036"/>
-            <a:ext cx="11499011" cy="0"/>
-          </a:xfrm>
-          <a:prstGeom prst="line">
-            <a:avLst/>
-          </a:prstGeom>
-          <a:ln/>
-        </p:spPr>
-        <p:style>
-          <a:lnRef idx="3">
-            <a:schemeClr val="dk1"/>
-          </a:lnRef>
-          <a:fillRef idx="0">
-            <a:schemeClr val="dk1"/>
-          </a:fillRef>
-          <a:effectRef idx="2">
-            <a:schemeClr val="dk1"/>
-          </a:effectRef>
-          <a:fontRef idx="minor">
-            <a:schemeClr val="tx1"/>
-          </a:fontRef>
-        </p:style>
-      </p:cxnSp>
-      <p:sp>
-        <p:nvSpPr>
-          <p:cNvPr id="6" name="슬라이드 번호 개체 틀 5"/>
-          <p:cNvSpPr>
-            <a:spLocks noGrp="1"/>
-          </p:cNvSpPr>
-          <p:nvPr>
-            <p:ph type="sldNum" sz="quarter" idx="12"/>
-          </p:nvPr>
-        </p:nvSpPr>
-        <p:spPr/>
-        <p:txBody>
-          <a:bodyPr/>
-          <a:lstStyle/>
-          <a:p>
-            <a:fld id="{A8B9FC14-406C-4F77-A652-54400BDED16B}" type="slidenum">
-              <a:rPr lang="ko-KR" altLang="en-US" smtClean="0"/>
-              <a:pPr/>
-              <a:t>15</a:t>
-            </a:fld>
-            <a:endParaRPr lang="ko-KR" altLang="en-US"/>
-          </a:p>
-        </p:txBody>
-      </p:sp>
-      <p:sp>
-        <p:nvSpPr>
-          <p:cNvPr id="12" name="내용 개체 틀 2">
-            <a:extLst>
-              <a:ext uri="{FF2B5EF4-FFF2-40B4-BE49-F238E27FC236}">
-                <a16:creationId xmlns:a16="http://schemas.microsoft.com/office/drawing/2014/main" id="{68A87799-3833-491D-AAF3-98EB8F6036B6}"/>
-              </a:ext>
-            </a:extLst>
-          </p:cNvPr>
-          <p:cNvSpPr>
-            <a:spLocks noGrp="1"/>
-          </p:cNvSpPr>
-          <p:nvPr>
-            <p:ph idx="1"/>
-          </p:nvPr>
-        </p:nvSpPr>
-        <p:spPr>
-          <a:xfrm>
-            <a:off x="838200" y="1147318"/>
-            <a:ext cx="10515600" cy="4813989"/>
-          </a:xfrm>
-        </p:spPr>
-        <p:txBody>
-          <a:bodyPr/>
-          <a:lstStyle/>
-          <a:p>
-            <a:pPr>
-              <a:buFont typeface="Wingdings" panose="05000000000000000000" pitchFamily="2" charset="2"/>
-              <a:buChar char="§"/>
-            </a:pPr>
-            <a:r>
-              <a:rPr lang="en-US" altLang="ko-KR" dirty="0">
-                <a:latin typeface="Abadi" panose="020B0604020104020204" pitchFamily="34" charset="0"/>
-                <a:cs typeface="Times New Roman" pitchFamily="18" charset="0"/>
-              </a:rPr>
-              <a:t>Auditing Kernel</a:t>
-            </a:r>
-          </a:p>
-          <a:p>
-            <a:pPr lvl="1"/>
-            <a:r>
-              <a:rPr lang="en-US" altLang="ko-KR" sz="2800" i="1" dirty="0" err="1">
-                <a:latin typeface="Abadi Extra Light" panose="020B0204020104020204" pitchFamily="34" charset="0"/>
-                <a:cs typeface="Times New Roman" pitchFamily="18" charset="0"/>
-              </a:rPr>
-              <a:t>workqueue</a:t>
-            </a:r>
-            <a:r>
-              <a:rPr lang="en-US" altLang="ko-KR" sz="2800" i="1" dirty="0">
-                <a:latin typeface="Times New Roman" pitchFamily="18" charset="0"/>
-                <a:cs typeface="Times New Roman" pitchFamily="18" charset="0"/>
-              </a:rPr>
-              <a:t>	: </a:t>
-            </a:r>
-            <a:r>
-              <a:rPr lang="en-US" altLang="ko-KR" sz="2800" i="1" dirty="0" err="1">
-                <a:latin typeface="Times New Roman" pitchFamily="18" charset="0"/>
-                <a:cs typeface="Times New Roman" pitchFamily="18" charset="0"/>
-              </a:rPr>
-              <a:t>wq_module.ko</a:t>
-            </a:r>
-            <a:endParaRPr lang="en-US" altLang="ko-KR" sz="2800" i="1" dirty="0">
-              <a:latin typeface="Times New Roman" pitchFamily="18" charset="0"/>
-              <a:cs typeface="Times New Roman" pitchFamily="18" charset="0"/>
-            </a:endParaRPr>
-          </a:p>
-          <a:p>
-            <a:pPr lvl="1"/>
-            <a:r>
-              <a:rPr lang="en-US" altLang="ko-KR" sz="2800" i="1" dirty="0" err="1">
-                <a:latin typeface="Abadi Extra Light" panose="020B0204020104020204" pitchFamily="34" charset="0"/>
-                <a:cs typeface="Times New Roman" pitchFamily="18" charset="0"/>
-              </a:rPr>
-              <a:t>io_uring</a:t>
-            </a:r>
-            <a:r>
-              <a:rPr lang="en-US" altLang="ko-KR" sz="2800" i="1" dirty="0">
-                <a:latin typeface="Abadi Extra Light" panose="020B0204020104020204" pitchFamily="34" charset="0"/>
-                <a:cs typeface="Times New Roman" pitchFamily="18" charset="0"/>
-              </a:rPr>
-              <a:t> </a:t>
-            </a:r>
-            <a:r>
-              <a:rPr lang="en-US" altLang="ko-KR" sz="2800" i="1" dirty="0">
-                <a:latin typeface="Times New Roman" pitchFamily="18" charset="0"/>
-                <a:cs typeface="Times New Roman" pitchFamily="18" charset="0"/>
-              </a:rPr>
-              <a:t>	: </a:t>
-            </a:r>
-            <a:r>
-              <a:rPr lang="en-US" altLang="ko-KR" sz="2800" i="1" dirty="0" err="1">
-                <a:latin typeface="Times New Roman" pitchFamily="18" charset="0"/>
-                <a:cs typeface="Times New Roman" pitchFamily="18" charset="0"/>
-              </a:rPr>
-              <a:t>io_uring_audit_module.ko</a:t>
-            </a:r>
-            <a:endParaRPr lang="en-US" altLang="ko-KR" sz="2800" dirty="0">
-              <a:latin typeface="Arial" panose="020B0604020202020204" pitchFamily="34" charset="0"/>
-              <a:cs typeface="Arial" panose="020B0604020202020204" pitchFamily="34" charset="0"/>
-            </a:endParaRPr>
-          </a:p>
-          <a:p>
-            <a:pPr>
-              <a:lnSpc>
-                <a:spcPct val="100000"/>
-              </a:lnSpc>
-              <a:buFont typeface="Wingdings" panose="05000000000000000000" pitchFamily="2" charset="2"/>
-              <a:buChar char="§"/>
-            </a:pPr>
-            <a:endParaRPr lang="en-US" altLang="ko-KR" dirty="0">
-              <a:latin typeface="Arial" panose="020B0604020202020204" pitchFamily="34" charset="0"/>
-              <a:cs typeface="Arial" panose="020B0604020202020204" pitchFamily="34" charset="0"/>
-            </a:endParaRPr>
-          </a:p>
-          <a:p>
-            <a:pPr>
-              <a:lnSpc>
-                <a:spcPct val="100000"/>
-              </a:lnSpc>
-              <a:buFont typeface="Wingdings" panose="05000000000000000000" pitchFamily="2" charset="2"/>
-              <a:buChar char="§"/>
-            </a:pPr>
-            <a:r>
-              <a:rPr lang="en-US" altLang="ko-KR" dirty="0">
-                <a:latin typeface="Arial" panose="020B0604020202020204" pitchFamily="34" charset="0"/>
-                <a:cs typeface="Arial" panose="020B0604020202020204" pitchFamily="34" charset="0"/>
-              </a:rPr>
-              <a:t>Character Device Driver</a:t>
-            </a:r>
-          </a:p>
-          <a:p>
-            <a:pPr>
-              <a:lnSpc>
-                <a:spcPct val="100000"/>
-              </a:lnSpc>
-              <a:buFont typeface="Wingdings" panose="05000000000000000000" pitchFamily="2" charset="2"/>
-              <a:buChar char="§"/>
-            </a:pPr>
-            <a:endParaRPr lang="en-US" altLang="ko-KR" dirty="0">
-              <a:latin typeface="Arial" panose="020B0604020202020204" pitchFamily="34" charset="0"/>
-              <a:cs typeface="Arial" panose="020B0604020202020204" pitchFamily="34" charset="0"/>
-            </a:endParaRPr>
-          </a:p>
-          <a:p>
-            <a:pPr>
-              <a:lnSpc>
-                <a:spcPct val="100000"/>
-              </a:lnSpc>
-              <a:buFont typeface="Wingdings" panose="05000000000000000000" pitchFamily="2" charset="2"/>
-              <a:buChar char="§"/>
-            </a:pPr>
-            <a:r>
-              <a:rPr lang="en-US" altLang="ko-KR" dirty="0">
-                <a:latin typeface="Arial" panose="020B0604020202020204" pitchFamily="34" charset="0"/>
-                <a:cs typeface="Arial" panose="020B0604020202020204" pitchFamily="34" charset="0"/>
-              </a:rPr>
-              <a:t>[</a:t>
-            </a:r>
-            <a:r>
-              <a:rPr lang="en-US" altLang="ko-KR" dirty="0" err="1">
-                <a:latin typeface="Arial" panose="020B0604020202020204" pitchFamily="34" charset="0"/>
-                <a:cs typeface="Arial" panose="020B0604020202020204" pitchFamily="34" charset="0"/>
-              </a:rPr>
-              <a:t>Stackoverflow</a:t>
-            </a:r>
-            <a:r>
-              <a:rPr lang="en-US" altLang="ko-KR" dirty="0">
-                <a:latin typeface="Arial" panose="020B0604020202020204" pitchFamily="34" charset="0"/>
-                <a:cs typeface="Arial" panose="020B0604020202020204" pitchFamily="34" charset="0"/>
-              </a:rPr>
-              <a:t>] How to create a new Linux Kernel scheduler?</a:t>
-            </a:r>
-          </a:p>
-          <a:p>
-            <a:pPr lvl="1">
-              <a:lnSpc>
-                <a:spcPct val="100000"/>
-              </a:lnSpc>
-              <a:buFont typeface="Wingdings" panose="05000000000000000000" pitchFamily="2" charset="2"/>
-              <a:buChar char="§"/>
-            </a:pPr>
-            <a:r>
-              <a:rPr lang="en-US" altLang="ko-KR" sz="1800" dirty="0">
-                <a:latin typeface="Arial" panose="020B0604020202020204" pitchFamily="34" charset="0"/>
-                <a:cs typeface="Arial" panose="020B0604020202020204" pitchFamily="34" charset="0"/>
-                <a:hlinkClick r:id="rId2"/>
-              </a:rPr>
-              <a:t>https://stackoverflow.com/questions/3086864/how-to-create-a-new-linux-kernel-scheduler</a:t>
-            </a:r>
-            <a:r>
-              <a:rPr lang="en-US" altLang="ko-KR" sz="1800" dirty="0">
-                <a:latin typeface="Arial" panose="020B0604020202020204" pitchFamily="34" charset="0"/>
-                <a:cs typeface="Arial" panose="020B0604020202020204" pitchFamily="34" charset="0"/>
-              </a:rPr>
-              <a:t> </a:t>
-            </a:r>
-          </a:p>
-          <a:p>
-            <a:pPr lvl="1">
-              <a:lnSpc>
-                <a:spcPct val="100000"/>
-              </a:lnSpc>
-              <a:buFont typeface="Wingdings" panose="05000000000000000000" pitchFamily="2" charset="2"/>
-              <a:buChar char="§"/>
-            </a:pPr>
-            <a:r>
-              <a:rPr lang="en-US" altLang="ko-KR" sz="1800" dirty="0">
-                <a:latin typeface="Arial" panose="020B0604020202020204" pitchFamily="34" charset="0"/>
-                <a:cs typeface="Arial" panose="020B0604020202020204" pitchFamily="34" charset="0"/>
-              </a:rPr>
-              <a:t>Add a new scheduler to the 2.6.34 vanilla kernel</a:t>
-            </a:r>
-          </a:p>
-          <a:p>
-            <a:pPr lvl="1">
-              <a:lnSpc>
-                <a:spcPct val="100000"/>
-              </a:lnSpc>
-              <a:buFont typeface="Wingdings" panose="05000000000000000000" pitchFamily="2" charset="2"/>
-              <a:buChar char="§"/>
-            </a:pPr>
-            <a:endParaRPr lang="en-US" altLang="ko-KR" dirty="0">
-              <a:latin typeface="Arial" panose="020B0604020202020204" pitchFamily="34" charset="0"/>
-              <a:cs typeface="Arial" panose="020B0604020202020204" pitchFamily="34" charset="0"/>
-            </a:endParaRPr>
-          </a:p>
-          <a:p>
-            <a:pPr>
-              <a:lnSpc>
-                <a:spcPct val="100000"/>
-              </a:lnSpc>
-              <a:buFont typeface="Wingdings" panose="05000000000000000000" pitchFamily="2" charset="2"/>
-              <a:buChar char="§"/>
-            </a:pPr>
-            <a:endParaRPr lang="en-US" altLang="ko-KR" dirty="0">
-              <a:latin typeface="Arial" panose="020B0604020202020204" pitchFamily="34" charset="0"/>
-              <a:cs typeface="Arial" panose="020B0604020202020204" pitchFamily="34" charset="0"/>
-            </a:endParaRPr>
-          </a:p>
-          <a:p>
-            <a:pPr marL="0" indent="0">
-              <a:lnSpc>
-                <a:spcPct val="100000"/>
-              </a:lnSpc>
-              <a:buNone/>
-            </a:pPr>
-            <a:endParaRPr lang="ko-KR" altLang="en-US" dirty="0">
-              <a:latin typeface="Arial" panose="020B0604020202020204" pitchFamily="34" charset="0"/>
-              <a:cs typeface="Arial" panose="020B0604020202020204" pitchFamily="34" charset="0"/>
-            </a:endParaRPr>
-          </a:p>
-        </p:txBody>
-      </p:sp>
-    </p:spTree>
-    <p:extLst>
-      <p:ext uri="{BB962C8B-B14F-4D97-AF65-F5344CB8AC3E}">
-        <p14:creationId xmlns:p14="http://schemas.microsoft.com/office/powerpoint/2010/main" val="614573863"/>
       </p:ext>
     </p:extLst>
   </p:cSld>
@@ -7459,23 +9017,23 @@
           <a:p>
             <a:pPr algn="ctr"/>
             <a:r>
-              <a:rPr lang="en-US" altLang="ko-KR" sz="3200" b="1" dirty="0">
+              <a:rPr lang="en-US" altLang="ko-KR" sz="3200" dirty="0">
                 <a:solidFill>
                   <a:srgbClr val="FF0000"/>
                 </a:solidFill>
-                <a:latin typeface="Arial Unicode MS" panose="020B0600000101010101" charset="-127"/>
-                <a:ea typeface="Arial Unicode MS" panose="020B0600000101010101" charset="-127"/>
-                <a:cs typeface="Arial Unicode MS" panose="020B0600000101010101" charset="-127"/>
-              </a:rPr>
-              <a:t>Summary </a:t>
+                <a:latin typeface="Arial" panose="020B0604020202020204" pitchFamily="34" charset="0"/>
+                <a:ea typeface="AppleSDGothicNeoM00" panose="02000503000000000000" pitchFamily="2" charset="-127"/>
+                <a:cs typeface="Arial" panose="020B0604020202020204" pitchFamily="34" charset="0"/>
+              </a:rPr>
+              <a:t>Discussion &amp; Future Study</a:t>
             </a:r>
             <a:endParaRPr lang="ko-KR" altLang="en-US" sz="3200" dirty="0">
               <a:solidFill>
                 <a:srgbClr val="FF0000"/>
               </a:solidFill>
-              <a:latin typeface="Arial Unicode MS" panose="020B0600000101010101" charset="-127"/>
-              <a:ea typeface="Arial Unicode MS" panose="020B0600000101010101" charset="-127"/>
-              <a:cs typeface="Arial Unicode MS" panose="020B0600000101010101" charset="-127"/>
+              <a:latin typeface="Arial" panose="020B0604020202020204" pitchFamily="34" charset="0"/>
+              <a:ea typeface="AppleSDGothicNeoM00" panose="02000503000000000000" pitchFamily="2" charset="-127"/>
+              <a:cs typeface="Arial" panose="020B0604020202020204" pitchFamily="34" charset="0"/>
             </a:endParaRPr>
           </a:p>
         </p:txBody>
@@ -7537,10 +9095,10 @@
       </p:sp>
       <p:sp>
         <p:nvSpPr>
-          <p:cNvPr id="7" name="내용 개체 틀 2">
+          <p:cNvPr id="12" name="내용 개체 틀 2">
             <a:extLst>
               <a:ext uri="{FF2B5EF4-FFF2-40B4-BE49-F238E27FC236}">
-                <a16:creationId xmlns:a16="http://schemas.microsoft.com/office/drawing/2014/main" id="{DF0E08E1-E8B4-48A9-B1C9-9BCC62347C72}"/>
+                <a16:creationId xmlns:a16="http://schemas.microsoft.com/office/drawing/2014/main" id="{68A87799-3833-491D-AAF3-98EB8F6036B6}"/>
               </a:ext>
             </a:extLst>
           </p:cNvPr>
@@ -7558,9 +9116,7 @@
           </a:xfrm>
         </p:spPr>
         <p:txBody>
-          <a:bodyPr>
-            <a:normAutofit/>
-          </a:bodyPr>
+          <a:bodyPr/>
           <a:lstStyle/>
           <a:p>
             <a:pPr>
@@ -7569,150 +9125,223 @@
             </a:pPr>
             <a:r>
               <a:rPr lang="en-US" altLang="ko-KR" dirty="0">
-                <a:latin typeface="Arial Unicode MS" panose="020B0600000101010101" charset="-127"/>
-                <a:ea typeface="Arial Unicode MS" panose="020B0600000101010101" charset="-127"/>
-                <a:cs typeface="Arial Unicode MS" panose="020B0600000101010101" charset="-127"/>
-              </a:rPr>
-              <a:t>Monolithic Kernel, Micro Kernel</a:t>
-            </a:r>
-          </a:p>
-          <a:p>
-            <a:pPr lvl="1">
-              <a:buFont typeface="Wingdings" panose="05000000000000000000" pitchFamily="2" charset="2"/>
-              <a:buChar char="ü"/>
-            </a:pPr>
-            <a:endParaRPr lang="en-US" altLang="ko-KR" dirty="0">
-              <a:latin typeface="Arial Unicode MS" panose="020B0600000101010101" charset="-127"/>
-              <a:ea typeface="Arial Unicode MS" panose="020B0600000101010101" charset="-127"/>
-              <a:cs typeface="Arial Unicode MS" panose="020B0600000101010101" charset="-127"/>
+                <a:latin typeface="Abadi" panose="020B0604020104020204" pitchFamily="34" charset="0"/>
+                <a:cs typeface="Times New Roman" pitchFamily="18" charset="0"/>
+              </a:rPr>
+              <a:t>Auditing Kernel</a:t>
+            </a:r>
+          </a:p>
+          <a:p>
+            <a:pPr lvl="1"/>
+            <a:r>
+              <a:rPr lang="en-US" altLang="ko-KR" sz="2800" i="1" dirty="0" err="1">
+                <a:latin typeface="Abadi Extra Light" panose="020B0204020104020204" pitchFamily="34" charset="0"/>
+                <a:cs typeface="Times New Roman" pitchFamily="18" charset="0"/>
+              </a:rPr>
+              <a:t>workqueue</a:t>
+            </a:r>
+            <a:r>
+              <a:rPr lang="en-US" altLang="ko-KR" sz="2800" i="1" dirty="0">
+                <a:latin typeface="Times New Roman" pitchFamily="18" charset="0"/>
+                <a:cs typeface="Times New Roman" pitchFamily="18" charset="0"/>
+              </a:rPr>
+              <a:t>	: </a:t>
+            </a:r>
+            <a:r>
+              <a:rPr lang="en-US" altLang="ko-KR" sz="2800" i="1" dirty="0" err="1">
+                <a:latin typeface="Times New Roman" pitchFamily="18" charset="0"/>
+                <a:cs typeface="Times New Roman" pitchFamily="18" charset="0"/>
+              </a:rPr>
+              <a:t>wq_module.ko</a:t>
+            </a:r>
+            <a:endParaRPr lang="en-US" altLang="ko-KR" sz="2800" i="1" dirty="0">
+              <a:latin typeface="Times New Roman" pitchFamily="18" charset="0"/>
+              <a:cs typeface="Times New Roman" pitchFamily="18" charset="0"/>
             </a:endParaRPr>
           </a:p>
           <a:p>
+            <a:pPr lvl="1"/>
+            <a:r>
+              <a:rPr lang="en-US" altLang="ko-KR" sz="2800" i="1" dirty="0" err="1">
+                <a:latin typeface="Abadi Extra Light" panose="020B0204020104020204" pitchFamily="34" charset="0"/>
+                <a:cs typeface="Times New Roman" pitchFamily="18" charset="0"/>
+              </a:rPr>
+              <a:t>io_uring</a:t>
+            </a:r>
+            <a:r>
+              <a:rPr lang="en-US" altLang="ko-KR" sz="2800" i="1" dirty="0">
+                <a:latin typeface="Abadi Extra Light" panose="020B0204020104020204" pitchFamily="34" charset="0"/>
+                <a:cs typeface="Times New Roman" pitchFamily="18" charset="0"/>
+              </a:rPr>
+              <a:t> </a:t>
+            </a:r>
+            <a:r>
+              <a:rPr lang="en-US" altLang="ko-KR" sz="2800" i="1" dirty="0">
+                <a:latin typeface="Times New Roman" pitchFamily="18" charset="0"/>
+                <a:cs typeface="Times New Roman" pitchFamily="18" charset="0"/>
+              </a:rPr>
+              <a:t>	: </a:t>
+            </a:r>
+            <a:r>
+              <a:rPr lang="en-US" altLang="ko-KR" sz="2800" i="1" dirty="0" err="1">
+                <a:latin typeface="Times New Roman" pitchFamily="18" charset="0"/>
+                <a:cs typeface="Times New Roman" pitchFamily="18" charset="0"/>
+              </a:rPr>
+              <a:t>io_uring_audit_module.ko</a:t>
+            </a:r>
+            <a:endParaRPr lang="en-US" altLang="ko-KR" sz="2800" dirty="0">
+              <a:latin typeface="Arial" panose="020B0604020202020204" pitchFamily="34" charset="0"/>
+              <a:cs typeface="Arial" panose="020B0604020202020204" pitchFamily="34" charset="0"/>
+            </a:endParaRPr>
+          </a:p>
+          <a:p>
             <a:pPr>
+              <a:lnSpc>
+                <a:spcPct val="100000"/>
+              </a:lnSpc>
               <a:buFont typeface="Wingdings" panose="05000000000000000000" pitchFamily="2" charset="2"/>
               <a:buChar char="§"/>
             </a:pPr>
-            <a:r>
-              <a:rPr lang="en-US" altLang="ko-KR" dirty="0">
-                <a:latin typeface="Arial Unicode MS" panose="020B0600000101010101" charset="-127"/>
-                <a:ea typeface="Arial Unicode MS" panose="020B0600000101010101" charset="-127"/>
-                <a:cs typeface="Arial Unicode MS" panose="020B0600000101010101" charset="-127"/>
-              </a:rPr>
-              <a:t>Linux Kernel Module </a:t>
-            </a:r>
-          </a:p>
-          <a:p>
-            <a:pPr lvl="1">
-              <a:buFont typeface="Wingdings" panose="05000000000000000000" pitchFamily="2" charset="2"/>
-              <a:buChar char="ü"/>
-            </a:pPr>
             <a:endParaRPr lang="en-US" altLang="ko-KR" dirty="0">
-              <a:latin typeface="Arial Unicode MS" panose="020B0600000101010101" charset="-127"/>
-              <a:ea typeface="Arial Unicode MS" panose="020B0600000101010101" charset="-127"/>
-              <a:cs typeface="Arial Unicode MS" panose="020B0600000101010101" charset="-127"/>
+              <a:latin typeface="Arial" panose="020B0604020202020204" pitchFamily="34" charset="0"/>
+              <a:cs typeface="Arial" panose="020B0604020202020204" pitchFamily="34" charset="0"/>
             </a:endParaRPr>
           </a:p>
           <a:p>
             <a:pPr>
+              <a:lnSpc>
+                <a:spcPct val="100000"/>
+              </a:lnSpc>
               <a:buFont typeface="Wingdings" panose="05000000000000000000" pitchFamily="2" charset="2"/>
               <a:buChar char="§"/>
             </a:pPr>
             <a:r>
               <a:rPr lang="en-US" altLang="ko-KR" dirty="0">
-                <a:latin typeface="Arial Unicode MS" panose="020B0600000101010101" charset="-127"/>
-                <a:ea typeface="Arial Unicode MS" panose="020B0600000101010101" charset="-127"/>
-                <a:cs typeface="Arial Unicode MS" panose="020B0600000101010101" charset="-127"/>
-              </a:rPr>
-              <a:t>Export Symbol</a:t>
-            </a:r>
-          </a:p>
-          <a:p>
-            <a:pPr lvl="1">
-              <a:buFont typeface="Wingdings" panose="05000000000000000000" pitchFamily="2" charset="2"/>
-              <a:buChar char="ü"/>
-            </a:pPr>
-            <a:r>
-              <a:rPr lang="en-US" altLang="ko-KR" dirty="0">
-                <a:latin typeface="Arial Unicode MS" panose="020B0600000101010101" charset="-127"/>
-                <a:ea typeface="Arial Unicode MS" panose="020B0600000101010101" charset="-127"/>
-                <a:cs typeface="Arial Unicode MS" panose="020B0600000101010101" charset="-127"/>
-              </a:rPr>
-              <a:t> </a:t>
-            </a:r>
-          </a:p>
-          <a:p>
-            <a:pPr lvl="1">
-              <a:buFont typeface="Wingdings" panose="05000000000000000000" pitchFamily="2" charset="2"/>
-              <a:buChar char="ü"/>
-            </a:pPr>
-            <a:endParaRPr lang="en-US" altLang="ko-KR" dirty="0">
-              <a:latin typeface="Arial Unicode MS" panose="020B0600000101010101" charset="-127"/>
-              <a:ea typeface="Arial Unicode MS" panose="020B0600000101010101" charset="-127"/>
-              <a:cs typeface="Arial Unicode MS" panose="020B0600000101010101" charset="-127"/>
-            </a:endParaRPr>
+                <a:latin typeface="Arial" panose="020B0604020202020204" pitchFamily="34" charset="0"/>
+                <a:cs typeface="Arial" panose="020B0604020202020204" pitchFamily="34" charset="0"/>
+              </a:rPr>
+              <a:t>Character Device Driver</a:t>
+            </a:r>
           </a:p>
           <a:p>
             <a:pPr>
+              <a:lnSpc>
+                <a:spcPct val="100000"/>
+              </a:lnSpc>
               <a:buFont typeface="Wingdings" panose="05000000000000000000" pitchFamily="2" charset="2"/>
               <a:buChar char="§"/>
             </a:pPr>
+            <a:endParaRPr lang="en-US" altLang="ko-KR" dirty="0">
+              <a:latin typeface="Arial" panose="020B0604020202020204" pitchFamily="34" charset="0"/>
+              <a:cs typeface="Arial" panose="020B0604020202020204" pitchFamily="34" charset="0"/>
+            </a:endParaRPr>
+          </a:p>
+          <a:p>
+            <a:pPr>
+              <a:lnSpc>
+                <a:spcPct val="100000"/>
+              </a:lnSpc>
+              <a:buFont typeface="Wingdings" panose="05000000000000000000" pitchFamily="2" charset="2"/>
+              <a:buChar char="§"/>
+            </a:pPr>
             <a:r>
               <a:rPr lang="en-US" altLang="ko-KR" dirty="0">
-                <a:latin typeface="Arial Unicode MS" panose="020B0600000101010101" charset="-127"/>
-                <a:ea typeface="Arial Unicode MS" panose="020B0600000101010101" charset="-127"/>
-                <a:cs typeface="Arial Unicode MS" panose="020B0600000101010101" charset="-127"/>
-              </a:rPr>
-              <a:t>Linux Kernel Module Programming Example</a:t>
-            </a:r>
-            <a:endParaRPr lang="en-US" altLang="ko-KR" dirty="0">
-              <a:latin typeface="Arial Unicode MS" panose="020B0600000101010101" charset="-127"/>
-              <a:ea typeface="Arial Unicode MS" panose="020B0600000101010101" charset="-127"/>
-              <a:cs typeface="Arial Unicode MS" panose="020B0600000101010101" charset="-127"/>
-              <a:sym typeface="Wingdings" panose="05000000000000000000" pitchFamily="2" charset="2"/>
-            </a:endParaRPr>
+                <a:latin typeface="Arial" panose="020B0604020202020204" pitchFamily="34" charset="0"/>
+                <a:cs typeface="Arial" panose="020B0604020202020204" pitchFamily="34" charset="0"/>
+              </a:rPr>
+              <a:t>[</a:t>
+            </a:r>
+            <a:r>
+              <a:rPr lang="en-US" altLang="ko-KR" dirty="0" err="1">
+                <a:latin typeface="Arial" panose="020B0604020202020204" pitchFamily="34" charset="0"/>
+                <a:cs typeface="Arial" panose="020B0604020202020204" pitchFamily="34" charset="0"/>
+              </a:rPr>
+              <a:t>Stackoverflow</a:t>
+            </a:r>
+            <a:r>
+              <a:rPr lang="en-US" altLang="ko-KR" dirty="0">
+                <a:latin typeface="Arial" panose="020B0604020202020204" pitchFamily="34" charset="0"/>
+                <a:cs typeface="Arial" panose="020B0604020202020204" pitchFamily="34" charset="0"/>
+              </a:rPr>
+              <a:t>] How to create a new Linux Kernel scheduler?</a:t>
+            </a:r>
           </a:p>
           <a:p>
             <a:pPr lvl="1">
+              <a:lnSpc>
+                <a:spcPct val="100000"/>
+              </a:lnSpc>
               <a:buFont typeface="Wingdings" panose="05000000000000000000" pitchFamily="2" charset="2"/>
-              <a:buChar char="ü"/>
+              <a:buChar char="§"/>
             </a:pPr>
             <a:r>
-              <a:rPr lang="en-US" altLang="ko-KR" dirty="0">
-                <a:latin typeface="Arial Unicode MS" panose="020B0600000101010101" charset="-127"/>
-                <a:ea typeface="Arial Unicode MS" panose="020B0600000101010101" charset="-127"/>
-                <a:cs typeface="Arial Unicode MS" panose="020B0600000101010101" charset="-127"/>
-                <a:sym typeface="Wingdings" panose="05000000000000000000" pitchFamily="2" charset="2"/>
+              <a:rPr lang="en-US" altLang="ko-KR" sz="1800" dirty="0">
+                <a:latin typeface="Arial" panose="020B0604020202020204" pitchFamily="34" charset="0"/>
+                <a:cs typeface="Arial" panose="020B0604020202020204" pitchFamily="34" charset="0"/>
+                <a:hlinkClick r:id="rId2"/>
+              </a:rPr>
+              <a:t>https://stackoverflow.com/questions/3086864/how-to-create-a-new-linux-kernel-scheduler</a:t>
+            </a:r>
+            <a:r>
+              <a:rPr lang="en-US" altLang="ko-KR" sz="1800" dirty="0">
+                <a:latin typeface="Arial" panose="020B0604020202020204" pitchFamily="34" charset="0"/>
+                <a:cs typeface="Arial" panose="020B0604020202020204" pitchFamily="34" charset="0"/>
               </a:rPr>
               <a:t> </a:t>
             </a:r>
-            <a:endParaRPr lang="en-US" altLang="ko-KR" dirty="0">
-              <a:latin typeface="Consolas" panose="020B0609020204030204" pitchFamily="49" charset="0"/>
-              <a:ea typeface="Arial Unicode MS" panose="020B0600000101010101" charset="-127"/>
-              <a:cs typeface="Arial Unicode MS" panose="020B0600000101010101" charset="-127"/>
-              <a:sym typeface="Wingdings" panose="05000000000000000000" pitchFamily="2" charset="2"/>
-            </a:endParaRPr>
           </a:p>
           <a:p>
             <a:pPr lvl="1">
+              <a:lnSpc>
+                <a:spcPct val="100000"/>
+              </a:lnSpc>
               <a:buFont typeface="Wingdings" panose="05000000000000000000" pitchFamily="2" charset="2"/>
-              <a:buChar char="ü"/>
+              <a:buChar char="§"/>
+            </a:pPr>
+            <a:r>
+              <a:rPr lang="en-US" altLang="ko-KR" sz="1800" dirty="0">
+                <a:latin typeface="Arial" panose="020B0604020202020204" pitchFamily="34" charset="0"/>
+                <a:cs typeface="Arial" panose="020B0604020202020204" pitchFamily="34" charset="0"/>
+              </a:rPr>
+              <a:t>Add a new scheduler to the 2.6.34 vanilla kernel</a:t>
+            </a:r>
+          </a:p>
+          <a:p>
+            <a:pPr lvl="1">
+              <a:lnSpc>
+                <a:spcPct val="100000"/>
+              </a:lnSpc>
+              <a:buFont typeface="Wingdings" panose="05000000000000000000" pitchFamily="2" charset="2"/>
+              <a:buChar char="§"/>
             </a:pPr>
             <a:endParaRPr lang="en-US" altLang="ko-KR" dirty="0">
-              <a:latin typeface="Arial Unicode MS" panose="020B0600000101010101" charset="-127"/>
-              <a:ea typeface="Arial Unicode MS" panose="020B0600000101010101" charset="-127"/>
-              <a:cs typeface="Arial Unicode MS" panose="020B0600000101010101" charset="-127"/>
-              <a:sym typeface="Wingdings" panose="05000000000000000000" pitchFamily="2" charset="2"/>
+              <a:latin typeface="Arial" panose="020B0604020202020204" pitchFamily="34" charset="0"/>
+              <a:cs typeface="Arial" panose="020B0604020202020204" pitchFamily="34" charset="0"/>
             </a:endParaRPr>
           </a:p>
           <a:p>
+            <a:pPr>
+              <a:lnSpc>
+                <a:spcPct val="100000"/>
+              </a:lnSpc>
+              <a:buFont typeface="Wingdings" panose="05000000000000000000" pitchFamily="2" charset="2"/>
+              <a:buChar char="§"/>
+            </a:pPr>
+            <a:endParaRPr lang="en-US" altLang="ko-KR" dirty="0">
+              <a:latin typeface="Arial" panose="020B0604020202020204" pitchFamily="34" charset="0"/>
+              <a:cs typeface="Arial" panose="020B0604020202020204" pitchFamily="34" charset="0"/>
+            </a:endParaRPr>
+          </a:p>
+          <a:p>
             <a:pPr marL="0" indent="0">
+              <a:lnSpc>
+                <a:spcPct val="100000"/>
+              </a:lnSpc>
               <a:buNone/>
             </a:pPr>
-            <a:endParaRPr lang="en-US" altLang="ko-KR" dirty="0">
-              <a:latin typeface="Arial Unicode MS" panose="020B0600000101010101" charset="-127"/>
-              <a:ea typeface="Arial Unicode MS" panose="020B0600000101010101" charset="-127"/>
-              <a:cs typeface="Arial Unicode MS" panose="020B0600000101010101" charset="-127"/>
-              <a:sym typeface="Wingdings" panose="05000000000000000000" pitchFamily="2" charset="2"/>
+            <a:endParaRPr lang="ko-KR" altLang="en-US" dirty="0">
+              <a:latin typeface="Arial" panose="020B0604020202020204" pitchFamily="34" charset="0"/>
+              <a:cs typeface="Arial" panose="020B0604020202020204" pitchFamily="34" charset="0"/>
             </a:endParaRPr>
           </a:p>
         </p:txBody>
@@ -7720,7 +9349,7 @@
     </p:spTree>
     <p:extLst>
       <p:ext uri="{BB962C8B-B14F-4D97-AF65-F5344CB8AC3E}">
-        <p14:creationId xmlns:p14="http://schemas.microsoft.com/office/powerpoint/2010/main" val="186343875"/>
+        <p14:creationId xmlns:p14="http://schemas.microsoft.com/office/powerpoint/2010/main" val="614573863"/>
       </p:ext>
     </p:extLst>
   </p:cSld>
@@ -7779,7 +9408,7 @@
                 <a:ea typeface="Arial Unicode MS" panose="020B0600000101010101" charset="-127"/>
                 <a:cs typeface="Arial Unicode MS" panose="020B0600000101010101" charset="-127"/>
               </a:rPr>
-              <a:t>References</a:t>
+              <a:t>Summary </a:t>
             </a:r>
             <a:endParaRPr lang="ko-KR" altLang="en-US" sz="3200" dirty="0">
               <a:solidFill>
@@ -7871,7 +9500,7 @@
         </p:spPr>
         <p:txBody>
           <a:bodyPr>
-            <a:normAutofit lnSpcReduction="10000"/>
+            <a:normAutofit/>
           </a:bodyPr>
           <a:lstStyle/>
           <a:p>
@@ -7885,315 +9514,7 @@
                 <a:ea typeface="Arial Unicode MS" panose="020B0600000101010101" charset="-127"/>
                 <a:cs typeface="Arial Unicode MS" panose="020B0600000101010101" charset="-127"/>
               </a:rPr>
-              <a:t>Linux</a:t>
-            </a:r>
-            <a:r>
-              <a:rPr lang="ko-KR" altLang="en-US" dirty="0">
-                <a:latin typeface="Arial Unicode MS" panose="020B0600000101010101" charset="-127"/>
-                <a:ea typeface="Arial Unicode MS" panose="020B0600000101010101" charset="-127"/>
-                <a:cs typeface="Arial Unicode MS" panose="020B0600000101010101" charset="-127"/>
-              </a:rPr>
-              <a:t> </a:t>
-            </a:r>
-            <a:r>
-              <a:rPr lang="en-US" altLang="ko-KR" dirty="0">
-                <a:latin typeface="Arial Unicode MS" panose="020B0600000101010101" charset="-127"/>
-                <a:ea typeface="Arial Unicode MS" panose="020B0600000101010101" charset="-127"/>
-                <a:cs typeface="Arial Unicode MS" panose="020B0600000101010101" charset="-127"/>
-              </a:rPr>
-              <a:t>Kernel</a:t>
-            </a:r>
-            <a:r>
-              <a:rPr lang="ko-KR" altLang="en-US" dirty="0">
-                <a:latin typeface="Arial Unicode MS" panose="020B0600000101010101" charset="-127"/>
-                <a:ea typeface="Arial Unicode MS" panose="020B0600000101010101" charset="-127"/>
-                <a:cs typeface="Arial Unicode MS" panose="020B0600000101010101" charset="-127"/>
-              </a:rPr>
-              <a:t> </a:t>
-            </a:r>
-            <a:r>
-              <a:rPr lang="en-US" altLang="ko-KR" dirty="0">
-                <a:latin typeface="Arial Unicode MS" panose="020B0600000101010101" charset="-127"/>
-                <a:ea typeface="Arial Unicode MS" panose="020B0600000101010101" charset="-127"/>
-                <a:cs typeface="Arial Unicode MS" panose="020B0600000101010101" charset="-127"/>
-              </a:rPr>
-              <a:t>source</a:t>
-            </a:r>
-          </a:p>
-          <a:p>
-            <a:pPr marL="914400" lvl="1" indent="-457200">
-              <a:buFont typeface="+mj-lt"/>
-              <a:buAutoNum type="arabicPeriod"/>
-            </a:pPr>
-            <a:r>
-              <a:rPr lang="en-US" altLang="ko-KR" dirty="0">
-                <a:latin typeface="Arial Unicode MS" panose="020B0600000101010101" charset="-127"/>
-                <a:ea typeface="Arial Unicode MS" panose="020B0600000101010101" charset="-127"/>
-                <a:cs typeface="Arial Unicode MS" panose="020B0600000101010101" charset="-127"/>
-                <a:hlinkClick r:id="rId2"/>
-              </a:rPr>
-              <a:t>https://elixir.bootlin.com/linux/latest/source</a:t>
-            </a:r>
-            <a:r>
-              <a:rPr lang="en-US" altLang="ko-KR" dirty="0">
-                <a:latin typeface="Arial Unicode MS" panose="020B0600000101010101" charset="-127"/>
-                <a:ea typeface="Arial Unicode MS" panose="020B0600000101010101" charset="-127"/>
-                <a:cs typeface="Arial Unicode MS" panose="020B0600000101010101" charset="-127"/>
-              </a:rPr>
-              <a:t> </a:t>
-            </a:r>
-          </a:p>
-          <a:p>
-            <a:pPr marL="914400" lvl="1" indent="-457200">
-              <a:buFont typeface="+mj-lt"/>
-              <a:buAutoNum type="arabicPeriod"/>
-            </a:pPr>
-            <a:endParaRPr lang="en-US" altLang="ko-KR" dirty="0">
-              <a:latin typeface="Arial Unicode MS" panose="020B0600000101010101" charset="-127"/>
-              <a:ea typeface="Arial Unicode MS" panose="020B0600000101010101" charset="-127"/>
-              <a:cs typeface="Arial Unicode MS" panose="020B0600000101010101" charset="-127"/>
-            </a:endParaRPr>
-          </a:p>
-          <a:p>
-            <a:pPr>
-              <a:buFont typeface="Wingdings" panose="05000000000000000000" pitchFamily="2" charset="2"/>
-              <a:buChar char="§"/>
-            </a:pPr>
-            <a:r>
-              <a:rPr lang="en-US" altLang="ko-KR" dirty="0">
-                <a:latin typeface="Arial Unicode MS" panose="020B0600000101010101" charset="-127"/>
-                <a:ea typeface="Arial Unicode MS" panose="020B0600000101010101" charset="-127"/>
-                <a:cs typeface="Arial Unicode MS" panose="020B0600000101010101" charset="-127"/>
-              </a:rPr>
-              <a:t>PDF, Textbook </a:t>
-            </a:r>
-          </a:p>
-          <a:p>
-            <a:pPr lvl="1">
-              <a:buFont typeface="Wingdings" panose="05000000000000000000" pitchFamily="2" charset="2"/>
-              <a:buChar char="§"/>
-            </a:pPr>
-            <a:r>
-              <a:rPr lang="en-US" altLang="ko-KR" dirty="0">
-                <a:latin typeface="Arial Unicode MS" panose="020B0600000101010101" charset="-127"/>
-                <a:ea typeface="Arial Unicode MS" panose="020B0600000101010101" charset="-127"/>
-                <a:cs typeface="Arial Unicode MS" panose="020B0600000101010101" charset="-127"/>
-              </a:rPr>
-              <a:t>Linux Kernel Module Programming Guide </a:t>
-            </a:r>
-          </a:p>
-          <a:p>
-            <a:pPr marL="1371600" lvl="2" indent="-457200">
-              <a:buFont typeface="+mj-lt"/>
-              <a:buAutoNum type="arabicPeriod"/>
-            </a:pPr>
-            <a:r>
-              <a:rPr lang="en-US" altLang="ko-KR" dirty="0">
-                <a:latin typeface="Arial Unicode MS" panose="020B0600000101010101" charset="-127"/>
-                <a:ea typeface="Arial Unicode MS" panose="020B0600000101010101" charset="-127"/>
-                <a:cs typeface="Arial Unicode MS" panose="020B0600000101010101" charset="-127"/>
-                <a:hlinkClick r:id="rId3"/>
-              </a:rPr>
-              <a:t>[</a:t>
-            </a:r>
-            <a:r>
-              <a:rPr lang="ko-KR" altLang="en-US" dirty="0">
-                <a:latin typeface="Arial Unicode MS" panose="020B0600000101010101" charset="-127"/>
-                <a:ea typeface="Arial Unicode MS" panose="020B0600000101010101" charset="-127"/>
-                <a:cs typeface="Arial Unicode MS" panose="020B0600000101010101" charset="-127"/>
-                <a:hlinkClick r:id="rId3"/>
-              </a:rPr>
-              <a:t>원서</a:t>
-            </a:r>
-            <a:r>
-              <a:rPr lang="en-US" altLang="ko-KR" dirty="0">
-                <a:latin typeface="Arial Unicode MS" panose="020B0600000101010101" charset="-127"/>
-                <a:ea typeface="Arial Unicode MS" panose="020B0600000101010101" charset="-127"/>
-                <a:cs typeface="Arial Unicode MS" panose="020B0600000101010101" charset="-127"/>
-                <a:hlinkClick r:id="rId3"/>
-              </a:rPr>
-              <a:t>] https://tldp.org/LDP/lkmpg/2.6/lkmpg.pdf</a:t>
-            </a:r>
-            <a:r>
-              <a:rPr lang="en-US" altLang="ko-KR" dirty="0">
-                <a:latin typeface="Arial Unicode MS" panose="020B0600000101010101" charset="-127"/>
-                <a:ea typeface="Arial Unicode MS" panose="020B0600000101010101" charset="-127"/>
-                <a:cs typeface="Arial Unicode MS" panose="020B0600000101010101" charset="-127"/>
-              </a:rPr>
-              <a:t> </a:t>
-            </a:r>
-          </a:p>
-          <a:p>
-            <a:pPr marL="1371600" lvl="2" indent="-457200">
-              <a:buFont typeface="+mj-lt"/>
-              <a:buAutoNum type="arabicPeriod"/>
-            </a:pPr>
-            <a:r>
-              <a:rPr lang="en-US" altLang="ko-KR" dirty="0">
-                <a:latin typeface="Arial Unicode MS" panose="020B0600000101010101" charset="-127"/>
-                <a:ea typeface="Arial Unicode MS" panose="020B0600000101010101" charset="-127"/>
-                <a:cs typeface="Arial Unicode MS" panose="020B0600000101010101" charset="-127"/>
-                <a:hlinkClick r:id="rId4"/>
-              </a:rPr>
-              <a:t>[</a:t>
-            </a:r>
-            <a:r>
-              <a:rPr lang="ko-KR" altLang="en-US" dirty="0">
-                <a:latin typeface="Arial Unicode MS" panose="020B0600000101010101" charset="-127"/>
-                <a:ea typeface="Arial Unicode MS" panose="020B0600000101010101" charset="-127"/>
-                <a:cs typeface="Arial Unicode MS" panose="020B0600000101010101" charset="-127"/>
-                <a:hlinkClick r:id="rId4"/>
-              </a:rPr>
-              <a:t>번역</a:t>
-            </a:r>
-            <a:r>
-              <a:rPr lang="en-US" altLang="ko-KR" dirty="0">
-                <a:latin typeface="Arial Unicode MS" panose="020B0600000101010101" charset="-127"/>
-                <a:ea typeface="Arial Unicode MS" panose="020B0600000101010101" charset="-127"/>
-                <a:cs typeface="Arial Unicode MS" panose="020B0600000101010101" charset="-127"/>
-                <a:hlinkClick r:id="rId4"/>
-              </a:rPr>
-              <a:t>] http://~/lkmpg_v2.6_by_YoonMin_Nam.pdf</a:t>
-            </a:r>
-            <a:r>
-              <a:rPr lang="en-US" altLang="ko-KR" dirty="0">
-                <a:latin typeface="Arial Unicode MS" panose="020B0600000101010101" charset="-127"/>
-                <a:ea typeface="Arial Unicode MS" panose="020B0600000101010101" charset="-127"/>
-                <a:cs typeface="Arial Unicode MS" panose="020B0600000101010101" charset="-127"/>
-              </a:rPr>
-              <a:t> </a:t>
-            </a:r>
-          </a:p>
-          <a:p>
-            <a:pPr lvl="1">
-              <a:buFont typeface="Wingdings" panose="05000000000000000000" pitchFamily="2" charset="2"/>
-              <a:buChar char="§"/>
-            </a:pPr>
-            <a:endParaRPr lang="en-US" altLang="ko-KR" dirty="0">
-              <a:latin typeface="Arial Unicode MS" panose="020B0600000101010101" charset="-127"/>
-              <a:ea typeface="Arial Unicode MS" panose="020B0600000101010101" charset="-127"/>
-              <a:cs typeface="Arial Unicode MS" panose="020B0600000101010101" charset="-127"/>
-            </a:endParaRPr>
-          </a:p>
-          <a:p>
-            <a:pPr>
-              <a:buFont typeface="Wingdings" panose="05000000000000000000" pitchFamily="2" charset="2"/>
-              <a:buChar char="§"/>
-            </a:pPr>
-            <a:r>
-              <a:rPr lang="en-US" altLang="ko-KR" dirty="0">
-                <a:latin typeface="Arial Unicode MS" panose="020B0600000101010101" charset="-127"/>
-                <a:ea typeface="Arial Unicode MS" panose="020B0600000101010101" charset="-127"/>
-                <a:cs typeface="Arial Unicode MS" panose="020B0600000101010101" charset="-127"/>
-              </a:rPr>
-              <a:t>Linux</a:t>
-            </a:r>
-            <a:r>
-              <a:rPr lang="ko-KR" altLang="en-US" dirty="0">
-                <a:latin typeface="Arial Unicode MS" panose="020B0600000101010101" charset="-127"/>
-                <a:ea typeface="Arial Unicode MS" panose="020B0600000101010101" charset="-127"/>
-                <a:cs typeface="Arial Unicode MS" panose="020B0600000101010101" charset="-127"/>
-              </a:rPr>
-              <a:t> </a:t>
-            </a:r>
-            <a:r>
-              <a:rPr lang="en-US" altLang="ko-KR" dirty="0">
-                <a:latin typeface="Arial Unicode MS" panose="020B0600000101010101" charset="-127"/>
-                <a:ea typeface="Arial Unicode MS" panose="020B0600000101010101" charset="-127"/>
-                <a:cs typeface="Arial Unicode MS" panose="020B0600000101010101" charset="-127"/>
-              </a:rPr>
-              <a:t>Kernel</a:t>
-            </a:r>
-            <a:r>
-              <a:rPr lang="ko-KR" altLang="en-US" dirty="0">
-                <a:latin typeface="Arial Unicode MS" panose="020B0600000101010101" charset="-127"/>
-                <a:ea typeface="Arial Unicode MS" panose="020B0600000101010101" charset="-127"/>
-                <a:cs typeface="Arial Unicode MS" panose="020B0600000101010101" charset="-127"/>
-              </a:rPr>
-              <a:t> </a:t>
-            </a:r>
-            <a:r>
-              <a:rPr lang="en-US" altLang="ko-KR" dirty="0">
-                <a:latin typeface="Arial Unicode MS" panose="020B0600000101010101" charset="-127"/>
-                <a:ea typeface="Arial Unicode MS" panose="020B0600000101010101" charset="-127"/>
-                <a:cs typeface="Arial Unicode MS" panose="020B0600000101010101" charset="-127"/>
-              </a:rPr>
-              <a:t>Example</a:t>
-            </a:r>
-            <a:r>
-              <a:rPr lang="ko-KR" altLang="en-US" dirty="0">
-                <a:latin typeface="Arial Unicode MS" panose="020B0600000101010101" charset="-127"/>
-                <a:ea typeface="Arial Unicode MS" panose="020B0600000101010101" charset="-127"/>
-                <a:cs typeface="Arial Unicode MS" panose="020B0600000101010101" charset="-127"/>
-              </a:rPr>
-              <a:t> </a:t>
-            </a:r>
-            <a:endParaRPr lang="en-US" altLang="ko-KR" dirty="0">
-              <a:latin typeface="Arial Unicode MS" panose="020B0600000101010101" charset="-127"/>
-              <a:ea typeface="Arial Unicode MS" panose="020B0600000101010101" charset="-127"/>
-              <a:cs typeface="Arial Unicode MS" panose="020B0600000101010101" charset="-127"/>
-            </a:endParaRPr>
-          </a:p>
-          <a:p>
-            <a:pPr marL="914400" lvl="1" indent="-457200">
-              <a:buFont typeface="+mj-lt"/>
-              <a:buAutoNum type="arabicPeriod"/>
-            </a:pPr>
-            <a:r>
-              <a:rPr lang="en-US" altLang="ko-KR" dirty="0">
-                <a:latin typeface="Arial Unicode MS" panose="020B0600000101010101" charset="-127"/>
-                <a:ea typeface="Arial Unicode MS" panose="020B0600000101010101" charset="-127"/>
-                <a:cs typeface="Arial Unicode MS" panose="020B0600000101010101" charset="-127"/>
-              </a:rPr>
-              <a:t>[Git] Various example : </a:t>
-            </a:r>
-            <a:r>
-              <a:rPr lang="en-US" altLang="ko-KR" dirty="0">
-                <a:latin typeface="Arial Unicode MS" panose="020B0600000101010101" charset="-127"/>
-                <a:ea typeface="Arial Unicode MS" panose="020B0600000101010101" charset="-127"/>
-                <a:cs typeface="Arial Unicode MS" panose="020B0600000101010101" charset="-127"/>
-                <a:hlinkClick r:id="rId5"/>
-              </a:rPr>
-              <a:t>https://github.com/psachin/kernel_modules</a:t>
-            </a:r>
-            <a:r>
-              <a:rPr lang="en-US" altLang="ko-KR" dirty="0">
-                <a:latin typeface="Arial Unicode MS" panose="020B0600000101010101" charset="-127"/>
-                <a:ea typeface="Arial Unicode MS" panose="020B0600000101010101" charset="-127"/>
-                <a:cs typeface="Arial Unicode MS" panose="020B0600000101010101" charset="-127"/>
-              </a:rPr>
-              <a:t> </a:t>
-            </a:r>
-          </a:p>
-          <a:p>
-            <a:pPr marL="914400" lvl="1" indent="-457200">
-              <a:buFont typeface="+mj-lt"/>
-              <a:buAutoNum type="arabicPeriod"/>
-            </a:pPr>
-            <a:r>
-              <a:rPr lang="en-US" altLang="ko-KR" dirty="0">
-                <a:latin typeface="Arial Unicode MS" panose="020B0600000101010101" charset="-127"/>
-                <a:ea typeface="Arial Unicode MS" panose="020B0600000101010101" charset="-127"/>
-                <a:cs typeface="Arial Unicode MS" panose="020B0600000101010101" charset="-127"/>
-              </a:rPr>
-              <a:t>[Git] Greeter &amp; Babel : </a:t>
-            </a:r>
-            <a:r>
-              <a:rPr lang="en-US" altLang="ko-KR" dirty="0">
-                <a:latin typeface="Arial Unicode MS" panose="020B0600000101010101" charset="-127"/>
-                <a:ea typeface="Arial Unicode MS" panose="020B0600000101010101" charset="-127"/>
-                <a:cs typeface="Arial Unicode MS" panose="020B0600000101010101" charset="-127"/>
-                <a:hlinkClick r:id="rId6"/>
-              </a:rPr>
-              <a:t>https://github.com/dwmkerr/linux-kernel-module</a:t>
-            </a:r>
-            <a:r>
-              <a:rPr lang="en-US" altLang="ko-KR" dirty="0">
-                <a:latin typeface="Arial Unicode MS" panose="020B0600000101010101" charset="-127"/>
-                <a:ea typeface="Arial Unicode MS" panose="020B0600000101010101" charset="-127"/>
-                <a:cs typeface="Arial Unicode MS" panose="020B0600000101010101" charset="-127"/>
-              </a:rPr>
-              <a:t> </a:t>
+              <a:t>Monolithic Kernel, Micro Kernel</a:t>
             </a:r>
           </a:p>
           <a:p>
@@ -8208,6 +9529,20 @@
             </a:endParaRPr>
           </a:p>
           <a:p>
+            <a:pPr>
+              <a:buFont typeface="Wingdings" panose="05000000000000000000" pitchFamily="2" charset="2"/>
+              <a:buChar char="§"/>
+            </a:pPr>
+            <a:r>
+              <a:rPr lang="en-US" altLang="ko-KR" dirty="0">
+                <a:latin typeface="Arial Unicode MS" panose="020B0600000101010101" charset="-127"/>
+                <a:ea typeface="Arial Unicode MS" panose="020B0600000101010101" charset="-127"/>
+                <a:cs typeface="Arial Unicode MS" panose="020B0600000101010101" charset="-127"/>
+              </a:rPr>
+              <a:t>Linux Kernel Module </a:t>
+            </a:r>
+          </a:p>
+          <a:p>
             <a:pPr lvl="1">
               <a:buFont typeface="Wingdings" panose="05000000000000000000" pitchFamily="2" charset="2"/>
               <a:buChar char="ü"/>
@@ -8218,12 +9553,115 @@
               <a:cs typeface="Arial Unicode MS" panose="020B0600000101010101" charset="-127"/>
             </a:endParaRPr>
           </a:p>
+          <a:p>
+            <a:pPr>
+              <a:buFont typeface="Wingdings" panose="05000000000000000000" pitchFamily="2" charset="2"/>
+              <a:buChar char="§"/>
+            </a:pPr>
+            <a:r>
+              <a:rPr lang="en-US" altLang="ko-KR" dirty="0">
+                <a:latin typeface="Arial Unicode MS" panose="020B0600000101010101" charset="-127"/>
+                <a:ea typeface="Arial Unicode MS" panose="020B0600000101010101" charset="-127"/>
+                <a:cs typeface="Arial Unicode MS" panose="020B0600000101010101" charset="-127"/>
+              </a:rPr>
+              <a:t>Export Symbol</a:t>
+            </a:r>
+          </a:p>
+          <a:p>
+            <a:pPr lvl="1">
+              <a:buFont typeface="Wingdings" panose="05000000000000000000" pitchFamily="2" charset="2"/>
+              <a:buChar char="ü"/>
+            </a:pPr>
+            <a:r>
+              <a:rPr lang="en-US" altLang="ko-KR" dirty="0">
+                <a:latin typeface="Arial Unicode MS" panose="020B0600000101010101" charset="-127"/>
+                <a:ea typeface="Arial Unicode MS" panose="020B0600000101010101" charset="-127"/>
+                <a:cs typeface="Arial Unicode MS" panose="020B0600000101010101" charset="-127"/>
+              </a:rPr>
+              <a:t> </a:t>
+            </a:r>
+          </a:p>
+          <a:p>
+            <a:pPr lvl="1">
+              <a:buFont typeface="Wingdings" panose="05000000000000000000" pitchFamily="2" charset="2"/>
+              <a:buChar char="ü"/>
+            </a:pPr>
+            <a:endParaRPr lang="en-US" altLang="ko-KR" dirty="0">
+              <a:latin typeface="Arial Unicode MS" panose="020B0600000101010101" charset="-127"/>
+              <a:ea typeface="Arial Unicode MS" panose="020B0600000101010101" charset="-127"/>
+              <a:cs typeface="Arial Unicode MS" panose="020B0600000101010101" charset="-127"/>
+            </a:endParaRPr>
+          </a:p>
+          <a:p>
+            <a:pPr>
+              <a:buFont typeface="Wingdings" panose="05000000000000000000" pitchFamily="2" charset="2"/>
+              <a:buChar char="§"/>
+            </a:pPr>
+            <a:r>
+              <a:rPr lang="en-US" altLang="ko-KR" dirty="0">
+                <a:latin typeface="Arial Unicode MS" panose="020B0600000101010101" charset="-127"/>
+                <a:ea typeface="Arial Unicode MS" panose="020B0600000101010101" charset="-127"/>
+                <a:cs typeface="Arial Unicode MS" panose="020B0600000101010101" charset="-127"/>
+              </a:rPr>
+              <a:t>Linux Kernel Module Programming Example</a:t>
+            </a:r>
+            <a:endParaRPr lang="en-US" altLang="ko-KR" dirty="0">
+              <a:latin typeface="Arial Unicode MS" panose="020B0600000101010101" charset="-127"/>
+              <a:ea typeface="Arial Unicode MS" panose="020B0600000101010101" charset="-127"/>
+              <a:cs typeface="Arial Unicode MS" panose="020B0600000101010101" charset="-127"/>
+              <a:sym typeface="Wingdings" panose="05000000000000000000" pitchFamily="2" charset="2"/>
+            </a:endParaRPr>
+          </a:p>
+          <a:p>
+            <a:pPr lvl="1">
+              <a:buFont typeface="Wingdings" panose="05000000000000000000" pitchFamily="2" charset="2"/>
+              <a:buChar char="ü"/>
+            </a:pPr>
+            <a:r>
+              <a:rPr lang="en-US" altLang="ko-KR" dirty="0">
+                <a:latin typeface="Arial Unicode MS" panose="020B0600000101010101" charset="-127"/>
+                <a:ea typeface="Arial Unicode MS" panose="020B0600000101010101" charset="-127"/>
+                <a:cs typeface="Arial Unicode MS" panose="020B0600000101010101" charset="-127"/>
+                <a:sym typeface="Wingdings" panose="05000000000000000000" pitchFamily="2" charset="2"/>
+              </a:rPr>
+              <a:t> </a:t>
+            </a:r>
+            <a:endParaRPr lang="en-US" altLang="ko-KR" dirty="0">
+              <a:latin typeface="Consolas" panose="020B0609020204030204" pitchFamily="49" charset="0"/>
+              <a:ea typeface="Arial Unicode MS" panose="020B0600000101010101" charset="-127"/>
+              <a:cs typeface="Arial Unicode MS" panose="020B0600000101010101" charset="-127"/>
+              <a:sym typeface="Wingdings" panose="05000000000000000000" pitchFamily="2" charset="2"/>
+            </a:endParaRPr>
+          </a:p>
+          <a:p>
+            <a:pPr lvl="1">
+              <a:buFont typeface="Wingdings" panose="05000000000000000000" pitchFamily="2" charset="2"/>
+              <a:buChar char="ü"/>
+            </a:pPr>
+            <a:endParaRPr lang="en-US" altLang="ko-KR" dirty="0">
+              <a:latin typeface="Arial Unicode MS" panose="020B0600000101010101" charset="-127"/>
+              <a:ea typeface="Arial Unicode MS" panose="020B0600000101010101" charset="-127"/>
+              <a:cs typeface="Arial Unicode MS" panose="020B0600000101010101" charset="-127"/>
+              <a:sym typeface="Wingdings" panose="05000000000000000000" pitchFamily="2" charset="2"/>
+            </a:endParaRPr>
+          </a:p>
+          <a:p>
+            <a:pPr marL="0" indent="0">
+              <a:buNone/>
+            </a:pPr>
+            <a:endParaRPr lang="en-US" altLang="ko-KR" dirty="0">
+              <a:latin typeface="Arial Unicode MS" panose="020B0600000101010101" charset="-127"/>
+              <a:ea typeface="Arial Unicode MS" panose="020B0600000101010101" charset="-127"/>
+              <a:cs typeface="Arial Unicode MS" panose="020B0600000101010101" charset="-127"/>
+              <a:sym typeface="Wingdings" panose="05000000000000000000" pitchFamily="2" charset="2"/>
+            </a:endParaRPr>
+          </a:p>
         </p:txBody>
       </p:sp>
     </p:spTree>
     <p:extLst>
       <p:ext uri="{BB962C8B-B14F-4D97-AF65-F5344CB8AC3E}">
-        <p14:creationId xmlns:p14="http://schemas.microsoft.com/office/powerpoint/2010/main" val="2888615864"/>
+        <p14:creationId xmlns:p14="http://schemas.microsoft.com/office/powerpoint/2010/main" val="186343875"/>
       </p:ext>
     </p:extLst>
   </p:cSld>
@@ -8274,23 +9712,23 @@
           <a:p>
             <a:pPr algn="ctr"/>
             <a:r>
-              <a:rPr lang="en-US" altLang="ko-KR" sz="3200" dirty="0">
+              <a:rPr lang="en-US" altLang="ko-KR" sz="3200" b="1" dirty="0">
                 <a:solidFill>
                   <a:srgbClr val="FF0000"/>
                 </a:solidFill>
-                <a:latin typeface="Arial" panose="020B0604020202020204" pitchFamily="34" charset="0"/>
-                <a:ea typeface="AppleSDGothicNeoM00" panose="02000503000000000000" pitchFamily="2" charset="-127"/>
-                <a:cs typeface="Arial" panose="020B0604020202020204" pitchFamily="34" charset="0"/>
-              </a:rPr>
-              <a:t>Q &amp; A</a:t>
+                <a:latin typeface="Arial Unicode MS" panose="020B0600000101010101" charset="-127"/>
+                <a:ea typeface="Arial Unicode MS" panose="020B0600000101010101" charset="-127"/>
+                <a:cs typeface="Arial Unicode MS" panose="020B0600000101010101" charset="-127"/>
+              </a:rPr>
+              <a:t>References</a:t>
             </a:r>
             <a:endParaRPr lang="ko-KR" altLang="en-US" sz="3200" dirty="0">
               <a:solidFill>
                 <a:srgbClr val="FF0000"/>
               </a:solidFill>
-              <a:latin typeface="Arial" panose="020B0604020202020204" pitchFamily="34" charset="0"/>
-              <a:ea typeface="AppleSDGothicNeoM00" panose="02000503000000000000" pitchFamily="2" charset="-127"/>
-              <a:cs typeface="Arial" panose="020B0604020202020204" pitchFamily="34" charset="0"/>
+              <a:latin typeface="Arial Unicode MS" panose="020B0600000101010101" charset="-127"/>
+              <a:ea typeface="Arial Unicode MS" panose="020B0600000101010101" charset="-127"/>
+              <a:cs typeface="Arial Unicode MS" panose="020B0600000101010101" charset="-127"/>
             </a:endParaRPr>
           </a:p>
         </p:txBody>
@@ -8352,7 +9790,13 @@
       </p:sp>
       <p:sp>
         <p:nvSpPr>
-          <p:cNvPr id="7" name="내용 개체 틀 6"/>
+          <p:cNvPr id="7" name="내용 개체 틀 2">
+            <a:extLst>
+              <a:ext uri="{FF2B5EF4-FFF2-40B4-BE49-F238E27FC236}">
+                <a16:creationId xmlns:a16="http://schemas.microsoft.com/office/drawing/2014/main" id="{DF0E08E1-E8B4-48A9-B1C9-9BCC62347C72}"/>
+              </a:ext>
+            </a:extLst>
+          </p:cNvPr>
           <p:cNvSpPr>
             <a:spLocks noGrp="1"/>
           </p:cNvSpPr>
@@ -8360,19 +9804,367 @@
             <p:ph idx="1"/>
           </p:nvPr>
         </p:nvSpPr>
-        <p:spPr/>
-        <p:txBody>
-          <a:bodyPr/>
+        <p:spPr>
+          <a:xfrm>
+            <a:off x="838200" y="1147318"/>
+            <a:ext cx="10515600" cy="4813989"/>
+          </a:xfrm>
+        </p:spPr>
+        <p:txBody>
+          <a:bodyPr>
+            <a:normAutofit lnSpcReduction="10000"/>
+          </a:bodyPr>
           <a:lstStyle/>
           <a:p>
-            <a:endParaRPr lang="ko-KR" altLang="en-US" dirty="0"/>
+            <a:pPr>
+              <a:buFont typeface="Wingdings" panose="05000000000000000000" pitchFamily="2" charset="2"/>
+              <a:buChar char="§"/>
+            </a:pPr>
+            <a:r>
+              <a:rPr lang="en-US" altLang="ko-KR" dirty="0">
+                <a:latin typeface="Arial Unicode MS" panose="020B0600000101010101" charset="-127"/>
+                <a:ea typeface="Arial Unicode MS" panose="020B0600000101010101" charset="-127"/>
+                <a:cs typeface="Arial Unicode MS" panose="020B0600000101010101" charset="-127"/>
+              </a:rPr>
+              <a:t>Linux</a:t>
+            </a:r>
+            <a:r>
+              <a:rPr lang="ko-KR" altLang="en-US" dirty="0">
+                <a:latin typeface="Arial Unicode MS" panose="020B0600000101010101" charset="-127"/>
+                <a:ea typeface="Arial Unicode MS" panose="020B0600000101010101" charset="-127"/>
+                <a:cs typeface="Arial Unicode MS" panose="020B0600000101010101" charset="-127"/>
+              </a:rPr>
+              <a:t> </a:t>
+            </a:r>
+            <a:r>
+              <a:rPr lang="en-US" altLang="ko-KR" dirty="0">
+                <a:latin typeface="Arial Unicode MS" panose="020B0600000101010101" charset="-127"/>
+                <a:ea typeface="Arial Unicode MS" panose="020B0600000101010101" charset="-127"/>
+                <a:cs typeface="Arial Unicode MS" panose="020B0600000101010101" charset="-127"/>
+              </a:rPr>
+              <a:t>Kernel</a:t>
+            </a:r>
+            <a:r>
+              <a:rPr lang="ko-KR" altLang="en-US" dirty="0">
+                <a:latin typeface="Arial Unicode MS" panose="020B0600000101010101" charset="-127"/>
+                <a:ea typeface="Arial Unicode MS" panose="020B0600000101010101" charset="-127"/>
+                <a:cs typeface="Arial Unicode MS" panose="020B0600000101010101" charset="-127"/>
+              </a:rPr>
+              <a:t> </a:t>
+            </a:r>
+            <a:r>
+              <a:rPr lang="en-US" altLang="ko-KR" dirty="0">
+                <a:latin typeface="Arial Unicode MS" panose="020B0600000101010101" charset="-127"/>
+                <a:ea typeface="Arial Unicode MS" panose="020B0600000101010101" charset="-127"/>
+                <a:cs typeface="Arial Unicode MS" panose="020B0600000101010101" charset="-127"/>
+              </a:rPr>
+              <a:t>source</a:t>
+            </a:r>
+          </a:p>
+          <a:p>
+            <a:pPr marL="914400" lvl="1" indent="-457200">
+              <a:buFont typeface="+mj-lt"/>
+              <a:buAutoNum type="arabicPeriod"/>
+            </a:pPr>
+            <a:r>
+              <a:rPr lang="en-US" altLang="ko-KR" dirty="0">
+                <a:latin typeface="Arial Unicode MS" panose="020B0600000101010101" charset="-127"/>
+                <a:ea typeface="Arial Unicode MS" panose="020B0600000101010101" charset="-127"/>
+                <a:cs typeface="Arial Unicode MS" panose="020B0600000101010101" charset="-127"/>
+                <a:hlinkClick r:id="rId2"/>
+              </a:rPr>
+              <a:t>https://elixir.bootlin.com/linux/latest/source</a:t>
+            </a:r>
+            <a:r>
+              <a:rPr lang="en-US" altLang="ko-KR" dirty="0">
+                <a:latin typeface="Arial Unicode MS" panose="020B0600000101010101" charset="-127"/>
+                <a:ea typeface="Arial Unicode MS" panose="020B0600000101010101" charset="-127"/>
+                <a:cs typeface="Arial Unicode MS" panose="020B0600000101010101" charset="-127"/>
+              </a:rPr>
+              <a:t> </a:t>
+            </a:r>
+          </a:p>
+          <a:p>
+            <a:pPr marL="914400" lvl="1" indent="-457200">
+              <a:buFont typeface="+mj-lt"/>
+              <a:buAutoNum type="arabicPeriod"/>
+            </a:pPr>
+            <a:endParaRPr lang="en-US" altLang="ko-KR" dirty="0">
+              <a:latin typeface="Arial Unicode MS" panose="020B0600000101010101" charset="-127"/>
+              <a:ea typeface="Arial Unicode MS" panose="020B0600000101010101" charset="-127"/>
+              <a:cs typeface="Arial Unicode MS" panose="020B0600000101010101" charset="-127"/>
+            </a:endParaRPr>
+          </a:p>
+          <a:p>
+            <a:pPr>
+              <a:buFont typeface="Wingdings" panose="05000000000000000000" pitchFamily="2" charset="2"/>
+              <a:buChar char="§"/>
+            </a:pPr>
+            <a:r>
+              <a:rPr lang="en-US" altLang="ko-KR" dirty="0">
+                <a:latin typeface="Arial Unicode MS" panose="020B0600000101010101" charset="-127"/>
+                <a:ea typeface="Arial Unicode MS" panose="020B0600000101010101" charset="-127"/>
+                <a:cs typeface="Arial Unicode MS" panose="020B0600000101010101" charset="-127"/>
+              </a:rPr>
+              <a:t>PDF, Textbook </a:t>
+            </a:r>
+          </a:p>
+          <a:p>
+            <a:pPr lvl="1">
+              <a:buFont typeface="Wingdings" panose="05000000000000000000" pitchFamily="2" charset="2"/>
+              <a:buChar char="§"/>
+            </a:pPr>
+            <a:r>
+              <a:rPr lang="en-US" altLang="ko-KR" dirty="0">
+                <a:latin typeface="Arial Unicode MS" panose="020B0600000101010101" charset="-127"/>
+                <a:ea typeface="Arial Unicode MS" panose="020B0600000101010101" charset="-127"/>
+                <a:cs typeface="Arial Unicode MS" panose="020B0600000101010101" charset="-127"/>
+              </a:rPr>
+              <a:t>Linux Kernel Module Programming Guide </a:t>
+            </a:r>
+          </a:p>
+          <a:p>
+            <a:pPr marL="1371600" lvl="2" indent="-457200">
+              <a:buFont typeface="+mj-lt"/>
+              <a:buAutoNum type="arabicPeriod"/>
+            </a:pPr>
+            <a:r>
+              <a:rPr lang="en-US" altLang="ko-KR" dirty="0">
+                <a:latin typeface="Arial Unicode MS" panose="020B0600000101010101" charset="-127"/>
+                <a:ea typeface="Arial Unicode MS" panose="020B0600000101010101" charset="-127"/>
+                <a:cs typeface="Arial Unicode MS" panose="020B0600000101010101" charset="-127"/>
+                <a:hlinkClick r:id="rId3"/>
+              </a:rPr>
+              <a:t>[</a:t>
+            </a:r>
+            <a:r>
+              <a:rPr lang="ko-KR" altLang="en-US" dirty="0">
+                <a:latin typeface="Arial Unicode MS" panose="020B0600000101010101" charset="-127"/>
+                <a:ea typeface="Arial Unicode MS" panose="020B0600000101010101" charset="-127"/>
+                <a:cs typeface="Arial Unicode MS" panose="020B0600000101010101" charset="-127"/>
+                <a:hlinkClick r:id="rId3"/>
+              </a:rPr>
+              <a:t>원서</a:t>
+            </a:r>
+            <a:r>
+              <a:rPr lang="en-US" altLang="ko-KR" dirty="0">
+                <a:latin typeface="Arial Unicode MS" panose="020B0600000101010101" charset="-127"/>
+                <a:ea typeface="Arial Unicode MS" panose="020B0600000101010101" charset="-127"/>
+                <a:cs typeface="Arial Unicode MS" panose="020B0600000101010101" charset="-127"/>
+                <a:hlinkClick r:id="rId3"/>
+              </a:rPr>
+              <a:t>] https://tldp.org/LDP/lkmpg/2.6/lkmpg.pdf</a:t>
+            </a:r>
+            <a:r>
+              <a:rPr lang="en-US" altLang="ko-KR" dirty="0">
+                <a:latin typeface="Arial Unicode MS" panose="020B0600000101010101" charset="-127"/>
+                <a:ea typeface="Arial Unicode MS" panose="020B0600000101010101" charset="-127"/>
+                <a:cs typeface="Arial Unicode MS" panose="020B0600000101010101" charset="-127"/>
+              </a:rPr>
+              <a:t> </a:t>
+            </a:r>
+          </a:p>
+          <a:p>
+            <a:pPr marL="1371600" lvl="2" indent="-457200">
+              <a:buFont typeface="+mj-lt"/>
+              <a:buAutoNum type="arabicPeriod"/>
+            </a:pPr>
+            <a:r>
+              <a:rPr lang="en-US" altLang="ko-KR" dirty="0">
+                <a:latin typeface="Arial Unicode MS" panose="020B0600000101010101" charset="-127"/>
+                <a:ea typeface="Arial Unicode MS" panose="020B0600000101010101" charset="-127"/>
+                <a:cs typeface="Arial Unicode MS" panose="020B0600000101010101" charset="-127"/>
+                <a:hlinkClick r:id="rId4"/>
+              </a:rPr>
+              <a:t>[</a:t>
+            </a:r>
+            <a:r>
+              <a:rPr lang="ko-KR" altLang="en-US" dirty="0">
+                <a:latin typeface="Arial Unicode MS" panose="020B0600000101010101" charset="-127"/>
+                <a:ea typeface="Arial Unicode MS" panose="020B0600000101010101" charset="-127"/>
+                <a:cs typeface="Arial Unicode MS" panose="020B0600000101010101" charset="-127"/>
+                <a:hlinkClick r:id="rId4"/>
+              </a:rPr>
+              <a:t>번역</a:t>
+            </a:r>
+            <a:r>
+              <a:rPr lang="en-US" altLang="ko-KR" dirty="0">
+                <a:latin typeface="Arial Unicode MS" panose="020B0600000101010101" charset="-127"/>
+                <a:ea typeface="Arial Unicode MS" panose="020B0600000101010101" charset="-127"/>
+                <a:cs typeface="Arial Unicode MS" panose="020B0600000101010101" charset="-127"/>
+                <a:hlinkClick r:id="rId4"/>
+              </a:rPr>
+              <a:t>] http://~/lkmpg_v2.6_by_YoonMin_Nam.pdf</a:t>
+            </a:r>
+            <a:r>
+              <a:rPr lang="en-US" altLang="ko-KR" dirty="0">
+                <a:latin typeface="Arial Unicode MS" panose="020B0600000101010101" charset="-127"/>
+                <a:ea typeface="Arial Unicode MS" panose="020B0600000101010101" charset="-127"/>
+                <a:cs typeface="Arial Unicode MS" panose="020B0600000101010101" charset="-127"/>
+              </a:rPr>
+              <a:t> </a:t>
+            </a:r>
+          </a:p>
+          <a:p>
+            <a:pPr lvl="1">
+              <a:buFont typeface="Wingdings" panose="05000000000000000000" pitchFamily="2" charset="2"/>
+              <a:buChar char="§"/>
+            </a:pPr>
+            <a:endParaRPr lang="en-US" altLang="ko-KR" dirty="0">
+              <a:latin typeface="Arial Unicode MS" panose="020B0600000101010101" charset="-127"/>
+              <a:ea typeface="Arial Unicode MS" panose="020B0600000101010101" charset="-127"/>
+              <a:cs typeface="Arial Unicode MS" panose="020B0600000101010101" charset="-127"/>
+            </a:endParaRPr>
+          </a:p>
+          <a:p>
+            <a:pPr>
+              <a:buFont typeface="Wingdings" panose="05000000000000000000" pitchFamily="2" charset="2"/>
+              <a:buChar char="§"/>
+            </a:pPr>
+            <a:r>
+              <a:rPr lang="en-US" altLang="ko-KR" dirty="0">
+                <a:latin typeface="Arial Unicode MS" panose="020B0600000101010101" charset="-127"/>
+                <a:ea typeface="Arial Unicode MS" panose="020B0600000101010101" charset="-127"/>
+                <a:cs typeface="Arial Unicode MS" panose="020B0600000101010101" charset="-127"/>
+              </a:rPr>
+              <a:t>Linux</a:t>
+            </a:r>
+            <a:r>
+              <a:rPr lang="ko-KR" altLang="en-US" dirty="0">
+                <a:latin typeface="Arial Unicode MS" panose="020B0600000101010101" charset="-127"/>
+                <a:ea typeface="Arial Unicode MS" panose="020B0600000101010101" charset="-127"/>
+                <a:cs typeface="Arial Unicode MS" panose="020B0600000101010101" charset="-127"/>
+              </a:rPr>
+              <a:t> </a:t>
+            </a:r>
+            <a:r>
+              <a:rPr lang="en-US" altLang="ko-KR" dirty="0">
+                <a:latin typeface="Arial Unicode MS" panose="020B0600000101010101" charset="-127"/>
+                <a:ea typeface="Arial Unicode MS" panose="020B0600000101010101" charset="-127"/>
+                <a:cs typeface="Arial Unicode MS" panose="020B0600000101010101" charset="-127"/>
+              </a:rPr>
+              <a:t>Kernel</a:t>
+            </a:r>
+            <a:r>
+              <a:rPr lang="ko-KR" altLang="en-US" dirty="0">
+                <a:latin typeface="Arial Unicode MS" panose="020B0600000101010101" charset="-127"/>
+                <a:ea typeface="Arial Unicode MS" panose="020B0600000101010101" charset="-127"/>
+                <a:cs typeface="Arial Unicode MS" panose="020B0600000101010101" charset="-127"/>
+              </a:rPr>
+              <a:t> </a:t>
+            </a:r>
+            <a:r>
+              <a:rPr lang="en-US" altLang="ko-KR" dirty="0">
+                <a:latin typeface="Arial Unicode MS" panose="020B0600000101010101" charset="-127"/>
+                <a:ea typeface="Arial Unicode MS" panose="020B0600000101010101" charset="-127"/>
+                <a:cs typeface="Arial Unicode MS" panose="020B0600000101010101" charset="-127"/>
+              </a:rPr>
+              <a:t>Example</a:t>
+            </a:r>
+            <a:r>
+              <a:rPr lang="ko-KR" altLang="en-US" dirty="0">
+                <a:latin typeface="Arial Unicode MS" panose="020B0600000101010101" charset="-127"/>
+                <a:ea typeface="Arial Unicode MS" panose="020B0600000101010101" charset="-127"/>
+                <a:cs typeface="Arial Unicode MS" panose="020B0600000101010101" charset="-127"/>
+              </a:rPr>
+              <a:t> </a:t>
+            </a:r>
+            <a:endParaRPr lang="en-US" altLang="ko-KR" dirty="0">
+              <a:latin typeface="Arial Unicode MS" panose="020B0600000101010101" charset="-127"/>
+              <a:ea typeface="Arial Unicode MS" panose="020B0600000101010101" charset="-127"/>
+              <a:cs typeface="Arial Unicode MS" panose="020B0600000101010101" charset="-127"/>
+            </a:endParaRPr>
+          </a:p>
+          <a:p>
+            <a:pPr marL="914400" lvl="1" indent="-457200">
+              <a:buFont typeface="+mj-lt"/>
+              <a:buAutoNum type="arabicPeriod"/>
+            </a:pPr>
+            <a:r>
+              <a:rPr lang="en-US" altLang="ko-KR" dirty="0">
+                <a:latin typeface="Arial Unicode MS" panose="020B0600000101010101" charset="-127"/>
+                <a:ea typeface="Arial Unicode MS" panose="020B0600000101010101" charset="-127"/>
+                <a:cs typeface="Arial Unicode MS" panose="020B0600000101010101" charset="-127"/>
+              </a:rPr>
+              <a:t>[Git] Various example : </a:t>
+            </a:r>
+            <a:r>
+              <a:rPr lang="en-US" altLang="ko-KR" dirty="0">
+                <a:latin typeface="Arial Unicode MS" panose="020B0600000101010101" charset="-127"/>
+                <a:ea typeface="Arial Unicode MS" panose="020B0600000101010101" charset="-127"/>
+                <a:cs typeface="Arial Unicode MS" panose="020B0600000101010101" charset="-127"/>
+                <a:hlinkClick r:id="rId5"/>
+              </a:rPr>
+              <a:t>https://github.com/psachin/kernel_modules</a:t>
+            </a:r>
+            <a:r>
+              <a:rPr lang="en-US" altLang="ko-KR" dirty="0">
+                <a:latin typeface="Arial Unicode MS" panose="020B0600000101010101" charset="-127"/>
+                <a:ea typeface="Arial Unicode MS" panose="020B0600000101010101" charset="-127"/>
+                <a:cs typeface="Arial Unicode MS" panose="020B0600000101010101" charset="-127"/>
+              </a:rPr>
+              <a:t> </a:t>
+            </a:r>
+          </a:p>
+          <a:p>
+            <a:pPr marL="914400" lvl="1" indent="-457200">
+              <a:buFont typeface="+mj-lt"/>
+              <a:buAutoNum type="arabicPeriod"/>
+            </a:pPr>
+            <a:r>
+              <a:rPr lang="en-US" altLang="ko-KR" dirty="0">
+                <a:latin typeface="Arial Unicode MS" panose="020B0600000101010101" charset="-127"/>
+                <a:ea typeface="Arial Unicode MS" panose="020B0600000101010101" charset="-127"/>
+                <a:cs typeface="Arial Unicode MS" panose="020B0600000101010101" charset="-127"/>
+              </a:rPr>
+              <a:t>[Git] Greeter &amp; Babel : </a:t>
+            </a:r>
+            <a:r>
+              <a:rPr lang="en-US" altLang="ko-KR" dirty="0">
+                <a:latin typeface="Arial Unicode MS" panose="020B0600000101010101" charset="-127"/>
+                <a:ea typeface="Arial Unicode MS" panose="020B0600000101010101" charset="-127"/>
+                <a:cs typeface="Arial Unicode MS" panose="020B0600000101010101" charset="-127"/>
+                <a:hlinkClick r:id="rId6"/>
+              </a:rPr>
+              <a:t>https://github.com/dwmkerr/linux-kernel-module</a:t>
+            </a:r>
+            <a:r>
+              <a:rPr lang="en-US" altLang="ko-KR" dirty="0">
+                <a:latin typeface="Arial Unicode MS" panose="020B0600000101010101" charset="-127"/>
+                <a:ea typeface="Arial Unicode MS" panose="020B0600000101010101" charset="-127"/>
+                <a:cs typeface="Arial Unicode MS" panose="020B0600000101010101" charset="-127"/>
+              </a:rPr>
+              <a:t> </a:t>
+            </a:r>
+          </a:p>
+          <a:p>
+            <a:pPr lvl="1">
+              <a:buFont typeface="Wingdings" panose="05000000000000000000" pitchFamily="2" charset="2"/>
+              <a:buChar char="ü"/>
+            </a:pPr>
+            <a:endParaRPr lang="en-US" altLang="ko-KR" dirty="0">
+              <a:latin typeface="Arial Unicode MS" panose="020B0600000101010101" charset="-127"/>
+              <a:ea typeface="Arial Unicode MS" panose="020B0600000101010101" charset="-127"/>
+              <a:cs typeface="Arial Unicode MS" panose="020B0600000101010101" charset="-127"/>
+            </a:endParaRPr>
+          </a:p>
+          <a:p>
+            <a:pPr lvl="1">
+              <a:buFont typeface="Wingdings" panose="05000000000000000000" pitchFamily="2" charset="2"/>
+              <a:buChar char="ü"/>
+            </a:pPr>
+            <a:endParaRPr lang="en-US" altLang="ko-KR" dirty="0">
+              <a:latin typeface="Arial Unicode MS" panose="020B0600000101010101" charset="-127"/>
+              <a:ea typeface="Arial Unicode MS" panose="020B0600000101010101" charset="-127"/>
+              <a:cs typeface="Arial Unicode MS" panose="020B0600000101010101" charset="-127"/>
+            </a:endParaRPr>
           </a:p>
         </p:txBody>
       </p:sp>
     </p:spTree>
     <p:extLst>
       <p:ext uri="{BB962C8B-B14F-4D97-AF65-F5344CB8AC3E}">
-        <p14:creationId xmlns:p14="http://schemas.microsoft.com/office/powerpoint/2010/main" val="4173016858"/>
+        <p14:creationId xmlns:p14="http://schemas.microsoft.com/office/powerpoint/2010/main" val="2888615864"/>
       </p:ext>
     </p:extLst>
   </p:cSld>
@@ -8401,13 +10193,7 @@
       </p:grpSpPr>
       <p:sp>
         <p:nvSpPr>
-          <p:cNvPr id="2" name="제목 1">
-            <a:extLst>
-              <a:ext uri="{FF2B5EF4-FFF2-40B4-BE49-F238E27FC236}">
-                <a16:creationId xmlns:a16="http://schemas.microsoft.com/office/drawing/2014/main" id="{64244C8C-A388-458E-80CE-EC0B3D47DAD6}"/>
-              </a:ext>
-            </a:extLst>
-          </p:cNvPr>
+          <p:cNvPr id="2" name="제목 1"/>
           <p:cNvSpPr>
             <a:spLocks noGrp="1"/>
           </p:cNvSpPr>
@@ -8415,24 +10201,99 @@
             <p:ph type="title"/>
           </p:nvPr>
         </p:nvSpPr>
+        <p:spPr>
+          <a:xfrm>
+            <a:off x="838200" y="261966"/>
+            <a:ext cx="10515600" cy="669686"/>
+          </a:xfrm>
+        </p:spPr>
+        <p:txBody>
+          <a:bodyPr>
+            <a:normAutofit/>
+          </a:bodyPr>
+          <a:lstStyle/>
+          <a:p>
+            <a:pPr algn="ctr"/>
+            <a:r>
+              <a:rPr lang="en-US" altLang="ko-KR" sz="3200" dirty="0">
+                <a:solidFill>
+                  <a:srgbClr val="FF0000"/>
+                </a:solidFill>
+                <a:latin typeface="Arial" panose="020B0604020202020204" pitchFamily="34" charset="0"/>
+                <a:ea typeface="AppleSDGothicNeoM00" panose="02000503000000000000" pitchFamily="2" charset="-127"/>
+                <a:cs typeface="Arial" panose="020B0604020202020204" pitchFamily="34" charset="0"/>
+              </a:rPr>
+              <a:t>Q &amp; A</a:t>
+            </a:r>
+            <a:endParaRPr lang="ko-KR" altLang="en-US" sz="3200" dirty="0">
+              <a:solidFill>
+                <a:srgbClr val="FF0000"/>
+              </a:solidFill>
+              <a:latin typeface="Arial" panose="020B0604020202020204" pitchFamily="34" charset="0"/>
+              <a:ea typeface="AppleSDGothicNeoM00" panose="02000503000000000000" pitchFamily="2" charset="-127"/>
+              <a:cs typeface="Arial" panose="020B0604020202020204" pitchFamily="34" charset="0"/>
+            </a:endParaRPr>
+          </a:p>
+        </p:txBody>
+      </p:sp>
+      <p:cxnSp>
+        <p:nvCxnSpPr>
+          <p:cNvPr id="5" name="직선 연결선 4"/>
+          <p:cNvCxnSpPr/>
+          <p:nvPr/>
+        </p:nvCxnSpPr>
+        <p:spPr>
+          <a:xfrm>
+            <a:off x="362309" y="992036"/>
+            <a:ext cx="11499011" cy="0"/>
+          </a:xfrm>
+          <a:prstGeom prst="line">
+            <a:avLst/>
+          </a:prstGeom>
+          <a:ln/>
+        </p:spPr>
+        <p:style>
+          <a:lnRef idx="3">
+            <a:schemeClr val="dk1"/>
+          </a:lnRef>
+          <a:fillRef idx="0">
+            <a:schemeClr val="dk1"/>
+          </a:fillRef>
+          <a:effectRef idx="2">
+            <a:schemeClr val="dk1"/>
+          </a:effectRef>
+          <a:fontRef idx="minor">
+            <a:schemeClr val="tx1"/>
+          </a:fontRef>
+        </p:style>
+      </p:cxnSp>
+      <p:sp>
+        <p:nvSpPr>
+          <p:cNvPr id="6" name="슬라이드 번호 개체 틀 5"/>
+          <p:cNvSpPr>
+            <a:spLocks noGrp="1"/>
+          </p:cNvSpPr>
+          <p:nvPr>
+            <p:ph type="sldNum" sz="quarter" idx="12"/>
+          </p:nvPr>
+        </p:nvSpPr>
         <p:spPr/>
         <p:txBody>
           <a:bodyPr/>
           <a:lstStyle/>
           <a:p>
+            <a:fld id="{A8B9FC14-406C-4F77-A652-54400BDED16B}" type="slidenum">
+              <a:rPr lang="ko-KR" altLang="en-US" smtClean="0"/>
+              <a:pPr/>
+              <a:t>19</a:t>
+            </a:fld>
             <a:endParaRPr lang="ko-KR" altLang="en-US"/>
           </a:p>
         </p:txBody>
       </p:sp>
       <p:sp>
         <p:nvSpPr>
-          <p:cNvPr id="3" name="내용 개체 틀 2">
-            <a:extLst>
-              <a:ext uri="{FF2B5EF4-FFF2-40B4-BE49-F238E27FC236}">
-                <a16:creationId xmlns:a16="http://schemas.microsoft.com/office/drawing/2014/main" id="{591DD72A-79BC-4179-B22A-00E265E1EF2B}"/>
-              </a:ext>
-            </a:extLst>
-          </p:cNvPr>
+          <p:cNvPr id="7" name="내용 개체 틀 6"/>
           <p:cNvSpPr>
             <a:spLocks noGrp="1"/>
           </p:cNvSpPr>
@@ -8445,44 +10306,14 @@
           <a:bodyPr/>
           <a:lstStyle/>
           <a:p>
-            <a:endParaRPr lang="ko-KR" altLang="en-US"/>
-          </a:p>
-        </p:txBody>
-      </p:sp>
-      <p:sp>
-        <p:nvSpPr>
-          <p:cNvPr id="4" name="슬라이드 번호 개체 틀 3">
-            <a:extLst>
-              <a:ext uri="{FF2B5EF4-FFF2-40B4-BE49-F238E27FC236}">
-                <a16:creationId xmlns:a16="http://schemas.microsoft.com/office/drawing/2014/main" id="{1D103A15-38F7-4D5E-96C8-51CF1E247EBF}"/>
-              </a:ext>
-            </a:extLst>
-          </p:cNvPr>
-          <p:cNvSpPr>
-            <a:spLocks noGrp="1"/>
-          </p:cNvSpPr>
-          <p:nvPr>
-            <p:ph type="sldNum" sz="quarter" idx="12"/>
-          </p:nvPr>
-        </p:nvSpPr>
-        <p:spPr/>
-        <p:txBody>
-          <a:bodyPr/>
-          <a:lstStyle/>
-          <a:p>
-            <a:fld id="{A8B9FC14-406C-4F77-A652-54400BDED16B}" type="slidenum">
-              <a:rPr lang="ko-KR" altLang="en-US" smtClean="0"/>
-              <a:pPr/>
-              <a:t>19</a:t>
-            </a:fld>
-            <a:endParaRPr lang="ko-KR" altLang="en-US"/>
+            <a:endParaRPr lang="ko-KR" altLang="en-US" dirty="0"/>
           </a:p>
         </p:txBody>
       </p:sp>
     </p:spTree>
     <p:extLst>
       <p:ext uri="{BB962C8B-B14F-4D97-AF65-F5344CB8AC3E}">
-        <p14:creationId xmlns:p14="http://schemas.microsoft.com/office/powerpoint/2010/main" val="516677173"/>
+        <p14:creationId xmlns:p14="http://schemas.microsoft.com/office/powerpoint/2010/main" val="4173016858"/>
       </p:ext>
     </p:extLst>
   </p:cSld>
@@ -8928,6 +10759,116 @@
     <p:extLst>
       <p:ext uri="{BB962C8B-B14F-4D97-AF65-F5344CB8AC3E}">
         <p14:creationId xmlns:p14="http://schemas.microsoft.com/office/powerpoint/2010/main" val="155211408"/>
+      </p:ext>
+    </p:extLst>
+  </p:cSld>
+  <p:clrMapOvr>
+    <a:masterClrMapping/>
+  </p:clrMapOvr>
+</p:sld>
+</file>
+
+<file path=ppt/slides/slide20.xml><?xml version="1.0" encoding="utf-8"?>
+<p:sld xmlns:a="http://schemas.openxmlformats.org/drawingml/2006/main" xmlns:r="http://schemas.openxmlformats.org/officeDocument/2006/relationships" xmlns:p="http://schemas.openxmlformats.org/presentationml/2006/main">
+  <p:cSld>
+    <p:spTree>
+      <p:nvGrpSpPr>
+        <p:cNvPr id="1" name=""/>
+        <p:cNvGrpSpPr/>
+        <p:nvPr/>
+      </p:nvGrpSpPr>
+      <p:grpSpPr>
+        <a:xfrm>
+          <a:off x="0" y="0"/>
+          <a:ext cx="0" cy="0"/>
+          <a:chOff x="0" y="0"/>
+          <a:chExt cx="0" cy="0"/>
+        </a:xfrm>
+      </p:grpSpPr>
+      <p:sp>
+        <p:nvSpPr>
+          <p:cNvPr id="2" name="제목 1">
+            <a:extLst>
+              <a:ext uri="{FF2B5EF4-FFF2-40B4-BE49-F238E27FC236}">
+                <a16:creationId xmlns:a16="http://schemas.microsoft.com/office/drawing/2014/main" id="{64244C8C-A388-458E-80CE-EC0B3D47DAD6}"/>
+              </a:ext>
+            </a:extLst>
+          </p:cNvPr>
+          <p:cNvSpPr>
+            <a:spLocks noGrp="1"/>
+          </p:cNvSpPr>
+          <p:nvPr>
+            <p:ph type="title"/>
+          </p:nvPr>
+        </p:nvSpPr>
+        <p:spPr/>
+        <p:txBody>
+          <a:bodyPr/>
+          <a:lstStyle/>
+          <a:p>
+            <a:endParaRPr lang="ko-KR" altLang="en-US"/>
+          </a:p>
+        </p:txBody>
+      </p:sp>
+      <p:sp>
+        <p:nvSpPr>
+          <p:cNvPr id="3" name="내용 개체 틀 2">
+            <a:extLst>
+              <a:ext uri="{FF2B5EF4-FFF2-40B4-BE49-F238E27FC236}">
+                <a16:creationId xmlns:a16="http://schemas.microsoft.com/office/drawing/2014/main" id="{591DD72A-79BC-4179-B22A-00E265E1EF2B}"/>
+              </a:ext>
+            </a:extLst>
+          </p:cNvPr>
+          <p:cNvSpPr>
+            <a:spLocks noGrp="1"/>
+          </p:cNvSpPr>
+          <p:nvPr>
+            <p:ph idx="1"/>
+          </p:nvPr>
+        </p:nvSpPr>
+        <p:spPr/>
+        <p:txBody>
+          <a:bodyPr/>
+          <a:lstStyle/>
+          <a:p>
+            <a:endParaRPr lang="ko-KR" altLang="en-US"/>
+          </a:p>
+        </p:txBody>
+      </p:sp>
+      <p:sp>
+        <p:nvSpPr>
+          <p:cNvPr id="4" name="슬라이드 번호 개체 틀 3">
+            <a:extLst>
+              <a:ext uri="{FF2B5EF4-FFF2-40B4-BE49-F238E27FC236}">
+                <a16:creationId xmlns:a16="http://schemas.microsoft.com/office/drawing/2014/main" id="{1D103A15-38F7-4D5E-96C8-51CF1E247EBF}"/>
+              </a:ext>
+            </a:extLst>
+          </p:cNvPr>
+          <p:cNvSpPr>
+            <a:spLocks noGrp="1"/>
+          </p:cNvSpPr>
+          <p:nvPr>
+            <p:ph type="sldNum" sz="quarter" idx="12"/>
+          </p:nvPr>
+        </p:nvSpPr>
+        <p:spPr/>
+        <p:txBody>
+          <a:bodyPr/>
+          <a:lstStyle/>
+          <a:p>
+            <a:fld id="{A8B9FC14-406C-4F77-A652-54400BDED16B}" type="slidenum">
+              <a:rPr lang="ko-KR" altLang="en-US" smtClean="0"/>
+              <a:pPr/>
+              <a:t>20</a:t>
+            </a:fld>
+            <a:endParaRPr lang="ko-KR" altLang="en-US"/>
+          </a:p>
+        </p:txBody>
+      </p:sp>
+    </p:spTree>
+    <p:extLst>
+      <p:ext uri="{BB962C8B-B14F-4D97-AF65-F5344CB8AC3E}">
+        <p14:creationId xmlns:p14="http://schemas.microsoft.com/office/powerpoint/2010/main" val="516677173"/>
       </p:ext>
     </p:extLst>
   </p:cSld>
@@ -9376,7 +11317,7 @@
                             </p:stCondLst>
                             <p:childTnLst>
                               <p:par>
-                                <p:cTn id="5" presetID="10" presetClass="entr" presetSubtype="0" fill="hold" grpId="0" nodeType="clickEffect">
+                                <p:cTn id="5" presetID="10" presetClass="entr" presetSubtype="0" fill="hold" nodeType="clickEffect">
                                   <p:stCondLst>
                                     <p:cond delay="0"/>
                                   </p:stCondLst>
@@ -9384,6 +11325,128 @@
                                     <p:set>
                                       <p:cBhvr>
                                         <p:cTn id="6" dur="1" fill="hold">
+                                          <p:stCondLst>
+                                            <p:cond delay="0"/>
+                                          </p:stCondLst>
+                                        </p:cTn>
+                                        <p:tgtEl>
+                                          <p:spTgt spid="8">
+                                            <p:txEl>
+                                              <p:pRg st="0" end="0"/>
+                                            </p:txEl>
+                                          </p:spTgt>
+                                        </p:tgtEl>
+                                        <p:attrNameLst>
+                                          <p:attrName>style.visibility</p:attrName>
+                                        </p:attrNameLst>
+                                      </p:cBhvr>
+                                      <p:to>
+                                        <p:strVal val="visible"/>
+                                      </p:to>
+                                    </p:set>
+                                    <p:animEffect transition="in" filter="fade">
+                                      <p:cBhvr>
+                                        <p:cTn id="7" dur="500"/>
+                                        <p:tgtEl>
+                                          <p:spTgt spid="8">
+                                            <p:txEl>
+                                              <p:pRg st="0" end="0"/>
+                                            </p:txEl>
+                                          </p:spTgt>
+                                        </p:tgtEl>
+                                      </p:cBhvr>
+                                    </p:animEffect>
+                                  </p:childTnLst>
+                                </p:cTn>
+                              </p:par>
+                            </p:childTnLst>
+                          </p:cTn>
+                        </p:par>
+                      </p:childTnLst>
+                    </p:cTn>
+                  </p:par>
+                  <p:par>
+                    <p:cTn id="8" fill="hold">
+                      <p:stCondLst>
+                        <p:cond delay="indefinite"/>
+                      </p:stCondLst>
+                      <p:childTnLst>
+                        <p:par>
+                          <p:cTn id="9" fill="hold">
+                            <p:stCondLst>
+                              <p:cond delay="0"/>
+                            </p:stCondLst>
+                            <p:childTnLst>
+                              <p:par>
+                                <p:cTn id="10" presetID="10" presetClass="entr" presetSubtype="0" fill="hold" nodeType="clickEffect">
+                                  <p:stCondLst>
+                                    <p:cond delay="0"/>
+                                  </p:stCondLst>
+                                  <p:childTnLst>
+                                    <p:set>
+                                      <p:cBhvr>
+                                        <p:cTn id="11" dur="1" fill="hold">
+                                          <p:stCondLst>
+                                            <p:cond delay="0"/>
+                                          </p:stCondLst>
+                                        </p:cTn>
+                                        <p:tgtEl>
+                                          <p:spTgt spid="8">
+                                            <p:txEl>
+                                              <p:pRg st="1" end="1"/>
+                                            </p:txEl>
+                                          </p:spTgt>
+                                        </p:tgtEl>
+                                        <p:attrNameLst>
+                                          <p:attrName>style.visibility</p:attrName>
+                                        </p:attrNameLst>
+                                      </p:cBhvr>
+                                      <p:to>
+                                        <p:strVal val="visible"/>
+                                      </p:to>
+                                    </p:set>
+                                    <p:animEffect transition="in" filter="fade">
+                                      <p:cBhvr>
+                                        <p:cTn id="12" dur="500"/>
+                                        <p:tgtEl>
+                                          <p:spTgt spid="8">
+                                            <p:txEl>
+                                              <p:pRg st="1" end="1"/>
+                                            </p:txEl>
+                                          </p:spTgt>
+                                        </p:tgtEl>
+                                      </p:cBhvr>
+                                    </p:animEffect>
+                                  </p:childTnLst>
+                                </p:cTn>
+                              </p:par>
+                            </p:childTnLst>
+                          </p:cTn>
+                        </p:par>
+                      </p:childTnLst>
+                    </p:cTn>
+                  </p:par>
+                  <p:par>
+                    <p:cTn id="13" fill="hold">
+                      <p:stCondLst>
+                        <p:cond delay="indefinite"/>
+                      </p:stCondLst>
+                      <p:childTnLst>
+                        <p:par>
+                          <p:cTn id="14" fill="hold">
+                            <p:stCondLst>
+                              <p:cond delay="0"/>
+                            </p:stCondLst>
+                            <p:childTnLst>
+                              <p:par>
+                                <p:cTn id="15" presetID="10" presetClass="entr" presetSubtype="0" fill="hold" grpId="0" nodeType="clickEffect">
+                                  <p:stCondLst>
+                                    <p:cond delay="0"/>
+                                  </p:stCondLst>
+                                  <p:childTnLst>
+                                    <p:set>
+                                      <p:cBhvr>
+                                        <p:cTn id="16" dur="1" fill="hold">
                                           <p:stCondLst>
                                             <p:cond delay="0"/>
                                           </p:stCondLst>
@@ -9401,9 +11464,192 @@
                                     </p:set>
                                     <p:animEffect transition="in" filter="fade">
                                       <p:cBhvr>
-                                        <p:cTn id="7" dur="500"/>
+                                        <p:cTn id="17" dur="500"/>
                                         <p:tgtEl>
                                           <p:spTgt spid="9"/>
+                                        </p:tgtEl>
+                                      </p:cBhvr>
+                                    </p:animEffect>
+                                  </p:childTnLst>
+                                </p:cTn>
+                              </p:par>
+                            </p:childTnLst>
+                          </p:cTn>
+                        </p:par>
+                      </p:childTnLst>
+                    </p:cTn>
+                  </p:par>
+                  <p:par>
+                    <p:cTn id="18" fill="hold">
+                      <p:stCondLst>
+                        <p:cond delay="indefinite"/>
+                      </p:stCondLst>
+                      <p:childTnLst>
+                        <p:par>
+                          <p:cTn id="19" fill="hold">
+                            <p:stCondLst>
+                              <p:cond delay="0"/>
+                            </p:stCondLst>
+                            <p:childTnLst>
+                              <p:par>
+                                <p:cTn id="20" presetID="10" presetClass="entr" presetSubtype="0" fill="hold" nodeType="clickEffect">
+                                  <p:stCondLst>
+                                    <p:cond delay="0"/>
+                                  </p:stCondLst>
+                                  <p:childTnLst>
+                                    <p:set>
+                                      <p:cBhvr>
+                                        <p:cTn id="21" dur="1" fill="hold">
+                                          <p:stCondLst>
+                                            <p:cond delay="0"/>
+                                          </p:stCondLst>
+                                        </p:cTn>
+                                        <p:tgtEl>
+                                          <p:spTgt spid="8">
+                                            <p:txEl>
+                                              <p:pRg st="3" end="3"/>
+                                            </p:txEl>
+                                          </p:spTgt>
+                                        </p:tgtEl>
+                                        <p:attrNameLst>
+                                          <p:attrName>style.visibility</p:attrName>
+                                        </p:attrNameLst>
+                                      </p:cBhvr>
+                                      <p:to>
+                                        <p:strVal val="visible"/>
+                                      </p:to>
+                                    </p:set>
+                                    <p:animEffect transition="in" filter="fade">
+                                      <p:cBhvr>
+                                        <p:cTn id="22" dur="500"/>
+                                        <p:tgtEl>
+                                          <p:spTgt spid="8">
+                                            <p:txEl>
+                                              <p:pRg st="3" end="3"/>
+                                            </p:txEl>
+                                          </p:spTgt>
+                                        </p:tgtEl>
+                                      </p:cBhvr>
+                                    </p:animEffect>
+                                  </p:childTnLst>
+                                </p:cTn>
+                              </p:par>
+                            </p:childTnLst>
+                          </p:cTn>
+                        </p:par>
+                      </p:childTnLst>
+                    </p:cTn>
+                  </p:par>
+                  <p:par>
+                    <p:cTn id="23" fill="hold">
+                      <p:stCondLst>
+                        <p:cond delay="indefinite"/>
+                      </p:stCondLst>
+                      <p:childTnLst>
+                        <p:par>
+                          <p:cTn id="24" fill="hold">
+                            <p:stCondLst>
+                              <p:cond delay="0"/>
+                            </p:stCondLst>
+                            <p:childTnLst>
+                              <p:par>
+                                <p:cTn id="25" presetID="10" presetClass="entr" presetSubtype="0" fill="hold" nodeType="clickEffect">
+                                  <p:stCondLst>
+                                    <p:cond delay="0"/>
+                                  </p:stCondLst>
+                                  <p:childTnLst>
+                                    <p:set>
+                                      <p:cBhvr>
+                                        <p:cTn id="26" dur="1" fill="hold">
+                                          <p:stCondLst>
+                                            <p:cond delay="0"/>
+                                          </p:stCondLst>
+                                        </p:cTn>
+                                        <p:tgtEl>
+                                          <p:spTgt spid="8">
+                                            <p:txEl>
+                                              <p:pRg st="4" end="4"/>
+                                            </p:txEl>
+                                          </p:spTgt>
+                                        </p:tgtEl>
+                                        <p:attrNameLst>
+                                          <p:attrName>style.visibility</p:attrName>
+                                        </p:attrNameLst>
+                                      </p:cBhvr>
+                                      <p:to>
+                                        <p:strVal val="visible"/>
+                                      </p:to>
+                                    </p:set>
+                                    <p:animEffect transition="in" filter="fade">
+                                      <p:cBhvr>
+                                        <p:cTn id="27" dur="500"/>
+                                        <p:tgtEl>
+                                          <p:spTgt spid="8">
+                                            <p:txEl>
+                                              <p:pRg st="4" end="4"/>
+                                            </p:txEl>
+                                          </p:spTgt>
+                                        </p:tgtEl>
+                                      </p:cBhvr>
+                                    </p:animEffect>
+                                  </p:childTnLst>
+                                </p:cTn>
+                              </p:par>
+                            </p:childTnLst>
+                          </p:cTn>
+                        </p:par>
+                      </p:childTnLst>
+                    </p:cTn>
+                  </p:par>
+                  <p:par>
+                    <p:cTn id="28" fill="hold">
+                      <p:stCondLst>
+                        <p:cond delay="indefinite"/>
+                      </p:stCondLst>
+                      <p:childTnLst>
+                        <p:par>
+                          <p:cTn id="29" fill="hold">
+                            <p:stCondLst>
+                              <p:cond delay="0"/>
+                            </p:stCondLst>
+                            <p:childTnLst>
+                              <p:par>
+                                <p:cTn id="30" presetID="10" presetClass="entr" presetSubtype="0" fill="hold" nodeType="clickEffect">
+                                  <p:stCondLst>
+                                    <p:cond delay="0"/>
+                                  </p:stCondLst>
+                                  <p:childTnLst>
+                                    <p:set>
+                                      <p:cBhvr>
+                                        <p:cTn id="31" dur="1" fill="hold">
+                                          <p:stCondLst>
+                                            <p:cond delay="0"/>
+                                          </p:stCondLst>
+                                        </p:cTn>
+                                        <p:tgtEl>
+                                          <p:spTgt spid="8">
+                                            <p:txEl>
+                                              <p:pRg st="6" end="6"/>
+                                            </p:txEl>
+                                          </p:spTgt>
+                                        </p:tgtEl>
+                                        <p:attrNameLst>
+                                          <p:attrName>style.visibility</p:attrName>
+                                        </p:attrNameLst>
+                                      </p:cBhvr>
+                                      <p:to>
+                                        <p:strVal val="visible"/>
+                                      </p:to>
+                                    </p:set>
+                                    <p:animEffect transition="in" filter="fade">
+                                      <p:cBhvr>
+                                        <p:cTn id="32" dur="500"/>
+                                        <p:tgtEl>
+                                          <p:spTgt spid="8">
+                                            <p:txEl>
+                                              <p:pRg st="6" end="6"/>
+                                            </p:txEl>
+                                          </p:spTgt>
                                         </p:tgtEl>
                                       </p:cBhvr>
                                     </p:animEffect>
@@ -9493,7 +11739,7 @@
                 <a:ea typeface="Arial Unicode MS" pitchFamily="50" charset="-127"/>
                 <a:cs typeface="Arial Unicode MS" pitchFamily="50" charset="-127"/>
               </a:rPr>
-              <a:t>Kernel Module : </a:t>
+              <a:t>Kernel : </a:t>
             </a:r>
             <a:r>
               <a:rPr lang="en-US" altLang="ko-KR" sz="3200" dirty="0">
@@ -9517,6 +11763,37 @@
           </a:p>
         </p:txBody>
       </p:sp>
+      <p:cxnSp>
+        <p:nvCxnSpPr>
+          <p:cNvPr id="5" name="직선 연결선 4"/>
+          <p:cNvCxnSpPr/>
+          <p:nvPr/>
+        </p:nvCxnSpPr>
+        <p:spPr>
+          <a:xfrm>
+            <a:off x="362309" y="992036"/>
+            <a:ext cx="11499011" cy="0"/>
+          </a:xfrm>
+          <a:prstGeom prst="line">
+            <a:avLst/>
+          </a:prstGeom>
+          <a:ln/>
+        </p:spPr>
+        <p:style>
+          <a:lnRef idx="3">
+            <a:schemeClr val="dk1"/>
+          </a:lnRef>
+          <a:fillRef idx="0">
+            <a:schemeClr val="dk1"/>
+          </a:fillRef>
+          <a:effectRef idx="2">
+            <a:schemeClr val="dk1"/>
+          </a:effectRef>
+          <a:fontRef idx="minor">
+            <a:schemeClr val="tx1"/>
+          </a:fontRef>
+        </p:style>
+      </p:cxnSp>
       <p:sp>
         <p:nvSpPr>
           <p:cNvPr id="6" name="슬라이드 번호 개체 틀 5"/>
@@ -9536,6 +11813,687 @@
               <a:rPr lang="ko-KR" altLang="en-US" smtClean="0"/>
               <a:pPr/>
               <a:t>4</a:t>
+            </a:fld>
+            <a:endParaRPr lang="ko-KR" altLang="en-US"/>
+          </a:p>
+        </p:txBody>
+      </p:sp>
+      <p:sp>
+        <p:nvSpPr>
+          <p:cNvPr id="8" name="내용 개체 틀 2">
+            <a:extLst>
+              <a:ext uri="{FF2B5EF4-FFF2-40B4-BE49-F238E27FC236}">
+                <a16:creationId xmlns:a16="http://schemas.microsoft.com/office/drawing/2014/main" id="{640D0C4A-7B19-4F1C-9314-DA3E253E9D89}"/>
+              </a:ext>
+            </a:extLst>
+          </p:cNvPr>
+          <p:cNvSpPr>
+            <a:spLocks noGrp="1"/>
+          </p:cNvSpPr>
+          <p:nvPr>
+            <p:ph idx="1"/>
+          </p:nvPr>
+        </p:nvSpPr>
+        <p:spPr>
+          <a:xfrm>
+            <a:off x="838200" y="1147318"/>
+            <a:ext cx="10515600" cy="4813989"/>
+          </a:xfrm>
+        </p:spPr>
+        <p:txBody>
+          <a:bodyPr/>
+          <a:lstStyle/>
+          <a:p>
+            <a:pPr>
+              <a:lnSpc>
+                <a:spcPct val="100000"/>
+              </a:lnSpc>
+              <a:buFont typeface="Wingdings" panose="05000000000000000000" pitchFamily="2" charset="2"/>
+              <a:buChar char="§"/>
+            </a:pPr>
+            <a:r>
+              <a:rPr lang="en-US" altLang="ko-KR" sz="3600" dirty="0">
+                <a:latin typeface="Abadi Extra Light" panose="020B0204020104020204" pitchFamily="34" charset="0"/>
+                <a:ea typeface="Arial Unicode MS" pitchFamily="50" charset="-127"/>
+                <a:cs typeface="Arial Unicode MS" pitchFamily="50" charset="-127"/>
+              </a:rPr>
+              <a:t>What is Kernel?</a:t>
+            </a:r>
+          </a:p>
+          <a:p>
+            <a:pPr>
+              <a:lnSpc>
+                <a:spcPct val="100000"/>
+              </a:lnSpc>
+              <a:buFont typeface="Wingdings" panose="05000000000000000000" pitchFamily="2" charset="2"/>
+              <a:buChar char="§"/>
+            </a:pPr>
+            <a:endParaRPr lang="en-US" altLang="ko-KR" dirty="0">
+              <a:latin typeface="Arial" panose="020B0604020202020204" pitchFamily="34" charset="0"/>
+              <a:cs typeface="Arial" panose="020B0604020202020204" pitchFamily="34" charset="0"/>
+            </a:endParaRPr>
+          </a:p>
+          <a:p>
+            <a:pPr>
+              <a:lnSpc>
+                <a:spcPct val="100000"/>
+              </a:lnSpc>
+              <a:buFont typeface="Wingdings" panose="05000000000000000000" pitchFamily="2" charset="2"/>
+              <a:buChar char="§"/>
+            </a:pPr>
+            <a:endParaRPr lang="en-US" altLang="ko-KR" dirty="0">
+              <a:latin typeface="Arial" panose="020B0604020202020204" pitchFamily="34" charset="0"/>
+              <a:cs typeface="Arial" panose="020B0604020202020204" pitchFamily="34" charset="0"/>
+            </a:endParaRPr>
+          </a:p>
+          <a:p>
+            <a:pPr>
+              <a:lnSpc>
+                <a:spcPct val="100000"/>
+              </a:lnSpc>
+              <a:buFont typeface="Wingdings" panose="05000000000000000000" pitchFamily="2" charset="2"/>
+              <a:buChar char="§"/>
+            </a:pPr>
+            <a:endParaRPr lang="en-US" altLang="ko-KR" dirty="0">
+              <a:latin typeface="Arial" panose="020B0604020202020204" pitchFamily="34" charset="0"/>
+              <a:cs typeface="Arial" panose="020B0604020202020204" pitchFamily="34" charset="0"/>
+            </a:endParaRPr>
+          </a:p>
+          <a:p>
+            <a:pPr marL="0" indent="0">
+              <a:lnSpc>
+                <a:spcPct val="100000"/>
+              </a:lnSpc>
+              <a:buNone/>
+            </a:pPr>
+            <a:endParaRPr lang="ko-KR" altLang="en-US" dirty="0">
+              <a:latin typeface="Arial" panose="020B0604020202020204" pitchFamily="34" charset="0"/>
+              <a:cs typeface="Arial" panose="020B0604020202020204" pitchFamily="34" charset="0"/>
+            </a:endParaRPr>
+          </a:p>
+        </p:txBody>
+      </p:sp>
+      <p:pic>
+        <p:nvPicPr>
+          <p:cNvPr id="4" name="그림 3">
+            <a:extLst>
+              <a:ext uri="{FF2B5EF4-FFF2-40B4-BE49-F238E27FC236}">
+                <a16:creationId xmlns:a16="http://schemas.microsoft.com/office/drawing/2014/main" id="{2501FCAE-98EC-4B3D-A7D3-6B85BAA6C6CC}"/>
+              </a:ext>
+            </a:extLst>
+          </p:cNvPr>
+          <p:cNvPicPr>
+            <a:picLocks noChangeAspect="1"/>
+          </p:cNvPicPr>
+          <p:nvPr/>
+        </p:nvPicPr>
+        <p:blipFill rotWithShape="1">
+          <a:blip r:embed="rId2">
+            <a:extLst>
+              <a:ext uri="{28A0092B-C50C-407E-A947-70E740481C1C}">
+                <a14:useLocalDpi xmlns:a14="http://schemas.microsoft.com/office/drawing/2010/main" val="0"/>
+              </a:ext>
+            </a:extLst>
+          </a:blip>
+          <a:srcRect b="39110"/>
+          <a:stretch/>
+        </p:blipFill>
+        <p:spPr>
+          <a:xfrm>
+            <a:off x="443092" y="1694911"/>
+            <a:ext cx="11305816" cy="5163090"/>
+          </a:xfrm>
+          <a:prstGeom prst="rect">
+            <a:avLst/>
+          </a:prstGeom>
+        </p:spPr>
+      </p:pic>
+      <p:sp>
+        <p:nvSpPr>
+          <p:cNvPr id="10" name="TextBox 9">
+            <a:extLst>
+              <a:ext uri="{FF2B5EF4-FFF2-40B4-BE49-F238E27FC236}">
+                <a16:creationId xmlns:a16="http://schemas.microsoft.com/office/drawing/2014/main" id="{C74DBBAA-5A21-440D-8B2C-FE118D7841D5}"/>
+              </a:ext>
+            </a:extLst>
+          </p:cNvPr>
+          <p:cNvSpPr txBox="1"/>
+          <p:nvPr/>
+        </p:nvSpPr>
+        <p:spPr>
+          <a:xfrm>
+            <a:off x="5438775" y="6352142"/>
+            <a:ext cx="356188" cy="369332"/>
+          </a:xfrm>
+          <a:prstGeom prst="rect">
+            <a:avLst/>
+          </a:prstGeom>
+          <a:noFill/>
+        </p:spPr>
+        <p:txBody>
+          <a:bodyPr wrap="none" rtlCol="0">
+            <a:spAutoFit/>
+          </a:bodyPr>
+          <a:lstStyle/>
+          <a:p>
+            <a:r>
+              <a:rPr lang="en-US" altLang="ko-KR" dirty="0"/>
+              <a:t>…</a:t>
+            </a:r>
+            <a:endParaRPr lang="ko-KR" altLang="en-US" dirty="0"/>
+          </a:p>
+        </p:txBody>
+      </p:sp>
+    </p:spTree>
+    <p:extLst>
+      <p:ext uri="{BB962C8B-B14F-4D97-AF65-F5344CB8AC3E}">
+        <p14:creationId xmlns:p14="http://schemas.microsoft.com/office/powerpoint/2010/main" val="3883146711"/>
+      </p:ext>
+    </p:extLst>
+  </p:cSld>
+  <p:clrMapOvr>
+    <a:masterClrMapping/>
+  </p:clrMapOvr>
+</p:sld>
+</file>
+
+<file path=ppt/slides/slide5.xml><?xml version="1.0" encoding="utf-8"?>
+<p:sld xmlns:a="http://schemas.openxmlformats.org/drawingml/2006/main" xmlns:r="http://schemas.openxmlformats.org/officeDocument/2006/relationships" xmlns:p="http://schemas.openxmlformats.org/presentationml/2006/main">
+  <p:cSld>
+    <p:spTree>
+      <p:nvGrpSpPr>
+        <p:cNvPr id="1" name=""/>
+        <p:cNvGrpSpPr/>
+        <p:nvPr/>
+      </p:nvGrpSpPr>
+      <p:grpSpPr>
+        <a:xfrm>
+          <a:off x="0" y="0"/>
+          <a:ext cx="0" cy="0"/>
+          <a:chOff x="0" y="0"/>
+          <a:chExt cx="0" cy="0"/>
+        </a:xfrm>
+      </p:grpSpPr>
+      <p:sp>
+        <p:nvSpPr>
+          <p:cNvPr id="2" name="제목 1"/>
+          <p:cNvSpPr>
+            <a:spLocks noGrp="1"/>
+          </p:cNvSpPr>
+          <p:nvPr>
+            <p:ph type="title"/>
+          </p:nvPr>
+        </p:nvSpPr>
+        <p:spPr>
+          <a:xfrm>
+            <a:off x="838200" y="261966"/>
+            <a:ext cx="10515600" cy="669686"/>
+          </a:xfrm>
+        </p:spPr>
+        <p:txBody>
+          <a:bodyPr>
+            <a:normAutofit/>
+          </a:bodyPr>
+          <a:lstStyle/>
+          <a:p>
+            <a:pPr algn="ctr"/>
+            <a:r>
+              <a:rPr lang="en-US" altLang="ko-KR" sz="3200" dirty="0">
+                <a:solidFill>
+                  <a:srgbClr val="FF0000"/>
+                </a:solidFill>
+                <a:latin typeface="Arial Unicode MS" pitchFamily="50" charset="-127"/>
+                <a:ea typeface="Arial Unicode MS" pitchFamily="50" charset="-127"/>
+                <a:cs typeface="Arial Unicode MS" pitchFamily="50" charset="-127"/>
+              </a:rPr>
+              <a:t>Kernel : </a:t>
+            </a:r>
+            <a:r>
+              <a:rPr lang="en-US" altLang="ko-KR" sz="3200" dirty="0">
+                <a:solidFill>
+                  <a:srgbClr val="FF0000"/>
+                </a:solidFill>
+                <a:latin typeface="Abadi Extra Light" panose="020B0204020104020204" pitchFamily="34" charset="0"/>
+                <a:ea typeface="Arial Unicode MS" pitchFamily="50" charset="-127"/>
+                <a:cs typeface="Arial Unicode MS" pitchFamily="50" charset="-127"/>
+              </a:rPr>
+              <a:t>Concepts</a:t>
+            </a:r>
+            <a:endParaRPr lang="ko-KR" altLang="en-US" sz="3200" dirty="0">
+              <a:solidFill>
+                <a:srgbClr val="FF0000"/>
+              </a:solidFill>
+              <a:latin typeface="Abadi Extra Light" panose="020B0204020104020204" pitchFamily="34" charset="0"/>
+              <a:ea typeface="AppleSDGothicNeoM00" panose="02000503000000000000" pitchFamily="2" charset="-127"/>
+              <a:cs typeface="Arial" panose="020B0604020202020204" pitchFamily="34" charset="0"/>
+            </a:endParaRPr>
+          </a:p>
+        </p:txBody>
+      </p:sp>
+      <p:cxnSp>
+        <p:nvCxnSpPr>
+          <p:cNvPr id="5" name="직선 연결선 4"/>
+          <p:cNvCxnSpPr/>
+          <p:nvPr/>
+        </p:nvCxnSpPr>
+        <p:spPr>
+          <a:xfrm>
+            <a:off x="362309" y="992036"/>
+            <a:ext cx="11499011" cy="0"/>
+          </a:xfrm>
+          <a:prstGeom prst="line">
+            <a:avLst/>
+          </a:prstGeom>
+          <a:ln/>
+        </p:spPr>
+        <p:style>
+          <a:lnRef idx="3">
+            <a:schemeClr val="dk1"/>
+          </a:lnRef>
+          <a:fillRef idx="0">
+            <a:schemeClr val="dk1"/>
+          </a:fillRef>
+          <a:effectRef idx="2">
+            <a:schemeClr val="dk1"/>
+          </a:effectRef>
+          <a:fontRef idx="minor">
+            <a:schemeClr val="tx1"/>
+          </a:fontRef>
+        </p:style>
+      </p:cxnSp>
+      <p:sp>
+        <p:nvSpPr>
+          <p:cNvPr id="6" name="슬라이드 번호 개체 틀 5"/>
+          <p:cNvSpPr>
+            <a:spLocks noGrp="1"/>
+          </p:cNvSpPr>
+          <p:nvPr>
+            <p:ph type="sldNum" sz="quarter" idx="12"/>
+          </p:nvPr>
+        </p:nvSpPr>
+        <p:spPr/>
+        <p:txBody>
+          <a:bodyPr/>
+          <a:lstStyle/>
+          <a:p>
+            <a:fld id="{A8B9FC14-406C-4F77-A652-54400BDED16B}" type="slidenum">
+              <a:rPr lang="ko-KR" altLang="en-US" smtClean="0"/>
+              <a:pPr/>
+              <a:t>5</a:t>
+            </a:fld>
+            <a:endParaRPr lang="ko-KR" altLang="en-US"/>
+          </a:p>
+        </p:txBody>
+      </p:sp>
+      <p:sp>
+        <p:nvSpPr>
+          <p:cNvPr id="8" name="내용 개체 틀 2">
+            <a:extLst>
+              <a:ext uri="{FF2B5EF4-FFF2-40B4-BE49-F238E27FC236}">
+                <a16:creationId xmlns:a16="http://schemas.microsoft.com/office/drawing/2014/main" id="{640D0C4A-7B19-4F1C-9314-DA3E253E9D89}"/>
+              </a:ext>
+            </a:extLst>
+          </p:cNvPr>
+          <p:cNvSpPr>
+            <a:spLocks noGrp="1"/>
+          </p:cNvSpPr>
+          <p:nvPr>
+            <p:ph idx="1"/>
+          </p:nvPr>
+        </p:nvSpPr>
+        <p:spPr>
+          <a:xfrm>
+            <a:off x="838200" y="1147318"/>
+            <a:ext cx="10515600" cy="4813989"/>
+          </a:xfrm>
+        </p:spPr>
+        <p:txBody>
+          <a:bodyPr/>
+          <a:lstStyle/>
+          <a:p>
+            <a:pPr>
+              <a:lnSpc>
+                <a:spcPct val="100000"/>
+              </a:lnSpc>
+              <a:buFont typeface="Wingdings" panose="05000000000000000000" pitchFamily="2" charset="2"/>
+              <a:buChar char="§"/>
+            </a:pPr>
+            <a:r>
+              <a:rPr lang="en-US" altLang="ko-KR" sz="3600" dirty="0">
+                <a:latin typeface="Abadi Extra Light" panose="020B0204020104020204" pitchFamily="34" charset="0"/>
+                <a:ea typeface="Arial Unicode MS" pitchFamily="50" charset="-127"/>
+                <a:cs typeface="Arial Unicode MS" pitchFamily="50" charset="-127"/>
+              </a:rPr>
+              <a:t>What is Kernel?</a:t>
+            </a:r>
+          </a:p>
+          <a:p>
+            <a:pPr>
+              <a:lnSpc>
+                <a:spcPct val="100000"/>
+              </a:lnSpc>
+              <a:buFont typeface="Wingdings" panose="05000000000000000000" pitchFamily="2" charset="2"/>
+              <a:buChar char="§"/>
+            </a:pPr>
+            <a:endParaRPr lang="en-US" altLang="ko-KR" dirty="0">
+              <a:latin typeface="Arial" panose="020B0604020202020204" pitchFamily="34" charset="0"/>
+              <a:cs typeface="Arial" panose="020B0604020202020204" pitchFamily="34" charset="0"/>
+            </a:endParaRPr>
+          </a:p>
+          <a:p>
+            <a:pPr>
+              <a:lnSpc>
+                <a:spcPct val="100000"/>
+              </a:lnSpc>
+              <a:buFont typeface="Wingdings" panose="05000000000000000000" pitchFamily="2" charset="2"/>
+              <a:buChar char="§"/>
+            </a:pPr>
+            <a:endParaRPr lang="en-US" altLang="ko-KR" dirty="0">
+              <a:latin typeface="Arial" panose="020B0604020202020204" pitchFamily="34" charset="0"/>
+              <a:cs typeface="Arial" panose="020B0604020202020204" pitchFamily="34" charset="0"/>
+            </a:endParaRPr>
+          </a:p>
+          <a:p>
+            <a:pPr>
+              <a:lnSpc>
+                <a:spcPct val="100000"/>
+              </a:lnSpc>
+              <a:buFont typeface="Wingdings" panose="05000000000000000000" pitchFamily="2" charset="2"/>
+              <a:buChar char="§"/>
+            </a:pPr>
+            <a:endParaRPr lang="en-US" altLang="ko-KR" dirty="0">
+              <a:latin typeface="Arial" panose="020B0604020202020204" pitchFamily="34" charset="0"/>
+              <a:cs typeface="Arial" panose="020B0604020202020204" pitchFamily="34" charset="0"/>
+            </a:endParaRPr>
+          </a:p>
+          <a:p>
+            <a:pPr marL="0" indent="0">
+              <a:lnSpc>
+                <a:spcPct val="100000"/>
+              </a:lnSpc>
+              <a:buNone/>
+            </a:pPr>
+            <a:endParaRPr lang="ko-KR" altLang="en-US" dirty="0">
+              <a:latin typeface="Arial" panose="020B0604020202020204" pitchFamily="34" charset="0"/>
+              <a:cs typeface="Arial" panose="020B0604020202020204" pitchFamily="34" charset="0"/>
+            </a:endParaRPr>
+          </a:p>
+        </p:txBody>
+      </p:sp>
+      <p:pic>
+        <p:nvPicPr>
+          <p:cNvPr id="4" name="그림 3">
+            <a:extLst>
+              <a:ext uri="{FF2B5EF4-FFF2-40B4-BE49-F238E27FC236}">
+                <a16:creationId xmlns:a16="http://schemas.microsoft.com/office/drawing/2014/main" id="{2501FCAE-98EC-4B3D-A7D3-6B85BAA6C6CC}"/>
+              </a:ext>
+            </a:extLst>
+          </p:cNvPr>
+          <p:cNvPicPr>
+            <a:picLocks noChangeAspect="1"/>
+          </p:cNvPicPr>
+          <p:nvPr/>
+        </p:nvPicPr>
+        <p:blipFill rotWithShape="1">
+          <a:blip r:embed="rId2">
+            <a:extLst>
+              <a:ext uri="{28A0092B-C50C-407E-A947-70E740481C1C}">
+                <a14:useLocalDpi xmlns:a14="http://schemas.microsoft.com/office/drawing/2010/main" val="0"/>
+              </a:ext>
+            </a:extLst>
+          </a:blip>
+          <a:srcRect t="49747" b="1"/>
+          <a:stretch/>
+        </p:blipFill>
+        <p:spPr>
+          <a:xfrm>
+            <a:off x="443092" y="1893516"/>
+            <a:ext cx="11305816" cy="4261105"/>
+          </a:xfrm>
+          <a:prstGeom prst="rect">
+            <a:avLst/>
+          </a:prstGeom>
+        </p:spPr>
+      </p:pic>
+    </p:spTree>
+    <p:extLst>
+      <p:ext uri="{BB962C8B-B14F-4D97-AF65-F5344CB8AC3E}">
+        <p14:creationId xmlns:p14="http://schemas.microsoft.com/office/powerpoint/2010/main" val="1545686118"/>
+      </p:ext>
+    </p:extLst>
+  </p:cSld>
+  <p:clrMapOvr>
+    <a:masterClrMapping/>
+  </p:clrMapOvr>
+</p:sld>
+</file>
+
+<file path=ppt/slides/slide6.xml><?xml version="1.0" encoding="utf-8"?>
+<p:sld xmlns:a="http://schemas.openxmlformats.org/drawingml/2006/main" xmlns:r="http://schemas.openxmlformats.org/officeDocument/2006/relationships" xmlns:p="http://schemas.openxmlformats.org/presentationml/2006/main">
+  <p:cSld>
+    <p:spTree>
+      <p:nvGrpSpPr>
+        <p:cNvPr id="1" name=""/>
+        <p:cNvGrpSpPr/>
+        <p:nvPr/>
+      </p:nvGrpSpPr>
+      <p:grpSpPr>
+        <a:xfrm>
+          <a:off x="0" y="0"/>
+          <a:ext cx="0" cy="0"/>
+          <a:chOff x="0" y="0"/>
+          <a:chExt cx="0" cy="0"/>
+        </a:xfrm>
+      </p:grpSpPr>
+      <p:sp>
+        <p:nvSpPr>
+          <p:cNvPr id="8" name="내용 개체 틀 2">
+            <a:extLst>
+              <a:ext uri="{FF2B5EF4-FFF2-40B4-BE49-F238E27FC236}">
+                <a16:creationId xmlns:a16="http://schemas.microsoft.com/office/drawing/2014/main" id="{640D0C4A-7B19-4F1C-9314-DA3E253E9D89}"/>
+              </a:ext>
+            </a:extLst>
+          </p:cNvPr>
+          <p:cNvSpPr>
+            <a:spLocks noGrp="1"/>
+          </p:cNvSpPr>
+          <p:nvPr>
+            <p:ph idx="1"/>
+          </p:nvPr>
+        </p:nvSpPr>
+        <p:spPr>
+          <a:xfrm>
+            <a:off x="838200" y="1147318"/>
+            <a:ext cx="10515600" cy="4813989"/>
+          </a:xfrm>
+        </p:spPr>
+        <p:txBody>
+          <a:bodyPr/>
+          <a:lstStyle/>
+          <a:p>
+            <a:pPr>
+              <a:lnSpc>
+                <a:spcPct val="100000"/>
+              </a:lnSpc>
+              <a:buFont typeface="Wingdings" panose="05000000000000000000" pitchFamily="2" charset="2"/>
+              <a:buChar char="§"/>
+            </a:pPr>
+            <a:r>
+              <a:rPr lang="en-US" altLang="ko-KR" sz="3600" dirty="0">
+                <a:latin typeface="Abadi Extra Light" panose="020B0204020104020204" pitchFamily="34" charset="0"/>
+                <a:ea typeface="Arial Unicode MS" pitchFamily="50" charset="-127"/>
+                <a:cs typeface="Arial Unicode MS" pitchFamily="50" charset="-127"/>
+              </a:rPr>
+              <a:t>What is Kernel Module?</a:t>
+            </a:r>
+          </a:p>
+          <a:p>
+            <a:pPr lvl="1">
+              <a:lnSpc>
+                <a:spcPct val="100000"/>
+              </a:lnSpc>
+              <a:buFont typeface="Wingdings" panose="05000000000000000000" pitchFamily="2" charset="2"/>
+              <a:buChar char="ü"/>
+            </a:pPr>
+            <a:r>
+              <a:rPr lang="en-US" altLang="ko-KR" i="1" dirty="0">
+                <a:latin typeface="Times New Roman" panose="02020603050405020304" pitchFamily="18" charset="0"/>
+                <a:ea typeface="Arial Unicode MS" pitchFamily="50" charset="-127"/>
+                <a:cs typeface="Times New Roman" panose="02020603050405020304" pitchFamily="18" charset="0"/>
+              </a:rPr>
+              <a:t>A piece of code that can load or remove code from Linux Kernel, at runtime</a:t>
+            </a:r>
+            <a:endParaRPr lang="en-US" altLang="ko-KR" dirty="0">
+              <a:latin typeface="Arial" panose="020B0604020202020204" pitchFamily="34" charset="0"/>
+              <a:cs typeface="Arial" panose="020B0604020202020204" pitchFamily="34" charset="0"/>
+            </a:endParaRPr>
+          </a:p>
+          <a:p>
+            <a:pPr>
+              <a:lnSpc>
+                <a:spcPct val="100000"/>
+              </a:lnSpc>
+              <a:buFont typeface="Wingdings" panose="05000000000000000000" pitchFamily="2" charset="2"/>
+              <a:buChar char="§"/>
+            </a:pPr>
+            <a:r>
+              <a:rPr lang="en-US" altLang="ko-KR" sz="3600" dirty="0">
+                <a:latin typeface="Abadi Extra Light" panose="020B0204020104020204" pitchFamily="34" charset="0"/>
+                <a:ea typeface="Arial Unicode MS" panose="020B0600000101010101" charset="-127"/>
+                <a:cs typeface="Arial Unicode MS" panose="020B0600000101010101" charset="-127"/>
+              </a:rPr>
+              <a:t>Why Write a Kernel Module?</a:t>
+            </a:r>
+          </a:p>
+          <a:p>
+            <a:pPr>
+              <a:lnSpc>
+                <a:spcPct val="100000"/>
+              </a:lnSpc>
+              <a:buFont typeface="Wingdings" panose="05000000000000000000" pitchFamily="2" charset="2"/>
+              <a:buChar char="§"/>
+            </a:pPr>
+            <a:endParaRPr lang="en-US" altLang="ko-KR" dirty="0">
+              <a:latin typeface="Arial Unicode MS" panose="020B0600000101010101" charset="-127"/>
+              <a:ea typeface="Arial Unicode MS" panose="020B0600000101010101" charset="-127"/>
+              <a:cs typeface="Arial Unicode MS" panose="020B0600000101010101" charset="-127"/>
+            </a:endParaRPr>
+          </a:p>
+          <a:p>
+            <a:pPr>
+              <a:lnSpc>
+                <a:spcPct val="100000"/>
+              </a:lnSpc>
+              <a:buFont typeface="Wingdings" panose="05000000000000000000" pitchFamily="2" charset="2"/>
+              <a:buChar char="§"/>
+            </a:pPr>
+            <a:endParaRPr lang="en-US" altLang="ko-KR" dirty="0">
+              <a:latin typeface="Arial" panose="020B0604020202020204" pitchFamily="34" charset="0"/>
+              <a:cs typeface="Arial" panose="020B0604020202020204" pitchFamily="34" charset="0"/>
+            </a:endParaRPr>
+          </a:p>
+          <a:p>
+            <a:pPr>
+              <a:lnSpc>
+                <a:spcPct val="100000"/>
+              </a:lnSpc>
+              <a:buFont typeface="Wingdings" panose="05000000000000000000" pitchFamily="2" charset="2"/>
+              <a:buChar char="§"/>
+            </a:pPr>
+            <a:endParaRPr lang="en-US" altLang="ko-KR" dirty="0">
+              <a:latin typeface="Arial" panose="020B0604020202020204" pitchFamily="34" charset="0"/>
+              <a:cs typeface="Arial" panose="020B0604020202020204" pitchFamily="34" charset="0"/>
+            </a:endParaRPr>
+          </a:p>
+          <a:p>
+            <a:pPr marL="0" indent="0">
+              <a:lnSpc>
+                <a:spcPct val="100000"/>
+              </a:lnSpc>
+              <a:buNone/>
+            </a:pPr>
+            <a:endParaRPr lang="ko-KR" altLang="en-US" dirty="0">
+              <a:latin typeface="Arial" panose="020B0604020202020204" pitchFamily="34" charset="0"/>
+              <a:cs typeface="Arial" panose="020B0604020202020204" pitchFamily="34" charset="0"/>
+            </a:endParaRPr>
+          </a:p>
+        </p:txBody>
+      </p:sp>
+      <p:sp>
+        <p:nvSpPr>
+          <p:cNvPr id="2" name="제목 1"/>
+          <p:cNvSpPr>
+            <a:spLocks noGrp="1"/>
+          </p:cNvSpPr>
+          <p:nvPr>
+            <p:ph type="title"/>
+          </p:nvPr>
+        </p:nvSpPr>
+        <p:spPr>
+          <a:xfrm>
+            <a:off x="838200" y="261966"/>
+            <a:ext cx="10515600" cy="669686"/>
+          </a:xfrm>
+        </p:spPr>
+        <p:txBody>
+          <a:bodyPr>
+            <a:normAutofit/>
+          </a:bodyPr>
+          <a:lstStyle/>
+          <a:p>
+            <a:pPr algn="ctr"/>
+            <a:r>
+              <a:rPr lang="en-US" altLang="ko-KR" sz="3200" dirty="0">
+                <a:solidFill>
+                  <a:srgbClr val="FF0000"/>
+                </a:solidFill>
+                <a:latin typeface="Arial Unicode MS" pitchFamily="50" charset="-127"/>
+                <a:ea typeface="Arial Unicode MS" pitchFamily="50" charset="-127"/>
+                <a:cs typeface="Arial Unicode MS" pitchFamily="50" charset="-127"/>
+              </a:rPr>
+              <a:t>Kernel Module : </a:t>
+            </a:r>
+            <a:r>
+              <a:rPr lang="en-US" altLang="ko-KR" sz="3200" dirty="0">
+                <a:solidFill>
+                  <a:srgbClr val="FF0000"/>
+                </a:solidFill>
+                <a:latin typeface="Abadi Extra Light" panose="020B0204020104020204" pitchFamily="34" charset="0"/>
+                <a:ea typeface="Arial Unicode MS" pitchFamily="50" charset="-127"/>
+                <a:cs typeface="Arial Unicode MS" pitchFamily="50" charset="-127"/>
+              </a:rPr>
+              <a:t>Concepts</a:t>
+            </a:r>
+            <a:endParaRPr lang="ko-KR" altLang="en-US" sz="3200" dirty="0">
+              <a:solidFill>
+                <a:srgbClr val="FF0000"/>
+              </a:solidFill>
+              <a:latin typeface="Abadi Extra Light" panose="020B0204020104020204" pitchFamily="34" charset="0"/>
+              <a:ea typeface="AppleSDGothicNeoM00" panose="02000503000000000000" pitchFamily="2" charset="-127"/>
+              <a:cs typeface="Arial" panose="020B0604020202020204" pitchFamily="34" charset="0"/>
+            </a:endParaRPr>
+          </a:p>
+        </p:txBody>
+      </p:sp>
+      <p:sp>
+        <p:nvSpPr>
+          <p:cNvPr id="6" name="슬라이드 번호 개체 틀 5"/>
+          <p:cNvSpPr>
+            <a:spLocks noGrp="1"/>
+          </p:cNvSpPr>
+          <p:nvPr>
+            <p:ph type="sldNum" sz="quarter" idx="12"/>
+          </p:nvPr>
+        </p:nvSpPr>
+        <p:spPr/>
+        <p:txBody>
+          <a:bodyPr/>
+          <a:lstStyle/>
+          <a:p>
+            <a:fld id="{A8B9FC14-406C-4F77-A652-54400BDED16B}" type="slidenum">
+              <a:rPr lang="ko-KR" altLang="en-US" smtClean="0"/>
+              <a:pPr/>
+              <a:t>6</a:t>
             </a:fld>
             <a:endParaRPr lang="ko-KR" altLang="en-US"/>
           </a:p>
@@ -9586,140 +12544,6 @@
           <a:p>
             <a:pPr algn="ctr"/>
             <a:endParaRPr lang="ko-KR" altLang="en-US"/>
-          </a:p>
-        </p:txBody>
-      </p:sp>
-      <p:sp>
-        <p:nvSpPr>
-          <p:cNvPr id="8" name="내용 개체 틀 2">
-            <a:extLst>
-              <a:ext uri="{FF2B5EF4-FFF2-40B4-BE49-F238E27FC236}">
-                <a16:creationId xmlns:a16="http://schemas.microsoft.com/office/drawing/2014/main" id="{640D0C4A-7B19-4F1C-9314-DA3E253E9D89}"/>
-              </a:ext>
-            </a:extLst>
-          </p:cNvPr>
-          <p:cNvSpPr>
-            <a:spLocks noGrp="1"/>
-          </p:cNvSpPr>
-          <p:nvPr>
-            <p:ph idx="1"/>
-          </p:nvPr>
-        </p:nvSpPr>
-        <p:spPr>
-          <a:xfrm>
-            <a:off x="838200" y="1147318"/>
-            <a:ext cx="10515600" cy="4813989"/>
-          </a:xfrm>
-        </p:spPr>
-        <p:txBody>
-          <a:bodyPr/>
-          <a:lstStyle/>
-          <a:p>
-            <a:pPr>
-              <a:lnSpc>
-                <a:spcPct val="100000"/>
-              </a:lnSpc>
-              <a:buFont typeface="Wingdings" panose="05000000000000000000" pitchFamily="2" charset="2"/>
-              <a:buChar char="§"/>
-            </a:pPr>
-            <a:r>
-              <a:rPr lang="en-US" altLang="ko-KR" sz="3600" dirty="0">
-                <a:latin typeface="Abadi Extra Light" panose="020B0204020104020204" pitchFamily="34" charset="0"/>
-                <a:ea typeface="Arial Unicode MS" pitchFamily="50" charset="-127"/>
-                <a:cs typeface="Arial Unicode MS" pitchFamily="50" charset="-127"/>
-              </a:rPr>
-              <a:t>What is Kernel Module?</a:t>
-            </a:r>
-          </a:p>
-          <a:p>
-            <a:pPr lvl="1">
-              <a:lnSpc>
-                <a:spcPct val="100000"/>
-              </a:lnSpc>
-              <a:buFont typeface="Wingdings" panose="05000000000000000000" pitchFamily="2" charset="2"/>
-              <a:buChar char="ü"/>
-            </a:pPr>
-            <a:r>
-              <a:rPr lang="en-US" altLang="ko-KR" i="1" dirty="0">
-                <a:latin typeface="Times New Roman" panose="02020603050405020304" pitchFamily="18" charset="0"/>
-                <a:ea typeface="Arial Unicode MS" pitchFamily="50" charset="-127"/>
-                <a:cs typeface="Times New Roman" panose="02020603050405020304" pitchFamily="18" charset="0"/>
-              </a:rPr>
-              <a:t>A piece of code that can load or remove code from Linux Kernel, at runtime</a:t>
-            </a:r>
-            <a:endParaRPr lang="en-US" altLang="ko-KR" dirty="0">
-              <a:latin typeface="Arial" panose="020B0604020202020204" pitchFamily="34" charset="0"/>
-              <a:cs typeface="Arial" panose="020B0604020202020204" pitchFamily="34" charset="0"/>
-            </a:endParaRPr>
-          </a:p>
-          <a:p>
-            <a:pPr>
-              <a:lnSpc>
-                <a:spcPct val="100000"/>
-              </a:lnSpc>
-              <a:buFont typeface="Wingdings" panose="05000000000000000000" pitchFamily="2" charset="2"/>
-              <a:buChar char="§"/>
-            </a:pPr>
-            <a:r>
-              <a:rPr lang="en-US" altLang="ko-KR" sz="3600" dirty="0">
-                <a:latin typeface="Abadi Extra Light" panose="020B0204020104020204" pitchFamily="34" charset="0"/>
-                <a:ea typeface="Arial Unicode MS" panose="020B0600000101010101" charset="-127"/>
-                <a:cs typeface="Arial Unicode MS" panose="020B0600000101010101" charset="-127"/>
-              </a:rPr>
-              <a:t>Why Write a Kernel Module?</a:t>
-            </a:r>
-          </a:p>
-          <a:p>
-            <a:pPr>
-              <a:lnSpc>
-                <a:spcPct val="100000"/>
-              </a:lnSpc>
-              <a:buFont typeface="Wingdings" panose="05000000000000000000" pitchFamily="2" charset="2"/>
-              <a:buChar char="§"/>
-            </a:pPr>
-            <a:endParaRPr lang="en-US" altLang="ko-KR" dirty="0">
-              <a:latin typeface="Arial Unicode MS" panose="020B0600000101010101" charset="-127"/>
-              <a:ea typeface="Arial Unicode MS" panose="020B0600000101010101" charset="-127"/>
-              <a:cs typeface="Arial Unicode MS" panose="020B0600000101010101" charset="-127"/>
-            </a:endParaRPr>
-          </a:p>
-          <a:p>
-            <a:pPr>
-              <a:lnSpc>
-                <a:spcPct val="100000"/>
-              </a:lnSpc>
-              <a:buFont typeface="Wingdings" panose="05000000000000000000" pitchFamily="2" charset="2"/>
-              <a:buChar char="§"/>
-            </a:pPr>
-            <a:endParaRPr lang="en-US" altLang="ko-KR" dirty="0">
-              <a:latin typeface="Arial" panose="020B0604020202020204" pitchFamily="34" charset="0"/>
-              <a:cs typeface="Arial" panose="020B0604020202020204" pitchFamily="34" charset="0"/>
-            </a:endParaRPr>
-          </a:p>
-          <a:p>
-            <a:pPr>
-              <a:lnSpc>
-                <a:spcPct val="100000"/>
-              </a:lnSpc>
-              <a:buFont typeface="Wingdings" panose="05000000000000000000" pitchFamily="2" charset="2"/>
-              <a:buChar char="§"/>
-            </a:pPr>
-            <a:endParaRPr lang="en-US" altLang="ko-KR" dirty="0">
-              <a:latin typeface="Arial" panose="020B0604020202020204" pitchFamily="34" charset="0"/>
-              <a:cs typeface="Arial" panose="020B0604020202020204" pitchFamily="34" charset="0"/>
-            </a:endParaRPr>
-          </a:p>
-          <a:p>
-            <a:pPr marL="0" indent="0">
-              <a:lnSpc>
-                <a:spcPct val="100000"/>
-              </a:lnSpc>
-              <a:buNone/>
-            </a:pPr>
-            <a:endParaRPr lang="ko-KR" altLang="en-US" dirty="0">
-              <a:latin typeface="Arial" panose="020B0604020202020204" pitchFamily="34" charset="0"/>
-              <a:cs typeface="Arial" panose="020B0604020202020204" pitchFamily="34" charset="0"/>
-            </a:endParaRPr>
           </a:p>
         </p:txBody>
       </p:sp>
@@ -9883,243 +12707,311 @@
           </a:fontRef>
         </p:style>
       </p:cxnSp>
-      <p:sp>
-        <p:nvSpPr>
-          <p:cNvPr id="12" name="직사각형 11">
+      <p:grpSp>
+        <p:nvGrpSpPr>
+          <p:cNvPr id="5" name="그룹 4">
             <a:extLst>
               <a:ext uri="{FF2B5EF4-FFF2-40B4-BE49-F238E27FC236}">
-                <a16:creationId xmlns:a16="http://schemas.microsoft.com/office/drawing/2014/main" id="{5D65E63D-65E0-4BBF-8252-C748924802F9}"/>
+                <a16:creationId xmlns:a16="http://schemas.microsoft.com/office/drawing/2014/main" id="{D5953195-8A4E-4153-AAAB-67243E5FC296}"/>
               </a:ext>
             </a:extLst>
           </p:cNvPr>
-          <p:cNvSpPr/>
+          <p:cNvGrpSpPr/>
           <p:nvPr/>
-        </p:nvSpPr>
-        <p:spPr>
-          <a:xfrm>
-            <a:off x="1191502" y="2993858"/>
-            <a:ext cx="6136398" cy="2492542"/>
-          </a:xfrm>
-          <a:prstGeom prst="rect">
-            <a:avLst/>
-          </a:prstGeom>
-          <a:noFill/>
-          <a:ln>
+        </p:nvGrpSpPr>
+        <p:grpSpPr>
+          <a:xfrm>
+            <a:off x="1156516" y="3043810"/>
+            <a:ext cx="6171384" cy="2666872"/>
+            <a:chOff x="1156516" y="3043810"/>
+            <a:chExt cx="6171384" cy="2666872"/>
+          </a:xfrm>
+        </p:grpSpPr>
+        <p:sp>
+          <p:nvSpPr>
+            <p:cNvPr id="12" name="직사각형 11">
+              <a:extLst>
+                <a:ext uri="{FF2B5EF4-FFF2-40B4-BE49-F238E27FC236}">
+                  <a16:creationId xmlns:a16="http://schemas.microsoft.com/office/drawing/2014/main" id="{5D65E63D-65E0-4BBF-8252-C748924802F9}"/>
+                </a:ext>
+              </a:extLst>
+            </p:cNvPr>
+            <p:cNvSpPr/>
+            <p:nvPr/>
+          </p:nvSpPr>
+          <p:spPr>
+            <a:xfrm>
+              <a:off x="1191502" y="3218140"/>
+              <a:ext cx="6136398" cy="2492542"/>
+            </a:xfrm>
+            <a:prstGeom prst="rect">
+              <a:avLst/>
+            </a:prstGeom>
             <a:noFill/>
-          </a:ln>
-          <a:effectLst/>
-        </p:spPr>
-        <p:style>
-          <a:lnRef idx="2">
-            <a:schemeClr val="accent1">
-              <a:shade val="50000"/>
-            </a:schemeClr>
-          </a:lnRef>
-          <a:fillRef idx="1">
-            <a:schemeClr val="accent1"/>
-          </a:fillRef>
-          <a:effectRef idx="0">
-            <a:schemeClr val="accent1"/>
-          </a:effectRef>
-          <a:fontRef idx="minor">
-            <a:schemeClr val="lt1"/>
-          </a:fontRef>
-        </p:style>
-        <p:txBody>
-          <a:bodyPr rtlCol="0" anchor="ctr"/>
-          <a:lstStyle/>
-          <a:p>
-            <a:endParaRPr lang="en-US" altLang="ko-KR" sz="2000" dirty="0">
+            <a:ln>
+              <a:noFill/>
+            </a:ln>
+            <a:effectLst/>
+          </p:spPr>
+          <p:style>
+            <a:lnRef idx="2">
+              <a:schemeClr val="accent1">
+                <a:shade val="50000"/>
+              </a:schemeClr>
+            </a:lnRef>
+            <a:fillRef idx="1">
+              <a:schemeClr val="accent1"/>
+            </a:fillRef>
+            <a:effectRef idx="0">
+              <a:schemeClr val="accent1"/>
+            </a:effectRef>
+            <a:fontRef idx="minor">
+              <a:schemeClr val="lt1"/>
+            </a:fontRef>
+          </p:style>
+          <p:txBody>
+            <a:bodyPr rtlCol="0" anchor="ctr"/>
+            <a:lstStyle/>
+            <a:p>
+              <a:r>
+                <a:rPr lang="en-US" altLang="ko-KR" sz="2000" dirty="0">
+                  <a:solidFill>
+                    <a:schemeClr val="tx1"/>
+                  </a:solidFill>
+                  <a:latin typeface="Abadi Extra Light" panose="020B0204020104020204" pitchFamily="34" charset="0"/>
+                </a:rPr>
+                <a:t>Rule of thumb: try your absolute best to keep your code in user-space</a:t>
+              </a:r>
+            </a:p>
+            <a:p>
+              <a:r>
+                <a:rPr lang="en-US" altLang="ko-KR" sz="1600" dirty="0">
+                  <a:solidFill>
+                    <a:srgbClr val="0DAB0D"/>
+                  </a:solidFill>
+                </a:rPr>
+                <a:t>//Application </a:t>
+              </a:r>
+              <a:r>
+                <a:rPr lang="ko-KR" altLang="en-US" sz="1600" dirty="0">
+                  <a:solidFill>
+                    <a:srgbClr val="0DAB0D"/>
+                  </a:solidFill>
+                </a:rPr>
+                <a:t>만들듯 </a:t>
+              </a:r>
+              <a:r>
+                <a:rPr lang="en-US" altLang="ko-KR" sz="1600" dirty="0">
+                  <a:solidFill>
+                    <a:srgbClr val="0DAB0D"/>
+                  </a:solidFill>
+                </a:rPr>
+                <a:t>Kernel Module</a:t>
+              </a:r>
+              <a:r>
+                <a:rPr lang="ko-KR" altLang="en-US" sz="1600" dirty="0">
+                  <a:solidFill>
+                    <a:srgbClr val="0DAB0D"/>
+                  </a:solidFill>
+                </a:rPr>
+                <a:t>을 만드는 것은 위험</a:t>
+              </a:r>
+              <a:endParaRPr lang="en-US" altLang="ko-KR" sz="1600" dirty="0">
+                <a:solidFill>
+                  <a:srgbClr val="0DAB0D"/>
+                </a:solidFill>
+              </a:endParaRPr>
+            </a:p>
+            <a:p>
+              <a:endParaRPr lang="en-US" altLang="ko-KR" dirty="0">
+                <a:solidFill>
+                  <a:srgbClr val="0DAB0D"/>
+                </a:solidFill>
+              </a:endParaRPr>
+            </a:p>
+            <a:p>
+              <a:r>
+                <a:rPr lang="en-US" altLang="ko-KR" dirty="0">
+                  <a:solidFill>
+                    <a:schemeClr val="tx1"/>
+                  </a:solidFill>
+                  <a:latin typeface="Abadi Extra Light" panose="020B0204020104020204" pitchFamily="34" charset="0"/>
+                </a:rPr>
+                <a:t>but interfacing electronic circuits with only low-level file operations?</a:t>
+              </a:r>
+            </a:p>
+            <a:p>
+              <a:r>
+                <a:rPr lang="en-US" altLang="ko-KR" dirty="0">
+                  <a:solidFill>
+                    <a:schemeClr val="tx1"/>
+                  </a:solidFill>
+                  <a:latin typeface="Abadi Extra Light" panose="020B0204020104020204" pitchFamily="34" charset="0"/>
+                </a:rPr>
+                <a:t>This approach can appear to be inefficient</a:t>
+              </a:r>
+            </a:p>
+            <a:p>
+              <a:r>
+                <a:rPr lang="en-US" altLang="ko-KR" sz="1600" dirty="0">
+                  <a:solidFill>
+                    <a:srgbClr val="0DAB0D"/>
+                  </a:solidFill>
+                </a:rPr>
+                <a:t>//(</a:t>
+              </a:r>
+              <a:r>
+                <a:rPr lang="ko-KR" altLang="en-US" sz="1600" dirty="0">
+                  <a:solidFill>
+                    <a:srgbClr val="0DAB0D"/>
+                  </a:solidFill>
+                </a:rPr>
+                <a:t>잘못된</a:t>
+              </a:r>
+              <a:r>
+                <a:rPr lang="en-US" altLang="ko-KR" sz="1600" dirty="0">
+                  <a:solidFill>
+                    <a:srgbClr val="0DAB0D"/>
+                  </a:solidFill>
+                </a:rPr>
+                <a:t>)</a:t>
+              </a:r>
+              <a:r>
+                <a:rPr lang="ko-KR" altLang="en-US" sz="1600" dirty="0">
+                  <a:solidFill>
+                    <a:srgbClr val="0DAB0D"/>
+                  </a:solidFill>
+                </a:rPr>
+                <a:t>비유</a:t>
+              </a:r>
+              <a:r>
+                <a:rPr lang="en-US" altLang="ko-KR" sz="1600" dirty="0">
+                  <a:solidFill>
+                    <a:srgbClr val="0DAB0D"/>
+                  </a:solidFill>
+                </a:rPr>
+                <a:t>: </a:t>
+              </a:r>
+              <a:r>
+                <a:rPr lang="en-US" altLang="ko-KR" sz="1600" dirty="0" err="1">
+                  <a:solidFill>
+                    <a:srgbClr val="0DAB0D"/>
+                  </a:solidFill>
+                </a:rPr>
+                <a:t>ioctl</a:t>
+              </a:r>
+              <a:r>
+                <a:rPr lang="en-US" altLang="ko-KR" sz="1600" dirty="0">
+                  <a:solidFill>
+                    <a:srgbClr val="0DAB0D"/>
+                  </a:solidFill>
+                </a:rPr>
+                <a:t>()</a:t>
+              </a:r>
+              <a:r>
+                <a:rPr lang="ko-KR" altLang="en-US" sz="1600" dirty="0">
+                  <a:solidFill>
+                    <a:srgbClr val="0DAB0D"/>
+                  </a:solidFill>
+                </a:rPr>
+                <a:t>만 가지고 모든 파일</a:t>
+              </a:r>
+              <a:r>
+                <a:rPr lang="en-US" altLang="ko-KR" sz="1600" dirty="0">
+                  <a:solidFill>
+                    <a:srgbClr val="0DAB0D"/>
+                  </a:solidFill>
+                </a:rPr>
+                <a:t>/</a:t>
+              </a:r>
+              <a:r>
+                <a:rPr lang="ko-KR" altLang="en-US" sz="1600" dirty="0">
+                  <a:solidFill>
+                    <a:srgbClr val="0DAB0D"/>
+                  </a:solidFill>
+                </a:rPr>
+                <a:t>장치를 관리하기 </a:t>
+              </a:r>
+              <a:endParaRPr lang="en-US" altLang="ko-KR" sz="1600" dirty="0">
+                <a:solidFill>
+                  <a:srgbClr val="0DAB0D"/>
+                </a:solidFill>
+                <a:latin typeface="Abadi Extra Light" panose="020B0204020104020204" pitchFamily="34" charset="0"/>
+              </a:endParaRPr>
+            </a:p>
+            <a:p>
+              <a:endParaRPr lang="en-US" altLang="ko-KR" dirty="0">
+                <a:solidFill>
+                  <a:srgbClr val="0DAB0D"/>
+                </a:solidFill>
+              </a:endParaRPr>
+            </a:p>
+          </p:txBody>
+        </p:sp>
+        <p:sp>
+          <p:nvSpPr>
+            <p:cNvPr id="13" name="직사각형 12">
+              <a:extLst>
+                <a:ext uri="{FF2B5EF4-FFF2-40B4-BE49-F238E27FC236}">
+                  <a16:creationId xmlns:a16="http://schemas.microsoft.com/office/drawing/2014/main" id="{6E8F445F-B2C5-4C6F-965A-FD546C6E559C}"/>
+                </a:ext>
+              </a:extLst>
+            </p:cNvPr>
+            <p:cNvSpPr/>
+            <p:nvPr/>
+          </p:nvSpPr>
+          <p:spPr>
+            <a:xfrm>
+              <a:off x="1156516" y="3043810"/>
+              <a:ext cx="6171384" cy="2666872"/>
+            </a:xfrm>
+            <a:prstGeom prst="rect">
+              <a:avLst/>
+            </a:prstGeom>
+            <a:noFill/>
+            <a:ln>
               <a:solidFill>
                 <a:schemeClr val="tx1"/>
               </a:solidFill>
-              <a:latin typeface="Abadi Extra Light" panose="020B0204020104020204" pitchFamily="34" charset="0"/>
-            </a:endParaRPr>
-          </a:p>
-          <a:p>
-            <a:endParaRPr lang="en-US" altLang="ko-KR" sz="2000" dirty="0">
-              <a:solidFill>
-                <a:schemeClr val="tx1"/>
-              </a:solidFill>
-              <a:latin typeface="Abadi Extra Light" panose="020B0204020104020204" pitchFamily="34" charset="0"/>
-            </a:endParaRPr>
-          </a:p>
-          <a:p>
-            <a:endParaRPr lang="en-US" altLang="ko-KR" sz="2000" dirty="0">
-              <a:solidFill>
-                <a:schemeClr val="tx1"/>
-              </a:solidFill>
-              <a:latin typeface="Abadi Extra Light" panose="020B0204020104020204" pitchFamily="34" charset="0"/>
-            </a:endParaRPr>
-          </a:p>
-          <a:p>
-            <a:endParaRPr lang="en-US" altLang="ko-KR" sz="2000" dirty="0">
-              <a:solidFill>
-                <a:schemeClr val="tx1"/>
-              </a:solidFill>
-              <a:latin typeface="Abadi Extra Light" panose="020B0204020104020204" pitchFamily="34" charset="0"/>
-            </a:endParaRPr>
-          </a:p>
-          <a:p>
-            <a:endParaRPr lang="en-US" altLang="ko-KR" sz="2000" dirty="0">
-              <a:solidFill>
-                <a:schemeClr val="tx1"/>
-              </a:solidFill>
-              <a:latin typeface="Abadi Extra Light" panose="020B0204020104020204" pitchFamily="34" charset="0"/>
-            </a:endParaRPr>
-          </a:p>
-          <a:p>
-            <a:endParaRPr lang="en-US" altLang="ko-KR" sz="2000" dirty="0">
-              <a:solidFill>
-                <a:schemeClr val="tx1"/>
-              </a:solidFill>
-              <a:latin typeface="Abadi Extra Light" panose="020B0204020104020204" pitchFamily="34" charset="0"/>
-            </a:endParaRPr>
-          </a:p>
-          <a:p>
-            <a:endParaRPr lang="en-US" altLang="ko-KR" sz="2000" dirty="0">
-              <a:solidFill>
-                <a:schemeClr val="tx1"/>
-              </a:solidFill>
-              <a:latin typeface="Abadi Extra Light" panose="020B0204020104020204" pitchFamily="34" charset="0"/>
-            </a:endParaRPr>
-          </a:p>
-          <a:p>
-            <a:r>
-              <a:rPr lang="en-US" altLang="ko-KR" sz="2000" dirty="0">
+            </a:ln>
+            <a:effectLst>
+              <a:outerShdw blurRad="50800" dist="38100" dir="2700000" algn="tl" rotWithShape="0">
+                <a:prstClr val="black">
+                  <a:alpha val="40000"/>
+                </a:prstClr>
+              </a:outerShdw>
+            </a:effectLst>
+          </p:spPr>
+          <p:style>
+            <a:lnRef idx="2">
+              <a:schemeClr val="accent1">
+                <a:shade val="50000"/>
+              </a:schemeClr>
+            </a:lnRef>
+            <a:fillRef idx="1">
+              <a:schemeClr val="accent1"/>
+            </a:fillRef>
+            <a:effectRef idx="0">
+              <a:schemeClr val="accent1"/>
+            </a:effectRef>
+            <a:fontRef idx="minor">
+              <a:schemeClr val="lt1"/>
+            </a:fontRef>
+          </p:style>
+          <p:txBody>
+            <a:bodyPr rtlCol="0" anchor="ctr"/>
+            <a:lstStyle/>
+            <a:p>
+              <a:pPr algn="ctr"/>
+              <a:endParaRPr lang="ko-KR" altLang="en-US" dirty="0">
                 <a:solidFill>
                   <a:schemeClr val="tx1"/>
                 </a:solidFill>
-                <a:latin typeface="Abadi Extra Light" panose="020B0204020104020204" pitchFamily="34" charset="0"/>
-              </a:rPr>
-              <a:t>Rule of thumb: try your absolute best to keep your code in user-space</a:t>
-            </a:r>
-          </a:p>
-          <a:p>
-            <a:r>
-              <a:rPr lang="en-US" altLang="ko-KR" dirty="0">
-                <a:solidFill>
-                  <a:srgbClr val="0DAB0D"/>
-                </a:solidFill>
-              </a:rPr>
-              <a:t>//Application </a:t>
-            </a:r>
-            <a:r>
-              <a:rPr lang="ko-KR" altLang="en-US" dirty="0">
-                <a:solidFill>
-                  <a:srgbClr val="0DAB0D"/>
-                </a:solidFill>
-              </a:rPr>
-              <a:t>만들듯 </a:t>
-            </a:r>
-            <a:r>
-              <a:rPr lang="en-US" altLang="ko-KR" dirty="0">
-                <a:solidFill>
-                  <a:srgbClr val="0DAB0D"/>
-                </a:solidFill>
-              </a:rPr>
-              <a:t>Kernel Module</a:t>
-            </a:r>
-            <a:r>
-              <a:rPr lang="ko-KR" altLang="en-US" dirty="0">
-                <a:solidFill>
-                  <a:srgbClr val="0DAB0D"/>
-                </a:solidFill>
-              </a:rPr>
-              <a:t>을 만드는 것은 위험</a:t>
-            </a:r>
-            <a:endParaRPr lang="en-US" altLang="ko-KR" dirty="0">
-              <a:solidFill>
-                <a:srgbClr val="0DAB0D"/>
-              </a:solidFill>
-            </a:endParaRPr>
-          </a:p>
-          <a:p>
-            <a:endParaRPr lang="en-US" altLang="ko-KR" dirty="0">
-              <a:solidFill>
-                <a:srgbClr val="0DAB0D"/>
-              </a:solidFill>
-            </a:endParaRPr>
-          </a:p>
-          <a:p>
-            <a:endParaRPr lang="en-US" altLang="ko-KR" dirty="0">
-              <a:solidFill>
-                <a:srgbClr val="0DAB0D"/>
-              </a:solidFill>
-            </a:endParaRPr>
-          </a:p>
-          <a:p>
-            <a:endParaRPr lang="en-US" altLang="ko-KR" dirty="0">
-              <a:solidFill>
-                <a:srgbClr val="0DAB0D"/>
-              </a:solidFill>
-            </a:endParaRPr>
-          </a:p>
-        </p:txBody>
-      </p:sp>
-      <p:sp>
-        <p:nvSpPr>
-          <p:cNvPr id="13" name="직사각형 12">
-            <a:extLst>
-              <a:ext uri="{FF2B5EF4-FFF2-40B4-BE49-F238E27FC236}">
-                <a16:creationId xmlns:a16="http://schemas.microsoft.com/office/drawing/2014/main" id="{6E8F445F-B2C5-4C6F-965A-FD546C6E559C}"/>
-              </a:ext>
-            </a:extLst>
-          </p:cNvPr>
-          <p:cNvSpPr/>
-          <p:nvPr/>
-        </p:nvSpPr>
-        <p:spPr>
-          <a:xfrm>
-            <a:off x="1156516" y="3043810"/>
-            <a:ext cx="6171384" cy="2666872"/>
-          </a:xfrm>
-          <a:prstGeom prst="rect">
-            <a:avLst/>
-          </a:prstGeom>
-          <a:noFill/>
-          <a:ln>
-            <a:solidFill>
-              <a:schemeClr val="tx1"/>
-            </a:solidFill>
-          </a:ln>
-          <a:effectLst>
-            <a:outerShdw blurRad="50800" dist="38100" dir="2700000" algn="tl" rotWithShape="0">
-              <a:prstClr val="black">
-                <a:alpha val="40000"/>
-              </a:prstClr>
-            </a:outerShdw>
-          </a:effectLst>
-        </p:spPr>
-        <p:style>
-          <a:lnRef idx="2">
-            <a:schemeClr val="accent1">
-              <a:shade val="50000"/>
-            </a:schemeClr>
-          </a:lnRef>
-          <a:fillRef idx="1">
-            <a:schemeClr val="accent1"/>
-          </a:fillRef>
-          <a:effectRef idx="0">
-            <a:schemeClr val="accent1"/>
-          </a:effectRef>
-          <a:fontRef idx="minor">
-            <a:schemeClr val="lt1"/>
-          </a:fontRef>
-        </p:style>
-        <p:txBody>
-          <a:bodyPr rtlCol="0" anchor="ctr"/>
-          <a:lstStyle/>
-          <a:p>
-            <a:pPr algn="ctr"/>
-            <a:endParaRPr lang="ko-KR" altLang="en-US" dirty="0">
-              <a:solidFill>
-                <a:schemeClr val="tx1"/>
-              </a:solidFill>
-            </a:endParaRPr>
-          </a:p>
-        </p:txBody>
-      </p:sp>
+              </a:endParaRPr>
+            </a:p>
+          </p:txBody>
+        </p:sp>
+      </p:grpSp>
     </p:spTree>
     <p:extLst>
       <p:ext uri="{BB962C8B-B14F-4D97-AF65-F5344CB8AC3E}">
@@ -10130,10 +13022,332 @@
   <p:clrMapOvr>
     <a:masterClrMapping/>
   </p:clrMapOvr>
+  <p:timing>
+    <p:tnLst>
+      <p:par>
+        <p:cTn id="1" dur="indefinite" restart="never" nodeType="tmRoot">
+          <p:childTnLst>
+            <p:seq concurrent="1" nextAc="seek">
+              <p:cTn id="2" dur="indefinite" nodeType="mainSeq">
+                <p:childTnLst>
+                  <p:par>
+                    <p:cTn id="3" fill="hold">
+                      <p:stCondLst>
+                        <p:cond delay="indefinite"/>
+                      </p:stCondLst>
+                      <p:childTnLst>
+                        <p:par>
+                          <p:cTn id="4" fill="hold">
+                            <p:stCondLst>
+                              <p:cond delay="0"/>
+                            </p:stCondLst>
+                            <p:childTnLst>
+                              <p:par>
+                                <p:cTn id="5" presetID="10" presetClass="entr" presetSubtype="0" fill="hold" nodeType="clickEffect">
+                                  <p:stCondLst>
+                                    <p:cond delay="0"/>
+                                  </p:stCondLst>
+                                  <p:childTnLst>
+                                    <p:set>
+                                      <p:cBhvr>
+                                        <p:cTn id="6" dur="1" fill="hold">
+                                          <p:stCondLst>
+                                            <p:cond delay="0"/>
+                                          </p:stCondLst>
+                                        </p:cTn>
+                                        <p:tgtEl>
+                                          <p:spTgt spid="8">
+                                            <p:txEl>
+                                              <p:pRg st="0" end="0"/>
+                                            </p:txEl>
+                                          </p:spTgt>
+                                        </p:tgtEl>
+                                        <p:attrNameLst>
+                                          <p:attrName>style.visibility</p:attrName>
+                                        </p:attrNameLst>
+                                      </p:cBhvr>
+                                      <p:to>
+                                        <p:strVal val="visible"/>
+                                      </p:to>
+                                    </p:set>
+                                    <p:animEffect transition="in" filter="fade">
+                                      <p:cBhvr>
+                                        <p:cTn id="7" dur="500"/>
+                                        <p:tgtEl>
+                                          <p:spTgt spid="8">
+                                            <p:txEl>
+                                              <p:pRg st="0" end="0"/>
+                                            </p:txEl>
+                                          </p:spTgt>
+                                        </p:tgtEl>
+                                      </p:cBhvr>
+                                    </p:animEffect>
+                                  </p:childTnLst>
+                                </p:cTn>
+                              </p:par>
+                            </p:childTnLst>
+                          </p:cTn>
+                        </p:par>
+                      </p:childTnLst>
+                    </p:cTn>
+                  </p:par>
+                  <p:par>
+                    <p:cTn id="8" fill="hold">
+                      <p:stCondLst>
+                        <p:cond delay="indefinite"/>
+                      </p:stCondLst>
+                      <p:childTnLst>
+                        <p:par>
+                          <p:cTn id="9" fill="hold">
+                            <p:stCondLst>
+                              <p:cond delay="0"/>
+                            </p:stCondLst>
+                            <p:childTnLst>
+                              <p:par>
+                                <p:cTn id="10" presetID="10" presetClass="entr" presetSubtype="0" fill="hold" nodeType="clickEffect">
+                                  <p:stCondLst>
+                                    <p:cond delay="0"/>
+                                  </p:stCondLst>
+                                  <p:childTnLst>
+                                    <p:set>
+                                      <p:cBhvr>
+                                        <p:cTn id="11" dur="1" fill="hold">
+                                          <p:stCondLst>
+                                            <p:cond delay="0"/>
+                                          </p:stCondLst>
+                                        </p:cTn>
+                                        <p:tgtEl>
+                                          <p:spTgt spid="8">
+                                            <p:txEl>
+                                              <p:pRg st="1" end="1"/>
+                                            </p:txEl>
+                                          </p:spTgt>
+                                        </p:tgtEl>
+                                        <p:attrNameLst>
+                                          <p:attrName>style.visibility</p:attrName>
+                                        </p:attrNameLst>
+                                      </p:cBhvr>
+                                      <p:to>
+                                        <p:strVal val="visible"/>
+                                      </p:to>
+                                    </p:set>
+                                    <p:animEffect transition="in" filter="fade">
+                                      <p:cBhvr>
+                                        <p:cTn id="12" dur="500"/>
+                                        <p:tgtEl>
+                                          <p:spTgt spid="8">
+                                            <p:txEl>
+                                              <p:pRg st="1" end="1"/>
+                                            </p:txEl>
+                                          </p:spTgt>
+                                        </p:tgtEl>
+                                      </p:cBhvr>
+                                    </p:animEffect>
+                                  </p:childTnLst>
+                                </p:cTn>
+                              </p:par>
+                            </p:childTnLst>
+                          </p:cTn>
+                        </p:par>
+                      </p:childTnLst>
+                    </p:cTn>
+                  </p:par>
+                  <p:par>
+                    <p:cTn id="13" fill="hold">
+                      <p:stCondLst>
+                        <p:cond delay="indefinite"/>
+                      </p:stCondLst>
+                      <p:childTnLst>
+                        <p:par>
+                          <p:cTn id="14" fill="hold">
+                            <p:stCondLst>
+                              <p:cond delay="0"/>
+                            </p:stCondLst>
+                            <p:childTnLst>
+                              <p:par>
+                                <p:cTn id="15" presetID="10" presetClass="entr" presetSubtype="0" fill="hold" grpId="0" nodeType="clickEffect">
+                                  <p:stCondLst>
+                                    <p:cond delay="0"/>
+                                  </p:stCondLst>
+                                  <p:childTnLst>
+                                    <p:set>
+                                      <p:cBhvr>
+                                        <p:cTn id="16" dur="1" fill="hold">
+                                          <p:stCondLst>
+                                            <p:cond delay="0"/>
+                                          </p:stCondLst>
+                                        </p:cTn>
+                                        <p:tgtEl>
+                                          <p:spTgt spid="9"/>
+                                        </p:tgtEl>
+                                        <p:attrNameLst>
+                                          <p:attrName>style.visibility</p:attrName>
+                                        </p:attrNameLst>
+                                      </p:cBhvr>
+                                      <p:to>
+                                        <p:strVal val="visible"/>
+                                      </p:to>
+                                    </p:set>
+                                    <p:animEffect transition="in" filter="fade">
+                                      <p:cBhvr>
+                                        <p:cTn id="17" dur="500"/>
+                                        <p:tgtEl>
+                                          <p:spTgt spid="9"/>
+                                        </p:tgtEl>
+                                      </p:cBhvr>
+                                    </p:animEffect>
+                                  </p:childTnLst>
+                                </p:cTn>
+                              </p:par>
+                            </p:childTnLst>
+                          </p:cTn>
+                        </p:par>
+                      </p:childTnLst>
+                    </p:cTn>
+                  </p:par>
+                  <p:par>
+                    <p:cTn id="18" fill="hold">
+                      <p:stCondLst>
+                        <p:cond delay="indefinite"/>
+                      </p:stCondLst>
+                      <p:childTnLst>
+                        <p:par>
+                          <p:cTn id="19" fill="hold">
+                            <p:stCondLst>
+                              <p:cond delay="0"/>
+                            </p:stCondLst>
+                            <p:childTnLst>
+                              <p:par>
+                                <p:cTn id="20" presetID="10" presetClass="entr" presetSubtype="0" fill="hold" nodeType="clickEffect">
+                                  <p:stCondLst>
+                                    <p:cond delay="0"/>
+                                  </p:stCondLst>
+                                  <p:childTnLst>
+                                    <p:set>
+                                      <p:cBhvr>
+                                        <p:cTn id="21" dur="1" fill="hold">
+                                          <p:stCondLst>
+                                            <p:cond delay="0"/>
+                                          </p:stCondLst>
+                                        </p:cTn>
+                                        <p:tgtEl>
+                                          <p:spTgt spid="8">
+                                            <p:txEl>
+                                              <p:pRg st="2" end="2"/>
+                                            </p:txEl>
+                                          </p:spTgt>
+                                        </p:tgtEl>
+                                        <p:attrNameLst>
+                                          <p:attrName>style.visibility</p:attrName>
+                                        </p:attrNameLst>
+                                      </p:cBhvr>
+                                      <p:to>
+                                        <p:strVal val="visible"/>
+                                      </p:to>
+                                    </p:set>
+                                    <p:animEffect transition="in" filter="fade">
+                                      <p:cBhvr>
+                                        <p:cTn id="22" dur="500"/>
+                                        <p:tgtEl>
+                                          <p:spTgt spid="8">
+                                            <p:txEl>
+                                              <p:pRg st="2" end="2"/>
+                                            </p:txEl>
+                                          </p:spTgt>
+                                        </p:tgtEl>
+                                      </p:cBhvr>
+                                    </p:animEffect>
+                                  </p:childTnLst>
+                                </p:cTn>
+                              </p:par>
+                            </p:childTnLst>
+                          </p:cTn>
+                        </p:par>
+                      </p:childTnLst>
+                    </p:cTn>
+                  </p:par>
+                  <p:par>
+                    <p:cTn id="23" fill="hold">
+                      <p:stCondLst>
+                        <p:cond delay="indefinite"/>
+                      </p:stCondLst>
+                      <p:childTnLst>
+                        <p:par>
+                          <p:cTn id="24" fill="hold">
+                            <p:stCondLst>
+                              <p:cond delay="0"/>
+                            </p:stCondLst>
+                            <p:childTnLst>
+                              <p:par>
+                                <p:cTn id="25" presetID="10" presetClass="entr" presetSubtype="0" fill="hold" nodeType="clickEffect">
+                                  <p:stCondLst>
+                                    <p:cond delay="0"/>
+                                  </p:stCondLst>
+                                  <p:childTnLst>
+                                    <p:set>
+                                      <p:cBhvr>
+                                        <p:cTn id="26" dur="1" fill="hold">
+                                          <p:stCondLst>
+                                            <p:cond delay="0"/>
+                                          </p:stCondLst>
+                                        </p:cTn>
+                                        <p:tgtEl>
+                                          <p:spTgt spid="5"/>
+                                        </p:tgtEl>
+                                        <p:attrNameLst>
+                                          <p:attrName>style.visibility</p:attrName>
+                                        </p:attrNameLst>
+                                      </p:cBhvr>
+                                      <p:to>
+                                        <p:strVal val="visible"/>
+                                      </p:to>
+                                    </p:set>
+                                    <p:animEffect transition="in" filter="fade">
+                                      <p:cBhvr>
+                                        <p:cTn id="27" dur="500"/>
+                                        <p:tgtEl>
+                                          <p:spTgt spid="5"/>
+                                        </p:tgtEl>
+                                      </p:cBhvr>
+                                    </p:animEffect>
+                                  </p:childTnLst>
+                                </p:cTn>
+                              </p:par>
+                            </p:childTnLst>
+                          </p:cTn>
+                        </p:par>
+                      </p:childTnLst>
+                    </p:cTn>
+                  </p:par>
+                </p:childTnLst>
+              </p:cTn>
+              <p:prevCondLst>
+                <p:cond evt="onPrev" delay="0">
+                  <p:tgtEl>
+                    <p:sldTgt/>
+                  </p:tgtEl>
+                </p:cond>
+              </p:prevCondLst>
+              <p:nextCondLst>
+                <p:cond evt="onNext" delay="0">
+                  <p:tgtEl>
+                    <p:sldTgt/>
+                  </p:tgtEl>
+                </p:cond>
+              </p:nextCondLst>
+            </p:seq>
+          </p:childTnLst>
+        </p:cTn>
+      </p:par>
+    </p:tnLst>
+    <p:bldLst>
+      <p:bldP spid="9" grpId="0" animBg="1"/>
+    </p:bldLst>
+  </p:timing>
 </p:sld>
 </file>
 
-<file path=ppt/slides/slide5.xml><?xml version="1.0" encoding="utf-8"?>
+<file path=ppt/slides/slide7.xml><?xml version="1.0" encoding="utf-8"?>
 <p:sld xmlns:a="http://schemas.openxmlformats.org/drawingml/2006/main" xmlns:r="http://schemas.openxmlformats.org/officeDocument/2006/relationships" xmlns:p="http://schemas.openxmlformats.org/presentationml/2006/main">
   <p:cSld>
     <p:spTree>
@@ -10361,7 +13575,7 @@
             <a:fld id="{A8B9FC14-406C-4F77-A652-54400BDED16B}" type="slidenum">
               <a:rPr lang="ko-KR" altLang="en-US" smtClean="0"/>
               <a:pPr/>
-              <a:t>5</a:t>
+              <a:t>7</a:t>
             </a:fld>
             <a:endParaRPr lang="ko-KR" altLang="en-US"/>
           </a:p>
@@ -10735,7 +13949,7 @@
 </p:sld>
 </file>
 
-<file path=ppt/slides/slide6.xml><?xml version="1.0" encoding="utf-8"?>
+<file path=ppt/slides/slide8.xml><?xml version="1.0" encoding="utf-8"?>
 <p:sld xmlns:a="http://schemas.openxmlformats.org/drawingml/2006/main" xmlns:r="http://schemas.openxmlformats.org/officeDocument/2006/relationships" xmlns:p="http://schemas.openxmlformats.org/presentationml/2006/main">
   <p:cSld>
     <p:spTree>
@@ -10846,7 +14060,7 @@
             <a:fld id="{A8B9FC14-406C-4F77-A652-54400BDED16B}" type="slidenum">
               <a:rPr lang="ko-KR" altLang="en-US" smtClean="0"/>
               <a:pPr/>
-              <a:t>6</a:t>
+              <a:t>8</a:t>
             </a:fld>
             <a:endParaRPr lang="ko-KR" altLang="en-US"/>
           </a:p>
@@ -11387,7 +14601,7 @@
 </p:sld>
 </file>
 
-<file path=ppt/slides/slide7.xml><?xml version="1.0" encoding="utf-8"?>
+<file path=ppt/slides/slide9.xml><?xml version="1.0" encoding="utf-8"?>
 <p:sld xmlns:a="http://schemas.openxmlformats.org/drawingml/2006/main" xmlns:r="http://schemas.openxmlformats.org/officeDocument/2006/relationships" xmlns:p="http://schemas.openxmlformats.org/presentationml/2006/main">
   <p:cSld>
     <p:spTree>
@@ -11520,7 +14734,7 @@
             <a:fld id="{A8B9FC14-406C-4F77-A652-54400BDED16B}" type="slidenum">
               <a:rPr lang="ko-KR" altLang="en-US" smtClean="0"/>
               <a:pPr/>
-              <a:t>7</a:t>
+              <a:t>9</a:t>
             </a:fld>
             <a:endParaRPr lang="ko-KR" altLang="en-US"/>
           </a:p>
@@ -11719,1793 +14933,6 @@
     <p:extLst>
       <p:ext uri="{BB962C8B-B14F-4D97-AF65-F5344CB8AC3E}">
         <p14:creationId xmlns:p14="http://schemas.microsoft.com/office/powerpoint/2010/main" val="103848666"/>
-      </p:ext>
-    </p:extLst>
-  </p:cSld>
-  <p:clrMapOvr>
-    <a:masterClrMapping/>
-  </p:clrMapOvr>
-</p:sld>
-</file>
-
-<file path=ppt/slides/slide8.xml><?xml version="1.0" encoding="utf-8"?>
-<p:sld xmlns:a="http://schemas.openxmlformats.org/drawingml/2006/main" xmlns:r="http://schemas.openxmlformats.org/officeDocument/2006/relationships" xmlns:p="http://schemas.openxmlformats.org/presentationml/2006/main">
-  <p:cSld>
-    <p:spTree>
-      <p:nvGrpSpPr>
-        <p:cNvPr id="1" name=""/>
-        <p:cNvGrpSpPr/>
-        <p:nvPr/>
-      </p:nvGrpSpPr>
-      <p:grpSpPr>
-        <a:xfrm>
-          <a:off x="0" y="0"/>
-          <a:ext cx="0" cy="0"/>
-          <a:chOff x="0" y="0"/>
-          <a:chExt cx="0" cy="0"/>
-        </a:xfrm>
-      </p:grpSpPr>
-      <p:grpSp>
-        <p:nvGrpSpPr>
-          <p:cNvPr id="4" name="그룹 3">
-            <a:extLst>
-              <a:ext uri="{FF2B5EF4-FFF2-40B4-BE49-F238E27FC236}">
-                <a16:creationId xmlns:a16="http://schemas.microsoft.com/office/drawing/2014/main" id="{B401EF3C-F0B8-48BF-A332-FBF452566632}"/>
-              </a:ext>
-            </a:extLst>
-          </p:cNvPr>
-          <p:cNvGrpSpPr/>
-          <p:nvPr/>
-        </p:nvGrpSpPr>
-        <p:grpSpPr>
-          <a:xfrm>
-            <a:off x="2247900" y="3009939"/>
-            <a:ext cx="8300438" cy="3656417"/>
-            <a:chOff x="838200" y="3128561"/>
-            <a:chExt cx="10693340" cy="4710512"/>
-          </a:xfrm>
-        </p:grpSpPr>
-        <p:pic>
-          <p:nvPicPr>
-            <p:cNvPr id="9" name="그림 8">
-              <a:extLst>
-                <a:ext uri="{FF2B5EF4-FFF2-40B4-BE49-F238E27FC236}">
-                  <a16:creationId xmlns:a16="http://schemas.microsoft.com/office/drawing/2014/main" id="{D3120B7F-FF88-4065-B63A-58DE71EE1792}"/>
-                </a:ext>
-              </a:extLst>
-            </p:cNvPr>
-            <p:cNvPicPr>
-              <a:picLocks noChangeAspect="1"/>
-            </p:cNvPicPr>
-            <p:nvPr/>
-          </p:nvPicPr>
-          <p:blipFill rotWithShape="1">
-            <a:blip r:embed="rId2"/>
-            <a:srcRect t="1334"/>
-            <a:stretch/>
-          </p:blipFill>
-          <p:spPr>
-            <a:xfrm>
-              <a:off x="838200" y="3175248"/>
-              <a:ext cx="10693339" cy="4663825"/>
-            </a:xfrm>
-            <a:prstGeom prst="rect">
-              <a:avLst/>
-            </a:prstGeom>
-          </p:spPr>
-        </p:pic>
-        <p:sp>
-          <p:nvSpPr>
-            <p:cNvPr id="10" name="직사각형 9">
-              <a:extLst>
-                <a:ext uri="{FF2B5EF4-FFF2-40B4-BE49-F238E27FC236}">
-                  <a16:creationId xmlns:a16="http://schemas.microsoft.com/office/drawing/2014/main" id="{AD0F94AF-1110-4DDF-A962-01F7E2A71B98}"/>
-                </a:ext>
-              </a:extLst>
-            </p:cNvPr>
-            <p:cNvSpPr/>
-            <p:nvPr/>
-          </p:nvSpPr>
-          <p:spPr>
-            <a:xfrm>
-              <a:off x="838201" y="3128561"/>
-              <a:ext cx="10693339" cy="4510487"/>
-            </a:xfrm>
-            <a:prstGeom prst="rect">
-              <a:avLst/>
-            </a:prstGeom>
-            <a:noFill/>
-            <a:ln>
-              <a:solidFill>
-                <a:schemeClr val="tx1"/>
-              </a:solidFill>
-            </a:ln>
-            <a:effectLst>
-              <a:outerShdw blurRad="50800" dist="38100" dir="5400000" algn="t" rotWithShape="0">
-                <a:prstClr val="black">
-                  <a:alpha val="40000"/>
-                </a:prstClr>
-              </a:outerShdw>
-            </a:effectLst>
-          </p:spPr>
-          <p:style>
-            <a:lnRef idx="2">
-              <a:schemeClr val="accent1">
-                <a:shade val="50000"/>
-              </a:schemeClr>
-            </a:lnRef>
-            <a:fillRef idx="1">
-              <a:schemeClr val="accent1"/>
-            </a:fillRef>
-            <a:effectRef idx="0">
-              <a:schemeClr val="accent1"/>
-            </a:effectRef>
-            <a:fontRef idx="minor">
-              <a:schemeClr val="lt1"/>
-            </a:fontRef>
-          </p:style>
-          <p:txBody>
-            <a:bodyPr rtlCol="0" anchor="ctr"/>
-            <a:lstStyle/>
-            <a:p>
-              <a:pPr algn="ctr"/>
-              <a:endParaRPr lang="ko-KR" altLang="en-US"/>
-            </a:p>
-          </p:txBody>
-        </p:sp>
-      </p:grpSp>
-      <p:sp>
-        <p:nvSpPr>
-          <p:cNvPr id="2" name="제목 1"/>
-          <p:cNvSpPr>
-            <a:spLocks noGrp="1"/>
-          </p:cNvSpPr>
-          <p:nvPr>
-            <p:ph type="title"/>
-          </p:nvPr>
-        </p:nvSpPr>
-        <p:spPr>
-          <a:xfrm>
-            <a:off x="838200" y="261966"/>
-            <a:ext cx="10515600" cy="669686"/>
-          </a:xfrm>
-        </p:spPr>
-        <p:txBody>
-          <a:bodyPr>
-            <a:normAutofit/>
-          </a:bodyPr>
-          <a:lstStyle/>
-          <a:p>
-            <a:pPr algn="ctr"/>
-            <a:r>
-              <a:rPr lang="en-US" altLang="ko-KR" sz="3200" dirty="0">
-                <a:solidFill>
-                  <a:srgbClr val="FF0000"/>
-                </a:solidFill>
-                <a:latin typeface="Arial" panose="020B0604020202020204" pitchFamily="34" charset="0"/>
-                <a:ea typeface="AppleSDGothicNeoM00" panose="02000503000000000000" pitchFamily="2" charset="-127"/>
-                <a:cs typeface="Arial" panose="020B0604020202020204" pitchFamily="34" charset="0"/>
-              </a:rPr>
-              <a:t>Linux Kernel Module </a:t>
-            </a:r>
-            <a:r>
-              <a:rPr lang="en-US" altLang="ko-KR" sz="3200" dirty="0">
-                <a:solidFill>
-                  <a:srgbClr val="FF0000"/>
-                </a:solidFill>
-                <a:latin typeface="Abadi Extra Light" panose="020B0204020104020204" pitchFamily="34" charset="0"/>
-                <a:ea typeface="AppleSDGothicNeoM00" panose="02000503000000000000" pitchFamily="2" charset="-127"/>
-                <a:cs typeface="Arial" panose="020B0604020202020204" pitchFamily="34" charset="0"/>
-              </a:rPr>
-              <a:t>: Example </a:t>
-            </a:r>
-            <a:r>
-              <a:rPr lang="en-US" altLang="ko-KR" sz="3200" dirty="0" err="1">
-                <a:solidFill>
-                  <a:srgbClr val="FF0000"/>
-                </a:solidFill>
-                <a:latin typeface="Abadi Extra Light" panose="020B0204020104020204" pitchFamily="34" charset="0"/>
-                <a:ea typeface="AppleSDGothicNeoM00" panose="02000503000000000000" pitchFamily="2" charset="-127"/>
-                <a:cs typeface="Arial" panose="020B0604020202020204" pitchFamily="34" charset="0"/>
-              </a:rPr>
-              <a:t>hello.ko</a:t>
-            </a:r>
-            <a:endParaRPr lang="ko-KR" altLang="en-US" sz="3200" dirty="0">
-              <a:solidFill>
-                <a:srgbClr val="FF0000"/>
-              </a:solidFill>
-              <a:latin typeface="Arial" panose="020B0604020202020204" pitchFamily="34" charset="0"/>
-              <a:ea typeface="AppleSDGothicNeoM00" panose="02000503000000000000" pitchFamily="2" charset="-127"/>
-              <a:cs typeface="Arial" panose="020B0604020202020204" pitchFamily="34" charset="0"/>
-            </a:endParaRPr>
-          </a:p>
-        </p:txBody>
-      </p:sp>
-      <p:cxnSp>
-        <p:nvCxnSpPr>
-          <p:cNvPr id="5" name="직선 연결선 4"/>
-          <p:cNvCxnSpPr/>
-          <p:nvPr/>
-        </p:nvCxnSpPr>
-        <p:spPr>
-          <a:xfrm>
-            <a:off x="362309" y="992036"/>
-            <a:ext cx="11499011" cy="0"/>
-          </a:xfrm>
-          <a:prstGeom prst="line">
-            <a:avLst/>
-          </a:prstGeom>
-          <a:ln/>
-        </p:spPr>
-        <p:style>
-          <a:lnRef idx="3">
-            <a:schemeClr val="dk1"/>
-          </a:lnRef>
-          <a:fillRef idx="0">
-            <a:schemeClr val="dk1"/>
-          </a:fillRef>
-          <a:effectRef idx="2">
-            <a:schemeClr val="dk1"/>
-          </a:effectRef>
-          <a:fontRef idx="minor">
-            <a:schemeClr val="tx1"/>
-          </a:fontRef>
-        </p:style>
-      </p:cxnSp>
-      <p:sp>
-        <p:nvSpPr>
-          <p:cNvPr id="6" name="슬라이드 번호 개체 틀 5"/>
-          <p:cNvSpPr>
-            <a:spLocks noGrp="1"/>
-          </p:cNvSpPr>
-          <p:nvPr>
-            <p:ph type="sldNum" sz="quarter" idx="12"/>
-          </p:nvPr>
-        </p:nvSpPr>
-        <p:spPr/>
-        <p:txBody>
-          <a:bodyPr/>
-          <a:lstStyle/>
-          <a:p>
-            <a:fld id="{A8B9FC14-406C-4F77-A652-54400BDED16B}" type="slidenum">
-              <a:rPr lang="ko-KR" altLang="en-US" smtClean="0"/>
-              <a:pPr/>
-              <a:t>8</a:t>
-            </a:fld>
-            <a:endParaRPr lang="ko-KR" altLang="en-US"/>
-          </a:p>
-        </p:txBody>
-      </p:sp>
-      <p:sp>
-        <p:nvSpPr>
-          <p:cNvPr id="12" name="내용 개체 틀 2">
-            <a:extLst>
-              <a:ext uri="{FF2B5EF4-FFF2-40B4-BE49-F238E27FC236}">
-                <a16:creationId xmlns:a16="http://schemas.microsoft.com/office/drawing/2014/main" id="{68A87799-3833-491D-AAF3-98EB8F6036B6}"/>
-              </a:ext>
-            </a:extLst>
-          </p:cNvPr>
-          <p:cNvSpPr>
-            <a:spLocks noGrp="1"/>
-          </p:cNvSpPr>
-          <p:nvPr>
-            <p:ph idx="1"/>
-          </p:nvPr>
-        </p:nvSpPr>
-        <p:spPr>
-          <a:xfrm>
-            <a:off x="838200" y="1147318"/>
-            <a:ext cx="10515600" cy="4813989"/>
-          </a:xfrm>
-        </p:spPr>
-        <p:txBody>
-          <a:bodyPr/>
-          <a:lstStyle/>
-          <a:p>
-            <a:pPr>
-              <a:lnSpc>
-                <a:spcPct val="100000"/>
-              </a:lnSpc>
-              <a:buFont typeface="Wingdings" panose="05000000000000000000" pitchFamily="2" charset="2"/>
-              <a:buChar char="§"/>
-            </a:pPr>
-            <a:r>
-              <a:rPr lang="en-US" altLang="ko-KR" dirty="0" err="1">
-                <a:latin typeface="Arial Unicode MS" pitchFamily="50" charset="-127"/>
-                <a:ea typeface="Arial Unicode MS" pitchFamily="50" charset="-127"/>
-                <a:cs typeface="Arial Unicode MS" pitchFamily="50" charset="-127"/>
-              </a:rPr>
-              <a:t>hello.c</a:t>
-            </a:r>
-            <a:endParaRPr lang="en-US" altLang="ko-KR" dirty="0">
-              <a:latin typeface="Arial Unicode MS" pitchFamily="50" charset="-127"/>
-              <a:ea typeface="Arial Unicode MS" pitchFamily="50" charset="-127"/>
-              <a:cs typeface="Arial Unicode MS" pitchFamily="50" charset="-127"/>
-            </a:endParaRPr>
-          </a:p>
-          <a:p>
-            <a:pPr lvl="1">
-              <a:lnSpc>
-                <a:spcPct val="100000"/>
-              </a:lnSpc>
-            </a:pPr>
-            <a:r>
-              <a:rPr lang="en-US" altLang="ko-KR" dirty="0" err="1">
-                <a:latin typeface="Abadi Extra Light" panose="020B0204020104020204" pitchFamily="34" charset="0"/>
-                <a:ea typeface="Arial Unicode MS" pitchFamily="50" charset="-127"/>
-                <a:cs typeface="Times New Roman" panose="02020603050405020304" pitchFamily="18" charset="0"/>
-              </a:rPr>
-              <a:t>init</a:t>
-            </a:r>
-            <a:r>
-              <a:rPr lang="en-US" altLang="ko-KR" dirty="0">
-                <a:latin typeface="Abadi Extra Light" panose="020B0204020104020204" pitchFamily="34" charset="0"/>
-                <a:ea typeface="Arial Unicode MS" pitchFamily="50" charset="-127"/>
-                <a:cs typeface="Times New Roman" panose="02020603050405020304" pitchFamily="18" charset="0"/>
-              </a:rPr>
-              <a:t>, close, </a:t>
-            </a:r>
-            <a:r>
-              <a:rPr lang="en-US" altLang="ko-KR" dirty="0">
-                <a:latin typeface="Abadi Extra Light" panose="020B0204020104020204" pitchFamily="34" charset="0"/>
-                <a:ea typeface="Arial Unicode MS" panose="020B0600000101010101" charset="-127"/>
-                <a:cs typeface="Times New Roman" panose="02020603050405020304" pitchFamily="18" charset="0"/>
-              </a:rPr>
-              <a:t>license</a:t>
-            </a:r>
-          </a:p>
-          <a:p>
-            <a:pPr>
-              <a:lnSpc>
-                <a:spcPct val="100000"/>
-              </a:lnSpc>
-              <a:buFont typeface="Wingdings" panose="05000000000000000000" pitchFamily="2" charset="2"/>
-              <a:buChar char="§"/>
-            </a:pPr>
-            <a:endParaRPr lang="en-US" altLang="ko-KR" dirty="0">
-              <a:latin typeface="Arial Unicode MS" panose="020B0600000101010101" charset="-127"/>
-              <a:ea typeface="Arial Unicode MS" panose="020B0600000101010101" charset="-127"/>
-              <a:cs typeface="Arial Unicode MS" panose="020B0600000101010101" charset="-127"/>
-            </a:endParaRPr>
-          </a:p>
-          <a:p>
-            <a:pPr>
-              <a:lnSpc>
-                <a:spcPct val="100000"/>
-              </a:lnSpc>
-              <a:buFont typeface="Wingdings" panose="05000000000000000000" pitchFamily="2" charset="2"/>
-              <a:buChar char="§"/>
-            </a:pPr>
-            <a:endParaRPr lang="en-US" altLang="ko-KR" dirty="0">
-              <a:latin typeface="Arial" panose="020B0604020202020204" pitchFamily="34" charset="0"/>
-              <a:cs typeface="Arial" panose="020B0604020202020204" pitchFamily="34" charset="0"/>
-            </a:endParaRPr>
-          </a:p>
-          <a:p>
-            <a:pPr>
-              <a:lnSpc>
-                <a:spcPct val="100000"/>
-              </a:lnSpc>
-              <a:buFont typeface="Wingdings" panose="05000000000000000000" pitchFamily="2" charset="2"/>
-              <a:buChar char="§"/>
-            </a:pPr>
-            <a:endParaRPr lang="en-US" altLang="ko-KR" dirty="0">
-              <a:latin typeface="Arial" panose="020B0604020202020204" pitchFamily="34" charset="0"/>
-              <a:cs typeface="Arial" panose="020B0604020202020204" pitchFamily="34" charset="0"/>
-            </a:endParaRPr>
-          </a:p>
-          <a:p>
-            <a:pPr marL="0" indent="0">
-              <a:lnSpc>
-                <a:spcPct val="100000"/>
-              </a:lnSpc>
-              <a:buNone/>
-            </a:pPr>
-            <a:endParaRPr lang="ko-KR" altLang="en-US" dirty="0">
-              <a:latin typeface="Arial" panose="020B0604020202020204" pitchFamily="34" charset="0"/>
-              <a:cs typeface="Arial" panose="020B0604020202020204" pitchFamily="34" charset="0"/>
-            </a:endParaRPr>
-          </a:p>
-        </p:txBody>
-      </p:sp>
-      <p:sp>
-        <p:nvSpPr>
-          <p:cNvPr id="3" name="사각형: 둥근 모서리 2">
-            <a:extLst>
-              <a:ext uri="{FF2B5EF4-FFF2-40B4-BE49-F238E27FC236}">
-                <a16:creationId xmlns:a16="http://schemas.microsoft.com/office/drawing/2014/main" id="{08BC19F4-1BA7-4CA7-9CC0-747848380CEE}"/>
-              </a:ext>
-            </a:extLst>
-          </p:cNvPr>
-          <p:cNvSpPr/>
-          <p:nvPr/>
-        </p:nvSpPr>
-        <p:spPr>
-          <a:xfrm>
-            <a:off x="244536" y="2246212"/>
-            <a:ext cx="3365500" cy="571500"/>
-          </a:xfrm>
-          <a:prstGeom prst="roundRect">
-            <a:avLst/>
-          </a:prstGeom>
-          <a:noFill/>
-          <a:ln>
-            <a:solidFill>
-              <a:schemeClr val="tx1"/>
-            </a:solidFill>
-          </a:ln>
-        </p:spPr>
-        <p:style>
-          <a:lnRef idx="2">
-            <a:schemeClr val="accent1">
-              <a:shade val="50000"/>
-            </a:schemeClr>
-          </a:lnRef>
-          <a:fillRef idx="1">
-            <a:schemeClr val="accent1"/>
-          </a:fillRef>
-          <a:effectRef idx="0">
-            <a:schemeClr val="accent1"/>
-          </a:effectRef>
-          <a:fontRef idx="minor">
-            <a:schemeClr val="lt1"/>
-          </a:fontRef>
-        </p:style>
-        <p:txBody>
-          <a:bodyPr rtlCol="0" anchor="ctr"/>
-          <a:lstStyle/>
-          <a:p>
-            <a:pPr algn="ctr"/>
-            <a:r>
-              <a:rPr lang="en-US" altLang="ko-KR" sz="2400" dirty="0">
-                <a:solidFill>
-                  <a:schemeClr val="tx1"/>
-                </a:solidFill>
-                <a:latin typeface="Abadi Extra Light" panose="020B0204020104020204" pitchFamily="34" charset="0"/>
-              </a:rPr>
-              <a:t>%module_name%_</a:t>
-            </a:r>
-            <a:r>
-              <a:rPr lang="en-US" altLang="ko-KR" sz="2400" dirty="0" err="1">
-                <a:solidFill>
-                  <a:schemeClr val="tx1"/>
-                </a:solidFill>
-                <a:latin typeface="Abadi Extra Light" panose="020B0204020104020204" pitchFamily="34" charset="0"/>
-              </a:rPr>
-              <a:t>init</a:t>
-            </a:r>
-            <a:endParaRPr lang="ko-KR" altLang="en-US" sz="2400" dirty="0">
-              <a:solidFill>
-                <a:schemeClr val="tx1"/>
-              </a:solidFill>
-              <a:latin typeface="Abadi Extra Light" panose="020B0204020104020204" pitchFamily="34" charset="0"/>
-            </a:endParaRPr>
-          </a:p>
-        </p:txBody>
-      </p:sp>
-      <p:sp>
-        <p:nvSpPr>
-          <p:cNvPr id="7" name="사각형: 둥근 모서리 6">
-            <a:extLst>
-              <a:ext uri="{FF2B5EF4-FFF2-40B4-BE49-F238E27FC236}">
-                <a16:creationId xmlns:a16="http://schemas.microsoft.com/office/drawing/2014/main" id="{E5E02A85-C73C-45E0-8174-8BBF72E28443}"/>
-              </a:ext>
-            </a:extLst>
-          </p:cNvPr>
-          <p:cNvSpPr/>
-          <p:nvPr/>
-        </p:nvSpPr>
-        <p:spPr>
-          <a:xfrm>
-            <a:off x="4152900" y="2246212"/>
-            <a:ext cx="3495586" cy="571500"/>
-          </a:xfrm>
-          <a:prstGeom prst="roundRect">
-            <a:avLst/>
-          </a:prstGeom>
-          <a:noFill/>
-          <a:ln>
-            <a:solidFill>
-              <a:schemeClr val="tx1"/>
-            </a:solidFill>
-          </a:ln>
-        </p:spPr>
-        <p:style>
-          <a:lnRef idx="2">
-            <a:schemeClr val="accent1">
-              <a:shade val="50000"/>
-            </a:schemeClr>
-          </a:lnRef>
-          <a:fillRef idx="1">
-            <a:schemeClr val="accent1"/>
-          </a:fillRef>
-          <a:effectRef idx="0">
-            <a:schemeClr val="accent1"/>
-          </a:effectRef>
-          <a:fontRef idx="minor">
-            <a:schemeClr val="lt1"/>
-          </a:fontRef>
-        </p:style>
-        <p:txBody>
-          <a:bodyPr rtlCol="0" anchor="ctr"/>
-          <a:lstStyle/>
-          <a:p>
-            <a:pPr algn="ctr"/>
-            <a:r>
-              <a:rPr lang="en-US" altLang="ko-KR" sz="2400" dirty="0">
-                <a:solidFill>
-                  <a:schemeClr val="tx1"/>
-                </a:solidFill>
-                <a:latin typeface="Abadi Extra Light" panose="020B0204020104020204" pitchFamily="34" charset="0"/>
-              </a:rPr>
-              <a:t>%</a:t>
-            </a:r>
-            <a:r>
-              <a:rPr lang="en-US" altLang="ko-KR" sz="2400" dirty="0" err="1">
-                <a:solidFill>
-                  <a:schemeClr val="tx1"/>
-                </a:solidFill>
-                <a:latin typeface="Abadi Extra Light" panose="020B0204020104020204" pitchFamily="34" charset="0"/>
-              </a:rPr>
-              <a:t>module_name%_cleanup</a:t>
-            </a:r>
-            <a:endParaRPr lang="ko-KR" altLang="en-US" sz="2400" dirty="0">
-              <a:solidFill>
-                <a:schemeClr val="tx1"/>
-              </a:solidFill>
-              <a:latin typeface="Abadi Extra Light" panose="020B0204020104020204" pitchFamily="34" charset="0"/>
-            </a:endParaRPr>
-          </a:p>
-        </p:txBody>
-      </p:sp>
-      <p:sp>
-        <p:nvSpPr>
-          <p:cNvPr id="8" name="사각형: 둥근 모서리 7">
-            <a:extLst>
-              <a:ext uri="{FF2B5EF4-FFF2-40B4-BE49-F238E27FC236}">
-                <a16:creationId xmlns:a16="http://schemas.microsoft.com/office/drawing/2014/main" id="{F367E694-10AB-4728-BF96-56E2C91A2629}"/>
-              </a:ext>
-            </a:extLst>
-          </p:cNvPr>
-          <p:cNvSpPr/>
-          <p:nvPr/>
-        </p:nvSpPr>
-        <p:spPr>
-          <a:xfrm>
-            <a:off x="8061264" y="2246212"/>
-            <a:ext cx="3955225" cy="571500"/>
-          </a:xfrm>
-          <a:prstGeom prst="roundRect">
-            <a:avLst/>
-          </a:prstGeom>
-          <a:noFill/>
-          <a:ln>
-            <a:solidFill>
-              <a:schemeClr val="tx1"/>
-            </a:solidFill>
-          </a:ln>
-        </p:spPr>
-        <p:style>
-          <a:lnRef idx="2">
-            <a:schemeClr val="accent1">
-              <a:shade val="50000"/>
-            </a:schemeClr>
-          </a:lnRef>
-          <a:fillRef idx="1">
-            <a:schemeClr val="accent1"/>
-          </a:fillRef>
-          <a:effectRef idx="0">
-            <a:schemeClr val="accent1"/>
-          </a:effectRef>
-          <a:fontRef idx="minor">
-            <a:schemeClr val="lt1"/>
-          </a:fontRef>
-        </p:style>
-        <p:txBody>
-          <a:bodyPr rtlCol="0" anchor="ctr"/>
-          <a:lstStyle/>
-          <a:p>
-            <a:pPr algn="ctr"/>
-            <a:r>
-              <a:rPr lang="en-US" altLang="ko-KR" sz="2400" dirty="0">
-                <a:solidFill>
-                  <a:schemeClr val="tx1"/>
-                </a:solidFill>
-                <a:latin typeface="Abadi Extra Light" panose="020B0204020104020204" pitchFamily="34" charset="0"/>
-              </a:rPr>
-              <a:t>MODULE_LICENSE(“GPL”)</a:t>
-            </a:r>
-            <a:endParaRPr lang="ko-KR" altLang="en-US" sz="2400" dirty="0">
-              <a:solidFill>
-                <a:schemeClr val="tx1"/>
-              </a:solidFill>
-              <a:latin typeface="Abadi Extra Light" panose="020B0204020104020204" pitchFamily="34" charset="0"/>
-            </a:endParaRPr>
-          </a:p>
-        </p:txBody>
-      </p:sp>
-      <p:cxnSp>
-        <p:nvCxnSpPr>
-          <p:cNvPr id="18" name="연결선: 꺾임 17">
-            <a:extLst>
-              <a:ext uri="{FF2B5EF4-FFF2-40B4-BE49-F238E27FC236}">
-                <a16:creationId xmlns:a16="http://schemas.microsoft.com/office/drawing/2014/main" id="{2F9C20FE-B36C-4AF0-B23E-2CF0D6C0580A}"/>
-              </a:ext>
-            </a:extLst>
-          </p:cNvPr>
-          <p:cNvCxnSpPr>
-            <a:cxnSpLocks/>
-          </p:cNvCxnSpPr>
-          <p:nvPr/>
-        </p:nvCxnSpPr>
-        <p:spPr>
-          <a:xfrm>
-            <a:off x="1009653" y="2817711"/>
-            <a:ext cx="1123948" cy="754162"/>
-          </a:xfrm>
-          <a:prstGeom prst="bentConnector3">
-            <a:avLst>
-              <a:gd name="adj1" fmla="val 212"/>
-            </a:avLst>
-          </a:prstGeom>
-          <a:ln w="12700">
-            <a:solidFill>
-              <a:schemeClr val="tx1"/>
-            </a:solidFill>
-            <a:tailEnd type="triangle"/>
-          </a:ln>
-          <a:effectLst>
-            <a:outerShdw blurRad="50800" dist="38100" dir="2700000" algn="tl" rotWithShape="0">
-              <a:prstClr val="black">
-                <a:alpha val="40000"/>
-              </a:prstClr>
-            </a:outerShdw>
-          </a:effectLst>
-        </p:spPr>
-        <p:style>
-          <a:lnRef idx="1">
-            <a:schemeClr val="accent1"/>
-          </a:lnRef>
-          <a:fillRef idx="0">
-            <a:schemeClr val="accent1"/>
-          </a:fillRef>
-          <a:effectRef idx="0">
-            <a:schemeClr val="accent1"/>
-          </a:effectRef>
-          <a:fontRef idx="minor">
-            <a:schemeClr val="tx1"/>
-          </a:fontRef>
-        </p:style>
-      </p:cxnSp>
-      <p:cxnSp>
-        <p:nvCxnSpPr>
-          <p:cNvPr id="22" name="연결선: 꺾임 21">
-            <a:extLst>
-              <a:ext uri="{FF2B5EF4-FFF2-40B4-BE49-F238E27FC236}">
-                <a16:creationId xmlns:a16="http://schemas.microsoft.com/office/drawing/2014/main" id="{5ECE35D5-479D-4393-BAEC-1A333052319E}"/>
-              </a:ext>
-            </a:extLst>
-          </p:cNvPr>
-          <p:cNvCxnSpPr>
-            <a:cxnSpLocks/>
-            <a:stCxn id="7" idx="2"/>
-          </p:cNvCxnSpPr>
-          <p:nvPr/>
-        </p:nvCxnSpPr>
-        <p:spPr>
-          <a:xfrm rot="5400000">
-            <a:off x="4655220" y="3610795"/>
-            <a:ext cx="2038557" cy="452390"/>
-          </a:xfrm>
-          <a:prstGeom prst="bentConnector3">
-            <a:avLst>
-              <a:gd name="adj1" fmla="val 99839"/>
-            </a:avLst>
-          </a:prstGeom>
-          <a:ln w="12700">
-            <a:solidFill>
-              <a:schemeClr val="tx1"/>
-            </a:solidFill>
-            <a:tailEnd type="triangle"/>
-          </a:ln>
-          <a:effectLst>
-            <a:outerShdw blurRad="50800" dist="38100" dir="2700000" algn="tl" rotWithShape="0">
-              <a:prstClr val="black">
-                <a:alpha val="40000"/>
-              </a:prstClr>
-            </a:outerShdw>
-          </a:effectLst>
-        </p:spPr>
-        <p:style>
-          <a:lnRef idx="1">
-            <a:schemeClr val="accent1"/>
-          </a:lnRef>
-          <a:fillRef idx="0">
-            <a:schemeClr val="accent1"/>
-          </a:fillRef>
-          <a:effectRef idx="0">
-            <a:schemeClr val="accent1"/>
-          </a:effectRef>
-          <a:fontRef idx="minor">
-            <a:schemeClr val="tx1"/>
-          </a:fontRef>
-        </p:style>
-      </p:cxnSp>
-      <p:cxnSp>
-        <p:nvCxnSpPr>
-          <p:cNvPr id="27" name="연결선: 꺾임 26">
-            <a:extLst>
-              <a:ext uri="{FF2B5EF4-FFF2-40B4-BE49-F238E27FC236}">
-                <a16:creationId xmlns:a16="http://schemas.microsoft.com/office/drawing/2014/main" id="{ECFCC420-124D-4A66-82B1-D0DD86E19C4B}"/>
-              </a:ext>
-            </a:extLst>
-          </p:cNvPr>
-          <p:cNvCxnSpPr>
-            <a:cxnSpLocks/>
-          </p:cNvCxnSpPr>
-          <p:nvPr/>
-        </p:nvCxnSpPr>
-        <p:spPr>
-          <a:xfrm rot="16200000" flipH="1">
-            <a:off x="65779" y="3779186"/>
-            <a:ext cx="3125995" cy="1238246"/>
-          </a:xfrm>
-          <a:prstGeom prst="bentConnector3">
-            <a:avLst>
-              <a:gd name="adj1" fmla="val 99921"/>
-            </a:avLst>
-          </a:prstGeom>
-          <a:ln w="12700">
-            <a:solidFill>
-              <a:schemeClr val="tx1"/>
-            </a:solidFill>
-            <a:tailEnd type="triangle"/>
-          </a:ln>
-          <a:effectLst>
-            <a:outerShdw blurRad="50800" dist="38100" dir="2700000" algn="tl" rotWithShape="0">
-              <a:prstClr val="black">
-                <a:alpha val="40000"/>
-              </a:prstClr>
-            </a:outerShdw>
-          </a:effectLst>
-        </p:spPr>
-        <p:style>
-          <a:lnRef idx="1">
-            <a:schemeClr val="accent1"/>
-          </a:lnRef>
-          <a:fillRef idx="0">
-            <a:schemeClr val="accent1"/>
-          </a:fillRef>
-          <a:effectRef idx="0">
-            <a:schemeClr val="accent1"/>
-          </a:effectRef>
-          <a:fontRef idx="minor">
-            <a:schemeClr val="tx1"/>
-          </a:fontRef>
-        </p:style>
-      </p:cxnSp>
-      <p:cxnSp>
-        <p:nvCxnSpPr>
-          <p:cNvPr id="31" name="연결선: 꺾임 30">
-            <a:extLst>
-              <a:ext uri="{FF2B5EF4-FFF2-40B4-BE49-F238E27FC236}">
-                <a16:creationId xmlns:a16="http://schemas.microsoft.com/office/drawing/2014/main" id="{62606D24-372D-4491-8E2A-6BA22F97E031}"/>
-              </a:ext>
-            </a:extLst>
-          </p:cNvPr>
-          <p:cNvCxnSpPr>
-            <a:cxnSpLocks/>
-            <a:stCxn id="7" idx="2"/>
-          </p:cNvCxnSpPr>
-          <p:nvPr/>
-        </p:nvCxnSpPr>
-        <p:spPr>
-          <a:xfrm rot="5400000">
-            <a:off x="4138157" y="4354054"/>
-            <a:ext cx="3298878" cy="226195"/>
-          </a:xfrm>
-          <a:prstGeom prst="bentConnector3">
-            <a:avLst>
-              <a:gd name="adj1" fmla="val 99951"/>
-            </a:avLst>
-          </a:prstGeom>
-          <a:ln w="12700">
-            <a:solidFill>
-              <a:schemeClr val="tx1"/>
-            </a:solidFill>
-            <a:tailEnd type="triangle"/>
-          </a:ln>
-          <a:effectLst>
-            <a:outerShdw blurRad="50800" dist="38100" dir="2700000" algn="tl" rotWithShape="0">
-              <a:prstClr val="black">
-                <a:alpha val="40000"/>
-              </a:prstClr>
-            </a:outerShdw>
-          </a:effectLst>
-        </p:spPr>
-        <p:style>
-          <a:lnRef idx="1">
-            <a:schemeClr val="accent1"/>
-          </a:lnRef>
-          <a:fillRef idx="0">
-            <a:schemeClr val="accent1"/>
-          </a:fillRef>
-          <a:effectRef idx="0">
-            <a:schemeClr val="accent1"/>
-          </a:effectRef>
-          <a:fontRef idx="minor">
-            <a:schemeClr val="tx1"/>
-          </a:fontRef>
-        </p:style>
-      </p:cxnSp>
-      <p:cxnSp>
-        <p:nvCxnSpPr>
-          <p:cNvPr id="35" name="연결선: 꺾임 34">
-            <a:extLst>
-              <a:ext uri="{FF2B5EF4-FFF2-40B4-BE49-F238E27FC236}">
-                <a16:creationId xmlns:a16="http://schemas.microsoft.com/office/drawing/2014/main" id="{2427D80B-D108-42D1-8286-E2C52B9CA478}"/>
-              </a:ext>
-            </a:extLst>
-          </p:cNvPr>
-          <p:cNvCxnSpPr>
-            <a:cxnSpLocks/>
-            <a:stCxn id="8" idx="2"/>
-          </p:cNvCxnSpPr>
-          <p:nvPr/>
-        </p:nvCxnSpPr>
-        <p:spPr>
-          <a:xfrm rot="5400000">
-            <a:off x="5547121" y="1939192"/>
-            <a:ext cx="3613236" cy="5370276"/>
-          </a:xfrm>
-          <a:prstGeom prst="bentConnector2">
-            <a:avLst/>
-          </a:prstGeom>
-          <a:ln w="12700">
-            <a:solidFill>
-              <a:schemeClr val="tx1"/>
-            </a:solidFill>
-            <a:tailEnd type="triangle"/>
-          </a:ln>
-          <a:effectLst>
-            <a:outerShdw blurRad="50800" dist="38100" dir="2700000" algn="tl" rotWithShape="0">
-              <a:prstClr val="black">
-                <a:alpha val="40000"/>
-              </a:prstClr>
-            </a:outerShdw>
-          </a:effectLst>
-        </p:spPr>
-        <p:style>
-          <a:lnRef idx="1">
-            <a:schemeClr val="accent1"/>
-          </a:lnRef>
-          <a:fillRef idx="0">
-            <a:schemeClr val="accent1"/>
-          </a:fillRef>
-          <a:effectRef idx="0">
-            <a:schemeClr val="accent1"/>
-          </a:effectRef>
-          <a:fontRef idx="minor">
-            <a:schemeClr val="tx1"/>
-          </a:fontRef>
-        </p:style>
-      </p:cxnSp>
-    </p:spTree>
-    <p:extLst>
-      <p:ext uri="{BB962C8B-B14F-4D97-AF65-F5344CB8AC3E}">
-        <p14:creationId xmlns:p14="http://schemas.microsoft.com/office/powerpoint/2010/main" val="2317900813"/>
-      </p:ext>
-    </p:extLst>
-  </p:cSld>
-  <p:clrMapOvr>
-    <a:masterClrMapping/>
-  </p:clrMapOvr>
-</p:sld>
-</file>
-
-<file path=ppt/slides/slide9.xml><?xml version="1.0" encoding="utf-8"?>
-<p:sld xmlns:a="http://schemas.openxmlformats.org/drawingml/2006/main" xmlns:r="http://schemas.openxmlformats.org/officeDocument/2006/relationships" xmlns:p="http://schemas.openxmlformats.org/presentationml/2006/main">
-  <p:cSld>
-    <p:spTree>
-      <p:nvGrpSpPr>
-        <p:cNvPr id="1" name=""/>
-        <p:cNvGrpSpPr/>
-        <p:nvPr/>
-      </p:nvGrpSpPr>
-      <p:grpSpPr>
-        <a:xfrm>
-          <a:off x="0" y="0"/>
-          <a:ext cx="0" cy="0"/>
-          <a:chOff x="0" y="0"/>
-          <a:chExt cx="0" cy="0"/>
-        </a:xfrm>
-      </p:grpSpPr>
-      <p:pic>
-        <p:nvPicPr>
-          <p:cNvPr id="9" name="그림 8">
-            <a:extLst>
-              <a:ext uri="{FF2B5EF4-FFF2-40B4-BE49-F238E27FC236}">
-                <a16:creationId xmlns:a16="http://schemas.microsoft.com/office/drawing/2014/main" id="{D3120B7F-FF88-4065-B63A-58DE71EE1792}"/>
-              </a:ext>
-            </a:extLst>
-          </p:cNvPr>
-          <p:cNvPicPr>
-            <a:picLocks noChangeAspect="1"/>
-          </p:cNvPicPr>
-          <p:nvPr/>
-        </p:nvPicPr>
-        <p:blipFill rotWithShape="1">
-          <a:blip r:embed="rId2"/>
-          <a:srcRect t="1334" r="32300"/>
-          <a:stretch/>
-        </p:blipFill>
-        <p:spPr>
-          <a:xfrm>
-            <a:off x="6293762" y="2316034"/>
-            <a:ext cx="5619391" cy="3620177"/>
-          </a:xfrm>
-          <a:prstGeom prst="rect">
-            <a:avLst/>
-          </a:prstGeom>
-        </p:spPr>
-      </p:pic>
-      <p:sp>
-        <p:nvSpPr>
-          <p:cNvPr id="10" name="직사각형 9">
-            <a:extLst>
-              <a:ext uri="{FF2B5EF4-FFF2-40B4-BE49-F238E27FC236}">
-                <a16:creationId xmlns:a16="http://schemas.microsoft.com/office/drawing/2014/main" id="{AD0F94AF-1110-4DDF-A962-01F7E2A71B98}"/>
-              </a:ext>
-            </a:extLst>
-          </p:cNvPr>
-          <p:cNvSpPr/>
-          <p:nvPr/>
-        </p:nvSpPr>
-        <p:spPr>
-          <a:xfrm>
-            <a:off x="6273561" y="2244901"/>
-            <a:ext cx="5619390" cy="3841868"/>
-          </a:xfrm>
-          <a:prstGeom prst="rect">
-            <a:avLst/>
-          </a:prstGeom>
-          <a:noFill/>
-          <a:ln>
-            <a:solidFill>
-              <a:schemeClr val="tx1"/>
-            </a:solidFill>
-          </a:ln>
-          <a:effectLst>
-            <a:outerShdw blurRad="50800" dist="38100" dir="5400000" algn="t" rotWithShape="0">
-              <a:prstClr val="black">
-                <a:alpha val="40000"/>
-              </a:prstClr>
-            </a:outerShdw>
-          </a:effectLst>
-        </p:spPr>
-        <p:style>
-          <a:lnRef idx="2">
-            <a:schemeClr val="accent1">
-              <a:shade val="50000"/>
-            </a:schemeClr>
-          </a:lnRef>
-          <a:fillRef idx="1">
-            <a:schemeClr val="accent1"/>
-          </a:fillRef>
-          <a:effectRef idx="0">
-            <a:schemeClr val="accent1"/>
-          </a:effectRef>
-          <a:fontRef idx="minor">
-            <a:schemeClr val="lt1"/>
-          </a:fontRef>
-        </p:style>
-        <p:txBody>
-          <a:bodyPr rtlCol="0" anchor="ctr"/>
-          <a:lstStyle/>
-          <a:p>
-            <a:pPr algn="ctr"/>
-            <a:endParaRPr lang="ko-KR" altLang="en-US"/>
-          </a:p>
-        </p:txBody>
-      </p:sp>
-      <p:sp>
-        <p:nvSpPr>
-          <p:cNvPr id="2" name="제목 1"/>
-          <p:cNvSpPr>
-            <a:spLocks noGrp="1"/>
-          </p:cNvSpPr>
-          <p:nvPr>
-            <p:ph type="title"/>
-          </p:nvPr>
-        </p:nvSpPr>
-        <p:spPr>
-          <a:xfrm>
-            <a:off x="838200" y="261966"/>
-            <a:ext cx="10515600" cy="669686"/>
-          </a:xfrm>
-        </p:spPr>
-        <p:txBody>
-          <a:bodyPr>
-            <a:normAutofit/>
-          </a:bodyPr>
-          <a:lstStyle/>
-          <a:p>
-            <a:pPr algn="ctr"/>
-            <a:r>
-              <a:rPr lang="en-US" altLang="ko-KR" sz="3200" dirty="0">
-                <a:solidFill>
-                  <a:srgbClr val="FF0000"/>
-                </a:solidFill>
-                <a:latin typeface="Arial" panose="020B0604020202020204" pitchFamily="34" charset="0"/>
-                <a:ea typeface="AppleSDGothicNeoM00" panose="02000503000000000000" pitchFamily="2" charset="-127"/>
-                <a:cs typeface="Arial" panose="020B0604020202020204" pitchFamily="34" charset="0"/>
-              </a:rPr>
-              <a:t>Linux Kernel Module </a:t>
-            </a:r>
-            <a:r>
-              <a:rPr lang="en-US" altLang="ko-KR" sz="3200" dirty="0">
-                <a:solidFill>
-                  <a:srgbClr val="FF0000"/>
-                </a:solidFill>
-                <a:latin typeface="Abadi Extra Light" panose="020B0204020104020204" pitchFamily="34" charset="0"/>
-                <a:ea typeface="AppleSDGothicNeoM00" panose="02000503000000000000" pitchFamily="2" charset="-127"/>
-                <a:cs typeface="Arial" panose="020B0604020202020204" pitchFamily="34" charset="0"/>
-              </a:rPr>
-              <a:t>: Example </a:t>
-            </a:r>
-            <a:r>
-              <a:rPr lang="en-US" altLang="ko-KR" sz="3200" dirty="0" err="1">
-                <a:solidFill>
-                  <a:srgbClr val="FF0000"/>
-                </a:solidFill>
-                <a:latin typeface="Abadi Extra Light" panose="020B0204020104020204" pitchFamily="34" charset="0"/>
-                <a:ea typeface="AppleSDGothicNeoM00" panose="02000503000000000000" pitchFamily="2" charset="-127"/>
-                <a:cs typeface="Arial" panose="020B0604020202020204" pitchFamily="34" charset="0"/>
-              </a:rPr>
-              <a:t>hello.ko</a:t>
-            </a:r>
-            <a:endParaRPr lang="ko-KR" altLang="en-US" sz="3200" dirty="0">
-              <a:solidFill>
-                <a:srgbClr val="FF0000"/>
-              </a:solidFill>
-              <a:latin typeface="Arial" panose="020B0604020202020204" pitchFamily="34" charset="0"/>
-              <a:ea typeface="AppleSDGothicNeoM00" panose="02000503000000000000" pitchFamily="2" charset="-127"/>
-              <a:cs typeface="Arial" panose="020B0604020202020204" pitchFamily="34" charset="0"/>
-            </a:endParaRPr>
-          </a:p>
-        </p:txBody>
-      </p:sp>
-      <p:cxnSp>
-        <p:nvCxnSpPr>
-          <p:cNvPr id="5" name="직선 연결선 4"/>
-          <p:cNvCxnSpPr/>
-          <p:nvPr/>
-        </p:nvCxnSpPr>
-        <p:spPr>
-          <a:xfrm>
-            <a:off x="362309" y="992036"/>
-            <a:ext cx="11499011" cy="0"/>
-          </a:xfrm>
-          <a:prstGeom prst="line">
-            <a:avLst/>
-          </a:prstGeom>
-          <a:ln/>
-        </p:spPr>
-        <p:style>
-          <a:lnRef idx="3">
-            <a:schemeClr val="dk1"/>
-          </a:lnRef>
-          <a:fillRef idx="0">
-            <a:schemeClr val="dk1"/>
-          </a:fillRef>
-          <a:effectRef idx="2">
-            <a:schemeClr val="dk1"/>
-          </a:effectRef>
-          <a:fontRef idx="minor">
-            <a:schemeClr val="tx1"/>
-          </a:fontRef>
-        </p:style>
-      </p:cxnSp>
-      <p:sp>
-        <p:nvSpPr>
-          <p:cNvPr id="6" name="슬라이드 번호 개체 틀 5"/>
-          <p:cNvSpPr>
-            <a:spLocks noGrp="1"/>
-          </p:cNvSpPr>
-          <p:nvPr>
-            <p:ph type="sldNum" sz="quarter" idx="12"/>
-          </p:nvPr>
-        </p:nvSpPr>
-        <p:spPr/>
-        <p:txBody>
-          <a:bodyPr/>
-          <a:lstStyle/>
-          <a:p>
-            <a:fld id="{A8B9FC14-406C-4F77-A652-54400BDED16B}" type="slidenum">
-              <a:rPr lang="ko-KR" altLang="en-US" smtClean="0"/>
-              <a:pPr/>
-              <a:t>9</a:t>
-            </a:fld>
-            <a:endParaRPr lang="ko-KR" altLang="en-US"/>
-          </a:p>
-        </p:txBody>
-      </p:sp>
-      <p:sp>
-        <p:nvSpPr>
-          <p:cNvPr id="12" name="내용 개체 틀 2">
-            <a:extLst>
-              <a:ext uri="{FF2B5EF4-FFF2-40B4-BE49-F238E27FC236}">
-                <a16:creationId xmlns:a16="http://schemas.microsoft.com/office/drawing/2014/main" id="{68A87799-3833-491D-AAF3-98EB8F6036B6}"/>
-              </a:ext>
-            </a:extLst>
-          </p:cNvPr>
-          <p:cNvSpPr>
-            <a:spLocks noGrp="1"/>
-          </p:cNvSpPr>
-          <p:nvPr>
-            <p:ph idx="1"/>
-          </p:nvPr>
-        </p:nvSpPr>
-        <p:spPr>
-          <a:xfrm>
-            <a:off x="838200" y="1147318"/>
-            <a:ext cx="10515600" cy="4813989"/>
-          </a:xfrm>
-        </p:spPr>
-        <p:txBody>
-          <a:bodyPr/>
-          <a:lstStyle/>
-          <a:p>
-            <a:pPr>
-              <a:lnSpc>
-                <a:spcPct val="100000"/>
-              </a:lnSpc>
-              <a:buFont typeface="Wingdings" panose="05000000000000000000" pitchFamily="2" charset="2"/>
-              <a:buChar char="§"/>
-            </a:pPr>
-            <a:r>
-              <a:rPr lang="en-US" altLang="ko-KR" dirty="0" err="1">
-                <a:latin typeface="Arial Unicode MS" pitchFamily="50" charset="-127"/>
-                <a:ea typeface="Arial Unicode MS" pitchFamily="50" charset="-127"/>
-                <a:cs typeface="Arial Unicode MS" pitchFamily="50" charset="-127"/>
-              </a:rPr>
-              <a:t>hello.c</a:t>
-            </a:r>
-            <a:endParaRPr lang="en-US" altLang="ko-KR" dirty="0">
-              <a:latin typeface="Arial Unicode MS" pitchFamily="50" charset="-127"/>
-              <a:ea typeface="Arial Unicode MS" pitchFamily="50" charset="-127"/>
-              <a:cs typeface="Arial Unicode MS" pitchFamily="50" charset="-127"/>
-            </a:endParaRPr>
-          </a:p>
-          <a:p>
-            <a:pPr lvl="1">
-              <a:lnSpc>
-                <a:spcPct val="100000"/>
-              </a:lnSpc>
-            </a:pPr>
-            <a:r>
-              <a:rPr lang="ko-KR" altLang="en-US" dirty="0">
-                <a:latin typeface="Abadi Extra Light" panose="020B0204020104020204" pitchFamily="34" charset="0"/>
-                <a:ea typeface="Arial Unicode MS" pitchFamily="50" charset="-127"/>
-                <a:cs typeface="Times New Roman" panose="02020603050405020304" pitchFamily="18" charset="0"/>
-              </a:rPr>
-              <a:t>커널 변수</a:t>
-            </a:r>
-            <a:r>
-              <a:rPr lang="en-US" altLang="ko-KR" dirty="0">
-                <a:latin typeface="Abadi Extra Light" panose="020B0204020104020204" pitchFamily="34" charset="0"/>
-                <a:ea typeface="Arial Unicode MS" pitchFamily="50" charset="-127"/>
-                <a:cs typeface="Times New Roman" panose="02020603050405020304" pitchFamily="18" charset="0"/>
-              </a:rPr>
-              <a:t>/</a:t>
-            </a:r>
-            <a:r>
-              <a:rPr lang="ko-KR" altLang="en-US" dirty="0">
-                <a:latin typeface="Abadi Extra Light" panose="020B0204020104020204" pitchFamily="34" charset="0"/>
-                <a:ea typeface="Arial Unicode MS" pitchFamily="50" charset="-127"/>
-                <a:cs typeface="Times New Roman" panose="02020603050405020304" pitchFamily="18" charset="0"/>
-              </a:rPr>
-              <a:t>함수 접근 </a:t>
-            </a:r>
-            <a:r>
-              <a:rPr lang="en-US" altLang="ko-KR" dirty="0">
-                <a:latin typeface="Abadi Extra Light" panose="020B0204020104020204" pitchFamily="34" charset="0"/>
-                <a:ea typeface="Arial Unicode MS" pitchFamily="50" charset="-127"/>
-                <a:cs typeface="Times New Roman" panose="02020603050405020304" pitchFamily="18" charset="0"/>
-                <a:sym typeface="Wingdings" panose="05000000000000000000" pitchFamily="2" charset="2"/>
-              </a:rPr>
-              <a:t> </a:t>
-            </a:r>
-            <a:r>
-              <a:rPr lang="en-US" altLang="ko-KR" dirty="0" err="1">
-                <a:latin typeface="Abadi Extra Light" panose="020B0204020104020204" pitchFamily="34" charset="0"/>
-                <a:ea typeface="Arial Unicode MS" pitchFamily="50" charset="-127"/>
-                <a:cs typeface="Times New Roman" panose="02020603050405020304" pitchFamily="18" charset="0"/>
-                <a:sym typeface="Wingdings" panose="05000000000000000000" pitchFamily="2" charset="2"/>
-              </a:rPr>
-              <a:t>kallsyms</a:t>
-            </a:r>
-            <a:endParaRPr lang="en-US" altLang="ko-KR" dirty="0">
-              <a:latin typeface="Abadi Extra Light" panose="020B0204020104020204" pitchFamily="34" charset="0"/>
-              <a:ea typeface="Arial Unicode MS" panose="020B0600000101010101" charset="-127"/>
-              <a:cs typeface="Times New Roman" panose="02020603050405020304" pitchFamily="18" charset="0"/>
-            </a:endParaRPr>
-          </a:p>
-          <a:p>
-            <a:pPr>
-              <a:lnSpc>
-                <a:spcPct val="100000"/>
-              </a:lnSpc>
-              <a:buFont typeface="Wingdings" panose="05000000000000000000" pitchFamily="2" charset="2"/>
-              <a:buChar char="§"/>
-            </a:pPr>
-            <a:endParaRPr lang="en-US" altLang="ko-KR" dirty="0">
-              <a:latin typeface="Arial Unicode MS" panose="020B0600000101010101" charset="-127"/>
-              <a:ea typeface="Arial Unicode MS" panose="020B0600000101010101" charset="-127"/>
-              <a:cs typeface="Arial Unicode MS" panose="020B0600000101010101" charset="-127"/>
-            </a:endParaRPr>
-          </a:p>
-          <a:p>
-            <a:pPr>
-              <a:lnSpc>
-                <a:spcPct val="100000"/>
-              </a:lnSpc>
-              <a:buFont typeface="Wingdings" panose="05000000000000000000" pitchFamily="2" charset="2"/>
-              <a:buChar char="§"/>
-            </a:pPr>
-            <a:endParaRPr lang="en-US" altLang="ko-KR" dirty="0">
-              <a:latin typeface="Arial" panose="020B0604020202020204" pitchFamily="34" charset="0"/>
-              <a:cs typeface="Arial" panose="020B0604020202020204" pitchFamily="34" charset="0"/>
-            </a:endParaRPr>
-          </a:p>
-          <a:p>
-            <a:pPr>
-              <a:lnSpc>
-                <a:spcPct val="100000"/>
-              </a:lnSpc>
-              <a:buFont typeface="Wingdings" panose="05000000000000000000" pitchFamily="2" charset="2"/>
-              <a:buChar char="§"/>
-            </a:pPr>
-            <a:endParaRPr lang="en-US" altLang="ko-KR" dirty="0">
-              <a:latin typeface="Arial" panose="020B0604020202020204" pitchFamily="34" charset="0"/>
-              <a:cs typeface="Arial" panose="020B0604020202020204" pitchFamily="34" charset="0"/>
-            </a:endParaRPr>
-          </a:p>
-          <a:p>
-            <a:pPr marL="0" indent="0">
-              <a:lnSpc>
-                <a:spcPct val="100000"/>
-              </a:lnSpc>
-              <a:buNone/>
-            </a:pPr>
-            <a:endParaRPr lang="ko-KR" altLang="en-US" dirty="0">
-              <a:latin typeface="Arial" panose="020B0604020202020204" pitchFamily="34" charset="0"/>
-              <a:cs typeface="Arial" panose="020B0604020202020204" pitchFamily="34" charset="0"/>
-            </a:endParaRPr>
-          </a:p>
-        </p:txBody>
-      </p:sp>
-      <p:sp>
-        <p:nvSpPr>
-          <p:cNvPr id="17" name="직사각형 16">
-            <a:extLst>
-              <a:ext uri="{FF2B5EF4-FFF2-40B4-BE49-F238E27FC236}">
-                <a16:creationId xmlns:a16="http://schemas.microsoft.com/office/drawing/2014/main" id="{989D0F77-D8C8-4CB7-9F4E-4B090ECF49CE}"/>
-              </a:ext>
-            </a:extLst>
-          </p:cNvPr>
-          <p:cNvSpPr/>
-          <p:nvPr/>
-        </p:nvSpPr>
-        <p:spPr>
-          <a:xfrm>
-            <a:off x="571499" y="5025011"/>
-            <a:ext cx="5619390" cy="1035032"/>
-          </a:xfrm>
-          <a:prstGeom prst="rect">
-            <a:avLst/>
-          </a:prstGeom>
-          <a:noFill/>
-          <a:ln>
-            <a:noFill/>
-          </a:ln>
-          <a:effectLst/>
-        </p:spPr>
-        <p:style>
-          <a:lnRef idx="2">
-            <a:schemeClr val="accent1">
-              <a:shade val="50000"/>
-            </a:schemeClr>
-          </a:lnRef>
-          <a:fillRef idx="1">
-            <a:schemeClr val="accent1"/>
-          </a:fillRef>
-          <a:effectRef idx="0">
-            <a:schemeClr val="accent1"/>
-          </a:effectRef>
-          <a:fontRef idx="minor">
-            <a:schemeClr val="lt1"/>
-          </a:fontRef>
-        </p:style>
-        <p:txBody>
-          <a:bodyPr rtlCol="0" anchor="ctr"/>
-          <a:lstStyle/>
-          <a:p>
-            <a:r>
-              <a:rPr lang="en-US" altLang="ko-KR" dirty="0">
-                <a:solidFill>
-                  <a:schemeClr val="tx1"/>
-                </a:solidFill>
-              </a:rPr>
-              <a:t>EXPORT_SYMBOL(var) </a:t>
-            </a:r>
-          </a:p>
-          <a:p>
-            <a:r>
-              <a:rPr lang="en-US" altLang="ko-KR" dirty="0">
-                <a:solidFill>
-                  <a:srgbClr val="0DAB0D"/>
-                </a:solidFill>
-              </a:rPr>
-              <a:t>//var</a:t>
-            </a:r>
-            <a:r>
-              <a:rPr lang="ko-KR" altLang="en-US" dirty="0">
-                <a:solidFill>
-                  <a:srgbClr val="0DAB0D"/>
-                </a:solidFill>
-              </a:rPr>
-              <a:t>을 커널이나 모듈내에서 자유롭게 사용</a:t>
-            </a:r>
-            <a:endParaRPr lang="en-US" altLang="ko-KR" dirty="0">
-              <a:solidFill>
-                <a:srgbClr val="0DAB0D"/>
-              </a:solidFill>
-            </a:endParaRPr>
-          </a:p>
-        </p:txBody>
-      </p:sp>
-      <p:sp>
-        <p:nvSpPr>
-          <p:cNvPr id="19" name="직사각형 18">
-            <a:extLst>
-              <a:ext uri="{FF2B5EF4-FFF2-40B4-BE49-F238E27FC236}">
-                <a16:creationId xmlns:a16="http://schemas.microsoft.com/office/drawing/2014/main" id="{F06843FD-3192-4185-B559-017D3CCC2ECE}"/>
-              </a:ext>
-            </a:extLst>
-          </p:cNvPr>
-          <p:cNvSpPr/>
-          <p:nvPr/>
-        </p:nvSpPr>
-        <p:spPr>
-          <a:xfrm>
-            <a:off x="539869" y="5040592"/>
-            <a:ext cx="5619390" cy="1035032"/>
-          </a:xfrm>
-          <a:prstGeom prst="rect">
-            <a:avLst/>
-          </a:prstGeom>
-          <a:noFill/>
-          <a:ln>
-            <a:solidFill>
-              <a:schemeClr val="tx1"/>
-            </a:solidFill>
-          </a:ln>
-          <a:effectLst>
-            <a:outerShdw blurRad="50800" dist="38100" dir="2700000" algn="tl" rotWithShape="0">
-              <a:prstClr val="black">
-                <a:alpha val="40000"/>
-              </a:prstClr>
-            </a:outerShdw>
-          </a:effectLst>
-        </p:spPr>
-        <p:style>
-          <a:lnRef idx="2">
-            <a:schemeClr val="accent1">
-              <a:shade val="50000"/>
-            </a:schemeClr>
-          </a:lnRef>
-          <a:fillRef idx="1">
-            <a:schemeClr val="accent1"/>
-          </a:fillRef>
-          <a:effectRef idx="0">
-            <a:schemeClr val="accent1"/>
-          </a:effectRef>
-          <a:fontRef idx="minor">
-            <a:schemeClr val="lt1"/>
-          </a:fontRef>
-        </p:style>
-        <p:txBody>
-          <a:bodyPr rtlCol="0" anchor="ctr"/>
-          <a:lstStyle/>
-          <a:p>
-            <a:pPr algn="ctr"/>
-            <a:endParaRPr lang="ko-KR" altLang="en-US" dirty="0">
-              <a:solidFill>
-                <a:schemeClr val="tx1"/>
-              </a:solidFill>
-            </a:endParaRPr>
-          </a:p>
-        </p:txBody>
-      </p:sp>
-      <p:pic>
-        <p:nvPicPr>
-          <p:cNvPr id="13" name="그림 12">
-            <a:extLst>
-              <a:ext uri="{FF2B5EF4-FFF2-40B4-BE49-F238E27FC236}">
-                <a16:creationId xmlns:a16="http://schemas.microsoft.com/office/drawing/2014/main" id="{4EA7701D-ADB1-4DAB-B63A-8652EE42E1E0}"/>
-              </a:ext>
-            </a:extLst>
-          </p:cNvPr>
-          <p:cNvPicPr>
-            <a:picLocks noChangeAspect="1"/>
-          </p:cNvPicPr>
-          <p:nvPr/>
-        </p:nvPicPr>
-        <p:blipFill rotWithShape="1">
-          <a:blip r:embed="rId3"/>
-          <a:srcRect l="487" t="10056" r="39934" b="28264"/>
-          <a:stretch/>
-        </p:blipFill>
-        <p:spPr>
-          <a:xfrm>
-            <a:off x="769261" y="2652633"/>
-            <a:ext cx="5326739" cy="1544585"/>
-          </a:xfrm>
-          <a:prstGeom prst="rect">
-            <a:avLst/>
-          </a:prstGeom>
-        </p:spPr>
-      </p:pic>
-      <p:sp>
-        <p:nvSpPr>
-          <p:cNvPr id="23" name="TextBox 22">
-            <a:extLst>
-              <a:ext uri="{FF2B5EF4-FFF2-40B4-BE49-F238E27FC236}">
-                <a16:creationId xmlns:a16="http://schemas.microsoft.com/office/drawing/2014/main" id="{2D2DB621-B1AA-4FFE-AA95-3C44B138511E}"/>
-              </a:ext>
-            </a:extLst>
-          </p:cNvPr>
-          <p:cNvSpPr txBox="1"/>
-          <p:nvPr/>
-        </p:nvSpPr>
-        <p:spPr>
-          <a:xfrm>
-            <a:off x="7927975" y="6478913"/>
-            <a:ext cx="4264025" cy="261610"/>
-          </a:xfrm>
-          <a:prstGeom prst="rect">
-            <a:avLst/>
-          </a:prstGeom>
-          <a:noFill/>
-        </p:spPr>
-        <p:txBody>
-          <a:bodyPr wrap="square">
-            <a:spAutoFit/>
-          </a:bodyPr>
-          <a:lstStyle/>
-          <a:p>
-            <a:r>
-              <a:rPr lang="ko-KR" altLang="en-US" sz="1100" i="1" dirty="0">
-                <a:latin typeface="Abadi Extra Light" panose="020B0204020104020204" pitchFamily="34" charset="0"/>
-              </a:rPr>
-              <a:t>모듈에 대해서 알아야 할 것들 </a:t>
-            </a:r>
-            <a:r>
-              <a:rPr lang="en-US" altLang="ko-KR" sz="1100" i="1" dirty="0">
-                <a:latin typeface="Abadi Extra Light" panose="020B0204020104020204" pitchFamily="34" charset="0"/>
-                <a:hlinkClick r:id="rId4"/>
-              </a:rPr>
-              <a:t>https://tmdgus.tistory.com/117</a:t>
-            </a:r>
-            <a:r>
-              <a:rPr lang="en-US" altLang="ko-KR" sz="1100" i="1" dirty="0">
-                <a:latin typeface="Abadi Extra Light" panose="020B0204020104020204" pitchFamily="34" charset="0"/>
-              </a:rPr>
-              <a:t> </a:t>
-            </a:r>
-            <a:endParaRPr lang="ko-KR" altLang="en-US" sz="1100" i="1" dirty="0">
-              <a:latin typeface="Abadi Extra Light" panose="020B0204020104020204" pitchFamily="34" charset="0"/>
-            </a:endParaRPr>
-          </a:p>
-        </p:txBody>
-      </p:sp>
-      <p:sp>
-        <p:nvSpPr>
-          <p:cNvPr id="24" name="직사각형 23">
-            <a:extLst>
-              <a:ext uri="{FF2B5EF4-FFF2-40B4-BE49-F238E27FC236}">
-                <a16:creationId xmlns:a16="http://schemas.microsoft.com/office/drawing/2014/main" id="{9D0A7626-76A2-4BB1-94A7-F59F0789BA60}"/>
-              </a:ext>
-            </a:extLst>
-          </p:cNvPr>
-          <p:cNvSpPr/>
-          <p:nvPr/>
-        </p:nvSpPr>
-        <p:spPr>
-          <a:xfrm>
-            <a:off x="571499" y="2273926"/>
-            <a:ext cx="5619390" cy="406840"/>
-          </a:xfrm>
-          <a:prstGeom prst="rect">
-            <a:avLst/>
-          </a:prstGeom>
-          <a:noFill/>
-          <a:ln>
-            <a:noFill/>
-          </a:ln>
-          <a:effectLst/>
-        </p:spPr>
-        <p:style>
-          <a:lnRef idx="2">
-            <a:schemeClr val="accent1">
-              <a:shade val="50000"/>
-            </a:schemeClr>
-          </a:lnRef>
-          <a:fillRef idx="1">
-            <a:schemeClr val="accent1"/>
-          </a:fillRef>
-          <a:effectRef idx="0">
-            <a:schemeClr val="accent1"/>
-          </a:effectRef>
-          <a:fontRef idx="minor">
-            <a:schemeClr val="lt1"/>
-          </a:fontRef>
-        </p:style>
-        <p:txBody>
-          <a:bodyPr rtlCol="0" anchor="ctr"/>
-          <a:lstStyle/>
-          <a:p>
-            <a:r>
-              <a:rPr lang="en-US" altLang="ko-KR" dirty="0">
-                <a:solidFill>
-                  <a:schemeClr val="tx1"/>
-                </a:solidFill>
-                <a:latin typeface="Abadi Extra Light" panose="020B0204020104020204" pitchFamily="34" charset="0"/>
-              </a:rPr>
-              <a:t>$ head</a:t>
-            </a:r>
-            <a:r>
-              <a:rPr lang="ko-KR" altLang="en-US" dirty="0">
-                <a:solidFill>
-                  <a:schemeClr val="tx1"/>
-                </a:solidFill>
-                <a:latin typeface="Abadi Extra Light" panose="020B0204020104020204" pitchFamily="34" charset="0"/>
-              </a:rPr>
-              <a:t> </a:t>
-            </a:r>
-            <a:r>
-              <a:rPr lang="en-US" altLang="ko-KR" dirty="0">
-                <a:solidFill>
-                  <a:schemeClr val="tx1"/>
-                </a:solidFill>
-                <a:latin typeface="Abadi Extra Light" panose="020B0204020104020204" pitchFamily="34" charset="0"/>
-              </a:rPr>
-              <a:t>/proc/</a:t>
-            </a:r>
-            <a:r>
-              <a:rPr lang="en-US" altLang="ko-KR" dirty="0" err="1">
-                <a:solidFill>
-                  <a:schemeClr val="tx1"/>
-                </a:solidFill>
-                <a:latin typeface="Abadi Extra Light" panose="020B0204020104020204" pitchFamily="34" charset="0"/>
-              </a:rPr>
-              <a:t>kallsyms</a:t>
-            </a:r>
-            <a:endParaRPr lang="en-US" altLang="ko-KR" dirty="0">
-              <a:solidFill>
-                <a:schemeClr val="tx1"/>
-              </a:solidFill>
-              <a:latin typeface="Abadi Extra Light" panose="020B0204020104020204" pitchFamily="34" charset="0"/>
-            </a:endParaRPr>
-          </a:p>
-        </p:txBody>
-      </p:sp>
-      <p:sp>
-        <p:nvSpPr>
-          <p:cNvPr id="25" name="직사각형 24">
-            <a:extLst>
-              <a:ext uri="{FF2B5EF4-FFF2-40B4-BE49-F238E27FC236}">
-                <a16:creationId xmlns:a16="http://schemas.microsoft.com/office/drawing/2014/main" id="{0CF5A2C0-8AB3-4119-AC08-DEB88266B967}"/>
-              </a:ext>
-            </a:extLst>
-          </p:cNvPr>
-          <p:cNvSpPr/>
-          <p:nvPr/>
-        </p:nvSpPr>
-        <p:spPr>
-          <a:xfrm>
-            <a:off x="539869" y="2244900"/>
-            <a:ext cx="5619390" cy="2735305"/>
-          </a:xfrm>
-          <a:prstGeom prst="rect">
-            <a:avLst/>
-          </a:prstGeom>
-          <a:noFill/>
-          <a:ln>
-            <a:solidFill>
-              <a:schemeClr val="tx1"/>
-            </a:solidFill>
-          </a:ln>
-          <a:effectLst>
-            <a:outerShdw blurRad="50800" dist="38100" dir="2700000" algn="tl" rotWithShape="0">
-              <a:prstClr val="black">
-                <a:alpha val="40000"/>
-              </a:prstClr>
-            </a:outerShdw>
-          </a:effectLst>
-        </p:spPr>
-        <p:style>
-          <a:lnRef idx="2">
-            <a:schemeClr val="accent1">
-              <a:shade val="50000"/>
-            </a:schemeClr>
-          </a:lnRef>
-          <a:fillRef idx="1">
-            <a:schemeClr val="accent1"/>
-          </a:fillRef>
-          <a:effectRef idx="0">
-            <a:schemeClr val="accent1"/>
-          </a:effectRef>
-          <a:fontRef idx="minor">
-            <a:schemeClr val="lt1"/>
-          </a:fontRef>
-        </p:style>
-        <p:txBody>
-          <a:bodyPr rtlCol="0" anchor="ctr"/>
-          <a:lstStyle/>
-          <a:p>
-            <a:pPr algn="ctr"/>
-            <a:endParaRPr lang="ko-KR" altLang="en-US" dirty="0">
-              <a:solidFill>
-                <a:schemeClr val="tx1"/>
-              </a:solidFill>
-            </a:endParaRPr>
-          </a:p>
-        </p:txBody>
-      </p:sp>
-      <p:sp>
-        <p:nvSpPr>
-          <p:cNvPr id="26" name="직사각형 25">
-            <a:extLst>
-              <a:ext uri="{FF2B5EF4-FFF2-40B4-BE49-F238E27FC236}">
-                <a16:creationId xmlns:a16="http://schemas.microsoft.com/office/drawing/2014/main" id="{13837F1A-E1CA-4710-BE7F-479F5EEBEF02}"/>
-              </a:ext>
-            </a:extLst>
-          </p:cNvPr>
-          <p:cNvSpPr/>
-          <p:nvPr/>
-        </p:nvSpPr>
-        <p:spPr>
-          <a:xfrm>
-            <a:off x="539869" y="4235441"/>
-            <a:ext cx="5619390" cy="406840"/>
-          </a:xfrm>
-          <a:prstGeom prst="rect">
-            <a:avLst/>
-          </a:prstGeom>
-          <a:noFill/>
-          <a:ln>
-            <a:noFill/>
-          </a:ln>
-          <a:effectLst/>
-        </p:spPr>
-        <p:style>
-          <a:lnRef idx="2">
-            <a:schemeClr val="accent1">
-              <a:shade val="50000"/>
-            </a:schemeClr>
-          </a:lnRef>
-          <a:fillRef idx="1">
-            <a:schemeClr val="accent1"/>
-          </a:fillRef>
-          <a:effectRef idx="0">
-            <a:schemeClr val="accent1"/>
-          </a:effectRef>
-          <a:fontRef idx="minor">
-            <a:schemeClr val="lt1"/>
-          </a:fontRef>
-        </p:style>
-        <p:txBody>
-          <a:bodyPr rtlCol="0" anchor="ctr"/>
-          <a:lstStyle/>
-          <a:p>
-            <a:r>
-              <a:rPr lang="en-US" altLang="ko-KR" dirty="0">
-                <a:solidFill>
-                  <a:schemeClr val="tx1"/>
-                </a:solidFill>
-                <a:latin typeface="Abadi Extra Light" panose="020B0204020104020204" pitchFamily="34" charset="0"/>
-              </a:rPr>
-              <a:t>$ cat</a:t>
-            </a:r>
-            <a:r>
-              <a:rPr lang="ko-KR" altLang="en-US" dirty="0">
-                <a:solidFill>
-                  <a:schemeClr val="tx1"/>
-                </a:solidFill>
-                <a:latin typeface="Abadi Extra Light" panose="020B0204020104020204" pitchFamily="34" charset="0"/>
-              </a:rPr>
-              <a:t> </a:t>
-            </a:r>
-            <a:r>
-              <a:rPr lang="en-US" altLang="ko-KR" dirty="0">
-                <a:solidFill>
-                  <a:schemeClr val="tx1"/>
-                </a:solidFill>
-                <a:latin typeface="Abadi Extra Light" panose="020B0204020104020204" pitchFamily="34" charset="0"/>
-              </a:rPr>
-              <a:t>/proc/</a:t>
-            </a:r>
-            <a:r>
-              <a:rPr lang="en-US" altLang="ko-KR" dirty="0" err="1">
-                <a:solidFill>
-                  <a:schemeClr val="tx1"/>
-                </a:solidFill>
-                <a:latin typeface="Abadi Extra Light" panose="020B0204020104020204" pitchFamily="34" charset="0"/>
-              </a:rPr>
-              <a:t>kallsyms</a:t>
-            </a:r>
-            <a:r>
-              <a:rPr lang="en-US" altLang="ko-KR" dirty="0">
-                <a:solidFill>
-                  <a:schemeClr val="tx1"/>
-                </a:solidFill>
-                <a:latin typeface="Abadi Extra Light" panose="020B0204020104020204" pitchFamily="34" charset="0"/>
-              </a:rPr>
-              <a:t> | grep -w </a:t>
-            </a:r>
-            <a:r>
-              <a:rPr lang="en-US" altLang="ko-KR" dirty="0" err="1">
-                <a:solidFill>
-                  <a:schemeClr val="tx1"/>
-                </a:solidFill>
-                <a:latin typeface="Abadi Extra Light" panose="020B0204020104020204" pitchFamily="34" charset="0"/>
-              </a:rPr>
-              <a:t>printk</a:t>
-            </a:r>
-            <a:endParaRPr lang="en-US" altLang="ko-KR" dirty="0">
-              <a:solidFill>
-                <a:schemeClr val="tx1"/>
-              </a:solidFill>
-              <a:latin typeface="Abadi Extra Light" panose="020B0204020104020204" pitchFamily="34" charset="0"/>
-            </a:endParaRPr>
-          </a:p>
-        </p:txBody>
-      </p:sp>
-      <p:pic>
-        <p:nvPicPr>
-          <p:cNvPr id="21" name="그림 20">
-            <a:extLst>
-              <a:ext uri="{FF2B5EF4-FFF2-40B4-BE49-F238E27FC236}">
-                <a16:creationId xmlns:a16="http://schemas.microsoft.com/office/drawing/2014/main" id="{994AABC8-24A1-4DF3-A86B-3649E5E0B1B8}"/>
-              </a:ext>
-            </a:extLst>
-          </p:cNvPr>
-          <p:cNvPicPr>
-            <a:picLocks noChangeAspect="1"/>
-          </p:cNvPicPr>
-          <p:nvPr/>
-        </p:nvPicPr>
-        <p:blipFill rotWithShape="1">
-          <a:blip r:embed="rId5"/>
-          <a:srcRect l="1213" t="1" b="-1"/>
-          <a:stretch/>
-        </p:blipFill>
-        <p:spPr>
-          <a:xfrm>
-            <a:off x="769261" y="4657862"/>
-            <a:ext cx="3186789" cy="204009"/>
-          </a:xfrm>
-          <a:prstGeom prst="rect">
-            <a:avLst/>
-          </a:prstGeom>
-        </p:spPr>
-      </p:pic>
-    </p:spTree>
-    <p:extLst>
-      <p:ext uri="{BB962C8B-B14F-4D97-AF65-F5344CB8AC3E}">
-        <p14:creationId xmlns:p14="http://schemas.microsoft.com/office/powerpoint/2010/main" val="2526823214"/>
       </p:ext>
     </p:extLst>
   </p:cSld>

--- a/1주(1월 4일)/1주차_리눅스 커널 모듈 프로그래밍_송인호_PPT.pptx
+++ b/1주(1월 4일)/1주차_리눅스 커널 모듈 프로그래밍_송인호_PPT.pptx
@@ -5,10 +5,10 @@
     <p:sldMasterId id="2147483648" r:id="rId1"/>
   </p:sldMasterIdLst>
   <p:notesMasterIdLst>
-    <p:notesMasterId r:id="rId22"/>
+    <p:notesMasterId r:id="rId23"/>
   </p:notesMasterIdLst>
   <p:handoutMasterIdLst>
-    <p:handoutMasterId r:id="rId23"/>
+    <p:handoutMasterId r:id="rId24"/>
   </p:handoutMasterIdLst>
   <p:sldIdLst>
     <p:sldId id="256" r:id="rId2"/>
@@ -31,33 +31,34 @@
     <p:sldId id="392" r:id="rId19"/>
     <p:sldId id="391" r:id="rId20"/>
     <p:sldId id="389" r:id="rId21"/>
+    <p:sldId id="406" r:id="rId22"/>
   </p:sldIdLst>
   <p:sldSz cx="12192000" cy="6858000"/>
   <p:notesSz cx="6858000" cy="9144000"/>
   <p:embeddedFontLst>
     <p:embeddedFont>
       <p:font typeface="Arial Unicode MS" panose="020B0600000101010101" charset="-127"/>
-      <p:regular r:id="rId24"/>
+      <p:regular r:id="rId25"/>
     </p:embeddedFont>
     <p:embeddedFont>
       <p:font typeface="Abadi" panose="020B0604020104020204" pitchFamily="34" charset="0"/>
-      <p:regular r:id="rId25"/>
+      <p:regular r:id="rId26"/>
     </p:embeddedFont>
     <p:embeddedFont>
       <p:font typeface="Abadi Extra Light" panose="020B0204020104020204" pitchFamily="34" charset="0"/>
-      <p:regular r:id="rId26"/>
+      <p:regular r:id="rId27"/>
     </p:embeddedFont>
     <p:embeddedFont>
       <p:font typeface="Consolas" panose="020B0609020204030204" pitchFamily="49" charset="0"/>
-      <p:regular r:id="rId27"/>
-      <p:bold r:id="rId28"/>
-      <p:italic r:id="rId29"/>
-      <p:boldItalic r:id="rId30"/>
+      <p:regular r:id="rId28"/>
+      <p:bold r:id="rId29"/>
+      <p:italic r:id="rId30"/>
+      <p:boldItalic r:id="rId31"/>
     </p:embeddedFont>
     <p:embeddedFont>
       <p:font typeface="맑은 고딕" panose="020B0503020000020004" pitchFamily="50" charset="-127"/>
-      <p:regular r:id="rId31"/>
-      <p:bold r:id="rId32"/>
+      <p:regular r:id="rId32"/>
+      <p:bold r:id="rId33"/>
     </p:embeddedFont>
   </p:embeddedFontLst>
   <p:defaultTextStyle>
@@ -283,7 +284,7 @@
             <a:fld id="{B51A83DE-AF99-494F-AAE3-907AA03ADC39}" type="datetimeFigureOut">
               <a:rPr lang="ko-KR" altLang="en-US" smtClean="0"/>
               <a:pPr/>
-              <a:t>2022-01-04</a:t>
+              <a:t>2022-01-14</a:t>
             </a:fld>
             <a:endParaRPr lang="ko-KR" altLang="en-US"/>
           </a:p>
@@ -445,7 +446,7 @@
             <a:fld id="{D81EF7C4-A33B-414D-829E-A61F96A6D703}" type="datetimeFigureOut">
               <a:rPr lang="ko-KR" altLang="en-US" smtClean="0"/>
               <a:pPr/>
-              <a:t>2022-01-04</a:t>
+              <a:t>2022-01-14</a:t>
             </a:fld>
             <a:endParaRPr lang="ko-KR" altLang="en-US"/>
           </a:p>
@@ -843,7 +844,7 @@
             <a:fld id="{F3D7A04C-A64A-4323-9CC5-0E9C6E58A8BB}" type="datetime1">
               <a:rPr lang="ko-KR" altLang="en-US" smtClean="0"/>
               <a:pPr/>
-              <a:t>2022-01-04</a:t>
+              <a:t>2022-01-14</a:t>
             </a:fld>
             <a:endParaRPr lang="ko-KR" altLang="en-US"/>
           </a:p>
@@ -1027,7 +1028,7 @@
             <a:fld id="{A74F0536-4F9B-4DD7-8287-92845118F792}" type="datetime1">
               <a:rPr lang="ko-KR" altLang="en-US" smtClean="0"/>
               <a:pPr/>
-              <a:t>2022-01-04</a:t>
+              <a:t>2022-01-14</a:t>
             </a:fld>
             <a:endParaRPr lang="ko-KR" altLang="en-US"/>
           </a:p>
@@ -1207,7 +1208,7 @@
             <a:fld id="{55B1347D-D6DB-4AB5-9F25-7D929946A1B6}" type="datetime1">
               <a:rPr lang="ko-KR" altLang="en-US" smtClean="0"/>
               <a:pPr/>
-              <a:t>2022-01-04</a:t>
+              <a:t>2022-01-14</a:t>
             </a:fld>
             <a:endParaRPr lang="ko-KR" altLang="en-US"/>
           </a:p>
@@ -1377,7 +1378,7 @@
             <a:fld id="{07C70759-0479-4E27-B846-1B7C6E1FE6CB}" type="datetime1">
               <a:rPr lang="ko-KR" altLang="en-US" smtClean="0"/>
               <a:pPr/>
-              <a:t>2022-01-04</a:t>
+              <a:t>2022-01-14</a:t>
             </a:fld>
             <a:endParaRPr lang="ko-KR" altLang="en-US"/>
           </a:p>
@@ -1638,7 +1639,7 @@
             <a:fld id="{0AB8AEFE-2CD9-495C-850B-614E6B7CE2E4}" type="datetime1">
               <a:rPr lang="ko-KR" altLang="en-US" smtClean="0"/>
               <a:pPr/>
-              <a:t>2022-01-04</a:t>
+              <a:t>2022-01-14</a:t>
             </a:fld>
             <a:endParaRPr lang="ko-KR" altLang="en-US"/>
           </a:p>
@@ -1869,7 +1870,7 @@
             <a:fld id="{FE7118A3-8C65-478F-B95E-464E9A48C77F}" type="datetime1">
               <a:rPr lang="ko-KR" altLang="en-US" smtClean="0"/>
               <a:pPr/>
-              <a:t>2022-01-04</a:t>
+              <a:t>2022-01-14</a:t>
             </a:fld>
             <a:endParaRPr lang="ko-KR" altLang="en-US"/>
           </a:p>
@@ -2235,7 +2236,7 @@
             <a:fld id="{C6946A61-C994-415E-A510-5B968A042DBA}" type="datetime1">
               <a:rPr lang="ko-KR" altLang="en-US" smtClean="0"/>
               <a:pPr/>
-              <a:t>2022-01-04</a:t>
+              <a:t>2022-01-14</a:t>
             </a:fld>
             <a:endParaRPr lang="ko-KR" altLang="en-US"/>
           </a:p>
@@ -2354,7 +2355,7 @@
             <a:fld id="{04AEB3A9-199C-4C16-B82B-89BEAFBFC022}" type="datetime1">
               <a:rPr lang="ko-KR" altLang="en-US" smtClean="0"/>
               <a:pPr/>
-              <a:t>2022-01-04</a:t>
+              <a:t>2022-01-14</a:t>
             </a:fld>
             <a:endParaRPr lang="ko-KR" altLang="en-US"/>
           </a:p>
@@ -2451,7 +2452,7 @@
             <a:fld id="{686ACD51-74E8-4509-8D57-6F78E95ED37B}" type="datetime1">
               <a:rPr lang="ko-KR" altLang="en-US" smtClean="0"/>
               <a:pPr/>
-              <a:t>2022-01-04</a:t>
+              <a:t>2022-01-14</a:t>
             </a:fld>
             <a:endParaRPr lang="ko-KR" altLang="en-US"/>
           </a:p>
@@ -2728,7 +2729,7 @@
             <a:fld id="{0A409355-F6EB-4A58-9ABD-7558D5471129}" type="datetime1">
               <a:rPr lang="ko-KR" altLang="en-US" smtClean="0"/>
               <a:pPr/>
-              <a:t>2022-01-04</a:t>
+              <a:t>2022-01-14</a:t>
             </a:fld>
             <a:endParaRPr lang="ko-KR" altLang="en-US"/>
           </a:p>
@@ -2982,7 +2983,7 @@
             <a:fld id="{B750D34A-D13F-45B3-B551-21085435E0DC}" type="datetime1">
               <a:rPr lang="ko-KR" altLang="en-US" smtClean="0"/>
               <a:pPr/>
-              <a:t>2022-01-04</a:t>
+              <a:t>2022-01-14</a:t>
             </a:fld>
             <a:endParaRPr lang="ko-KR" altLang="en-US"/>
           </a:p>
@@ -3195,7 +3196,7 @@
             <a:fld id="{2C7B58D9-A5E4-48A0-A7C7-B27EC5C360A2}" type="datetime1">
               <a:rPr lang="ko-KR" altLang="en-US" smtClean="0"/>
               <a:pPr/>
-              <a:t>2022-01-04</a:t>
+              <a:t>2022-01-14</a:t>
             </a:fld>
             <a:endParaRPr lang="ko-KR" altLang="en-US"/>
           </a:p>
@@ -10787,31 +10788,6 @@
       </p:grpSpPr>
       <p:sp>
         <p:nvSpPr>
-          <p:cNvPr id="2" name="제목 1">
-            <a:extLst>
-              <a:ext uri="{FF2B5EF4-FFF2-40B4-BE49-F238E27FC236}">
-                <a16:creationId xmlns:a16="http://schemas.microsoft.com/office/drawing/2014/main" id="{64244C8C-A388-458E-80CE-EC0B3D47DAD6}"/>
-              </a:ext>
-            </a:extLst>
-          </p:cNvPr>
-          <p:cNvSpPr>
-            <a:spLocks noGrp="1"/>
-          </p:cNvSpPr>
-          <p:nvPr>
-            <p:ph type="title"/>
-          </p:nvPr>
-        </p:nvSpPr>
-        <p:spPr/>
-        <p:txBody>
-          <a:bodyPr/>
-          <a:lstStyle/>
-          <a:p>
-            <a:endParaRPr lang="ko-KR" altLang="en-US"/>
-          </a:p>
-        </p:txBody>
-      </p:sp>
-      <p:sp>
-        <p:nvSpPr>
           <p:cNvPr id="3" name="내용 개체 틀 2">
             <a:extLst>
               <a:ext uri="{FF2B5EF4-FFF2-40B4-BE49-F238E27FC236}">
@@ -10826,12 +10802,17 @@
             <p:ph idx="1"/>
           </p:nvPr>
         </p:nvSpPr>
-        <p:spPr/>
+        <p:spPr>
+          <a:xfrm>
+            <a:off x="854014" y="1052421"/>
+            <a:ext cx="10515600" cy="4351338"/>
+          </a:xfrm>
+        </p:spPr>
         <p:txBody>
           <a:bodyPr/>
           <a:lstStyle/>
           <a:p>
-            <a:endParaRPr lang="ko-KR" altLang="en-US"/>
+            <a:endParaRPr lang="ko-KR" altLang="en-US" dirty="0"/>
           </a:p>
         </p:txBody>
       </p:sp>
@@ -10865,10 +10846,319 @@
           </a:p>
         </p:txBody>
       </p:sp>
+      <p:sp>
+        <p:nvSpPr>
+          <p:cNvPr id="5" name="제목 1">
+            <a:extLst>
+              <a:ext uri="{FF2B5EF4-FFF2-40B4-BE49-F238E27FC236}">
+                <a16:creationId xmlns:a16="http://schemas.microsoft.com/office/drawing/2014/main" id="{DB6D50F9-8181-4717-821C-82DFDE09607D}"/>
+              </a:ext>
+            </a:extLst>
+          </p:cNvPr>
+          <p:cNvSpPr txBox="1">
+            <a:spLocks/>
+          </p:cNvSpPr>
+          <p:nvPr/>
+        </p:nvSpPr>
+        <p:spPr>
+          <a:xfrm>
+            <a:off x="838200" y="261966"/>
+            <a:ext cx="10515600" cy="669686"/>
+          </a:xfrm>
+          <a:prstGeom prst="rect">
+            <a:avLst/>
+          </a:prstGeom>
+        </p:spPr>
+        <p:txBody>
+          <a:bodyPr vert="horz" lIns="91440" tIns="45720" rIns="91440" bIns="45720" rtlCol="0" anchor="ctr">
+            <a:normAutofit/>
+          </a:bodyPr>
+          <a:lstStyle>
+            <a:lvl1pPr algn="l" defTabSz="914400" rtl="0" eaLnBrk="1" latinLnBrk="1" hangingPunct="1">
+              <a:lnSpc>
+                <a:spcPct val="90000"/>
+              </a:lnSpc>
+              <a:spcBef>
+                <a:spcPct val="0"/>
+              </a:spcBef>
+              <a:buNone/>
+              <a:defRPr sz="4400" kern="1200">
+                <a:solidFill>
+                  <a:schemeClr val="tx1"/>
+                </a:solidFill>
+                <a:latin typeface="+mj-lt"/>
+                <a:ea typeface="+mj-ea"/>
+                <a:cs typeface="+mj-cs"/>
+              </a:defRPr>
+            </a:lvl1pPr>
+          </a:lstStyle>
+          <a:p>
+            <a:pPr algn="ctr"/>
+            <a:r>
+              <a:rPr lang="en-US" altLang="ko-KR" sz="3200" dirty="0">
+                <a:solidFill>
+                  <a:srgbClr val="FF0000"/>
+                </a:solidFill>
+                <a:latin typeface="Arial" panose="020B0604020202020204" pitchFamily="34" charset="0"/>
+                <a:ea typeface="AppleSDGothicNeoM00" panose="02000503000000000000" pitchFamily="2" charset="-127"/>
+                <a:cs typeface="Arial" panose="020B0604020202020204" pitchFamily="34" charset="0"/>
+              </a:rPr>
+              <a:t>Appendix : Monolithic Kernel vs Micro Kernel</a:t>
+            </a:r>
+            <a:endParaRPr lang="ko-KR" altLang="en-US" sz="3200" dirty="0">
+              <a:solidFill>
+                <a:srgbClr val="FF0000"/>
+              </a:solidFill>
+              <a:latin typeface="Arial" panose="020B0604020202020204" pitchFamily="34" charset="0"/>
+              <a:ea typeface="AppleSDGothicNeoM00" panose="02000503000000000000" pitchFamily="2" charset="-127"/>
+              <a:cs typeface="Arial" panose="020B0604020202020204" pitchFamily="34" charset="0"/>
+            </a:endParaRPr>
+          </a:p>
+        </p:txBody>
+      </p:sp>
+      <p:cxnSp>
+        <p:nvCxnSpPr>
+          <p:cNvPr id="6" name="직선 연결선 5">
+            <a:extLst>
+              <a:ext uri="{FF2B5EF4-FFF2-40B4-BE49-F238E27FC236}">
+                <a16:creationId xmlns:a16="http://schemas.microsoft.com/office/drawing/2014/main" id="{2AF1AAF0-1915-4982-9798-561A855B397D}"/>
+              </a:ext>
+            </a:extLst>
+          </p:cNvPr>
+          <p:cNvCxnSpPr/>
+          <p:nvPr/>
+        </p:nvCxnSpPr>
+        <p:spPr>
+          <a:xfrm>
+            <a:off x="362309" y="992036"/>
+            <a:ext cx="11499011" cy="0"/>
+          </a:xfrm>
+          <a:prstGeom prst="line">
+            <a:avLst/>
+          </a:prstGeom>
+          <a:ln/>
+        </p:spPr>
+        <p:style>
+          <a:lnRef idx="3">
+            <a:schemeClr val="dk1"/>
+          </a:lnRef>
+          <a:fillRef idx="0">
+            <a:schemeClr val="dk1"/>
+          </a:fillRef>
+          <a:effectRef idx="2">
+            <a:schemeClr val="dk1"/>
+          </a:effectRef>
+          <a:fontRef idx="minor">
+            <a:schemeClr val="tx1"/>
+          </a:fontRef>
+        </p:style>
+      </p:cxnSp>
+      <p:pic>
+        <p:nvPicPr>
+          <p:cNvPr id="1026" name="Picture 2">
+            <a:extLst>
+              <a:ext uri="{FF2B5EF4-FFF2-40B4-BE49-F238E27FC236}">
+                <a16:creationId xmlns:a16="http://schemas.microsoft.com/office/drawing/2014/main" id="{9AD1DDA9-3AFE-4A16-B652-E0AAEE57A31B}"/>
+              </a:ext>
+            </a:extLst>
+          </p:cNvPr>
+          <p:cNvPicPr>
+            <a:picLocks noChangeAspect="1" noChangeArrowheads="1"/>
+          </p:cNvPicPr>
+          <p:nvPr/>
+        </p:nvPicPr>
+        <p:blipFill>
+          <a:blip r:embed="rId2">
+            <a:extLst>
+              <a:ext uri="{28A0092B-C50C-407E-A947-70E740481C1C}">
+                <a14:useLocalDpi xmlns:a14="http://schemas.microsoft.com/office/drawing/2010/main" val="0"/>
+              </a:ext>
+            </a:extLst>
+          </a:blip>
+          <a:srcRect/>
+          <a:stretch>
+            <a:fillRect/>
+          </a:stretch>
+        </p:blipFill>
+        <p:spPr bwMode="auto">
+          <a:xfrm>
+            <a:off x="2063890" y="1573765"/>
+            <a:ext cx="8095847" cy="4630824"/>
+          </a:xfrm>
+          <a:prstGeom prst="rect">
+            <a:avLst/>
+          </a:prstGeom>
+          <a:noFill/>
+          <a:extLst>
+            <a:ext uri="{909E8E84-426E-40DD-AFC4-6F175D3DCCD1}">
+              <a14:hiddenFill xmlns:a14="http://schemas.microsoft.com/office/drawing/2010/main">
+                <a:solidFill>
+                  <a:srgbClr val="FFFFFF"/>
+                </a:solidFill>
+              </a14:hiddenFill>
+            </a:ext>
+          </a:extLst>
+        </p:spPr>
+      </p:pic>
+      <p:sp>
+        <p:nvSpPr>
+          <p:cNvPr id="9" name="TextBox 8">
+            <a:extLst>
+              <a:ext uri="{FF2B5EF4-FFF2-40B4-BE49-F238E27FC236}">
+                <a16:creationId xmlns:a16="http://schemas.microsoft.com/office/drawing/2014/main" id="{92851645-CCB5-48B3-8FB4-07AB9D650590}"/>
+              </a:ext>
+            </a:extLst>
+          </p:cNvPr>
+          <p:cNvSpPr txBox="1"/>
+          <p:nvPr/>
+        </p:nvSpPr>
+        <p:spPr>
+          <a:xfrm>
+            <a:off x="6096000" y="6204589"/>
+            <a:ext cx="6300627" cy="646331"/>
+          </a:xfrm>
+          <a:prstGeom prst="rect">
+            <a:avLst/>
+          </a:prstGeom>
+          <a:noFill/>
+        </p:spPr>
+        <p:txBody>
+          <a:bodyPr wrap="square">
+            <a:spAutoFit/>
+          </a:bodyPr>
+          <a:lstStyle/>
+          <a:p>
+            <a:r>
+              <a:rPr lang="ko-KR" altLang="en-US" dirty="0"/>
+              <a:t> </a:t>
+            </a:r>
+            <a:r>
+              <a:rPr lang="ko-KR" altLang="en-US" dirty="0">
+                <a:hlinkClick r:id="rId3"/>
+              </a:rPr>
+              <a:t>https://medium.com/@shrimantshubham/what-is-kernel-microkernel-and-monolithic-kernel-66c6de358b43</a:t>
+            </a:r>
+            <a:r>
+              <a:rPr lang="ko-KR" altLang="en-US" dirty="0"/>
+              <a:t> </a:t>
+            </a:r>
+          </a:p>
+        </p:txBody>
+      </p:sp>
     </p:spTree>
     <p:extLst>
       <p:ext uri="{BB962C8B-B14F-4D97-AF65-F5344CB8AC3E}">
         <p14:creationId xmlns:p14="http://schemas.microsoft.com/office/powerpoint/2010/main" val="516677173"/>
+      </p:ext>
+    </p:extLst>
+  </p:cSld>
+  <p:clrMapOvr>
+    <a:masterClrMapping/>
+  </p:clrMapOvr>
+</p:sld>
+</file>
+
+<file path=ppt/slides/slide21.xml><?xml version="1.0" encoding="utf-8"?>
+<p:sld xmlns:a="http://schemas.openxmlformats.org/drawingml/2006/main" xmlns:r="http://schemas.openxmlformats.org/officeDocument/2006/relationships" xmlns:p="http://schemas.openxmlformats.org/presentationml/2006/main">
+  <p:cSld>
+    <p:spTree>
+      <p:nvGrpSpPr>
+        <p:cNvPr id="1" name=""/>
+        <p:cNvGrpSpPr/>
+        <p:nvPr/>
+      </p:nvGrpSpPr>
+      <p:grpSpPr>
+        <a:xfrm>
+          <a:off x="0" y="0"/>
+          <a:ext cx="0" cy="0"/>
+          <a:chOff x="0" y="0"/>
+          <a:chExt cx="0" cy="0"/>
+        </a:xfrm>
+      </p:grpSpPr>
+      <p:sp>
+        <p:nvSpPr>
+          <p:cNvPr id="2" name="제목 1">
+            <a:extLst>
+              <a:ext uri="{FF2B5EF4-FFF2-40B4-BE49-F238E27FC236}">
+                <a16:creationId xmlns:a16="http://schemas.microsoft.com/office/drawing/2014/main" id="{AC8A04EF-A3A4-4CA8-B69F-FD5E4736D506}"/>
+              </a:ext>
+            </a:extLst>
+          </p:cNvPr>
+          <p:cNvSpPr>
+            <a:spLocks noGrp="1"/>
+          </p:cNvSpPr>
+          <p:nvPr>
+            <p:ph type="title"/>
+          </p:nvPr>
+        </p:nvSpPr>
+        <p:spPr/>
+        <p:txBody>
+          <a:bodyPr/>
+          <a:lstStyle/>
+          <a:p>
+            <a:endParaRPr lang="ko-KR" altLang="en-US"/>
+          </a:p>
+        </p:txBody>
+      </p:sp>
+      <p:sp>
+        <p:nvSpPr>
+          <p:cNvPr id="3" name="내용 개체 틀 2">
+            <a:extLst>
+              <a:ext uri="{FF2B5EF4-FFF2-40B4-BE49-F238E27FC236}">
+                <a16:creationId xmlns:a16="http://schemas.microsoft.com/office/drawing/2014/main" id="{B2636534-45C4-40AC-8AFE-19632EBA6F34}"/>
+              </a:ext>
+            </a:extLst>
+          </p:cNvPr>
+          <p:cNvSpPr>
+            <a:spLocks noGrp="1"/>
+          </p:cNvSpPr>
+          <p:nvPr>
+            <p:ph idx="1"/>
+          </p:nvPr>
+        </p:nvSpPr>
+        <p:spPr/>
+        <p:txBody>
+          <a:bodyPr/>
+          <a:lstStyle/>
+          <a:p>
+            <a:endParaRPr lang="ko-KR" altLang="en-US"/>
+          </a:p>
+        </p:txBody>
+      </p:sp>
+      <p:sp>
+        <p:nvSpPr>
+          <p:cNvPr id="4" name="슬라이드 번호 개체 틀 3">
+            <a:extLst>
+              <a:ext uri="{FF2B5EF4-FFF2-40B4-BE49-F238E27FC236}">
+                <a16:creationId xmlns:a16="http://schemas.microsoft.com/office/drawing/2014/main" id="{A7897984-3502-449B-9D9C-A46A28AE55C9}"/>
+              </a:ext>
+            </a:extLst>
+          </p:cNvPr>
+          <p:cNvSpPr>
+            <a:spLocks noGrp="1"/>
+          </p:cNvSpPr>
+          <p:nvPr>
+            <p:ph type="sldNum" sz="quarter" idx="12"/>
+          </p:nvPr>
+        </p:nvSpPr>
+        <p:spPr/>
+        <p:txBody>
+          <a:bodyPr/>
+          <a:lstStyle/>
+          <a:p>
+            <a:fld id="{A8B9FC14-406C-4F77-A652-54400BDED16B}" type="slidenum">
+              <a:rPr lang="ko-KR" altLang="en-US" smtClean="0"/>
+              <a:pPr/>
+              <a:t>21</a:t>
+            </a:fld>
+            <a:endParaRPr lang="ko-KR" altLang="en-US"/>
+          </a:p>
+        </p:txBody>
+      </p:sp>
+    </p:spTree>
+    <p:extLst>
+      <p:ext uri="{BB962C8B-B14F-4D97-AF65-F5344CB8AC3E}">
+        <p14:creationId xmlns:p14="http://schemas.microsoft.com/office/powerpoint/2010/main" val="286241843"/>
       </p:ext>
     </p:extLst>
   </p:cSld>
